--- a/Slide Đồ Án.pptx
+++ b/Slide Đồ Án.pptx
@@ -235,7 +235,7 @@
           <a:p>
             <a:fld id="{83B34AEF-5253-4C7C-8308-D2F50E48F55C}" type="datetimeFigureOut">
               <a:rPr lang="en-US" smtClean="0"/>
-              <a:t>29/9/2022</a:t>
+              <a:t>19/11/2022</a:t>
             </a:fld>
             <a:endParaRPr lang="en-US"/>
           </a:p>
@@ -401,7 +401,7 @@
           <a:p>
             <a:fld id="{66CC5DAF-E163-4CEB-A6BC-218A61322C16}" type="datetimeFigureOut">
               <a:rPr lang="en-US" smtClean="0"/>
-              <a:t>29/9/2022</a:t>
+              <a:t>19/11/2022</a:t>
             </a:fld>
             <a:endParaRPr lang="en-US"/>
           </a:p>
@@ -941,7 +941,7 @@
           <a:p>
             <a:fld id="{FED54DB5-673A-4636-AFF8-29F335A6FA62}" type="datetime1">
               <a:rPr lang="en-US" smtClean="0"/>
-              <a:t>29/9/2022</a:t>
+              <a:t>19/11/2022</a:t>
             </a:fld>
             <a:endParaRPr lang="en-US"/>
           </a:p>
@@ -1275,7 +1275,7 @@
           <a:p>
             <a:fld id="{DAC83B04-5E66-4FA1-B8A2-3DE2FE9F2B0A}" type="datetime1">
               <a:rPr lang="en-US" smtClean="0"/>
-              <a:t>29/9/2022</a:t>
+              <a:t>19/11/2022</a:t>
             </a:fld>
             <a:endParaRPr lang="en-US"/>
           </a:p>
@@ -1672,7 +1672,7 @@
           <a:p>
             <a:fld id="{80DD4BEF-E0EF-4D96-AD2E-5DBA9A703E4F}" type="datetime1">
               <a:rPr lang="en-US" smtClean="0"/>
-              <a:t>29/9/2022</a:t>
+              <a:t>19/11/2022</a:t>
             </a:fld>
             <a:endParaRPr lang="en-US"/>
           </a:p>
@@ -2003,7 +2003,7 @@
           <a:p>
             <a:fld id="{8A51AD9F-8A28-4BAA-9B78-8DE2DFAAA292}" type="datetime1">
               <a:rPr lang="en-US" smtClean="0"/>
-              <a:t>29/9/2022</a:t>
+              <a:t>19/11/2022</a:t>
             </a:fld>
             <a:endParaRPr lang="en-US"/>
           </a:p>
@@ -2319,7 +2319,7 @@
           <a:p>
             <a:fld id="{1F0DB61A-BF95-4706-82B9-A7946B2837B7}" type="datetime1">
               <a:rPr lang="en-US" smtClean="0"/>
-              <a:t>29/9/2022</a:t>
+              <a:t>19/11/2022</a:t>
             </a:fld>
             <a:endParaRPr lang="en-US"/>
           </a:p>
@@ -2711,7 +2711,7 @@
           <a:p>
             <a:fld id="{D8D10EF8-D638-4CE9-AC6C-93AF8BD5E0EC}" type="datetime1">
               <a:rPr lang="en-US" smtClean="0"/>
-              <a:t>29/9/2022</a:t>
+              <a:t>19/11/2022</a:t>
             </a:fld>
             <a:endParaRPr lang="en-US"/>
           </a:p>
@@ -2964,7 +2964,7 @@
           <a:p>
             <a:fld id="{2F88B057-60AF-4915-A136-84FCD3E9BF71}" type="datetime1">
               <a:rPr lang="en-US" smtClean="0"/>
-              <a:t>29/9/2022</a:t>
+              <a:t>19/11/2022</a:t>
             </a:fld>
             <a:endParaRPr lang="en-US"/>
           </a:p>
@@ -3222,7 +3222,7 @@
           <a:p>
             <a:fld id="{F28A16F0-5D5D-4514-BFF9-33A3DBB98C88}" type="datetime1">
               <a:rPr lang="en-US" smtClean="0"/>
-              <a:t>29/9/2022</a:t>
+              <a:t>19/11/2022</a:t>
             </a:fld>
             <a:endParaRPr lang="en-US"/>
           </a:p>
@@ -3480,7 +3480,7 @@
           <a:p>
             <a:fld id="{EDB4F194-0CCC-466A-9E2C-F5AD4F8D9A71}" type="datetime1">
               <a:rPr lang="en-US" smtClean="0"/>
-              <a:t>29/9/2022</a:t>
+              <a:t>19/11/2022</a:t>
             </a:fld>
             <a:endParaRPr lang="en-US"/>
           </a:p>
@@ -3805,7 +3805,7 @@
           <a:p>
             <a:fld id="{2B308A1F-2323-4505-B5C9-51623BDDACBF}" type="datetime1">
               <a:rPr lang="en-US" smtClean="0"/>
-              <a:t>29/9/2022</a:t>
+              <a:t>19/11/2022</a:t>
             </a:fld>
             <a:endParaRPr lang="en-US"/>
           </a:p>
@@ -4124,7 +4124,7 @@
           <a:p>
             <a:fld id="{8951F2F1-94D6-43EF-BCC3-37286E99D9C9}" type="datetime1">
               <a:rPr lang="en-US" smtClean="0"/>
-              <a:t>29/9/2022</a:t>
+              <a:t>19/11/2022</a:t>
             </a:fld>
             <a:endParaRPr lang="en-US"/>
           </a:p>
@@ -4577,7 +4577,7 @@
           <a:p>
             <a:fld id="{EAB1D0F9-EA2D-4D57-8B45-483E3BFEBAA6}" type="datetime1">
               <a:rPr lang="en-US" smtClean="0"/>
-              <a:t>29/9/2022</a:t>
+              <a:t>19/11/2022</a:t>
             </a:fld>
             <a:endParaRPr lang="en-US"/>
           </a:p>
@@ -4778,7 +4778,7 @@
           <a:p>
             <a:fld id="{2D4C4AAE-58DC-4723-98C0-BEBE437A4D1F}" type="datetime1">
               <a:rPr lang="en-US" smtClean="0"/>
-              <a:t>29/9/2022</a:t>
+              <a:t>19/11/2022</a:t>
             </a:fld>
             <a:endParaRPr lang="en-US"/>
           </a:p>
@@ -4951,7 +4951,7 @@
           <a:p>
             <a:fld id="{001EF59C-3C04-4F1A-9D04-3E886595A741}" type="datetime1">
               <a:rPr lang="en-US" smtClean="0"/>
-              <a:t>29/9/2022</a:t>
+              <a:t>19/11/2022</a:t>
             </a:fld>
             <a:endParaRPr lang="en-US"/>
           </a:p>
@@ -5280,7 +5280,7 @@
           <a:p>
             <a:fld id="{FEC6D736-7BFD-4FC8-BBB7-87AFB0FFDCE9}" type="datetime1">
               <a:rPr lang="en-US" smtClean="0"/>
-              <a:t>29/9/2022</a:t>
+              <a:t>19/11/2022</a:t>
             </a:fld>
             <a:endParaRPr lang="en-US"/>
           </a:p>
@@ -5620,7 +5620,7 @@
           <a:p>
             <a:fld id="{E6B6E6B1-62AB-4B3D-87FF-F7D5BB21D0E2}" type="datetime1">
               <a:rPr lang="en-US" smtClean="0"/>
-              <a:t>29/9/2022</a:t>
+              <a:t>19/11/2022</a:t>
             </a:fld>
             <a:endParaRPr lang="en-US"/>
           </a:p>
@@ -7733,7 +7733,7 @@
           <a:p>
             <a:fld id="{5B34A952-EE9C-4D4A-AA2F-052B208ABA61}" type="datetime1">
               <a:rPr lang="en-US" smtClean="0"/>
-              <a:t>29/9/2022</a:t>
+              <a:t>19/11/2022</a:t>
             </a:fld>
             <a:endParaRPr lang="en-US"/>
           </a:p>
@@ -11607,35 +11607,26 @@
       </p:sp>
       <p:pic>
         <p:nvPicPr>
-          <p:cNvPr id="13" name="Picture 12" descr="C:\Users\Admin\AppData\Local\Microsoft\Windows\INetCacheContent.Word\dgf.png"/>
-          <p:cNvPicPr/>
+          <p:cNvPr id="2" name="Picture 1"/>
+          <p:cNvPicPr>
+            <a:picLocks noChangeAspect="1"/>
+          </p:cNvPicPr>
           <p:nvPr/>
         </p:nvPicPr>
         <p:blipFill>
-          <a:blip r:embed="rId4">
-            <a:extLst>
-              <a:ext uri="{28A0092B-C50C-407E-A947-70E740481C1C}">
-                <a14:useLocalDpi xmlns:a14="http://schemas.microsoft.com/office/drawing/2010/main" val="0"/>
-              </a:ext>
-            </a:extLst>
-          </a:blip>
-          <a:srcRect/>
+          <a:blip r:embed="rId4"/>
           <a:stretch>
             <a:fillRect/>
           </a:stretch>
         </p:blipFill>
-        <p:spPr bwMode="auto">
+        <p:spPr>
           <a:xfrm>
-            <a:off x="2051222" y="1956752"/>
-            <a:ext cx="7512907" cy="4011562"/>
+            <a:off x="2224567" y="1901737"/>
+            <a:ext cx="7626252" cy="4078933"/>
           </a:xfrm>
           <a:prstGeom prst="rect">
             <a:avLst/>
           </a:prstGeom>
-          <a:noFill/>
-          <a:ln>
-            <a:noFill/>
-          </a:ln>
         </p:spPr>
       </p:pic>
     </p:spTree>

--- a/Slide Đồ Án.pptx
+++ b/Slide Đồ Án.pptx
@@ -235,7 +235,7 @@
           <a:p>
             <a:fld id="{83B34AEF-5253-4C7C-8308-D2F50E48F55C}" type="datetimeFigureOut">
               <a:rPr lang="en-US" smtClean="0"/>
-              <a:t>19/11/2022</a:t>
+              <a:t>6/12/2022</a:t>
             </a:fld>
             <a:endParaRPr lang="en-US"/>
           </a:p>
@@ -401,7 +401,7 @@
           <a:p>
             <a:fld id="{66CC5DAF-E163-4CEB-A6BC-218A61322C16}" type="datetimeFigureOut">
               <a:rPr lang="en-US" smtClean="0"/>
-              <a:t>19/11/2022</a:t>
+              <a:t>6/12/2022</a:t>
             </a:fld>
             <a:endParaRPr lang="en-US"/>
           </a:p>
@@ -753,6 +753,406 @@
 </p:notes>
 </file>
 
+<file path=ppt/notesSlides/notesSlide2.xml><?xml version="1.0" encoding="utf-8"?>
+<p:notes xmlns:a="http://schemas.openxmlformats.org/drawingml/2006/main" xmlns:r="http://schemas.openxmlformats.org/officeDocument/2006/relationships" xmlns:p="http://schemas.openxmlformats.org/presentationml/2006/main">
+  <p:cSld>
+    <p:spTree>
+      <p:nvGrpSpPr>
+        <p:cNvPr id="1" name=""/>
+        <p:cNvGrpSpPr/>
+        <p:nvPr/>
+      </p:nvGrpSpPr>
+      <p:grpSpPr>
+        <a:xfrm>
+          <a:off x="0" y="0"/>
+          <a:ext cx="0" cy="0"/>
+          <a:chOff x="0" y="0"/>
+          <a:chExt cx="0" cy="0"/>
+        </a:xfrm>
+      </p:grpSpPr>
+      <p:sp>
+        <p:nvSpPr>
+          <p:cNvPr id="2" name="Slide Image Placeholder 1"/>
+          <p:cNvSpPr>
+            <a:spLocks noGrp="1" noRot="1" noChangeAspect="1"/>
+          </p:cNvSpPr>
+          <p:nvPr>
+            <p:ph type="sldImg"/>
+          </p:nvPr>
+        </p:nvSpPr>
+        <p:spPr/>
+      </p:sp>
+      <p:sp>
+        <p:nvSpPr>
+          <p:cNvPr id="3" name="Notes Placeholder 2"/>
+          <p:cNvSpPr>
+            <a:spLocks noGrp="1"/>
+          </p:cNvSpPr>
+          <p:nvPr>
+            <p:ph type="body" idx="1"/>
+          </p:nvPr>
+        </p:nvSpPr>
+        <p:spPr/>
+        <p:txBody>
+          <a:bodyPr/>
+          <a:lstStyle/>
+          <a:p>
+            <a:r>
+              <a:rPr lang="en-US"/>
+              <a:t>- Biểu</a:t>
+            </a:r>
+            <a:r>
+              <a:rPr lang="en-US" baseline="0"/>
+              <a:t> đồ luồng dữ liệu (Data Flow Diagram) là một kỹ thuật để biểu diễn luồng thông tin vào ra của một chức năng trong hệ thống.</a:t>
+            </a:r>
+          </a:p>
+          <a:p>
+            <a:r>
+              <a:rPr lang="en-US" baseline="0"/>
+              <a:t>- Các thành phần biểu đồ luồng dữ liệu bao gồm: Các chức năng cần xử lý, Luồng dữ liệu, Kho dữ liệu, Tác nhân (bao gồm tác nhân trong và tác nhân ngoài)</a:t>
+            </a:r>
+          </a:p>
+          <a:p>
+            <a:pPr marL="0" indent="0">
+              <a:buFontTx/>
+              <a:buNone/>
+            </a:pPr>
+            <a:r>
+              <a:rPr lang="en-US" baseline="0"/>
+              <a:t>- Biểu đồ luồng dữ liệu có thể được dùng để biểu diễn cho một hệ thống hay một phần mềm ở bất kỳ mức nào, từ tổng quát đến chi tiết. Trong thực tế, DFD có thể phân chia thành nhiều mức biểu diễn.</a:t>
+            </a:r>
+          </a:p>
+          <a:p>
+            <a:pPr marL="0" indent="0">
+              <a:buFontTx/>
+              <a:buNone/>
+            </a:pPr>
+            <a:r>
+              <a:rPr lang="en-US" baseline="0"/>
+              <a:t>- Các ký hiệu được sử dụng trong biểu đồ luồng dữ liệu như sau:</a:t>
+            </a:r>
+          </a:p>
+          <a:p>
+            <a:pPr marL="0" indent="0">
+              <a:buFontTx/>
+              <a:buNone/>
+            </a:pPr>
+            <a:r>
+              <a:rPr lang="en-US" baseline="0"/>
+              <a:t>+ Tác nhân: hình chữ nhật</a:t>
+            </a:r>
+          </a:p>
+          <a:p>
+            <a:pPr marL="0" indent="0">
+              <a:buFontTx/>
+              <a:buNone/>
+            </a:pPr>
+            <a:r>
+              <a:rPr lang="en-US" baseline="0"/>
+              <a:t>+ Kho dữ liệu: hai đường thẳng song song</a:t>
+            </a:r>
+          </a:p>
+          <a:p>
+            <a:pPr marL="0" indent="0">
+              <a:buFontTx/>
+              <a:buNone/>
+            </a:pPr>
+            <a:r>
+              <a:rPr lang="en-US" baseline="0"/>
+              <a:t>+ Tiến trình: hình oval</a:t>
+            </a:r>
+          </a:p>
+          <a:p>
+            <a:pPr marL="0" indent="0">
+              <a:buFontTx/>
+              <a:buNone/>
+            </a:pPr>
+            <a:r>
+              <a:rPr lang="en-US" baseline="0"/>
+              <a:t>+ Luồng dữ liệu: hình mũi tên</a:t>
+            </a:r>
+          </a:p>
+        </p:txBody>
+      </p:sp>
+      <p:sp>
+        <p:nvSpPr>
+          <p:cNvPr id="4" name="Slide Number Placeholder 3"/>
+          <p:cNvSpPr>
+            <a:spLocks noGrp="1"/>
+          </p:cNvSpPr>
+          <p:nvPr>
+            <p:ph type="sldNum" sz="quarter" idx="10"/>
+          </p:nvPr>
+        </p:nvSpPr>
+        <p:spPr/>
+        <p:txBody>
+          <a:bodyPr/>
+          <a:lstStyle/>
+          <a:p>
+            <a:fld id="{62D0C256-E677-4681-984D-C03E4A440090}" type="slidenum">
+              <a:rPr lang="en-US" smtClean="0"/>
+              <a:t>2</a:t>
+            </a:fld>
+            <a:endParaRPr lang="en-US"/>
+          </a:p>
+        </p:txBody>
+      </p:sp>
+    </p:spTree>
+    <p:extLst>
+      <p:ext uri="{BB962C8B-B14F-4D97-AF65-F5344CB8AC3E}">
+        <p14:creationId xmlns:p14="http://schemas.microsoft.com/office/powerpoint/2010/main" val="1042786289"/>
+      </p:ext>
+    </p:extLst>
+  </p:cSld>
+  <p:clrMapOvr>
+    <a:masterClrMapping/>
+  </p:clrMapOvr>
+</p:notes>
+</file>
+
+<file path=ppt/notesSlides/notesSlide3.xml><?xml version="1.0" encoding="utf-8"?>
+<p:notes xmlns:a="http://schemas.openxmlformats.org/drawingml/2006/main" xmlns:r="http://schemas.openxmlformats.org/officeDocument/2006/relationships" xmlns:p="http://schemas.openxmlformats.org/presentationml/2006/main">
+  <p:cSld>
+    <p:spTree>
+      <p:nvGrpSpPr>
+        <p:cNvPr id="1" name=""/>
+        <p:cNvGrpSpPr/>
+        <p:nvPr/>
+      </p:nvGrpSpPr>
+      <p:grpSpPr>
+        <a:xfrm>
+          <a:off x="0" y="0"/>
+          <a:ext cx="0" cy="0"/>
+          <a:chOff x="0" y="0"/>
+          <a:chExt cx="0" cy="0"/>
+        </a:xfrm>
+      </p:grpSpPr>
+      <p:sp>
+        <p:nvSpPr>
+          <p:cNvPr id="2" name="Slide Image Placeholder 1"/>
+          <p:cNvSpPr>
+            <a:spLocks noGrp="1" noRot="1" noChangeAspect="1"/>
+          </p:cNvSpPr>
+          <p:nvPr>
+            <p:ph type="sldImg"/>
+          </p:nvPr>
+        </p:nvSpPr>
+        <p:spPr/>
+      </p:sp>
+      <p:sp>
+        <p:nvSpPr>
+          <p:cNvPr id="3" name="Notes Placeholder 2"/>
+          <p:cNvSpPr>
+            <a:spLocks noGrp="1"/>
+          </p:cNvSpPr>
+          <p:nvPr>
+            <p:ph type="body" idx="1"/>
+          </p:nvPr>
+        </p:nvSpPr>
+        <p:spPr/>
+        <p:txBody>
+          <a:bodyPr/>
+          <a:lstStyle/>
+          <a:p>
+            <a:endParaRPr lang="en-US"/>
+          </a:p>
+        </p:txBody>
+      </p:sp>
+      <p:sp>
+        <p:nvSpPr>
+          <p:cNvPr id="4" name="Slide Number Placeholder 3"/>
+          <p:cNvSpPr>
+            <a:spLocks noGrp="1"/>
+          </p:cNvSpPr>
+          <p:nvPr>
+            <p:ph type="sldNum" sz="quarter" idx="10"/>
+          </p:nvPr>
+        </p:nvSpPr>
+        <p:spPr/>
+        <p:txBody>
+          <a:bodyPr/>
+          <a:lstStyle/>
+          <a:p>
+            <a:fld id="{62D0C256-E677-4681-984D-C03E4A440090}" type="slidenum">
+              <a:rPr lang="en-US" smtClean="0"/>
+              <a:t>4</a:t>
+            </a:fld>
+            <a:endParaRPr lang="en-US"/>
+          </a:p>
+        </p:txBody>
+      </p:sp>
+    </p:spTree>
+    <p:extLst>
+      <p:ext uri="{BB962C8B-B14F-4D97-AF65-F5344CB8AC3E}">
+        <p14:creationId xmlns:p14="http://schemas.microsoft.com/office/powerpoint/2010/main" val="1418785442"/>
+      </p:ext>
+    </p:extLst>
+  </p:cSld>
+  <p:clrMapOvr>
+    <a:masterClrMapping/>
+  </p:clrMapOvr>
+</p:notes>
+</file>
+
+<file path=ppt/notesSlides/notesSlide4.xml><?xml version="1.0" encoding="utf-8"?>
+<p:notes xmlns:a="http://schemas.openxmlformats.org/drawingml/2006/main" xmlns:r="http://schemas.openxmlformats.org/officeDocument/2006/relationships" xmlns:p="http://schemas.openxmlformats.org/presentationml/2006/main">
+  <p:cSld>
+    <p:spTree>
+      <p:nvGrpSpPr>
+        <p:cNvPr id="1" name=""/>
+        <p:cNvGrpSpPr/>
+        <p:nvPr/>
+      </p:nvGrpSpPr>
+      <p:grpSpPr>
+        <a:xfrm>
+          <a:off x="0" y="0"/>
+          <a:ext cx="0" cy="0"/>
+          <a:chOff x="0" y="0"/>
+          <a:chExt cx="0" cy="0"/>
+        </a:xfrm>
+      </p:grpSpPr>
+      <p:sp>
+        <p:nvSpPr>
+          <p:cNvPr id="2" name="Slide Image Placeholder 1"/>
+          <p:cNvSpPr>
+            <a:spLocks noGrp="1" noRot="1" noChangeAspect="1"/>
+          </p:cNvSpPr>
+          <p:nvPr>
+            <p:ph type="sldImg"/>
+          </p:nvPr>
+        </p:nvSpPr>
+        <p:spPr/>
+      </p:sp>
+      <p:sp>
+        <p:nvSpPr>
+          <p:cNvPr id="3" name="Notes Placeholder 2"/>
+          <p:cNvSpPr>
+            <a:spLocks noGrp="1"/>
+          </p:cNvSpPr>
+          <p:nvPr>
+            <p:ph type="body" idx="1"/>
+          </p:nvPr>
+        </p:nvSpPr>
+        <p:spPr/>
+        <p:txBody>
+          <a:bodyPr/>
+          <a:lstStyle/>
+          <a:p>
+            <a:pPr marL="0" indent="0">
+              <a:buFontTx/>
+              <a:buNone/>
+            </a:pPr>
+            <a:r>
+              <a:rPr lang="en-US"/>
+              <a:t>- Mô</a:t>
+            </a:r>
+            <a:r>
+              <a:rPr lang="en-US" baseline="0"/>
+              <a:t> hình quan hệ - thực thể (Entity Relationship Model) được sử dụng để thiết kế cơ sở dữ liệu ở mức khái niệm.</a:t>
+            </a:r>
+          </a:p>
+          <a:p>
+            <a:pPr marL="0" indent="0">
+              <a:buFontTx/>
+              <a:buNone/>
+            </a:pPr>
+            <a:r>
+              <a:rPr lang="en-US" baseline="0"/>
+              <a:t>- Mô hình này được sử dụng như một công cụ để trao đổi ý tưởng giữa nhà thiết kế và người dùng cuối trong giai đoạn phân tích.</a:t>
+            </a:r>
+          </a:p>
+          <a:p>
+            <a:pPr marL="0" indent="0">
+              <a:buFontTx/>
+              <a:buNone/>
+            </a:pPr>
+            <a:r>
+              <a:rPr lang="en-US"/>
+              <a:t>- Mô</a:t>
+            </a:r>
+            <a:r>
+              <a:rPr lang="en-US" baseline="0"/>
+              <a:t> hình quan hệ - thực thể bao gồm ba phần tử cơ bản: kiểu thực thể, mối quan hệ, các thuộc tính.</a:t>
+            </a:r>
+          </a:p>
+          <a:p>
+            <a:pPr marL="0" indent="0">
+              <a:buFontTx/>
+              <a:buNone/>
+            </a:pPr>
+            <a:r>
+              <a:rPr lang="en-US" baseline="0"/>
+              <a:t>+ Thực thể: hình chữ nhật</a:t>
+            </a:r>
+          </a:p>
+          <a:p>
+            <a:pPr marL="0" indent="0">
+              <a:buFontTx/>
+              <a:buNone/>
+            </a:pPr>
+            <a:r>
+              <a:rPr lang="en-US" baseline="0"/>
+              <a:t>+ Quan hệ: hình thoi</a:t>
+            </a:r>
+          </a:p>
+          <a:p>
+            <a:pPr marL="0" indent="0">
+              <a:buFontTx/>
+              <a:buNone/>
+            </a:pPr>
+            <a:r>
+              <a:rPr lang="en-US" baseline="0"/>
+              <a:t>+ Thuộc tính: hình oval</a:t>
+            </a:r>
+          </a:p>
+          <a:p>
+            <a:pPr marL="0" indent="0">
+              <a:buFontTx/>
+              <a:buNone/>
+            </a:pPr>
+            <a:r>
+              <a:rPr lang="en-US" baseline="0"/>
+              <a:t>+ Kế thừa: đoạn thẳng xuyên qua hình vuông</a:t>
+            </a:r>
+          </a:p>
+        </p:txBody>
+      </p:sp>
+      <p:sp>
+        <p:nvSpPr>
+          <p:cNvPr id="4" name="Slide Number Placeholder 3"/>
+          <p:cNvSpPr>
+            <a:spLocks noGrp="1"/>
+          </p:cNvSpPr>
+          <p:nvPr>
+            <p:ph type="sldNum" sz="quarter" idx="10"/>
+          </p:nvPr>
+        </p:nvSpPr>
+        <p:spPr/>
+        <p:txBody>
+          <a:bodyPr/>
+          <a:lstStyle/>
+          <a:p>
+            <a:fld id="{62D0C256-E677-4681-984D-C03E4A440090}" type="slidenum">
+              <a:rPr lang="en-US" smtClean="0"/>
+              <a:t>5</a:t>
+            </a:fld>
+            <a:endParaRPr lang="en-US"/>
+          </a:p>
+        </p:txBody>
+      </p:sp>
+    </p:spTree>
+    <p:extLst>
+      <p:ext uri="{BB962C8B-B14F-4D97-AF65-F5344CB8AC3E}">
+        <p14:creationId xmlns:p14="http://schemas.microsoft.com/office/powerpoint/2010/main" val="1334370571"/>
+      </p:ext>
+    </p:extLst>
+  </p:cSld>
+  <p:clrMapOvr>
+    <a:masterClrMapping/>
+  </p:clrMapOvr>
+</p:notes>
+</file>
+
 <file path=ppt/slideLayouts/slideLayout1.xml><?xml version="1.0" encoding="utf-8"?>
 <p:sldLayout xmlns:a="http://schemas.openxmlformats.org/drawingml/2006/main" xmlns:r="http://schemas.openxmlformats.org/officeDocument/2006/relationships" xmlns:p="http://schemas.openxmlformats.org/presentationml/2006/main" type="title" preserve="1">
   <p:cSld name="Title Slide">
@@ -941,7 +1341,7 @@
           <a:p>
             <a:fld id="{FED54DB5-673A-4636-AFF8-29F335A6FA62}" type="datetime1">
               <a:rPr lang="en-US" smtClean="0"/>
-              <a:t>19/11/2022</a:t>
+              <a:t>6/12/2022</a:t>
             </a:fld>
             <a:endParaRPr lang="en-US"/>
           </a:p>
@@ -1275,7 +1675,7 @@
           <a:p>
             <a:fld id="{DAC83B04-5E66-4FA1-B8A2-3DE2FE9F2B0A}" type="datetime1">
               <a:rPr lang="en-US" smtClean="0"/>
-              <a:t>19/11/2022</a:t>
+              <a:t>6/12/2022</a:t>
             </a:fld>
             <a:endParaRPr lang="en-US"/>
           </a:p>
@@ -1672,7 +2072,7 @@
           <a:p>
             <a:fld id="{80DD4BEF-E0EF-4D96-AD2E-5DBA9A703E4F}" type="datetime1">
               <a:rPr lang="en-US" smtClean="0"/>
-              <a:t>19/11/2022</a:t>
+              <a:t>6/12/2022</a:t>
             </a:fld>
             <a:endParaRPr lang="en-US"/>
           </a:p>
@@ -2003,7 +2403,7 @@
           <a:p>
             <a:fld id="{8A51AD9F-8A28-4BAA-9B78-8DE2DFAAA292}" type="datetime1">
               <a:rPr lang="en-US" smtClean="0"/>
-              <a:t>19/11/2022</a:t>
+              <a:t>6/12/2022</a:t>
             </a:fld>
             <a:endParaRPr lang="en-US"/>
           </a:p>
@@ -2319,7 +2719,7 @@
           <a:p>
             <a:fld id="{1F0DB61A-BF95-4706-82B9-A7946B2837B7}" type="datetime1">
               <a:rPr lang="en-US" smtClean="0"/>
-              <a:t>19/11/2022</a:t>
+              <a:t>6/12/2022</a:t>
             </a:fld>
             <a:endParaRPr lang="en-US"/>
           </a:p>
@@ -2711,7 +3111,7 @@
           <a:p>
             <a:fld id="{D8D10EF8-D638-4CE9-AC6C-93AF8BD5E0EC}" type="datetime1">
               <a:rPr lang="en-US" smtClean="0"/>
-              <a:t>19/11/2022</a:t>
+              <a:t>6/12/2022</a:t>
             </a:fld>
             <a:endParaRPr lang="en-US"/>
           </a:p>
@@ -2964,7 +3364,7 @@
           <a:p>
             <a:fld id="{2F88B057-60AF-4915-A136-84FCD3E9BF71}" type="datetime1">
               <a:rPr lang="en-US" smtClean="0"/>
-              <a:t>19/11/2022</a:t>
+              <a:t>6/12/2022</a:t>
             </a:fld>
             <a:endParaRPr lang="en-US"/>
           </a:p>
@@ -3222,7 +3622,7 @@
           <a:p>
             <a:fld id="{F28A16F0-5D5D-4514-BFF9-33A3DBB98C88}" type="datetime1">
               <a:rPr lang="en-US" smtClean="0"/>
-              <a:t>19/11/2022</a:t>
+              <a:t>6/12/2022</a:t>
             </a:fld>
             <a:endParaRPr lang="en-US"/>
           </a:p>
@@ -3480,7 +3880,7 @@
           <a:p>
             <a:fld id="{EDB4F194-0CCC-466A-9E2C-F5AD4F8D9A71}" type="datetime1">
               <a:rPr lang="en-US" smtClean="0"/>
-              <a:t>19/11/2022</a:t>
+              <a:t>6/12/2022</a:t>
             </a:fld>
             <a:endParaRPr lang="en-US"/>
           </a:p>
@@ -3805,7 +4205,7 @@
           <a:p>
             <a:fld id="{2B308A1F-2323-4505-B5C9-51623BDDACBF}" type="datetime1">
               <a:rPr lang="en-US" smtClean="0"/>
-              <a:t>19/11/2022</a:t>
+              <a:t>6/12/2022</a:t>
             </a:fld>
             <a:endParaRPr lang="en-US"/>
           </a:p>
@@ -4124,7 +4524,7 @@
           <a:p>
             <a:fld id="{8951F2F1-94D6-43EF-BCC3-37286E99D9C9}" type="datetime1">
               <a:rPr lang="en-US" smtClean="0"/>
-              <a:t>19/11/2022</a:t>
+              <a:t>6/12/2022</a:t>
             </a:fld>
             <a:endParaRPr lang="en-US"/>
           </a:p>
@@ -4577,7 +4977,7 @@
           <a:p>
             <a:fld id="{EAB1D0F9-EA2D-4D57-8B45-483E3BFEBAA6}" type="datetime1">
               <a:rPr lang="en-US" smtClean="0"/>
-              <a:t>19/11/2022</a:t>
+              <a:t>6/12/2022</a:t>
             </a:fld>
             <a:endParaRPr lang="en-US"/>
           </a:p>
@@ -4778,7 +5178,7 @@
           <a:p>
             <a:fld id="{2D4C4AAE-58DC-4723-98C0-BEBE437A4D1F}" type="datetime1">
               <a:rPr lang="en-US" smtClean="0"/>
-              <a:t>19/11/2022</a:t>
+              <a:t>6/12/2022</a:t>
             </a:fld>
             <a:endParaRPr lang="en-US"/>
           </a:p>
@@ -4951,7 +5351,7 @@
           <a:p>
             <a:fld id="{001EF59C-3C04-4F1A-9D04-3E886595A741}" type="datetime1">
               <a:rPr lang="en-US" smtClean="0"/>
-              <a:t>19/11/2022</a:t>
+              <a:t>6/12/2022</a:t>
             </a:fld>
             <a:endParaRPr lang="en-US"/>
           </a:p>
@@ -5280,7 +5680,7 @@
           <a:p>
             <a:fld id="{FEC6D736-7BFD-4FC8-BBB7-87AFB0FFDCE9}" type="datetime1">
               <a:rPr lang="en-US" smtClean="0"/>
-              <a:t>19/11/2022</a:t>
+              <a:t>6/12/2022</a:t>
             </a:fld>
             <a:endParaRPr lang="en-US"/>
           </a:p>
@@ -5620,7 +6020,7 @@
           <a:p>
             <a:fld id="{E6B6E6B1-62AB-4B3D-87FF-F7D5BB21D0E2}" type="datetime1">
               <a:rPr lang="en-US" smtClean="0"/>
-              <a:t>19/11/2022</a:t>
+              <a:t>6/12/2022</a:t>
             </a:fld>
             <a:endParaRPr lang="en-US"/>
           </a:p>
@@ -7733,7 +8133,7 @@
           <a:p>
             <a:fld id="{5B34A952-EE9C-4D4A-AA2F-052B208ABA61}" type="datetime1">
               <a:rPr lang="en-US" smtClean="0"/>
-              <a:t>19/11/2022</a:t>
+              <a:t>6/12/2022</a:t>
             </a:fld>
             <a:endParaRPr lang="en-US"/>
           </a:p>
@@ -9444,8 +9844,8 @@
         </p:nvSpPr>
         <p:spPr>
           <a:xfrm>
-            <a:off x="4343994" y="6261866"/>
-            <a:ext cx="3203762" cy="284693"/>
+            <a:off x="4401702" y="6261866"/>
+            <a:ext cx="3088346" cy="284693"/>
           </a:xfrm>
           <a:prstGeom prst="rect">
             <a:avLst/>
@@ -9483,7 +9883,47 @@
                 <a:latin typeface="Times New Roman" panose="02020603050405020304" pitchFamily="18" charset="0"/>
                 <a:ea typeface="Times New Roman" panose="02020603050405020304" pitchFamily="18" charset="0"/>
               </a:rPr>
-              <a:t>Thực thể thể thoại sách</a:t>
+              <a:t>Thực thể </a:t>
+            </a:r>
+            <a:r>
+              <a:rPr lang="en-US">
+                <a:solidFill>
+                  <a:srgbClr val="000000"/>
+                </a:solidFill>
+                <a:latin typeface="Times New Roman" panose="02020603050405020304" pitchFamily="18" charset="0"/>
+                <a:ea typeface="Times New Roman" panose="02020603050405020304" pitchFamily="18" charset="0"/>
+              </a:rPr>
+              <a:t>thể </a:t>
+            </a:r>
+            <a:r>
+              <a:rPr lang="en-US">
+                <a:solidFill>
+                  <a:srgbClr val="000000"/>
+                </a:solidFill>
+                <a:latin typeface="Times New Roman" panose="02020603050405020304" pitchFamily="18" charset="0"/>
+                <a:ea typeface="Times New Roman" panose="02020603050405020304" pitchFamily="18" charset="0"/>
+              </a:rPr>
+              <a:t>l</a:t>
+            </a:r>
+            <a:r>
+              <a:rPr lang="en-US">
+                <a:solidFill>
+                  <a:srgbClr val="000000"/>
+                </a:solidFill>
+                <a:latin typeface="Times New Roman" panose="02020603050405020304" pitchFamily="18" charset="0"/>
+                <a:ea typeface="Times New Roman" panose="02020603050405020304" pitchFamily="18" charset="0"/>
+              </a:rPr>
+              <a:t>oại </a:t>
+            </a:r>
+            <a:r>
+              <a:rPr lang="en-US" dirty="0">
+                <a:solidFill>
+                  <a:srgbClr val="000000"/>
+                </a:solidFill>
+                <a:latin typeface="Times New Roman" panose="02020603050405020304" pitchFamily="18" charset="0"/>
+                <a:ea typeface="Times New Roman" panose="02020603050405020304" pitchFamily="18" charset="0"/>
+              </a:rPr>
+              <a:t>sách</a:t>
             </a:r>
             <a:endParaRPr lang="en-US" sz="2000" dirty="0">
               <a:solidFill>
@@ -11393,7 +11833,7 @@
           <p:nvPr/>
         </p:nvPicPr>
         <p:blipFill>
-          <a:blip r:embed="rId2">
+          <a:blip r:embed="rId3">
             <a:extLst>
               <a:ext uri="{28A0092B-C50C-407E-A947-70E740481C1C}">
                 <a14:useLocalDpi xmlns:a14="http://schemas.microsoft.com/office/drawing/2010/main" val="0"/>
@@ -11426,7 +11866,7 @@
           <p:nvPr/>
         </p:nvPicPr>
         <p:blipFill>
-          <a:blip r:embed="rId3">
+          <a:blip r:embed="rId4">
             <a:extLst>
               <a:ext uri="{28A0092B-C50C-407E-A947-70E740481C1C}">
                 <a14:useLocalDpi xmlns:a14="http://schemas.microsoft.com/office/drawing/2010/main" val="0"/>
@@ -11607,22 +12047,22 @@
       </p:sp>
       <p:pic>
         <p:nvPicPr>
-          <p:cNvPr id="2" name="Picture 1"/>
+          <p:cNvPr id="15" name="Picture 14"/>
           <p:cNvPicPr>
             <a:picLocks noChangeAspect="1"/>
           </p:cNvPicPr>
           <p:nvPr/>
         </p:nvPicPr>
         <p:blipFill>
-          <a:blip r:embed="rId4"/>
+          <a:blip r:embed="rId5"/>
           <a:stretch>
             <a:fillRect/>
           </a:stretch>
         </p:blipFill>
         <p:spPr>
           <a:xfrm>
-            <a:off x="2224567" y="1901737"/>
-            <a:ext cx="7626252" cy="4078933"/>
+            <a:off x="2321859" y="1901737"/>
+            <a:ext cx="7620000" cy="4076700"/>
           </a:xfrm>
           <a:prstGeom prst="rect">
             <a:avLst/>
@@ -12262,60 +12702,6 @@
           </a:p>
         </p:txBody>
       </p:sp>
-      <p:pic>
-        <p:nvPicPr>
-          <p:cNvPr id="1026" name="Picture 2" descr="Untitled"/>
-          <p:cNvPicPr>
-            <a:picLocks noChangeAspect="1" noChangeArrowheads="1"/>
-          </p:cNvPicPr>
-          <p:nvPr/>
-        </p:nvPicPr>
-        <p:blipFill>
-          <a:blip r:embed="rId4">
-            <a:extLst>
-              <a:ext uri="{28A0092B-C50C-407E-A947-70E740481C1C}">
-                <a14:useLocalDpi xmlns:a14="http://schemas.microsoft.com/office/drawing/2010/main" val="0"/>
-              </a:ext>
-            </a:extLst>
-          </a:blip>
-          <a:srcRect/>
-          <a:stretch>
-            <a:fillRect/>
-          </a:stretch>
-        </p:blipFill>
-        <p:spPr bwMode="auto">
-          <a:xfrm>
-            <a:off x="550459" y="2527211"/>
-            <a:ext cx="5419020" cy="3238500"/>
-          </a:xfrm>
-          <a:prstGeom prst="rect">
-            <a:avLst/>
-          </a:prstGeom>
-          <a:noFill/>
-          <a:ln>
-            <a:noFill/>
-          </a:ln>
-          <a:extLst>
-            <a:ext uri="{909E8E84-426E-40DD-AFC4-6F175D3DCCD1}">
-              <a14:hiddenFill xmlns:a14="http://schemas.microsoft.com/office/drawing/2010/main">
-                <a:solidFill>
-                  <a:srgbClr val="FFFFFF"/>
-                </a:solidFill>
-              </a14:hiddenFill>
-            </a:ext>
-            <a:ext uri="{91240B29-F687-4F45-9708-019B960494DF}">
-              <a14:hiddenLine xmlns:a14="http://schemas.microsoft.com/office/drawing/2010/main" w="9525">
-                <a:solidFill>
-                  <a:srgbClr val="000000"/>
-                </a:solidFill>
-                <a:miter lim="800000"/>
-                <a:headEnd/>
-                <a:tailEnd/>
-              </a14:hiddenLine>
-            </a:ext>
-          </a:extLst>
-        </p:spPr>
-      </p:pic>
       <p:sp>
         <p:nvSpPr>
           <p:cNvPr id="2" name="Rectangle 1"/>
@@ -12423,7 +12809,31 @@
       </p:sp>
       <p:pic>
         <p:nvPicPr>
-          <p:cNvPr id="10" name="Picture 9"/>
+          <p:cNvPr id="16" name="Picture 15"/>
+          <p:cNvPicPr>
+            <a:picLocks noChangeAspect="1"/>
+          </p:cNvPicPr>
+          <p:nvPr/>
+        </p:nvPicPr>
+        <p:blipFill>
+          <a:blip r:embed="rId4"/>
+          <a:stretch>
+            <a:fillRect/>
+          </a:stretch>
+        </p:blipFill>
+        <p:spPr>
+          <a:xfrm>
+            <a:off x="550459" y="2434878"/>
+            <a:ext cx="5169313" cy="3238500"/>
+          </a:xfrm>
+          <a:prstGeom prst="rect">
+            <a:avLst/>
+          </a:prstGeom>
+        </p:spPr>
+      </p:pic>
+      <p:pic>
+        <p:nvPicPr>
+          <p:cNvPr id="17" name="Picture 16"/>
           <p:cNvPicPr>
             <a:picLocks noChangeAspect="1"/>
           </p:cNvPicPr>
@@ -12437,8 +12847,8 @@
         </p:blipFill>
         <p:spPr>
           <a:xfrm>
-            <a:off x="6425514" y="2527211"/>
-            <a:ext cx="5626481" cy="3238500"/>
+            <a:off x="6430744" y="2343692"/>
+            <a:ext cx="5323888" cy="3329686"/>
           </a:xfrm>
           <a:prstGeom prst="rect">
             <a:avLst/>
@@ -12829,7 +13239,7 @@
           <p:nvPr/>
         </p:nvPicPr>
         <p:blipFill>
-          <a:blip r:embed="rId2">
+          <a:blip r:embed="rId3">
             <a:extLst>
               <a:ext uri="{28A0092B-C50C-407E-A947-70E740481C1C}">
                 <a14:useLocalDpi xmlns:a14="http://schemas.microsoft.com/office/drawing/2010/main" val="0"/>
@@ -12862,7 +13272,7 @@
           <p:nvPr/>
         </p:nvPicPr>
         <p:blipFill>
-          <a:blip r:embed="rId3">
+          <a:blip r:embed="rId4">
             <a:extLst>
               <a:ext uri="{28A0092B-C50C-407E-A947-70E740481C1C}">
                 <a14:useLocalDpi xmlns:a14="http://schemas.microsoft.com/office/drawing/2010/main" val="0"/>
@@ -13050,22 +13460,22 @@
       </p:sp>
       <p:pic>
         <p:nvPicPr>
-          <p:cNvPr id="13" name="Picture 12"/>
+          <p:cNvPr id="10" name="Picture 9"/>
           <p:cNvPicPr>
             <a:picLocks noChangeAspect="1"/>
           </p:cNvPicPr>
           <p:nvPr/>
         </p:nvPicPr>
         <p:blipFill>
-          <a:blip r:embed="rId4"/>
+          <a:blip r:embed="rId5"/>
           <a:stretch>
             <a:fillRect/>
           </a:stretch>
         </p:blipFill>
         <p:spPr>
           <a:xfrm>
-            <a:off x="2310714" y="1958064"/>
-            <a:ext cx="8209661" cy="4530759"/>
+            <a:off x="2113817" y="1959756"/>
+            <a:ext cx="8210550" cy="4524375"/>
           </a:xfrm>
           <a:prstGeom prst="rect">
             <a:avLst/>
@@ -13456,7 +13866,7 @@
           <p:nvPr/>
         </p:nvPicPr>
         <p:blipFill>
-          <a:blip r:embed="rId2">
+          <a:blip r:embed="rId3">
             <a:extLst>
               <a:ext uri="{28A0092B-C50C-407E-A947-70E740481C1C}">
                 <a14:useLocalDpi xmlns:a14="http://schemas.microsoft.com/office/drawing/2010/main" val="0"/>
@@ -13489,7 +13899,7 @@
           <p:nvPr/>
         </p:nvPicPr>
         <p:blipFill>
-          <a:blip r:embed="rId3">
+          <a:blip r:embed="rId4">
             <a:extLst>
               <a:ext uri="{28A0092B-C50C-407E-A947-70E740481C1C}">
                 <a14:useLocalDpi xmlns:a14="http://schemas.microsoft.com/office/drawing/2010/main" val="0"/>
@@ -13702,22 +14112,22 @@
       </p:sp>
       <p:pic>
         <p:nvPicPr>
-          <p:cNvPr id="2" name="Picture 1"/>
+          <p:cNvPr id="13" name="Picture 12"/>
           <p:cNvPicPr>
             <a:picLocks noChangeAspect="1"/>
           </p:cNvPicPr>
           <p:nvPr/>
         </p:nvPicPr>
         <p:blipFill>
-          <a:blip r:embed="rId4"/>
+          <a:blip r:embed="rId5"/>
           <a:stretch>
             <a:fillRect/>
           </a:stretch>
         </p:blipFill>
         <p:spPr>
           <a:xfrm>
-            <a:off x="2278534" y="1949859"/>
-            <a:ext cx="7486650" cy="4514850"/>
+            <a:off x="2002757" y="1841262"/>
+            <a:ext cx="8210550" cy="4524375"/>
           </a:xfrm>
           <a:prstGeom prst="rect">
             <a:avLst/>

--- a/Slide Đồ Án.pptx
+++ b/Slide Đồ Án.pptx
@@ -5,24 +5,23 @@
     <p:sldMasterId id="2147483648" r:id="rId1"/>
   </p:sldMasterIdLst>
   <p:notesMasterIdLst>
-    <p:notesMasterId r:id="rId14"/>
+    <p:notesMasterId r:id="rId13"/>
   </p:notesMasterIdLst>
   <p:handoutMasterIdLst>
-    <p:handoutMasterId r:id="rId15"/>
+    <p:handoutMasterId r:id="rId14"/>
   </p:handoutMasterIdLst>
   <p:sldIdLst>
     <p:sldId id="256" r:id="rId2"/>
     <p:sldId id="313" r:id="rId3"/>
     <p:sldId id="316" r:id="rId4"/>
-    <p:sldId id="325" r:id="rId5"/>
-    <p:sldId id="323" r:id="rId6"/>
-    <p:sldId id="321" r:id="rId7"/>
-    <p:sldId id="320" r:id="rId8"/>
-    <p:sldId id="332" r:id="rId9"/>
-    <p:sldId id="331" r:id="rId10"/>
-    <p:sldId id="330" r:id="rId11"/>
-    <p:sldId id="326" r:id="rId12"/>
-    <p:sldId id="334" r:id="rId13"/>
+    <p:sldId id="323" r:id="rId5"/>
+    <p:sldId id="321" r:id="rId6"/>
+    <p:sldId id="320" r:id="rId7"/>
+    <p:sldId id="332" r:id="rId8"/>
+    <p:sldId id="331" r:id="rId9"/>
+    <p:sldId id="330" r:id="rId10"/>
+    <p:sldId id="326" r:id="rId11"/>
+    <p:sldId id="334" r:id="rId12"/>
   </p:sldIdLst>
   <p:sldSz cx="12192000" cy="6858000"/>
   <p:notesSz cx="6858000" cy="9144000"/>
@@ -133,7 +132,6 @@
           <p14:sldIdLst>
             <p14:sldId id="313"/>
             <p14:sldId id="316"/>
-            <p14:sldId id="325"/>
             <p14:sldId id="323"/>
             <p14:sldId id="321"/>
             <p14:sldId id="320"/>
@@ -235,7 +233,7 @@
           <a:p>
             <a:fld id="{83B34AEF-5253-4C7C-8308-D2F50E48F55C}" type="datetimeFigureOut">
               <a:rPr lang="en-US" smtClean="0"/>
-              <a:t>6/12/2022</a:t>
+              <a:t>20/12/2022</a:t>
             </a:fld>
             <a:endParaRPr lang="en-US"/>
           </a:p>
@@ -401,7 +399,7 @@
           <a:p>
             <a:fld id="{66CC5DAF-E163-4CEB-A6BC-218A61322C16}" type="datetimeFigureOut">
               <a:rPr lang="en-US" smtClean="0"/>
-              <a:t>6/12/2022</a:t>
+              <a:t>20/12/2022</a:t>
             </a:fld>
             <a:endParaRPr lang="en-US"/>
           </a:p>
@@ -713,6 +711,14 @@
           <a:bodyPr/>
           <a:lstStyle/>
           <a:p>
+            <a:r>
+              <a:rPr lang="en-US"/>
+              <a:t>- Thầy</a:t>
+            </a:r>
+            <a:r>
+              <a:rPr lang="en-US" baseline="0"/>
+              <a:t> Chung nhận xét slide cần ngắn gọn tầm khoảng 10 trang bao gồm các sơ đồ cần thiết, giới hạn việc trình bày trong khoảng 10 phút, không nói dông dài, sau đó thì trả lời câu hỏi của các thầy</a:t>
+            </a:r>
             <a:endParaRPr lang="en-US"/>
           </a:p>
         </p:txBody>
@@ -954,7 +960,82 @@
           <a:bodyPr/>
           <a:lstStyle/>
           <a:p>
-            <a:endParaRPr lang="en-US"/>
+            <a:pPr marL="0" indent="0">
+              <a:buFontTx/>
+              <a:buNone/>
+            </a:pPr>
+            <a:r>
+              <a:rPr lang="en-US"/>
+              <a:t>- Mô</a:t>
+            </a:r>
+            <a:r>
+              <a:rPr lang="en-US" baseline="0"/>
+              <a:t> hình quan hệ - thực thể (Entity Relationship Model) được sử dụng để thiết kế cơ sở dữ liệu ở mức khái niệm.</a:t>
+            </a:r>
+          </a:p>
+          <a:p>
+            <a:pPr marL="0" indent="0">
+              <a:buFontTx/>
+              <a:buNone/>
+            </a:pPr>
+            <a:r>
+              <a:rPr lang="en-US" baseline="0"/>
+              <a:t>- Mô hình này được sử dụng như một công cụ để trao đổi ý tưởng giữa nhà thiết kế và người dùng cuối trong giai đoạn phân tích.</a:t>
+            </a:r>
+          </a:p>
+          <a:p>
+            <a:pPr marL="0" indent="0">
+              <a:buFontTx/>
+              <a:buNone/>
+            </a:pPr>
+            <a:r>
+              <a:rPr lang="en-US"/>
+              <a:t>- Mô</a:t>
+            </a:r>
+            <a:r>
+              <a:rPr lang="en-US" baseline="0"/>
+              <a:t> hình quan hệ - thực thể bao gồm ba phần tử cơ bản: kiểu thực thể, mối quan hệ, các thuộc tính.</a:t>
+            </a:r>
+          </a:p>
+          <a:p>
+            <a:pPr marL="0" indent="0">
+              <a:buFontTx/>
+              <a:buNone/>
+            </a:pPr>
+            <a:r>
+              <a:rPr lang="en-US" baseline="0"/>
+              <a:t>+ Thực thể: hình chữ nhật</a:t>
+            </a:r>
+          </a:p>
+          <a:p>
+            <a:pPr marL="0" indent="0">
+              <a:buFontTx/>
+              <a:buNone/>
+            </a:pPr>
+            <a:r>
+              <a:rPr lang="en-US" baseline="0"/>
+              <a:t>+ Quan hệ: hình thoi</a:t>
+            </a:r>
+          </a:p>
+          <a:p>
+            <a:pPr marL="0" indent="0">
+              <a:buFontTx/>
+              <a:buNone/>
+            </a:pPr>
+            <a:r>
+              <a:rPr lang="en-US" baseline="0"/>
+              <a:t>+ Thuộc tính: hình oval</a:t>
+            </a:r>
+          </a:p>
+          <a:p>
+            <a:pPr marL="0" indent="0">
+              <a:buFontTx/>
+              <a:buNone/>
+            </a:pPr>
+            <a:r>
+              <a:rPr lang="en-US" baseline="0"/>
+              <a:t>+ Kế thừa: đoạn thẳng xuyên qua hình vuông</a:t>
+            </a:r>
           </a:p>
         </p:txBody>
       </p:sp>
@@ -984,7 +1065,7 @@
     </p:spTree>
     <p:extLst>
       <p:ext uri="{BB962C8B-B14F-4D97-AF65-F5344CB8AC3E}">
-        <p14:creationId xmlns:p14="http://schemas.microsoft.com/office/powerpoint/2010/main" val="1418785442"/>
+        <p14:creationId xmlns:p14="http://schemas.microsoft.com/office/powerpoint/2010/main" val="1334370571"/>
       </p:ext>
     </p:extLst>
   </p:cSld>
@@ -1038,82 +1119,7 @@
           <a:bodyPr/>
           <a:lstStyle/>
           <a:p>
-            <a:pPr marL="0" indent="0">
-              <a:buFontTx/>
-              <a:buNone/>
-            </a:pPr>
-            <a:r>
-              <a:rPr lang="en-US"/>
-              <a:t>- Mô</a:t>
-            </a:r>
-            <a:r>
-              <a:rPr lang="en-US" baseline="0"/>
-              <a:t> hình quan hệ - thực thể (Entity Relationship Model) được sử dụng để thiết kế cơ sở dữ liệu ở mức khái niệm.</a:t>
-            </a:r>
-          </a:p>
-          <a:p>
-            <a:pPr marL="0" indent="0">
-              <a:buFontTx/>
-              <a:buNone/>
-            </a:pPr>
-            <a:r>
-              <a:rPr lang="en-US" baseline="0"/>
-              <a:t>- Mô hình này được sử dụng như một công cụ để trao đổi ý tưởng giữa nhà thiết kế và người dùng cuối trong giai đoạn phân tích.</a:t>
-            </a:r>
-          </a:p>
-          <a:p>
-            <a:pPr marL="0" indent="0">
-              <a:buFontTx/>
-              <a:buNone/>
-            </a:pPr>
-            <a:r>
-              <a:rPr lang="en-US"/>
-              <a:t>- Mô</a:t>
-            </a:r>
-            <a:r>
-              <a:rPr lang="en-US" baseline="0"/>
-              <a:t> hình quan hệ - thực thể bao gồm ba phần tử cơ bản: kiểu thực thể, mối quan hệ, các thuộc tính.</a:t>
-            </a:r>
-          </a:p>
-          <a:p>
-            <a:pPr marL="0" indent="0">
-              <a:buFontTx/>
-              <a:buNone/>
-            </a:pPr>
-            <a:r>
-              <a:rPr lang="en-US" baseline="0"/>
-              <a:t>+ Thực thể: hình chữ nhật</a:t>
-            </a:r>
-          </a:p>
-          <a:p>
-            <a:pPr marL="0" indent="0">
-              <a:buFontTx/>
-              <a:buNone/>
-            </a:pPr>
-            <a:r>
-              <a:rPr lang="en-US" baseline="0"/>
-              <a:t>+ Quan hệ: hình thoi</a:t>
-            </a:r>
-          </a:p>
-          <a:p>
-            <a:pPr marL="0" indent="0">
-              <a:buFontTx/>
-              <a:buNone/>
-            </a:pPr>
-            <a:r>
-              <a:rPr lang="en-US" baseline="0"/>
-              <a:t>+ Thuộc tính: hình oval</a:t>
-            </a:r>
-          </a:p>
-          <a:p>
-            <a:pPr marL="0" indent="0">
-              <a:buFontTx/>
-              <a:buNone/>
-            </a:pPr>
-            <a:r>
-              <a:rPr lang="en-US" baseline="0"/>
-              <a:t>+ Kế thừa: đoạn thẳng xuyên qua hình vuông</a:t>
-            </a:r>
+            <a:endParaRPr lang="en-US"/>
           </a:p>
         </p:txBody>
       </p:sp>
@@ -1143,7 +1149,7 @@
     </p:spTree>
     <p:extLst>
       <p:ext uri="{BB962C8B-B14F-4D97-AF65-F5344CB8AC3E}">
-        <p14:creationId xmlns:p14="http://schemas.microsoft.com/office/powerpoint/2010/main" val="1334370571"/>
+        <p14:creationId xmlns:p14="http://schemas.microsoft.com/office/powerpoint/2010/main" val="1374241628"/>
       </p:ext>
     </p:extLst>
   </p:cSld>
@@ -1341,7 +1347,7 @@
           <a:p>
             <a:fld id="{FED54DB5-673A-4636-AFF8-29F335A6FA62}" type="datetime1">
               <a:rPr lang="en-US" smtClean="0"/>
-              <a:t>6/12/2022</a:t>
+              <a:t>20/12/2022</a:t>
             </a:fld>
             <a:endParaRPr lang="en-US"/>
           </a:p>
@@ -1675,7 +1681,7 @@
           <a:p>
             <a:fld id="{DAC83B04-5E66-4FA1-B8A2-3DE2FE9F2B0A}" type="datetime1">
               <a:rPr lang="en-US" smtClean="0"/>
-              <a:t>6/12/2022</a:t>
+              <a:t>20/12/2022</a:t>
             </a:fld>
             <a:endParaRPr lang="en-US"/>
           </a:p>
@@ -2072,7 +2078,7 @@
           <a:p>
             <a:fld id="{80DD4BEF-E0EF-4D96-AD2E-5DBA9A703E4F}" type="datetime1">
               <a:rPr lang="en-US" smtClean="0"/>
-              <a:t>6/12/2022</a:t>
+              <a:t>20/12/2022</a:t>
             </a:fld>
             <a:endParaRPr lang="en-US"/>
           </a:p>
@@ -2403,7 +2409,7 @@
           <a:p>
             <a:fld id="{8A51AD9F-8A28-4BAA-9B78-8DE2DFAAA292}" type="datetime1">
               <a:rPr lang="en-US" smtClean="0"/>
-              <a:t>6/12/2022</a:t>
+              <a:t>20/12/2022</a:t>
             </a:fld>
             <a:endParaRPr lang="en-US"/>
           </a:p>
@@ -2719,7 +2725,7 @@
           <a:p>
             <a:fld id="{1F0DB61A-BF95-4706-82B9-A7946B2837B7}" type="datetime1">
               <a:rPr lang="en-US" smtClean="0"/>
-              <a:t>6/12/2022</a:t>
+              <a:t>20/12/2022</a:t>
             </a:fld>
             <a:endParaRPr lang="en-US"/>
           </a:p>
@@ -3111,7 +3117,7 @@
           <a:p>
             <a:fld id="{D8D10EF8-D638-4CE9-AC6C-93AF8BD5E0EC}" type="datetime1">
               <a:rPr lang="en-US" smtClean="0"/>
-              <a:t>6/12/2022</a:t>
+              <a:t>20/12/2022</a:t>
             </a:fld>
             <a:endParaRPr lang="en-US"/>
           </a:p>
@@ -3364,7 +3370,7 @@
           <a:p>
             <a:fld id="{2F88B057-60AF-4915-A136-84FCD3E9BF71}" type="datetime1">
               <a:rPr lang="en-US" smtClean="0"/>
-              <a:t>6/12/2022</a:t>
+              <a:t>20/12/2022</a:t>
             </a:fld>
             <a:endParaRPr lang="en-US"/>
           </a:p>
@@ -3622,7 +3628,7 @@
           <a:p>
             <a:fld id="{F28A16F0-5D5D-4514-BFF9-33A3DBB98C88}" type="datetime1">
               <a:rPr lang="en-US" smtClean="0"/>
-              <a:t>6/12/2022</a:t>
+              <a:t>20/12/2022</a:t>
             </a:fld>
             <a:endParaRPr lang="en-US"/>
           </a:p>
@@ -3880,7 +3886,7 @@
           <a:p>
             <a:fld id="{EDB4F194-0CCC-466A-9E2C-F5AD4F8D9A71}" type="datetime1">
               <a:rPr lang="en-US" smtClean="0"/>
-              <a:t>6/12/2022</a:t>
+              <a:t>20/12/2022</a:t>
             </a:fld>
             <a:endParaRPr lang="en-US"/>
           </a:p>
@@ -4205,7 +4211,7 @@
           <a:p>
             <a:fld id="{2B308A1F-2323-4505-B5C9-51623BDDACBF}" type="datetime1">
               <a:rPr lang="en-US" smtClean="0"/>
-              <a:t>6/12/2022</a:t>
+              <a:t>20/12/2022</a:t>
             </a:fld>
             <a:endParaRPr lang="en-US"/>
           </a:p>
@@ -4524,7 +4530,7 @@
           <a:p>
             <a:fld id="{8951F2F1-94D6-43EF-BCC3-37286E99D9C9}" type="datetime1">
               <a:rPr lang="en-US" smtClean="0"/>
-              <a:t>6/12/2022</a:t>
+              <a:t>20/12/2022</a:t>
             </a:fld>
             <a:endParaRPr lang="en-US"/>
           </a:p>
@@ -4977,7 +4983,7 @@
           <a:p>
             <a:fld id="{EAB1D0F9-EA2D-4D57-8B45-483E3BFEBAA6}" type="datetime1">
               <a:rPr lang="en-US" smtClean="0"/>
-              <a:t>6/12/2022</a:t>
+              <a:t>20/12/2022</a:t>
             </a:fld>
             <a:endParaRPr lang="en-US"/>
           </a:p>
@@ -5178,7 +5184,7 @@
           <a:p>
             <a:fld id="{2D4C4AAE-58DC-4723-98C0-BEBE437A4D1F}" type="datetime1">
               <a:rPr lang="en-US" smtClean="0"/>
-              <a:t>6/12/2022</a:t>
+              <a:t>20/12/2022</a:t>
             </a:fld>
             <a:endParaRPr lang="en-US"/>
           </a:p>
@@ -5351,7 +5357,7 @@
           <a:p>
             <a:fld id="{001EF59C-3C04-4F1A-9D04-3E886595A741}" type="datetime1">
               <a:rPr lang="en-US" smtClean="0"/>
-              <a:t>6/12/2022</a:t>
+              <a:t>20/12/2022</a:t>
             </a:fld>
             <a:endParaRPr lang="en-US"/>
           </a:p>
@@ -5680,7 +5686,7 @@
           <a:p>
             <a:fld id="{FEC6D736-7BFD-4FC8-BBB7-87AFB0FFDCE9}" type="datetime1">
               <a:rPr lang="en-US" smtClean="0"/>
-              <a:t>6/12/2022</a:t>
+              <a:t>20/12/2022</a:t>
             </a:fld>
             <a:endParaRPr lang="en-US"/>
           </a:p>
@@ -6020,7 +6026,7 @@
           <a:p>
             <a:fld id="{E6B6E6B1-62AB-4B3D-87FF-F7D5BB21D0E2}" type="datetime1">
               <a:rPr lang="en-US" smtClean="0"/>
-              <a:t>6/12/2022</a:t>
+              <a:t>20/12/2022</a:t>
             </a:fld>
             <a:endParaRPr lang="en-US"/>
           </a:p>
@@ -8133,7 +8139,7 @@
           <a:p>
             <a:fld id="{5B34A952-EE9C-4D4A-AA2F-052B208ABA61}" type="datetime1">
               <a:rPr lang="en-US" smtClean="0"/>
-              <a:t>6/12/2022</a:t>
+              <a:t>20/12/2022</a:t>
             </a:fld>
             <a:endParaRPr lang="en-US"/>
           </a:p>
@@ -8800,14 +8806,14 @@
             <p:ph idx="1"/>
             <p:extLst>
               <p:ext uri="{D42A27DB-BD31-4B8C-83A1-F6EECF244321}">
-                <p14:modId xmlns:p14="http://schemas.microsoft.com/office/powerpoint/2010/main" val="230190878"/>
+                <p14:modId xmlns:p14="http://schemas.microsoft.com/office/powerpoint/2010/main" val="2867939643"/>
               </p:ext>
             </p:extLst>
           </p:nvPr>
         </p:nvGraphicFramePr>
         <p:xfrm>
           <a:off x="2051420" y="2544606"/>
-          <a:ext cx="8612287" cy="3663010"/>
+          <a:ext cx="8612287" cy="3663011"/>
         </p:xfrm>
         <a:graphic>
           <a:graphicData uri="http://schemas.openxmlformats.org/drawingml/2006/table">
@@ -8969,7 +8975,7 @@
                           <a:latin typeface="Times New Roman" panose="02020603050405020304" pitchFamily="18" charset="0"/>
                           <a:cs typeface="Times New Roman" panose="02020603050405020304" pitchFamily="18" charset="0"/>
                         </a:rPr>
-                        <a:t>Thầy Bùi Thanh Hải.</a:t>
+                        <a:t>Thầy Bùi Thanh Hải</a:t>
                       </a:r>
                       <a:endParaRPr lang="en-US" sz="2000" b="1">
                         <a:solidFill>
@@ -8990,8 +8996,8 @@
                   </a:ext>
                 </a:extLst>
               </a:tr>
-              <a:tr h="417789">
-                <a:tc rowSpan="3">
+              <a:tr h="626684">
+                <a:tc rowSpan="2">
                   <a:txBody>
                     <a:bodyPr/>
                     <a:lstStyle/>
@@ -9045,7 +9051,7 @@
                         </a:spcAft>
                       </a:pPr>
                       <a:r>
-                        <a:rPr lang="vi-VN" sz="2000" b="1">
+                        <a:rPr lang="en-US" sz="2000" b="1">
                           <a:solidFill>
                             <a:schemeClr val="dk1"/>
                           </a:solidFill>
@@ -9057,7 +9063,7 @@
                         <a:t>Nguyễn</a:t>
                       </a:r>
                       <a:r>
-                        <a:rPr lang="vi-VN" sz="2000" b="1" baseline="0">
+                        <a:rPr lang="en-US" sz="2000" b="1" baseline="0">
                           <a:solidFill>
                             <a:schemeClr val="dk1"/>
                           </a:solidFill>
@@ -9087,7 +9093,7 @@
                   </a:ext>
                 </a:extLst>
               </a:tr>
-              <a:tr h="417789">
+              <a:tr h="626684">
                 <a:tc vMerge="1">
                   <a:txBody>
                     <a:bodyPr/>
@@ -9115,95 +9121,25 @@
                         </a:spcAft>
                       </a:pPr>
                       <a:r>
-                        <a:rPr lang="vi-VN" sz="2000" b="1">
+                        <a:rPr lang="en-US" sz="2000" b="1">
                           <a:solidFill>
-                            <a:schemeClr val="dk1"/>
+                            <a:srgbClr val="000000"/>
                           </a:solidFill>
                           <a:effectLst/>
                           <a:latin typeface="Times New Roman" panose="02020603050405020304" pitchFamily="18" charset="0"/>
-                          <a:ea typeface="+mn-ea"/>
-                          <a:cs typeface="Times New Roman" panose="02020603050405020304" pitchFamily="18" charset="0"/>
-                        </a:rPr>
-                        <a:t>Đỗ</a:t>
-                      </a:r>
-                      <a:r>
-                        <a:rPr lang="vi-VN" sz="2000" b="1" baseline="0">
-                          <a:solidFill>
-                            <a:schemeClr val="dk1"/>
-                          </a:solidFill>
-                          <a:effectLst/>
-                          <a:latin typeface="Times New Roman" panose="02020603050405020304" pitchFamily="18" charset="0"/>
-                          <a:ea typeface="+mn-ea"/>
-                          <a:cs typeface="Times New Roman" panose="02020603050405020304" pitchFamily="18" charset="0"/>
-                        </a:rPr>
-                        <a:t> Duy Đức</a:t>
-                      </a:r>
-                      <a:endParaRPr lang="en-US" sz="2000" b="1">
-                        <a:solidFill>
-                          <a:srgbClr val="000000"/>
-                        </a:solidFill>
-                        <a:effectLst/>
-                        <a:latin typeface="Times New Roman" panose="02020603050405020304" pitchFamily="18" charset="0"/>
-                        <a:ea typeface="Times New Roman" panose="02020603050405020304" pitchFamily="18" charset="0"/>
-                        <a:cs typeface="Times New Roman" panose="02020603050405020304" pitchFamily="18" charset="0"/>
-                      </a:endParaRPr>
-                    </a:p>
-                  </a:txBody>
-                  <a:tcPr marL="68580" marR="68580" marT="0" marB="0" anchor="ctr"/>
-                </a:tc>
-                <a:extLst>
-                  <a:ext uri="{0D108BD9-81ED-4DB2-BD59-A6C34878D82A}">
-                    <a16:rowId xmlns:a16="http://schemas.microsoft.com/office/drawing/2014/main" val="10003"/>
-                  </a:ext>
-                </a:extLst>
-              </a:tr>
-              <a:tr h="417789">
-                <a:tc vMerge="1">
-                  <a:txBody>
-                    <a:bodyPr/>
-                    <a:lstStyle/>
-                    <a:p>
-                      <a:endParaRPr lang="en-US"/>
-                    </a:p>
-                  </a:txBody>
-                  <a:tcPr/>
-                </a:tc>
-                <a:tc>
-                  <a:txBody>
-                    <a:bodyPr/>
-                    <a:lstStyle/>
-                    <a:p>
-                      <a:pPr algn="l">
-                        <a:lnSpc>
-                          <a:spcPts val="1500"/>
-                        </a:lnSpc>
-                        <a:spcBef>
-                          <a:spcPts val="600"/>
-                        </a:spcBef>
-                        <a:spcAft>
-                          <a:spcPts val="600"/>
-                        </a:spcAft>
-                      </a:pPr>
-                      <a:r>
-                        <a:rPr lang="vi-VN" sz="2000" b="1">
-                          <a:solidFill>
-                            <a:schemeClr val="dk1"/>
-                          </a:solidFill>
-                          <a:effectLst/>
-                          <a:latin typeface="Times New Roman" panose="02020603050405020304" pitchFamily="18" charset="0"/>
-                          <a:ea typeface="+mn-ea"/>
+                          <a:ea typeface="Times New Roman" panose="02020603050405020304" pitchFamily="18" charset="0"/>
                           <a:cs typeface="Times New Roman" panose="02020603050405020304" pitchFamily="18" charset="0"/>
                         </a:rPr>
                         <a:t>Bùi</a:t>
                       </a:r>
                       <a:r>
-                        <a:rPr lang="vi-VN" sz="2000" b="1" baseline="0">
+                        <a:rPr lang="en-US" sz="2000" b="1" baseline="0">
                           <a:solidFill>
-                            <a:schemeClr val="dk1"/>
+                            <a:srgbClr val="000000"/>
                           </a:solidFill>
                           <a:effectLst/>
                           <a:latin typeface="Times New Roman" panose="02020603050405020304" pitchFamily="18" charset="0"/>
-                          <a:ea typeface="+mn-ea"/>
+                          <a:ea typeface="Times New Roman" panose="02020603050405020304" pitchFamily="18" charset="0"/>
                           <a:cs typeface="Times New Roman" panose="02020603050405020304" pitchFamily="18" charset="0"/>
                         </a:rPr>
                         <a:t> Trọng Nhân</a:t>
@@ -9223,7 +9159,7 @@
                 </a:tc>
                 <a:extLst>
                   <a:ext uri="{0D108BD9-81ED-4DB2-BD59-A6C34878D82A}">
-                    <a16:rowId xmlns:a16="http://schemas.microsoft.com/office/drawing/2014/main" val="10004"/>
+                    <a16:rowId xmlns:a16="http://schemas.microsoft.com/office/drawing/2014/main" val="2417804322"/>
                   </a:ext>
                 </a:extLst>
               </a:tr>
@@ -9684,8 +9620,8 @@
         </p:nvSpPr>
         <p:spPr>
           <a:xfrm>
-            <a:off x="1005385" y="1420378"/>
-            <a:ext cx="6096000" cy="1354217"/>
+            <a:off x="733805" y="1394339"/>
+            <a:ext cx="6096000" cy="923330"/>
           </a:xfrm>
           <a:prstGeom prst="rect">
             <a:avLst/>
@@ -9736,8 +9672,38 @@
                 <a:ea typeface="Times New Roman" panose="02020603050405020304" pitchFamily="18" charset="0"/>
                 <a:cs typeface="Times New Roman" panose="02020603050405020304" pitchFamily="18" charset="0"/>
               </a:rPr>
-              <a:t>.4. Thực thể thể loại sách</a:t>
-            </a:r>
+              <a:t>.</a:t>
+            </a:r>
+            <a:r>
+              <a:rPr lang="vi-VN" b="1">
+                <a:solidFill>
+                  <a:srgbClr val="000000"/>
+                </a:solidFill>
+                <a:latin typeface="Times New Roman" panose="02020603050405020304" pitchFamily="18" charset="0"/>
+                <a:ea typeface="Times New Roman" panose="02020603050405020304" pitchFamily="18" charset="0"/>
+                <a:cs typeface="Times New Roman" panose="02020603050405020304" pitchFamily="18" charset="0"/>
+              </a:rPr>
+              <a:t>5</a:t>
+            </a:r>
+            <a:r>
+              <a:rPr lang="en-US" b="1">
+                <a:solidFill>
+                  <a:srgbClr val="000000"/>
+                </a:solidFill>
+                <a:latin typeface="Times New Roman" panose="02020603050405020304" pitchFamily="18" charset="0"/>
+                <a:ea typeface="Times New Roman" panose="02020603050405020304" pitchFamily="18" charset="0"/>
+                <a:cs typeface="Times New Roman" panose="02020603050405020304" pitchFamily="18" charset="0"/>
+              </a:rPr>
+              <a:t>. Thực thể đơn hàng chi tiết</a:t>
+            </a:r>
+            <a:endParaRPr lang="en-US" sz="2000" b="1">
+              <a:solidFill>
+                <a:srgbClr val="000000"/>
+              </a:solidFill>
+              <a:latin typeface="Times New Roman" panose="02020603050405020304" pitchFamily="18" charset="0"/>
+              <a:ea typeface="Times New Roman" panose="02020603050405020304" pitchFamily="18" charset="0"/>
+              <a:cs typeface="Times New Roman" panose="02020603050405020304" pitchFamily="18" charset="0"/>
+            </a:endParaRPr>
           </a:p>
           <a:p>
             <a:pPr algn="just">
@@ -9748,24 +9714,6 @@
                 <a:spcPts val="0"/>
               </a:spcAft>
             </a:pPr>
-            <a:endParaRPr lang="en-US" sz="2000" b="1">
-              <a:solidFill>
-                <a:srgbClr val="000000"/>
-              </a:solidFill>
-              <a:latin typeface="Times New Roman" panose="02020603050405020304" pitchFamily="18" charset="0"/>
-              <a:ea typeface="Times New Roman" panose="02020603050405020304" pitchFamily="18" charset="0"/>
-              <a:cs typeface="Times New Roman" panose="02020603050405020304" pitchFamily="18" charset="0"/>
-            </a:endParaRPr>
-          </a:p>
-          <a:p>
-            <a:pPr algn="just">
-              <a:lnSpc>
-                <a:spcPts val="1500"/>
-              </a:lnSpc>
-              <a:spcAft>
-                <a:spcPts val="0"/>
-              </a:spcAft>
-            </a:pPr>
             <a:r>
               <a:rPr lang="en-US">
                 <a:solidFill>
@@ -9774,34 +9722,7 @@
                 <a:latin typeface="Times New Roman" panose="02020603050405020304" pitchFamily="18" charset="0"/>
                 <a:ea typeface="Times New Roman" panose="02020603050405020304" pitchFamily="18" charset="0"/>
               </a:rPr>
-              <a:t>	Lưu trữ thông tin về các thể loại sách</a:t>
-            </a:r>
-            <a:endParaRPr lang="en-US" sz="2000">
-              <a:solidFill>
-                <a:srgbClr val="000000"/>
-              </a:solidFill>
-              <a:latin typeface="Times New Roman" panose="02020603050405020304" pitchFamily="18" charset="0"/>
-              <a:ea typeface="Times New Roman" panose="02020603050405020304" pitchFamily="18" charset="0"/>
-            </a:endParaRPr>
-          </a:p>
-          <a:p>
-            <a:pPr algn="just">
-              <a:lnSpc>
-                <a:spcPts val="1500"/>
-              </a:lnSpc>
-              <a:spcAft>
-                <a:spcPts val="0"/>
-              </a:spcAft>
-            </a:pPr>
-            <a:r>
-              <a:rPr lang="en-US">
-                <a:solidFill>
-                  <a:srgbClr val="000000"/>
-                </a:solidFill>
-                <a:latin typeface="Times New Roman" panose="02020603050405020304" pitchFamily="18" charset="0"/>
-                <a:ea typeface="Times New Roman" panose="02020603050405020304" pitchFamily="18" charset="0"/>
-              </a:rPr>
-              <a:t> </a:t>
+              <a:t>	Lưu trữ thông tin về các đơn hàng chi tiết</a:t>
             </a:r>
             <a:endParaRPr lang="en-US" sz="2000">
               <a:solidFill>
@@ -9814,28 +9735,6 @@
           </a:p>
         </p:txBody>
       </p:sp>
-      <p:pic>
-        <p:nvPicPr>
-          <p:cNvPr id="10" name="Picture 9"/>
-          <p:cNvPicPr/>
-          <p:nvPr/>
-        </p:nvPicPr>
-        <p:blipFill>
-          <a:blip r:embed="rId4"/>
-          <a:stretch>
-            <a:fillRect/>
-          </a:stretch>
-        </p:blipFill>
-        <p:spPr>
-          <a:xfrm>
-            <a:off x="2347864" y="2774595"/>
-            <a:ext cx="7724183" cy="3285011"/>
-          </a:xfrm>
-          <a:prstGeom prst="rect">
-            <a:avLst/>
-          </a:prstGeom>
-        </p:spPr>
-      </p:pic>
       <p:sp>
         <p:nvSpPr>
           <p:cNvPr id="11" name="Rectangle 10"/>
@@ -9844,8 +9743,8 @@
         </p:nvSpPr>
         <p:spPr>
           <a:xfrm>
-            <a:off x="4401702" y="6261866"/>
-            <a:ext cx="3088346" cy="284693"/>
+            <a:off x="4257520" y="6573307"/>
+            <a:ext cx="3485890" cy="290721"/>
           </a:xfrm>
           <a:prstGeom prst="rect">
             <a:avLst/>
@@ -9873,7 +9772,27 @@
                 <a:latin typeface="Times New Roman" panose="02020603050405020304" pitchFamily="18" charset="0"/>
                 <a:ea typeface="Times New Roman" panose="02020603050405020304" pitchFamily="18" charset="0"/>
               </a:rPr>
-              <a:t>Hình 10: </a:t>
+              <a:t>Hình 1</a:t>
+            </a:r>
+            <a:r>
+              <a:rPr lang="vi-VN">
+                <a:solidFill>
+                  <a:srgbClr val="000000"/>
+                </a:solidFill>
+                <a:latin typeface="Times New Roman" panose="02020603050405020304" pitchFamily="18" charset="0"/>
+                <a:ea typeface="Times New Roman" panose="02020603050405020304" pitchFamily="18" charset="0"/>
+              </a:rPr>
+              <a:t>1</a:t>
+            </a:r>
+            <a:r>
+              <a:rPr lang="en-US">
+                <a:solidFill>
+                  <a:srgbClr val="000000"/>
+                </a:solidFill>
+                <a:latin typeface="Times New Roman" panose="02020603050405020304" pitchFamily="18" charset="0"/>
+                <a:ea typeface="Times New Roman" panose="02020603050405020304" pitchFamily="18" charset="0"/>
+              </a:rPr>
+              <a:t>: </a:t>
             </a:r>
             <a:r>
               <a:rPr lang="en-US" dirty="0">
@@ -9883,47 +9802,7 @@
                 <a:latin typeface="Times New Roman" panose="02020603050405020304" pitchFamily="18" charset="0"/>
                 <a:ea typeface="Times New Roman" panose="02020603050405020304" pitchFamily="18" charset="0"/>
               </a:rPr>
-              <a:t>Thực thể </a:t>
-            </a:r>
-            <a:r>
-              <a:rPr lang="en-US">
-                <a:solidFill>
-                  <a:srgbClr val="000000"/>
-                </a:solidFill>
-                <a:latin typeface="Times New Roman" panose="02020603050405020304" pitchFamily="18" charset="0"/>
-                <a:ea typeface="Times New Roman" panose="02020603050405020304" pitchFamily="18" charset="0"/>
-              </a:rPr>
-              <a:t>thể </a:t>
-            </a:r>
-            <a:r>
-              <a:rPr lang="en-US">
-                <a:solidFill>
-                  <a:srgbClr val="000000"/>
-                </a:solidFill>
-                <a:latin typeface="Times New Roman" panose="02020603050405020304" pitchFamily="18" charset="0"/>
-                <a:ea typeface="Times New Roman" panose="02020603050405020304" pitchFamily="18" charset="0"/>
-              </a:rPr>
-              <a:t>l</a:t>
-            </a:r>
-            <a:r>
-              <a:rPr lang="en-US">
-                <a:solidFill>
-                  <a:srgbClr val="000000"/>
-                </a:solidFill>
-                <a:latin typeface="Times New Roman" panose="02020603050405020304" pitchFamily="18" charset="0"/>
-                <a:ea typeface="Times New Roman" panose="02020603050405020304" pitchFamily="18" charset="0"/>
-              </a:rPr>
-              <a:t>oại </a:t>
-            </a:r>
-            <a:r>
-              <a:rPr lang="en-US" dirty="0">
-                <a:solidFill>
-                  <a:srgbClr val="000000"/>
-                </a:solidFill>
-                <a:latin typeface="Times New Roman" panose="02020603050405020304" pitchFamily="18" charset="0"/>
-                <a:ea typeface="Times New Roman" panose="02020603050405020304" pitchFamily="18" charset="0"/>
-              </a:rPr>
-              <a:t>sách</a:t>
+              <a:t>Thực thể đơn hàng chi tiết</a:t>
             </a:r>
             <a:endParaRPr lang="en-US" sz="2000" dirty="0">
               <a:solidFill>
@@ -9987,99 +9866,40 @@
           </a:p>
         </p:txBody>
       </p:sp>
+      <p:pic>
+        <p:nvPicPr>
+          <p:cNvPr id="2" name="Picture 1"/>
+          <p:cNvPicPr>
+            <a:picLocks noChangeAspect="1"/>
+          </p:cNvPicPr>
+          <p:nvPr/>
+        </p:nvPicPr>
+        <p:blipFill>
+          <a:blip r:embed="rId4"/>
+          <a:stretch>
+            <a:fillRect/>
+          </a:stretch>
+        </p:blipFill>
+        <p:spPr>
+          <a:xfrm>
+            <a:off x="2698127" y="2317669"/>
+            <a:ext cx="6896100" cy="4200525"/>
+          </a:xfrm>
+          <a:prstGeom prst="rect">
+            <a:avLst/>
+          </a:prstGeom>
+        </p:spPr>
+      </p:pic>
     </p:spTree>
     <p:extLst>
       <p:ext uri="{BB962C8B-B14F-4D97-AF65-F5344CB8AC3E}">
-        <p14:creationId xmlns:p14="http://schemas.microsoft.com/office/powerpoint/2010/main" val="483571152"/>
+        <p14:creationId xmlns:p14="http://schemas.microsoft.com/office/powerpoint/2010/main" val="3066050120"/>
       </p:ext>
     </p:extLst>
   </p:cSld>
   <p:clrMapOvr>
     <a:masterClrMapping/>
   </p:clrMapOvr>
-  <p:timing>
-    <p:tnLst>
-      <p:par>
-        <p:cTn id="1" dur="indefinite" restart="never" nodeType="tmRoot">
-          <p:childTnLst>
-            <p:seq concurrent="1" nextAc="seek">
-              <p:cTn id="2" dur="indefinite" nodeType="mainSeq">
-                <p:childTnLst>
-                  <p:par>
-                    <p:cTn id="3" fill="hold">
-                      <p:stCondLst>
-                        <p:cond delay="indefinite"/>
-                      </p:stCondLst>
-                      <p:childTnLst>
-                        <p:par>
-                          <p:cTn id="4" fill="hold">
-                            <p:stCondLst>
-                              <p:cond delay="0"/>
-                            </p:stCondLst>
-                            <p:childTnLst>
-                              <p:par>
-                                <p:cTn id="5" presetID="10" presetClass="entr" presetSubtype="0" fill="hold" nodeType="clickEffect">
-                                  <p:stCondLst>
-                                    <p:cond delay="0"/>
-                                  </p:stCondLst>
-                                  <p:childTnLst>
-                                    <p:set>
-                                      <p:cBhvr>
-                                        <p:cTn id="6" dur="1" fill="hold">
-                                          <p:stCondLst>
-                                            <p:cond delay="0"/>
-                                          </p:stCondLst>
-                                        </p:cTn>
-                                        <p:tgtEl>
-                                          <p:spTgt spid="3"/>
-                                        </p:tgtEl>
-                                        <p:attrNameLst>
-                                          <p:attrName>style.visibility</p:attrName>
-                                        </p:attrNameLst>
-                                      </p:cBhvr>
-                                      <p:to>
-                                        <p:strVal val="visible"/>
-                                      </p:to>
-                                    </p:set>
-                                    <p:animEffect transition="in" filter="fade">
-                                      <p:cBhvr>
-                                        <p:cTn id="7" dur="500"/>
-                                        <p:tgtEl>
-                                          <p:spTgt spid="3"/>
-                                        </p:tgtEl>
-                                      </p:cBhvr>
-                                    </p:animEffect>
-                                  </p:childTnLst>
-                                </p:cTn>
-                              </p:par>
-                            </p:childTnLst>
-                          </p:cTn>
-                        </p:par>
-                      </p:childTnLst>
-                    </p:cTn>
-                  </p:par>
-                </p:childTnLst>
-              </p:cTn>
-              <p:prevCondLst>
-                <p:cond evt="onPrev" delay="0">
-                  <p:tgtEl>
-                    <p:sldTgt/>
-                  </p:tgtEl>
-                </p:cond>
-              </p:prevCondLst>
-              <p:nextCondLst>
-                <p:cond evt="onNext" delay="0">
-                  <p:tgtEl>
-                    <p:sldTgt/>
-                  </p:tgtEl>
-                </p:cond>
-              </p:nextCondLst>
-            </p:seq>
-          </p:childTnLst>
-        </p:cTn>
-      </p:par>
-    </p:tnLst>
-  </p:timing>
 </p:sld>
 </file>
 
@@ -10438,8 +10258,8 @@
         </p:nvSpPr>
         <p:spPr>
           <a:xfrm>
-            <a:off x="733805" y="1394339"/>
-            <a:ext cx="6096000" cy="923330"/>
+            <a:off x="878006" y="1394339"/>
+            <a:ext cx="6096000" cy="700192"/>
           </a:xfrm>
           <a:prstGeom prst="rect">
             <a:avLst/>
@@ -10501,7 +10321,7 @@
                 <a:ea typeface="Times New Roman" panose="02020603050405020304" pitchFamily="18" charset="0"/>
                 <a:cs typeface="Times New Roman" panose="02020603050405020304" pitchFamily="18" charset="0"/>
               </a:rPr>
-              <a:t>5</a:t>
+              <a:t>6</a:t>
             </a:r>
             <a:r>
               <a:rPr lang="en-US" b="1">
@@ -10512,7 +10332,7 @@
                 <a:ea typeface="Times New Roman" panose="02020603050405020304" pitchFamily="18" charset="0"/>
                 <a:cs typeface="Times New Roman" panose="02020603050405020304" pitchFamily="18" charset="0"/>
               </a:rPr>
-              <a:t>. Thực thể đơn hàng chi tiết</a:t>
+              <a:t>. Thực thể đơn hàng</a:t>
             </a:r>
             <a:endParaRPr lang="en-US" sz="2000" b="1">
               <a:solidFill>
@@ -10526,7 +10346,7 @@
           <a:p>
             <a:pPr algn="just">
               <a:lnSpc>
-                <a:spcPct val="150000"/>
+                <a:spcPts val="1500"/>
               </a:lnSpc>
               <a:spcAft>
                 <a:spcPts val="0"/>
@@ -10540,7 +10360,27 @@
                 <a:latin typeface="Times New Roman" panose="02020603050405020304" pitchFamily="18" charset="0"/>
                 <a:ea typeface="Times New Roman" panose="02020603050405020304" pitchFamily="18" charset="0"/>
               </a:rPr>
-              <a:t>	Lưu trữ thông tin về các đơn hàng chi tiết</a:t>
+              <a:t>	Lưu trữ th</a:t>
+            </a:r>
+            <a:r>
+              <a:rPr lang="vi-VN">
+                <a:solidFill>
+                  <a:srgbClr val="000000"/>
+                </a:solidFill>
+                <a:latin typeface="Times New Roman" panose="02020603050405020304" pitchFamily="18" charset="0"/>
+                <a:ea typeface="Times New Roman" panose="02020603050405020304" pitchFamily="18" charset="0"/>
+              </a:rPr>
+              <a:t>ông tin</a:t>
+            </a:r>
+            <a:r>
+              <a:rPr lang="en-US">
+                <a:solidFill>
+                  <a:srgbClr val="000000"/>
+                </a:solidFill>
+                <a:latin typeface="Times New Roman" panose="02020603050405020304" pitchFamily="18" charset="0"/>
+                <a:ea typeface="Times New Roman" panose="02020603050405020304" pitchFamily="18" charset="0"/>
+              </a:rPr>
+              <a:t> các đơn hàng</a:t>
             </a:r>
             <a:endParaRPr lang="en-US" sz="2000">
               <a:solidFill>
@@ -10561,8 +10401,8 @@
         </p:nvSpPr>
         <p:spPr>
           <a:xfrm>
-            <a:off x="4257520" y="6573307"/>
-            <a:ext cx="3485890" cy="290721"/>
+            <a:off x="4863077" y="6573307"/>
+            <a:ext cx="2793393" cy="284693"/>
           </a:xfrm>
           <a:prstGeom prst="rect">
             <a:avLst/>
@@ -10600,7 +10440,7 @@
                 <a:latin typeface="Times New Roman" panose="02020603050405020304" pitchFamily="18" charset="0"/>
                 <a:ea typeface="Times New Roman" panose="02020603050405020304" pitchFamily="18" charset="0"/>
               </a:rPr>
-              <a:t>1</a:t>
+              <a:t>2</a:t>
             </a:r>
             <a:r>
               <a:rPr lang="en-US">
@@ -10620,7 +10460,7 @@
                 <a:latin typeface="Times New Roman" panose="02020603050405020304" pitchFamily="18" charset="0"/>
                 <a:ea typeface="Times New Roman" panose="02020603050405020304" pitchFamily="18" charset="0"/>
               </a:rPr>
-              <a:t>Thực thể đơn hàng chi tiết</a:t>
+              <a:t>Thực thể đơn hàng</a:t>
             </a:r>
             <a:endParaRPr lang="en-US" sz="2000" dirty="0">
               <a:solidFill>
@@ -10700,7 +10540,7 @@
         </p:blipFill>
         <p:spPr>
           <a:xfrm>
-            <a:off x="2698127" y="2317669"/>
+            <a:off x="2811723" y="2138740"/>
             <a:ext cx="6896100" cy="4200525"/>
           </a:xfrm>
           <a:prstGeom prst="rect">
@@ -10711,100 +10551,17 @@
     </p:spTree>
     <p:extLst>
       <p:ext uri="{BB962C8B-B14F-4D97-AF65-F5344CB8AC3E}">
-        <p14:creationId xmlns:p14="http://schemas.microsoft.com/office/powerpoint/2010/main" val="3066050120"/>
+        <p14:creationId xmlns:p14="http://schemas.microsoft.com/office/powerpoint/2010/main" val="1523985236"/>
       </p:ext>
     </p:extLst>
   </p:cSld>
   <p:clrMapOvr>
     <a:masterClrMapping/>
   </p:clrMapOvr>
-  <p:timing>
-    <p:tnLst>
-      <p:par>
-        <p:cTn id="1" dur="indefinite" restart="never" nodeType="tmRoot">
-          <p:childTnLst>
-            <p:seq concurrent="1" nextAc="seek">
-              <p:cTn id="2" dur="indefinite" nodeType="mainSeq">
-                <p:childTnLst>
-                  <p:par>
-                    <p:cTn id="3" fill="hold">
-                      <p:stCondLst>
-                        <p:cond delay="indefinite"/>
-                      </p:stCondLst>
-                      <p:childTnLst>
-                        <p:par>
-                          <p:cTn id="4" fill="hold">
-                            <p:stCondLst>
-                              <p:cond delay="0"/>
-                            </p:stCondLst>
-                            <p:childTnLst>
-                              <p:par>
-                                <p:cTn id="5" presetID="10" presetClass="entr" presetSubtype="0" fill="hold" nodeType="clickEffect">
-                                  <p:stCondLst>
-                                    <p:cond delay="0"/>
-                                  </p:stCondLst>
-                                  <p:childTnLst>
-                                    <p:set>
-                                      <p:cBhvr>
-                                        <p:cTn id="6" dur="1" fill="hold">
-                                          <p:stCondLst>
-                                            <p:cond delay="0"/>
-                                          </p:stCondLst>
-                                        </p:cTn>
-                                        <p:tgtEl>
-                                          <p:spTgt spid="3"/>
-                                        </p:tgtEl>
-                                        <p:attrNameLst>
-                                          <p:attrName>style.visibility</p:attrName>
-                                        </p:attrNameLst>
-                                      </p:cBhvr>
-                                      <p:to>
-                                        <p:strVal val="visible"/>
-                                      </p:to>
-                                    </p:set>
-                                    <p:animEffect transition="in" filter="fade">
-                                      <p:cBhvr>
-                                        <p:cTn id="7" dur="500"/>
-                                        <p:tgtEl>
-                                          <p:spTgt spid="3"/>
-                                        </p:tgtEl>
-                                      </p:cBhvr>
-                                    </p:animEffect>
-                                  </p:childTnLst>
-                                </p:cTn>
-                              </p:par>
-                            </p:childTnLst>
-                          </p:cTn>
-                        </p:par>
-                      </p:childTnLst>
-                    </p:cTn>
-                  </p:par>
-                </p:childTnLst>
-              </p:cTn>
-              <p:prevCondLst>
-                <p:cond evt="onPrev" delay="0">
-                  <p:tgtEl>
-                    <p:sldTgt/>
-                  </p:tgtEl>
-                </p:cond>
-              </p:prevCondLst>
-              <p:nextCondLst>
-                <p:cond evt="onNext" delay="0">
-                  <p:tgtEl>
-                    <p:sldTgt/>
-                  </p:tgtEl>
-                </p:cond>
-              </p:nextCondLst>
-            </p:seq>
-          </p:childTnLst>
-        </p:cTn>
-      </p:par>
-    </p:tnLst>
-  </p:timing>
 </p:sld>
 </file>
 
-<file path=ppt/slides/slide12.xml><?xml version="1.0" encoding="utf-8"?>
+<file path=ppt/slides/slide2.xml><?xml version="1.0" encoding="utf-8"?>
 <p:sld xmlns:a="http://schemas.openxmlformats.org/drawingml/2006/main" xmlns:r="http://schemas.openxmlformats.org/officeDocument/2006/relationships" xmlns:p="http://schemas.openxmlformats.org/presentationml/2006/main">
   <p:cSld>
     <p:spTree>
@@ -10830,9 +10587,9 @@
         <p:grpSpPr>
           <a:xfrm>
             <a:off x="-731851" y="261468"/>
-            <a:ext cx="4785236" cy="1645500"/>
+            <a:ext cx="4130145" cy="1645500"/>
             <a:chOff x="2075625" y="1090612"/>
-            <a:chExt cx="3904704" cy="2144143"/>
+            <a:chExt cx="3370157" cy="2144143"/>
           </a:xfrm>
         </p:grpSpPr>
         <p:sp>
@@ -10843,8 +10600,8 @@
           </p:nvSpPr>
           <p:spPr>
             <a:xfrm>
-              <a:off x="2752259" y="1623893"/>
-              <a:ext cx="3228070" cy="885283"/>
+              <a:off x="2752258" y="1623893"/>
+              <a:ext cx="2693524" cy="885283"/>
             </a:xfrm>
             <a:prstGeom prst="rect">
               <a:avLst/>
@@ -10897,7 +10654,544 @@
                   <a:cs typeface="Times New Roman" panose="02020603050405020304" pitchFamily="18" charset="0"/>
                   <a:sym typeface="Century Gothic"/>
                 </a:rPr>
-                <a:t>            Thiết kế dữ liệu</a:t>
+                <a:t>            Các biểu đồ</a:t>
+              </a:r>
+              <a:endParaRPr sz="2600" b="1">
+                <a:solidFill>
+                  <a:schemeClr val="bg1"/>
+                </a:solidFill>
+                <a:latin typeface="Times New Roman" panose="02020603050405020304" pitchFamily="18" charset="0"/>
+                <a:ea typeface="Century Gothic"/>
+                <a:cs typeface="Times New Roman" panose="02020603050405020304" pitchFamily="18" charset="0"/>
+                <a:sym typeface="Century Gothic"/>
+              </a:endParaRPr>
+            </a:p>
+          </p:txBody>
+        </p:sp>
+        <p:sp>
+          <p:nvSpPr>
+            <p:cNvPr id="5" name="Shape 233"/>
+            <p:cNvSpPr/>
+            <p:nvPr/>
+          </p:nvSpPr>
+          <p:spPr>
+            <a:xfrm rot="349079">
+              <a:off x="2075625" y="1898810"/>
+              <a:ext cx="2308247" cy="1335945"/>
+            </a:xfrm>
+            <a:custGeom>
+              <a:avLst/>
+              <a:gdLst/>
+              <a:ahLst/>
+              <a:cxnLst/>
+              <a:rect l="0" t="0" r="0" b="0"/>
+              <a:pathLst>
+                <a:path w="2410691" h="1649124" extrusionOk="0">
+                  <a:moveTo>
+                    <a:pt x="0" y="873270"/>
+                  </a:moveTo>
+                  <a:cubicBezTo>
+                    <a:pt x="910244" y="895668"/>
+                    <a:pt x="1812867" y="1238106"/>
+                    <a:pt x="2410691" y="1649124"/>
+                  </a:cubicBezTo>
+                  <a:lnTo>
+                    <a:pt x="2192050" y="641206"/>
+                  </a:lnTo>
+                  <a:cubicBezTo>
+                    <a:pt x="2107623" y="436996"/>
+                    <a:pt x="1951647" y="226118"/>
+                    <a:pt x="1548133" y="0"/>
+                  </a:cubicBezTo>
+                  <a:cubicBezTo>
+                    <a:pt x="1073296" y="254397"/>
+                    <a:pt x="838819" y="413663"/>
+                    <a:pt x="0" y="873270"/>
+                  </a:cubicBezTo>
+                  <a:close/>
+                </a:path>
+              </a:pathLst>
+            </a:custGeom>
+            <a:gradFill>
+              <a:gsLst>
+                <a:gs pos="0">
+                  <a:schemeClr val="dk1"/>
+                </a:gs>
+                <a:gs pos="66000">
+                  <a:srgbClr val="E7E7E7">
+                    <a:alpha val="0"/>
+                  </a:srgbClr>
+                </a:gs>
+                <a:gs pos="100000">
+                  <a:srgbClr val="FFFFFF">
+                    <a:alpha val="0"/>
+                  </a:srgbClr>
+                </a:gs>
+              </a:gsLst>
+              <a:lin ang="600000" scaled="0"/>
+            </a:gradFill>
+            <a:ln>
+              <a:noFill/>
+            </a:ln>
+          </p:spPr>
+          <p:txBody>
+            <a:bodyPr spcFirstLastPara="1" wrap="square" lIns="91425" tIns="45700" rIns="91425" bIns="45700" anchor="ctr" anchorCtr="0">
+              <a:noAutofit/>
+            </a:bodyPr>
+            <a:lstStyle/>
+            <a:p>
+              <a:pPr marL="0" marR="0" lvl="0" indent="0" algn="ctr" rtl="0">
+                <a:spcBef>
+                  <a:spcPts val="0"/>
+                </a:spcBef>
+                <a:spcAft>
+                  <a:spcPts val="0"/>
+                </a:spcAft>
+                <a:buNone/>
+              </a:pPr>
+              <a:endParaRPr sz="1800">
+                <a:solidFill>
+                  <a:srgbClr val="FFFFFF"/>
+                </a:solidFill>
+                <a:latin typeface="Century Gothic"/>
+                <a:ea typeface="Century Gothic"/>
+                <a:cs typeface="Century Gothic"/>
+                <a:sym typeface="Century Gothic"/>
+              </a:endParaRPr>
+            </a:p>
+          </p:txBody>
+        </p:sp>
+        <p:sp>
+          <p:nvSpPr>
+            <p:cNvPr id="6" name="Shape 234"/>
+            <p:cNvSpPr/>
+            <p:nvPr/>
+          </p:nvSpPr>
+          <p:spPr>
+            <a:xfrm>
+              <a:off x="2676179" y="1090612"/>
+              <a:ext cx="1190813" cy="1418564"/>
+            </a:xfrm>
+            <a:custGeom>
+              <a:avLst/>
+              <a:gdLst/>
+              <a:ahLst/>
+              <a:cxnLst/>
+              <a:rect l="0" t="0" r="0" b="0"/>
+              <a:pathLst>
+                <a:path w="1190625" h="1419225" extrusionOk="0">
+                  <a:moveTo>
+                    <a:pt x="0" y="1419225"/>
+                  </a:moveTo>
+                  <a:lnTo>
+                    <a:pt x="0" y="471487"/>
+                  </a:lnTo>
+                  <a:lnTo>
+                    <a:pt x="957262" y="0"/>
+                  </a:lnTo>
+                  <a:lnTo>
+                    <a:pt x="1190625" y="347662"/>
+                  </a:lnTo>
+                  <a:lnTo>
+                    <a:pt x="947737" y="952500"/>
+                  </a:lnTo>
+                  <a:lnTo>
+                    <a:pt x="0" y="1419225"/>
+                  </a:lnTo>
+                  <a:close/>
+                </a:path>
+              </a:pathLst>
+            </a:custGeom>
+            <a:solidFill>
+              <a:schemeClr val="accent1">
+                <a:lumMod val="60000"/>
+                <a:lumOff val="40000"/>
+              </a:schemeClr>
+            </a:solidFill>
+            <a:ln>
+              <a:solidFill>
+                <a:schemeClr val="accent1"/>
+              </a:solidFill>
+            </a:ln>
+          </p:spPr>
+          <p:txBody>
+            <a:bodyPr spcFirstLastPara="1" wrap="square" lIns="91425" tIns="45700" rIns="91425" bIns="45700" anchor="ctr" anchorCtr="0">
+              <a:noAutofit/>
+            </a:bodyPr>
+            <a:lstStyle/>
+            <a:p>
+              <a:pPr marL="0" marR="0" lvl="0" indent="0" algn="ctr" rtl="0">
+                <a:spcBef>
+                  <a:spcPts val="0"/>
+                </a:spcBef>
+                <a:spcAft>
+                  <a:spcPts val="0"/>
+                </a:spcAft>
+                <a:buNone/>
+              </a:pPr>
+              <a:endParaRPr sz="1800">
+                <a:solidFill>
+                  <a:schemeClr val="lt1"/>
+                </a:solidFill>
+                <a:latin typeface="Times New Roman" panose="02020603050405020304" pitchFamily="18" charset="0"/>
+                <a:ea typeface="Century Gothic"/>
+                <a:cs typeface="Times New Roman" panose="02020603050405020304" pitchFamily="18" charset="0"/>
+                <a:sym typeface="Century Gothic"/>
+              </a:endParaRPr>
+            </a:p>
+          </p:txBody>
+        </p:sp>
+      </p:grpSp>
+      <p:pic>
+        <p:nvPicPr>
+          <p:cNvPr id="7" name="Picture 6" descr="aptechlogoww"/>
+          <p:cNvPicPr/>
+          <p:nvPr/>
+        </p:nvPicPr>
+        <p:blipFill>
+          <a:blip r:embed="rId3">
+            <a:extLst>
+              <a:ext uri="{28A0092B-C50C-407E-A947-70E740481C1C}">
+                <a14:useLocalDpi xmlns:a14="http://schemas.microsoft.com/office/drawing/2010/main" val="0"/>
+              </a:ext>
+            </a:extLst>
+          </a:blip>
+          <a:srcRect/>
+          <a:stretch>
+            <a:fillRect/>
+          </a:stretch>
+        </p:blipFill>
+        <p:spPr bwMode="auto">
+          <a:xfrm>
+            <a:off x="8668080" y="163941"/>
+            <a:ext cx="1852295" cy="391795"/>
+          </a:xfrm>
+          <a:prstGeom prst="rect">
+            <a:avLst/>
+          </a:prstGeom>
+          <a:noFill/>
+          <a:ln>
+            <a:noFill/>
+          </a:ln>
+        </p:spPr>
+      </p:pic>
+      <p:pic>
+        <p:nvPicPr>
+          <p:cNvPr id="8" name="Picture 7" descr="bkaptechlogo"/>
+          <p:cNvPicPr/>
+          <p:nvPr/>
+        </p:nvPicPr>
+        <p:blipFill>
+          <a:blip r:embed="rId4">
+            <a:extLst>
+              <a:ext uri="{28A0092B-C50C-407E-A947-70E740481C1C}">
+                <a14:useLocalDpi xmlns:a14="http://schemas.microsoft.com/office/drawing/2010/main" val="0"/>
+              </a:ext>
+            </a:extLst>
+          </a:blip>
+          <a:srcRect/>
+          <a:stretch>
+            <a:fillRect/>
+          </a:stretch>
+        </p:blipFill>
+        <p:spPr bwMode="auto">
+          <a:xfrm>
+            <a:off x="10520375" y="142171"/>
+            <a:ext cx="1531620" cy="391795"/>
+          </a:xfrm>
+          <a:prstGeom prst="rect">
+            <a:avLst/>
+          </a:prstGeom>
+          <a:noFill/>
+          <a:ln>
+            <a:noFill/>
+          </a:ln>
+        </p:spPr>
+      </p:pic>
+      <p:sp>
+        <p:nvSpPr>
+          <p:cNvPr id="9" name="Rectangle 8"/>
+          <p:cNvSpPr/>
+          <p:nvPr/>
+        </p:nvSpPr>
+        <p:spPr>
+          <a:xfrm>
+            <a:off x="370" y="496390"/>
+            <a:ext cx="927093" cy="705394"/>
+          </a:xfrm>
+          <a:prstGeom prst="rect">
+            <a:avLst/>
+          </a:prstGeom>
+          <a:noFill/>
+          <a:ln>
+            <a:noFill/>
+          </a:ln>
+        </p:spPr>
+        <p:style>
+          <a:lnRef idx="0">
+            <a:scrgbClr r="0" g="0" b="0"/>
+          </a:lnRef>
+          <a:fillRef idx="0">
+            <a:scrgbClr r="0" g="0" b="0"/>
+          </a:fillRef>
+          <a:effectRef idx="0">
+            <a:scrgbClr r="0" g="0" b="0"/>
+          </a:effectRef>
+          <a:fontRef idx="minor">
+            <a:schemeClr val="dk1"/>
+          </a:fontRef>
+        </p:style>
+        <p:txBody>
+          <a:bodyPr rtlCol="0" anchor="ctr"/>
+          <a:lstStyle/>
+          <a:p>
+            <a:pPr algn="ctr"/>
+            <a:r>
+              <a:rPr lang="en-US" sz="3600" b="1">
+                <a:solidFill>
+                  <a:schemeClr val="bg1"/>
+                </a:solidFill>
+                <a:latin typeface="Times New Roman" panose="02020603050405020304" pitchFamily="18" charset="0"/>
+                <a:cs typeface="Times New Roman" panose="02020603050405020304" pitchFamily="18" charset="0"/>
+              </a:rPr>
+              <a:t>04</a:t>
+            </a:r>
+          </a:p>
+        </p:txBody>
+      </p:sp>
+      <p:sp>
+        <p:nvSpPr>
+          <p:cNvPr id="10" name="Rectangle 9"/>
+          <p:cNvSpPr/>
+          <p:nvPr/>
+        </p:nvSpPr>
+        <p:spPr>
+          <a:xfrm>
+            <a:off x="724683" y="1617044"/>
+            <a:ext cx="2408032" cy="284693"/>
+          </a:xfrm>
+          <a:prstGeom prst="rect">
+            <a:avLst/>
+          </a:prstGeom>
+        </p:spPr>
+        <p:txBody>
+          <a:bodyPr wrap="none">
+            <a:spAutoFit/>
+          </a:bodyPr>
+          <a:lstStyle/>
+          <a:p>
+            <a:pPr algn="just">
+              <a:lnSpc>
+                <a:spcPts val="1500"/>
+              </a:lnSpc>
+              <a:spcAft>
+                <a:spcPts val="0"/>
+              </a:spcAft>
+            </a:pPr>
+            <a:r>
+              <a:rPr lang="en-US" sz="2200" b="1">
+                <a:solidFill>
+                  <a:srgbClr val="000000"/>
+                </a:solidFill>
+                <a:latin typeface="Times New Roman" panose="02020603050405020304" pitchFamily="18" charset="0"/>
+                <a:ea typeface="Times New Roman" panose="02020603050405020304" pitchFamily="18" charset="0"/>
+                <a:cs typeface="Times New Roman" panose="02020603050405020304" pitchFamily="18" charset="0"/>
+              </a:rPr>
+              <a:t>4.1. Biểu đồ mức 0</a:t>
+            </a:r>
+            <a:endParaRPr lang="en-US" sz="2200" b="1">
+              <a:solidFill>
+                <a:srgbClr val="000000"/>
+              </a:solidFill>
+              <a:effectLst/>
+              <a:latin typeface="Times New Roman" panose="02020603050405020304" pitchFamily="18" charset="0"/>
+              <a:ea typeface="Times New Roman" panose="02020603050405020304" pitchFamily="18" charset="0"/>
+              <a:cs typeface="Times New Roman" panose="02020603050405020304" pitchFamily="18" charset="0"/>
+            </a:endParaRPr>
+          </a:p>
+        </p:txBody>
+      </p:sp>
+      <p:sp>
+        <p:nvSpPr>
+          <p:cNvPr id="12" name="Rectangle 11"/>
+          <p:cNvSpPr/>
+          <p:nvPr/>
+        </p:nvSpPr>
+        <p:spPr>
+          <a:xfrm>
+            <a:off x="3810269" y="6207275"/>
+            <a:ext cx="3970960" cy="284693"/>
+          </a:xfrm>
+          <a:prstGeom prst="rect">
+            <a:avLst/>
+          </a:prstGeom>
+        </p:spPr>
+        <p:txBody>
+          <a:bodyPr wrap="none">
+            <a:spAutoFit/>
+          </a:bodyPr>
+          <a:lstStyle/>
+          <a:p>
+            <a:pPr algn="ctr">
+              <a:lnSpc>
+                <a:spcPts val="1500"/>
+              </a:lnSpc>
+              <a:spcAft>
+                <a:spcPts val="0"/>
+              </a:spcAft>
+            </a:pPr>
+            <a:r>
+              <a:rPr lang="en-US">
+                <a:solidFill>
+                  <a:srgbClr val="000000"/>
+                </a:solidFill>
+                <a:latin typeface="Times New Roman" panose="02020603050405020304" pitchFamily="18" charset="0"/>
+                <a:ea typeface="Times New Roman" panose="02020603050405020304" pitchFamily="18" charset="0"/>
+              </a:rPr>
+              <a:t>Hình 1: Biểu đồ mức ngữ cảnh ứng dụng</a:t>
+            </a:r>
+            <a:endParaRPr lang="en-US" sz="2000">
+              <a:solidFill>
+                <a:srgbClr val="000000"/>
+              </a:solidFill>
+              <a:effectLst/>
+              <a:latin typeface="Times New Roman" panose="02020603050405020304" pitchFamily="18" charset="0"/>
+              <a:ea typeface="Times New Roman" panose="02020603050405020304" pitchFamily="18" charset="0"/>
+            </a:endParaRPr>
+          </a:p>
+        </p:txBody>
+      </p:sp>
+      <p:pic>
+        <p:nvPicPr>
+          <p:cNvPr id="15" name="Picture 14"/>
+          <p:cNvPicPr>
+            <a:picLocks noChangeAspect="1"/>
+          </p:cNvPicPr>
+          <p:nvPr/>
+        </p:nvPicPr>
+        <p:blipFill>
+          <a:blip r:embed="rId5"/>
+          <a:stretch>
+            <a:fillRect/>
+          </a:stretch>
+        </p:blipFill>
+        <p:spPr>
+          <a:xfrm>
+            <a:off x="2321859" y="1901737"/>
+            <a:ext cx="7620000" cy="4076700"/>
+          </a:xfrm>
+          <a:prstGeom prst="rect">
+            <a:avLst/>
+          </a:prstGeom>
+        </p:spPr>
+      </p:pic>
+    </p:spTree>
+    <p:extLst>
+      <p:ext uri="{BB962C8B-B14F-4D97-AF65-F5344CB8AC3E}">
+        <p14:creationId xmlns:p14="http://schemas.microsoft.com/office/powerpoint/2010/main" val="4200772348"/>
+      </p:ext>
+    </p:extLst>
+  </p:cSld>
+  <p:clrMapOvr>
+    <a:masterClrMapping/>
+  </p:clrMapOvr>
+</p:sld>
+</file>
+
+<file path=ppt/slides/slide3.xml><?xml version="1.0" encoding="utf-8"?>
+<p:sld xmlns:a="http://schemas.openxmlformats.org/drawingml/2006/main" xmlns:r="http://schemas.openxmlformats.org/officeDocument/2006/relationships" xmlns:p="http://schemas.openxmlformats.org/presentationml/2006/main">
+  <p:cSld>
+    <p:spTree>
+      <p:nvGrpSpPr>
+        <p:cNvPr id="1" name=""/>
+        <p:cNvGrpSpPr/>
+        <p:nvPr/>
+      </p:nvGrpSpPr>
+      <p:grpSpPr>
+        <a:xfrm>
+          <a:off x="0" y="0"/>
+          <a:ext cx="0" cy="0"/>
+          <a:chOff x="0" y="0"/>
+          <a:chExt cx="0" cy="0"/>
+        </a:xfrm>
+      </p:grpSpPr>
+      <p:grpSp>
+        <p:nvGrpSpPr>
+          <p:cNvPr id="3" name="Shape 231"/>
+          <p:cNvGrpSpPr/>
+          <p:nvPr/>
+        </p:nvGrpSpPr>
+        <p:grpSpPr>
+          <a:xfrm>
+            <a:off x="-731851" y="261468"/>
+            <a:ext cx="4130145" cy="1645500"/>
+            <a:chOff x="2075625" y="1090612"/>
+            <a:chExt cx="3370157" cy="2144143"/>
+          </a:xfrm>
+        </p:grpSpPr>
+        <p:sp>
+          <p:nvSpPr>
+            <p:cNvPr id="4" name="Shape 232"/>
+            <p:cNvSpPr/>
+            <p:nvPr/>
+          </p:nvSpPr>
+          <p:spPr>
+            <a:xfrm>
+              <a:off x="2752258" y="1623893"/>
+              <a:ext cx="2693524" cy="885283"/>
+            </a:xfrm>
+            <a:prstGeom prst="rect">
+              <a:avLst/>
+            </a:prstGeom>
+            <a:gradFill>
+              <a:gsLst>
+                <a:gs pos="0">
+                  <a:srgbClr val="7B5B20"/>
+                </a:gs>
+                <a:gs pos="10000">
+                  <a:srgbClr val="7B5B20"/>
+                </a:gs>
+                <a:gs pos="50000">
+                  <a:srgbClr val="DFA63C"/>
+                </a:gs>
+                <a:gs pos="100000">
+                  <a:srgbClr val="FFC749"/>
+                </a:gs>
+              </a:gsLst>
+              <a:lin ang="0" scaled="0"/>
+            </a:gradFill>
+            <a:ln>
+              <a:solidFill>
+                <a:schemeClr val="accent1"/>
+              </a:solidFill>
+            </a:ln>
+          </p:spPr>
+          <p:txBody>
+            <a:bodyPr spcFirstLastPara="1" wrap="square" lIns="91425" tIns="45700" rIns="91425" bIns="45700" anchor="ctr" anchorCtr="0">
+              <a:noAutofit/>
+            </a:bodyPr>
+            <a:lstStyle/>
+            <a:p>
+              <a:pPr marL="0" marR="0" lvl="0" indent="0" algn="r" rtl="0">
+                <a:spcBef>
+                  <a:spcPts val="0"/>
+                </a:spcBef>
+                <a:spcAft>
+                  <a:spcPts val="0"/>
+                </a:spcAft>
+                <a:buNone/>
+              </a:pPr>
+              <a:r>
+                <a:rPr lang="en-US" sz="2800" b="1">
+                  <a:solidFill>
+                    <a:schemeClr val="bg1"/>
+                  </a:solidFill>
+                  <a:latin typeface="Times New Roman" panose="02020603050405020304" pitchFamily="18" charset="0"/>
+                  <a:ea typeface="Century Gothic"/>
+                  <a:cs typeface="Times New Roman" panose="02020603050405020304" pitchFamily="18" charset="0"/>
+                  <a:sym typeface="Century Gothic"/>
+                </a:rPr>
+                <a:t>            Các biểu đồ</a:t>
               </a:r>
               <a:endParaRPr sz="2600" b="1">
                 <a:solidFill>
@@ -11159,8 +11453,8 @@
         </p:nvSpPr>
         <p:spPr>
           <a:xfrm>
-            <a:off x="878006" y="1394339"/>
-            <a:ext cx="6096000" cy="700192"/>
+            <a:off x="550459" y="1640896"/>
+            <a:ext cx="6096000" cy="669414"/>
           </a:xfrm>
           <a:prstGeom prst="rect">
             <a:avLst/>
@@ -11174,7 +11468,7 @@
           <a:p>
             <a:pPr algn="just">
               <a:lnSpc>
-                <a:spcPct val="150000"/>
+                <a:spcPts val="1500"/>
               </a:lnSpc>
               <a:spcAft>
                 <a:spcPts val="0"/>
@@ -11189,60 +11483,8 @@
                 <a:ea typeface="Times New Roman" panose="02020603050405020304" pitchFamily="18" charset="0"/>
                 <a:cs typeface="Times New Roman" panose="02020603050405020304" pitchFamily="18" charset="0"/>
               </a:rPr>
-              <a:t>5.</a:t>
-            </a:r>
-            <a:r>
-              <a:rPr lang="vi-VN" b="1">
-                <a:solidFill>
-                  <a:srgbClr val="000000"/>
-                </a:solidFill>
-                <a:latin typeface="Times New Roman" panose="02020603050405020304" pitchFamily="18" charset="0"/>
-                <a:ea typeface="Times New Roman" panose="02020603050405020304" pitchFamily="18" charset="0"/>
-                <a:cs typeface="Times New Roman" panose="02020603050405020304" pitchFamily="18" charset="0"/>
-              </a:rPr>
-              <a:t>2</a:t>
-            </a:r>
-            <a:r>
-              <a:rPr lang="en-US" b="1">
-                <a:solidFill>
-                  <a:srgbClr val="000000"/>
-                </a:solidFill>
-                <a:latin typeface="Times New Roman" panose="02020603050405020304" pitchFamily="18" charset="0"/>
-                <a:ea typeface="Times New Roman" panose="02020603050405020304" pitchFamily="18" charset="0"/>
-                <a:cs typeface="Times New Roman" panose="02020603050405020304" pitchFamily="18" charset="0"/>
-              </a:rPr>
-              <a:t>.</a:t>
-            </a:r>
-            <a:r>
-              <a:rPr lang="vi-VN" b="1">
-                <a:solidFill>
-                  <a:srgbClr val="000000"/>
-                </a:solidFill>
-                <a:latin typeface="Times New Roman" panose="02020603050405020304" pitchFamily="18" charset="0"/>
-                <a:ea typeface="Times New Roman" panose="02020603050405020304" pitchFamily="18" charset="0"/>
-                <a:cs typeface="Times New Roman" panose="02020603050405020304" pitchFamily="18" charset="0"/>
-              </a:rPr>
-              <a:t>6</a:t>
-            </a:r>
-            <a:r>
-              <a:rPr lang="en-US" b="1">
-                <a:solidFill>
-                  <a:srgbClr val="000000"/>
-                </a:solidFill>
-                <a:latin typeface="Times New Roman" panose="02020603050405020304" pitchFamily="18" charset="0"/>
-                <a:ea typeface="Times New Roman" panose="02020603050405020304" pitchFamily="18" charset="0"/>
-                <a:cs typeface="Times New Roman" panose="02020603050405020304" pitchFamily="18" charset="0"/>
-              </a:rPr>
-              <a:t>. Thực thể đơn hàng</a:t>
-            </a:r>
-            <a:endParaRPr lang="en-US" sz="2000" b="1">
-              <a:solidFill>
-                <a:srgbClr val="000000"/>
-              </a:solidFill>
-              <a:latin typeface="Times New Roman" panose="02020603050405020304" pitchFamily="18" charset="0"/>
-              <a:ea typeface="Times New Roman" panose="02020603050405020304" pitchFamily="18" charset="0"/>
-              <a:cs typeface="Times New Roman" panose="02020603050405020304" pitchFamily="18" charset="0"/>
-            </a:endParaRPr>
+              <a:t>4.2. Biểu đồ mức 1</a:t>
+            </a:r>
           </a:p>
           <a:p>
             <a:pPr algn="just">
@@ -11253,37 +11495,35 @@
                 <a:spcPts val="0"/>
               </a:spcAft>
             </a:pPr>
-            <a:r>
-              <a:rPr lang="en-US">
+            <a:endParaRPr lang="en-US" b="1">
+              <a:solidFill>
+                <a:srgbClr val="000000"/>
+              </a:solidFill>
+              <a:latin typeface="Times New Roman" panose="02020603050405020304" pitchFamily="18" charset="0"/>
+              <a:ea typeface="Times New Roman" panose="02020603050405020304" pitchFamily="18" charset="0"/>
+              <a:cs typeface="Times New Roman" panose="02020603050405020304" pitchFamily="18" charset="0"/>
+            </a:endParaRPr>
+          </a:p>
+          <a:p>
+            <a:pPr algn="just">
+              <a:lnSpc>
+                <a:spcPts val="1500"/>
+              </a:lnSpc>
+              <a:spcAft>
+                <a:spcPts val="0"/>
+              </a:spcAft>
+            </a:pPr>
+            <a:r>
+              <a:rPr lang="en-US" b="1">
                 <a:solidFill>
                   <a:srgbClr val="000000"/>
                 </a:solidFill>
                 <a:latin typeface="Times New Roman" panose="02020603050405020304" pitchFamily="18" charset="0"/>
                 <a:ea typeface="Times New Roman" panose="02020603050405020304" pitchFamily="18" charset="0"/>
               </a:rPr>
-              <a:t>	Lưu trữ th</a:t>
-            </a:r>
-            <a:r>
-              <a:rPr lang="vi-VN">
-                <a:solidFill>
-                  <a:srgbClr val="000000"/>
-                </a:solidFill>
-                <a:latin typeface="Times New Roman" panose="02020603050405020304" pitchFamily="18" charset="0"/>
-                <a:ea typeface="Times New Roman" panose="02020603050405020304" pitchFamily="18" charset="0"/>
-              </a:rPr>
-              <a:t>ông tin</a:t>
-            </a:r>
-            <a:r>
-              <a:rPr lang="en-US">
-                <a:solidFill>
-                  <a:srgbClr val="000000"/>
-                </a:solidFill>
-                <a:latin typeface="Times New Roman" panose="02020603050405020304" pitchFamily="18" charset="0"/>
-                <a:ea typeface="Times New Roman" panose="02020603050405020304" pitchFamily="18" charset="0"/>
-              </a:rPr>
-              <a:t> các đơn hàng</a:t>
-            </a:r>
-            <a:endParaRPr lang="en-US" sz="2000">
+              <a:t>Customer</a:t>
+            </a:r>
+            <a:endParaRPr lang="en-US">
               <a:solidFill>
                 <a:srgbClr val="000000"/>
               </a:solidFill>
@@ -11302,8 +11542,8 @@
         </p:nvSpPr>
         <p:spPr>
           <a:xfrm>
-            <a:off x="4863077" y="6573307"/>
-            <a:ext cx="2793393" cy="284693"/>
+            <a:off x="5983457" y="2025617"/>
+            <a:ext cx="1326004" cy="284693"/>
           </a:xfrm>
           <a:prstGeom prst="rect">
             <a:avLst/>
@@ -11315,7 +11555,7 @@
           </a:bodyPr>
           <a:lstStyle/>
           <a:p>
-            <a:pPr algn="ctr">
+            <a:pPr indent="457200" algn="just">
               <a:lnSpc>
                 <a:spcPts val="1500"/>
               </a:lnSpc>
@@ -11324,46 +11564,16 @@
               </a:spcAft>
             </a:pPr>
             <a:r>
-              <a:rPr lang="en-US">
+              <a:rPr lang="en-US" b="1">
                 <a:solidFill>
                   <a:srgbClr val="000000"/>
                 </a:solidFill>
                 <a:latin typeface="Times New Roman" panose="02020603050405020304" pitchFamily="18" charset="0"/>
                 <a:ea typeface="Times New Roman" panose="02020603050405020304" pitchFamily="18" charset="0"/>
               </a:rPr>
-              <a:t>Hình 1</a:t>
-            </a:r>
-            <a:r>
-              <a:rPr lang="vi-VN">
-                <a:solidFill>
-                  <a:srgbClr val="000000"/>
-                </a:solidFill>
-                <a:latin typeface="Times New Roman" panose="02020603050405020304" pitchFamily="18" charset="0"/>
-                <a:ea typeface="Times New Roman" panose="02020603050405020304" pitchFamily="18" charset="0"/>
-              </a:rPr>
-              <a:t>2</a:t>
-            </a:r>
-            <a:r>
-              <a:rPr lang="en-US">
-                <a:solidFill>
-                  <a:srgbClr val="000000"/>
-                </a:solidFill>
-                <a:latin typeface="Times New Roman" panose="02020603050405020304" pitchFamily="18" charset="0"/>
-                <a:ea typeface="Times New Roman" panose="02020603050405020304" pitchFamily="18" charset="0"/>
-              </a:rPr>
-              <a:t>: </a:t>
-            </a:r>
-            <a:r>
-              <a:rPr lang="en-US" dirty="0">
-                <a:solidFill>
-                  <a:srgbClr val="000000"/>
-                </a:solidFill>
-                <a:latin typeface="Times New Roman" panose="02020603050405020304" pitchFamily="18" charset="0"/>
-                <a:ea typeface="Times New Roman" panose="02020603050405020304" pitchFamily="18" charset="0"/>
-              </a:rPr>
-              <a:t>Thực thể đơn hàng</a:t>
-            </a:r>
-            <a:endParaRPr lang="en-US" sz="2000" dirty="0">
+              <a:t>Admin</a:t>
+            </a:r>
+            <a:endParaRPr lang="en-US">
               <a:solidFill>
                 <a:srgbClr val="000000"/>
               </a:solidFill>
@@ -11376,7 +11586,7 @@
       </p:sp>
       <p:sp>
         <p:nvSpPr>
-          <p:cNvPr id="12" name="Rectangle 11"/>
+          <p:cNvPr id="13" name="Rectangle 12"/>
           <p:cNvSpPr/>
           <p:nvPr/>
         </p:nvSpPr>
@@ -11420,14 +11630,119 @@
                 <a:latin typeface="Times New Roman" panose="02020603050405020304" pitchFamily="18" charset="0"/>
                 <a:cs typeface="Times New Roman" panose="02020603050405020304" pitchFamily="18" charset="0"/>
               </a:rPr>
-              <a:t>05</a:t>
-            </a:r>
+              <a:t>04</a:t>
+            </a:r>
+          </a:p>
+        </p:txBody>
+      </p:sp>
+      <p:sp>
+        <p:nvSpPr>
+          <p:cNvPr id="2" name="Rectangle 1"/>
+          <p:cNvSpPr/>
+          <p:nvPr/>
+        </p:nvSpPr>
+        <p:spPr>
+          <a:xfrm>
+            <a:off x="1441202" y="5797946"/>
+            <a:ext cx="3637534" cy="369332"/>
+          </a:xfrm>
+          <a:prstGeom prst="rect">
+            <a:avLst/>
+          </a:prstGeom>
+        </p:spPr>
+        <p:txBody>
+          <a:bodyPr wrap="none">
+            <a:spAutoFit/>
+          </a:bodyPr>
+          <a:lstStyle/>
+          <a:p>
+            <a:r>
+              <a:rPr lang="en-US">
+                <a:solidFill>
+                  <a:srgbClr val="000000"/>
+                </a:solidFill>
+                <a:latin typeface="Times New Roman" panose="02020603050405020304" pitchFamily="18" charset="0"/>
+                <a:ea typeface="Times New Roman" panose="02020603050405020304" pitchFamily="18" charset="0"/>
+              </a:rPr>
+              <a:t>Hình 2: </a:t>
+            </a:r>
+            <a:r>
+              <a:rPr lang="en-US" dirty="0">
+                <a:solidFill>
+                  <a:srgbClr val="000000"/>
+                </a:solidFill>
+                <a:latin typeface="Times New Roman" panose="02020603050405020304" pitchFamily="18" charset="0"/>
+                <a:ea typeface="Times New Roman" panose="02020603050405020304" pitchFamily="18" charset="0"/>
+              </a:rPr>
+              <a:t>Biểu đồ mức 1 của Customer</a:t>
+            </a:r>
+            <a:endParaRPr lang="en-US" dirty="0"/>
+          </a:p>
+        </p:txBody>
+      </p:sp>
+      <p:sp>
+        <p:nvSpPr>
+          <p:cNvPr id="15" name="Rectangle 14"/>
+          <p:cNvSpPr/>
+          <p:nvPr/>
+        </p:nvSpPr>
+        <p:spPr>
+          <a:xfrm>
+            <a:off x="7408541" y="5797946"/>
+            <a:ext cx="3368294" cy="284693"/>
+          </a:xfrm>
+          <a:prstGeom prst="rect">
+            <a:avLst/>
+          </a:prstGeom>
+        </p:spPr>
+        <p:txBody>
+          <a:bodyPr wrap="none">
+            <a:spAutoFit/>
+          </a:bodyPr>
+          <a:lstStyle/>
+          <a:p>
+            <a:pPr algn="ctr">
+              <a:lnSpc>
+                <a:spcPts val="1500"/>
+              </a:lnSpc>
+              <a:spcAft>
+                <a:spcPts val="0"/>
+              </a:spcAft>
+            </a:pPr>
+            <a:r>
+              <a:rPr lang="en-US">
+                <a:solidFill>
+                  <a:srgbClr val="000000"/>
+                </a:solidFill>
+                <a:latin typeface="Times New Roman" panose="02020603050405020304" pitchFamily="18" charset="0"/>
+                <a:ea typeface="Times New Roman" panose="02020603050405020304" pitchFamily="18" charset="0"/>
+              </a:rPr>
+              <a:t>Hình 3: </a:t>
+            </a:r>
+            <a:r>
+              <a:rPr lang="en-US" dirty="0">
+                <a:solidFill>
+                  <a:srgbClr val="000000"/>
+                </a:solidFill>
+                <a:latin typeface="Times New Roman" panose="02020603050405020304" pitchFamily="18" charset="0"/>
+                <a:ea typeface="Times New Roman" panose="02020603050405020304" pitchFamily="18" charset="0"/>
+              </a:rPr>
+              <a:t>Biểu đồ mức 1 của Admin</a:t>
+            </a:r>
+            <a:endParaRPr lang="en-US" sz="2000" dirty="0">
+              <a:solidFill>
+                <a:srgbClr val="000000"/>
+              </a:solidFill>
+              <a:effectLst/>
+              <a:latin typeface="Times New Roman" panose="02020603050405020304" pitchFamily="18" charset="0"/>
+              <a:ea typeface="Times New Roman" panose="02020603050405020304" pitchFamily="18" charset="0"/>
+            </a:endParaRPr>
           </a:p>
         </p:txBody>
       </p:sp>
       <p:pic>
         <p:nvPicPr>
-          <p:cNvPr id="2" name="Picture 1"/>
+          <p:cNvPr id="16" name="Picture 15"/>
           <p:cNvPicPr>
             <a:picLocks noChangeAspect="1"/>
           </p:cNvPicPr>
@@ -11441,8 +11756,32 @@
         </p:blipFill>
         <p:spPr>
           <a:xfrm>
-            <a:off x="2811723" y="2138740"/>
-            <a:ext cx="6896100" cy="4200525"/>
+            <a:off x="550459" y="2434878"/>
+            <a:ext cx="5169313" cy="3238500"/>
+          </a:xfrm>
+          <a:prstGeom prst="rect">
+            <a:avLst/>
+          </a:prstGeom>
+        </p:spPr>
+      </p:pic>
+      <p:pic>
+        <p:nvPicPr>
+          <p:cNvPr id="17" name="Picture 16"/>
+          <p:cNvPicPr>
+            <a:picLocks noChangeAspect="1"/>
+          </p:cNvPicPr>
+          <p:nvPr/>
+        </p:nvPicPr>
+        <p:blipFill>
+          <a:blip r:embed="rId5"/>
+          <a:stretch>
+            <a:fillRect/>
+          </a:stretch>
+        </p:blipFill>
+        <p:spPr>
+          <a:xfrm>
+            <a:off x="6430744" y="2343692"/>
+            <a:ext cx="5323888" cy="3329686"/>
           </a:xfrm>
           <a:prstGeom prst="rect">
             <a:avLst/>
@@ -11452,100 +11791,17 @@
     </p:spTree>
     <p:extLst>
       <p:ext uri="{BB962C8B-B14F-4D97-AF65-F5344CB8AC3E}">
-        <p14:creationId xmlns:p14="http://schemas.microsoft.com/office/powerpoint/2010/main" val="1523985236"/>
+        <p14:creationId xmlns:p14="http://schemas.microsoft.com/office/powerpoint/2010/main" val="831079949"/>
       </p:ext>
     </p:extLst>
   </p:cSld>
   <p:clrMapOvr>
     <a:masterClrMapping/>
   </p:clrMapOvr>
-  <p:timing>
-    <p:tnLst>
-      <p:par>
-        <p:cTn id="1" dur="indefinite" restart="never" nodeType="tmRoot">
-          <p:childTnLst>
-            <p:seq concurrent="1" nextAc="seek">
-              <p:cTn id="2" dur="indefinite" nodeType="mainSeq">
-                <p:childTnLst>
-                  <p:par>
-                    <p:cTn id="3" fill="hold">
-                      <p:stCondLst>
-                        <p:cond delay="indefinite"/>
-                      </p:stCondLst>
-                      <p:childTnLst>
-                        <p:par>
-                          <p:cTn id="4" fill="hold">
-                            <p:stCondLst>
-                              <p:cond delay="0"/>
-                            </p:stCondLst>
-                            <p:childTnLst>
-                              <p:par>
-                                <p:cTn id="5" presetID="10" presetClass="entr" presetSubtype="0" fill="hold" nodeType="clickEffect">
-                                  <p:stCondLst>
-                                    <p:cond delay="0"/>
-                                  </p:stCondLst>
-                                  <p:childTnLst>
-                                    <p:set>
-                                      <p:cBhvr>
-                                        <p:cTn id="6" dur="1" fill="hold">
-                                          <p:stCondLst>
-                                            <p:cond delay="0"/>
-                                          </p:stCondLst>
-                                        </p:cTn>
-                                        <p:tgtEl>
-                                          <p:spTgt spid="3"/>
-                                        </p:tgtEl>
-                                        <p:attrNameLst>
-                                          <p:attrName>style.visibility</p:attrName>
-                                        </p:attrNameLst>
-                                      </p:cBhvr>
-                                      <p:to>
-                                        <p:strVal val="visible"/>
-                                      </p:to>
-                                    </p:set>
-                                    <p:animEffect transition="in" filter="fade">
-                                      <p:cBhvr>
-                                        <p:cTn id="7" dur="500"/>
-                                        <p:tgtEl>
-                                          <p:spTgt spid="3"/>
-                                        </p:tgtEl>
-                                      </p:cBhvr>
-                                    </p:animEffect>
-                                  </p:childTnLst>
-                                </p:cTn>
-                              </p:par>
-                            </p:childTnLst>
-                          </p:cTn>
-                        </p:par>
-                      </p:childTnLst>
-                    </p:cTn>
-                  </p:par>
-                </p:childTnLst>
-              </p:cTn>
-              <p:prevCondLst>
-                <p:cond evt="onPrev" delay="0">
-                  <p:tgtEl>
-                    <p:sldTgt/>
-                  </p:tgtEl>
-                </p:cond>
-              </p:prevCondLst>
-              <p:nextCondLst>
-                <p:cond evt="onNext" delay="0">
-                  <p:tgtEl>
-                    <p:sldTgt/>
-                  </p:tgtEl>
-                </p:cond>
-              </p:nextCondLst>
-            </p:seq>
-          </p:childTnLst>
-        </p:cTn>
-      </p:par>
-    </p:tnLst>
-  </p:timing>
 </p:sld>
 </file>
 
-<file path=ppt/slides/slide2.xml><?xml version="1.0" encoding="utf-8"?>
+<file path=ppt/slides/slide4.xml><?xml version="1.0" encoding="utf-8"?>
 <p:sld xmlns:a="http://schemas.openxmlformats.org/drawingml/2006/main" xmlns:r="http://schemas.openxmlformats.org/officeDocument/2006/relationships" xmlns:p="http://schemas.openxmlformats.org/presentationml/2006/main">
   <p:cSld>
     <p:spTree>
@@ -11900,6 +12156,118 @@
         </p:nvSpPr>
         <p:spPr>
           <a:xfrm>
+            <a:off x="497386" y="1556569"/>
+            <a:ext cx="3879588" cy="284693"/>
+          </a:xfrm>
+          <a:prstGeom prst="rect">
+            <a:avLst/>
+          </a:prstGeom>
+        </p:spPr>
+        <p:txBody>
+          <a:bodyPr wrap="none">
+            <a:spAutoFit/>
+          </a:bodyPr>
+          <a:lstStyle/>
+          <a:p>
+            <a:pPr algn="just">
+              <a:lnSpc>
+                <a:spcPts val="1500"/>
+              </a:lnSpc>
+              <a:spcAft>
+                <a:spcPts val="0"/>
+              </a:spcAft>
+            </a:pPr>
+            <a:r>
+              <a:rPr lang="en-US" sz="2000" b="1">
+                <a:solidFill>
+                  <a:srgbClr val="000000"/>
+                </a:solidFill>
+                <a:latin typeface="Times New Roman" panose="02020603050405020304" pitchFamily="18" charset="0"/>
+                <a:ea typeface="Times New Roman" panose="02020603050405020304" pitchFamily="18" charset="0"/>
+                <a:cs typeface="Times New Roman" panose="02020603050405020304" pitchFamily="18" charset="0"/>
+              </a:rPr>
+              <a:t>4.3. Biểu đồ thực thể quan hệ E-R</a:t>
+            </a:r>
+            <a:endParaRPr lang="en-US" sz="2000" b="1">
+              <a:solidFill>
+                <a:srgbClr val="000000"/>
+              </a:solidFill>
+              <a:effectLst/>
+              <a:latin typeface="Times New Roman" panose="02020603050405020304" pitchFamily="18" charset="0"/>
+              <a:ea typeface="Times New Roman" panose="02020603050405020304" pitchFamily="18" charset="0"/>
+              <a:cs typeface="Times New Roman" panose="02020603050405020304" pitchFamily="18" charset="0"/>
+            </a:endParaRPr>
+          </a:p>
+        </p:txBody>
+      </p:sp>
+      <p:sp>
+        <p:nvSpPr>
+          <p:cNvPr id="10" name="Rectangle 9"/>
+          <p:cNvSpPr/>
+          <p:nvPr/>
+        </p:nvSpPr>
+        <p:spPr>
+          <a:xfrm>
+            <a:off x="3968188" y="6573307"/>
+            <a:ext cx="3682418" cy="290721"/>
+          </a:xfrm>
+          <a:prstGeom prst="rect">
+            <a:avLst/>
+          </a:prstGeom>
+        </p:spPr>
+        <p:txBody>
+          <a:bodyPr wrap="none">
+            <a:spAutoFit/>
+          </a:bodyPr>
+          <a:lstStyle/>
+          <a:p>
+            <a:pPr algn="ctr">
+              <a:lnSpc>
+                <a:spcPts val="1500"/>
+              </a:lnSpc>
+              <a:spcAft>
+                <a:spcPts val="0"/>
+              </a:spcAft>
+            </a:pPr>
+            <a:r>
+              <a:rPr lang="en-US">
+                <a:solidFill>
+                  <a:srgbClr val="000000"/>
+                </a:solidFill>
+                <a:latin typeface="Times New Roman" panose="02020603050405020304" pitchFamily="18" charset="0"/>
+                <a:ea typeface="Times New Roman" panose="02020603050405020304" pitchFamily="18" charset="0"/>
+              </a:rPr>
+              <a:t>Hình 5: </a:t>
+            </a:r>
+            <a:r>
+              <a:rPr lang="en-US" dirty="0">
+                <a:solidFill>
+                  <a:srgbClr val="000000"/>
+                </a:solidFill>
+                <a:latin typeface="Times New Roman" panose="02020603050405020304" pitchFamily="18" charset="0"/>
+                <a:ea typeface="Times New Roman" panose="02020603050405020304" pitchFamily="18" charset="0"/>
+              </a:rPr>
+              <a:t>Biểu đồ thực thể quan hệ E-R</a:t>
+            </a:r>
+            <a:endParaRPr lang="en-US" sz="2000" dirty="0">
+              <a:solidFill>
+                <a:srgbClr val="000000"/>
+              </a:solidFill>
+              <a:effectLst/>
+              <a:latin typeface="Times New Roman" panose="02020603050405020304" pitchFamily="18" charset="0"/>
+              <a:ea typeface="Times New Roman" panose="02020603050405020304" pitchFamily="18" charset="0"/>
+            </a:endParaRPr>
+          </a:p>
+        </p:txBody>
+      </p:sp>
+      <p:sp>
+        <p:nvSpPr>
+          <p:cNvPr id="12" name="Rectangle 11"/>
+          <p:cNvSpPr/>
+          <p:nvPr/>
+        </p:nvSpPr>
+        <p:spPr>
+          <a:xfrm>
             <a:off x="370" y="496390"/>
             <a:ext cx="927093" cy="705394"/>
           </a:xfrm>
@@ -11943,111 +12311,9 @@
           </a:p>
         </p:txBody>
       </p:sp>
-      <p:sp>
-        <p:nvSpPr>
-          <p:cNvPr id="10" name="Rectangle 9"/>
-          <p:cNvSpPr/>
-          <p:nvPr/>
-        </p:nvSpPr>
-        <p:spPr>
-          <a:xfrm>
-            <a:off x="724683" y="1617044"/>
-            <a:ext cx="2408032" cy="284693"/>
-          </a:xfrm>
-          <a:prstGeom prst="rect">
-            <a:avLst/>
-          </a:prstGeom>
-        </p:spPr>
-        <p:txBody>
-          <a:bodyPr wrap="none">
-            <a:spAutoFit/>
-          </a:bodyPr>
-          <a:lstStyle/>
-          <a:p>
-            <a:pPr algn="just">
-              <a:lnSpc>
-                <a:spcPts val="1500"/>
-              </a:lnSpc>
-              <a:spcAft>
-                <a:spcPts val="0"/>
-              </a:spcAft>
-            </a:pPr>
-            <a:r>
-              <a:rPr lang="en-US" sz="2200" b="1">
-                <a:solidFill>
-                  <a:srgbClr val="000000"/>
-                </a:solidFill>
-                <a:latin typeface="Times New Roman" panose="02020603050405020304" pitchFamily="18" charset="0"/>
-                <a:ea typeface="Times New Roman" panose="02020603050405020304" pitchFamily="18" charset="0"/>
-                <a:cs typeface="Times New Roman" panose="02020603050405020304" pitchFamily="18" charset="0"/>
-              </a:rPr>
-              <a:t>4.1. Biểu đồ mức 0</a:t>
-            </a:r>
-            <a:endParaRPr lang="en-US" sz="2200" b="1">
-              <a:solidFill>
-                <a:srgbClr val="000000"/>
-              </a:solidFill>
-              <a:effectLst/>
-              <a:latin typeface="Times New Roman" panose="02020603050405020304" pitchFamily="18" charset="0"/>
-              <a:ea typeface="Times New Roman" panose="02020603050405020304" pitchFamily="18" charset="0"/>
-              <a:cs typeface="Times New Roman" panose="02020603050405020304" pitchFamily="18" charset="0"/>
-            </a:endParaRPr>
-          </a:p>
-        </p:txBody>
-      </p:sp>
-      <p:sp>
-        <p:nvSpPr>
-          <p:cNvPr id="12" name="Rectangle 11"/>
-          <p:cNvSpPr/>
-          <p:nvPr/>
-        </p:nvSpPr>
-        <p:spPr>
-          <a:xfrm>
-            <a:off x="3810269" y="6207275"/>
-            <a:ext cx="3970960" cy="284693"/>
-          </a:xfrm>
-          <a:prstGeom prst="rect">
-            <a:avLst/>
-          </a:prstGeom>
-        </p:spPr>
-        <p:txBody>
-          <a:bodyPr wrap="none">
-            <a:spAutoFit/>
-          </a:bodyPr>
-          <a:lstStyle/>
-          <a:p>
-            <a:pPr algn="ctr">
-              <a:lnSpc>
-                <a:spcPts val="1500"/>
-              </a:lnSpc>
-              <a:spcAft>
-                <a:spcPts val="0"/>
-              </a:spcAft>
-            </a:pPr>
-            <a:r>
-              <a:rPr lang="en-US">
-                <a:solidFill>
-                  <a:srgbClr val="000000"/>
-                </a:solidFill>
-                <a:latin typeface="Times New Roman" panose="02020603050405020304" pitchFamily="18" charset="0"/>
-                <a:ea typeface="Times New Roman" panose="02020603050405020304" pitchFamily="18" charset="0"/>
-              </a:rPr>
-              <a:t>Hình 1: Biểu đồ mức ngữ cảnh ứng dụng</a:t>
-            </a:r>
-            <a:endParaRPr lang="en-US" sz="2000">
-              <a:solidFill>
-                <a:srgbClr val="000000"/>
-              </a:solidFill>
-              <a:effectLst/>
-              <a:latin typeface="Times New Roman" panose="02020603050405020304" pitchFamily="18" charset="0"/>
-              <a:ea typeface="Times New Roman" panose="02020603050405020304" pitchFamily="18" charset="0"/>
-            </a:endParaRPr>
-          </a:p>
-        </p:txBody>
-      </p:sp>
       <p:pic>
         <p:nvPicPr>
-          <p:cNvPr id="15" name="Picture 14"/>
+          <p:cNvPr id="13" name="Picture 12"/>
           <p:cNvPicPr>
             <a:picLocks noChangeAspect="1"/>
           </p:cNvPicPr>
@@ -12061,8 +12327,8 @@
         </p:blipFill>
         <p:spPr>
           <a:xfrm>
-            <a:off x="2321859" y="1901737"/>
-            <a:ext cx="7620000" cy="4076700"/>
+            <a:off x="2002757" y="1841262"/>
+            <a:ext cx="8210550" cy="4524375"/>
           </a:xfrm>
           <a:prstGeom prst="rect">
             <a:avLst/>
@@ -12072,100 +12338,17 @@
     </p:spTree>
     <p:extLst>
       <p:ext uri="{BB962C8B-B14F-4D97-AF65-F5344CB8AC3E}">
-        <p14:creationId xmlns:p14="http://schemas.microsoft.com/office/powerpoint/2010/main" val="4200772348"/>
+        <p14:creationId xmlns:p14="http://schemas.microsoft.com/office/powerpoint/2010/main" val="1844096991"/>
       </p:ext>
     </p:extLst>
   </p:cSld>
   <p:clrMapOvr>
     <a:masterClrMapping/>
   </p:clrMapOvr>
-  <p:timing>
-    <p:tnLst>
-      <p:par>
-        <p:cTn id="1" dur="indefinite" restart="never" nodeType="tmRoot">
-          <p:childTnLst>
-            <p:seq concurrent="1" nextAc="seek">
-              <p:cTn id="2" dur="indefinite" nodeType="mainSeq">
-                <p:childTnLst>
-                  <p:par>
-                    <p:cTn id="3" fill="hold">
-                      <p:stCondLst>
-                        <p:cond delay="indefinite"/>
-                      </p:stCondLst>
-                      <p:childTnLst>
-                        <p:par>
-                          <p:cTn id="4" fill="hold">
-                            <p:stCondLst>
-                              <p:cond delay="0"/>
-                            </p:stCondLst>
-                            <p:childTnLst>
-                              <p:par>
-                                <p:cTn id="5" presetID="10" presetClass="entr" presetSubtype="0" fill="hold" nodeType="clickEffect">
-                                  <p:stCondLst>
-                                    <p:cond delay="0"/>
-                                  </p:stCondLst>
-                                  <p:childTnLst>
-                                    <p:set>
-                                      <p:cBhvr>
-                                        <p:cTn id="6" dur="1" fill="hold">
-                                          <p:stCondLst>
-                                            <p:cond delay="0"/>
-                                          </p:stCondLst>
-                                        </p:cTn>
-                                        <p:tgtEl>
-                                          <p:spTgt spid="3"/>
-                                        </p:tgtEl>
-                                        <p:attrNameLst>
-                                          <p:attrName>style.visibility</p:attrName>
-                                        </p:attrNameLst>
-                                      </p:cBhvr>
-                                      <p:to>
-                                        <p:strVal val="visible"/>
-                                      </p:to>
-                                    </p:set>
-                                    <p:animEffect transition="in" filter="fade">
-                                      <p:cBhvr>
-                                        <p:cTn id="7" dur="500"/>
-                                        <p:tgtEl>
-                                          <p:spTgt spid="3"/>
-                                        </p:tgtEl>
-                                      </p:cBhvr>
-                                    </p:animEffect>
-                                  </p:childTnLst>
-                                </p:cTn>
-                              </p:par>
-                            </p:childTnLst>
-                          </p:cTn>
-                        </p:par>
-                      </p:childTnLst>
-                    </p:cTn>
-                  </p:par>
-                </p:childTnLst>
-              </p:cTn>
-              <p:prevCondLst>
-                <p:cond evt="onPrev" delay="0">
-                  <p:tgtEl>
-                    <p:sldTgt/>
-                  </p:tgtEl>
-                </p:cond>
-              </p:prevCondLst>
-              <p:nextCondLst>
-                <p:cond evt="onNext" delay="0">
-                  <p:tgtEl>
-                    <p:sldTgt/>
-                  </p:tgtEl>
-                </p:cond>
-              </p:nextCondLst>
-            </p:seq>
-          </p:childTnLst>
-        </p:cTn>
-      </p:par>
-    </p:tnLst>
-  </p:timing>
 </p:sld>
 </file>
 
-<file path=ppt/slides/slide3.xml><?xml version="1.0" encoding="utf-8"?>
+<file path=ppt/slides/slide5.xml><?xml version="1.0" encoding="utf-8"?>
 <p:sld xmlns:a="http://schemas.openxmlformats.org/drawingml/2006/main" xmlns:r="http://schemas.openxmlformats.org/officeDocument/2006/relationships" xmlns:p="http://schemas.openxmlformats.org/presentationml/2006/main">
   <p:cSld>
     <p:spTree>
@@ -12191,9 +12374,9 @@
         <p:grpSpPr>
           <a:xfrm>
             <a:off x="-731851" y="261468"/>
-            <a:ext cx="4130145" cy="1645500"/>
+            <a:ext cx="4785236" cy="1645500"/>
             <a:chOff x="2075625" y="1090612"/>
-            <a:chExt cx="3370157" cy="2144143"/>
+            <a:chExt cx="3904704" cy="2144143"/>
           </a:xfrm>
         </p:grpSpPr>
         <p:sp>
@@ -12204,8 +12387,8 @@
           </p:nvSpPr>
           <p:spPr>
             <a:xfrm>
-              <a:off x="2752258" y="1623893"/>
-              <a:ext cx="2693524" cy="885283"/>
+              <a:off x="2752259" y="1623893"/>
+              <a:ext cx="3228070" cy="885283"/>
             </a:xfrm>
             <a:prstGeom prst="rect">
               <a:avLst/>
@@ -12258,7 +12441,534 @@
                   <a:cs typeface="Times New Roman" panose="02020603050405020304" pitchFamily="18" charset="0"/>
                   <a:sym typeface="Century Gothic"/>
                 </a:rPr>
-                <a:t>            Các biểu đồ</a:t>
+                <a:t>            Thiết kế dữ liệu</a:t>
+              </a:r>
+              <a:endParaRPr sz="2600" b="1">
+                <a:solidFill>
+                  <a:schemeClr val="bg1"/>
+                </a:solidFill>
+                <a:latin typeface="Times New Roman" panose="02020603050405020304" pitchFamily="18" charset="0"/>
+                <a:ea typeface="Century Gothic"/>
+                <a:cs typeface="Times New Roman" panose="02020603050405020304" pitchFamily="18" charset="0"/>
+                <a:sym typeface="Century Gothic"/>
+              </a:endParaRPr>
+            </a:p>
+          </p:txBody>
+        </p:sp>
+        <p:sp>
+          <p:nvSpPr>
+            <p:cNvPr id="5" name="Shape 233"/>
+            <p:cNvSpPr/>
+            <p:nvPr/>
+          </p:nvSpPr>
+          <p:spPr>
+            <a:xfrm rot="349079">
+              <a:off x="2075625" y="1898810"/>
+              <a:ext cx="2308247" cy="1335945"/>
+            </a:xfrm>
+            <a:custGeom>
+              <a:avLst/>
+              <a:gdLst/>
+              <a:ahLst/>
+              <a:cxnLst/>
+              <a:rect l="0" t="0" r="0" b="0"/>
+              <a:pathLst>
+                <a:path w="2410691" h="1649124" extrusionOk="0">
+                  <a:moveTo>
+                    <a:pt x="0" y="873270"/>
+                  </a:moveTo>
+                  <a:cubicBezTo>
+                    <a:pt x="910244" y="895668"/>
+                    <a:pt x="1812867" y="1238106"/>
+                    <a:pt x="2410691" y="1649124"/>
+                  </a:cubicBezTo>
+                  <a:lnTo>
+                    <a:pt x="2192050" y="641206"/>
+                  </a:lnTo>
+                  <a:cubicBezTo>
+                    <a:pt x="2107623" y="436996"/>
+                    <a:pt x="1951647" y="226118"/>
+                    <a:pt x="1548133" y="0"/>
+                  </a:cubicBezTo>
+                  <a:cubicBezTo>
+                    <a:pt x="1073296" y="254397"/>
+                    <a:pt x="838819" y="413663"/>
+                    <a:pt x="0" y="873270"/>
+                  </a:cubicBezTo>
+                  <a:close/>
+                </a:path>
+              </a:pathLst>
+            </a:custGeom>
+            <a:gradFill>
+              <a:gsLst>
+                <a:gs pos="0">
+                  <a:schemeClr val="dk1"/>
+                </a:gs>
+                <a:gs pos="66000">
+                  <a:srgbClr val="E7E7E7">
+                    <a:alpha val="0"/>
+                  </a:srgbClr>
+                </a:gs>
+                <a:gs pos="100000">
+                  <a:srgbClr val="FFFFFF">
+                    <a:alpha val="0"/>
+                  </a:srgbClr>
+                </a:gs>
+              </a:gsLst>
+              <a:lin ang="600000" scaled="0"/>
+            </a:gradFill>
+            <a:ln>
+              <a:noFill/>
+            </a:ln>
+          </p:spPr>
+          <p:txBody>
+            <a:bodyPr spcFirstLastPara="1" wrap="square" lIns="91425" tIns="45700" rIns="91425" bIns="45700" anchor="ctr" anchorCtr="0">
+              <a:noAutofit/>
+            </a:bodyPr>
+            <a:lstStyle/>
+            <a:p>
+              <a:pPr marL="0" marR="0" lvl="0" indent="0" algn="ctr" rtl="0">
+                <a:spcBef>
+                  <a:spcPts val="0"/>
+                </a:spcBef>
+                <a:spcAft>
+                  <a:spcPts val="0"/>
+                </a:spcAft>
+                <a:buNone/>
+              </a:pPr>
+              <a:endParaRPr sz="1800">
+                <a:solidFill>
+                  <a:srgbClr val="FFFFFF"/>
+                </a:solidFill>
+                <a:latin typeface="Century Gothic"/>
+                <a:ea typeface="Century Gothic"/>
+                <a:cs typeface="Century Gothic"/>
+                <a:sym typeface="Century Gothic"/>
+              </a:endParaRPr>
+            </a:p>
+          </p:txBody>
+        </p:sp>
+        <p:sp>
+          <p:nvSpPr>
+            <p:cNvPr id="6" name="Shape 234"/>
+            <p:cNvSpPr/>
+            <p:nvPr/>
+          </p:nvSpPr>
+          <p:spPr>
+            <a:xfrm>
+              <a:off x="2676179" y="1090612"/>
+              <a:ext cx="1190813" cy="1418564"/>
+            </a:xfrm>
+            <a:custGeom>
+              <a:avLst/>
+              <a:gdLst/>
+              <a:ahLst/>
+              <a:cxnLst/>
+              <a:rect l="0" t="0" r="0" b="0"/>
+              <a:pathLst>
+                <a:path w="1190625" h="1419225" extrusionOk="0">
+                  <a:moveTo>
+                    <a:pt x="0" y="1419225"/>
+                  </a:moveTo>
+                  <a:lnTo>
+                    <a:pt x="0" y="471487"/>
+                  </a:lnTo>
+                  <a:lnTo>
+                    <a:pt x="957262" y="0"/>
+                  </a:lnTo>
+                  <a:lnTo>
+                    <a:pt x="1190625" y="347662"/>
+                  </a:lnTo>
+                  <a:lnTo>
+                    <a:pt x="947737" y="952500"/>
+                  </a:lnTo>
+                  <a:lnTo>
+                    <a:pt x="0" y="1419225"/>
+                  </a:lnTo>
+                  <a:close/>
+                </a:path>
+              </a:pathLst>
+            </a:custGeom>
+            <a:solidFill>
+              <a:schemeClr val="accent1">
+                <a:lumMod val="60000"/>
+                <a:lumOff val="40000"/>
+              </a:schemeClr>
+            </a:solidFill>
+            <a:ln>
+              <a:solidFill>
+                <a:schemeClr val="accent1"/>
+              </a:solidFill>
+            </a:ln>
+          </p:spPr>
+          <p:txBody>
+            <a:bodyPr spcFirstLastPara="1" wrap="square" lIns="91425" tIns="45700" rIns="91425" bIns="45700" anchor="ctr" anchorCtr="0">
+              <a:noAutofit/>
+            </a:bodyPr>
+            <a:lstStyle/>
+            <a:p>
+              <a:pPr marL="0" marR="0" lvl="0" indent="0" algn="ctr" rtl="0">
+                <a:spcBef>
+                  <a:spcPts val="0"/>
+                </a:spcBef>
+                <a:spcAft>
+                  <a:spcPts val="0"/>
+                </a:spcAft>
+                <a:buNone/>
+              </a:pPr>
+              <a:endParaRPr sz="1800">
+                <a:solidFill>
+                  <a:schemeClr val="lt1"/>
+                </a:solidFill>
+                <a:latin typeface="Times New Roman" panose="02020603050405020304" pitchFamily="18" charset="0"/>
+                <a:ea typeface="Century Gothic"/>
+                <a:cs typeface="Times New Roman" panose="02020603050405020304" pitchFamily="18" charset="0"/>
+                <a:sym typeface="Century Gothic"/>
+              </a:endParaRPr>
+            </a:p>
+          </p:txBody>
+        </p:sp>
+      </p:grpSp>
+      <p:pic>
+        <p:nvPicPr>
+          <p:cNvPr id="7" name="Picture 6" descr="aptechlogoww"/>
+          <p:cNvPicPr/>
+          <p:nvPr/>
+        </p:nvPicPr>
+        <p:blipFill>
+          <a:blip r:embed="rId3">
+            <a:extLst>
+              <a:ext uri="{28A0092B-C50C-407E-A947-70E740481C1C}">
+                <a14:useLocalDpi xmlns:a14="http://schemas.microsoft.com/office/drawing/2010/main" val="0"/>
+              </a:ext>
+            </a:extLst>
+          </a:blip>
+          <a:srcRect/>
+          <a:stretch>
+            <a:fillRect/>
+          </a:stretch>
+        </p:blipFill>
+        <p:spPr bwMode="auto">
+          <a:xfrm>
+            <a:off x="8668080" y="163941"/>
+            <a:ext cx="1852295" cy="391795"/>
+          </a:xfrm>
+          <a:prstGeom prst="rect">
+            <a:avLst/>
+          </a:prstGeom>
+          <a:noFill/>
+          <a:ln>
+            <a:noFill/>
+          </a:ln>
+        </p:spPr>
+      </p:pic>
+      <p:pic>
+        <p:nvPicPr>
+          <p:cNvPr id="8" name="Picture 7" descr="bkaptechlogo"/>
+          <p:cNvPicPr/>
+          <p:nvPr/>
+        </p:nvPicPr>
+        <p:blipFill>
+          <a:blip r:embed="rId4">
+            <a:extLst>
+              <a:ext uri="{28A0092B-C50C-407E-A947-70E740481C1C}">
+                <a14:useLocalDpi xmlns:a14="http://schemas.microsoft.com/office/drawing/2010/main" val="0"/>
+              </a:ext>
+            </a:extLst>
+          </a:blip>
+          <a:srcRect/>
+          <a:stretch>
+            <a:fillRect/>
+          </a:stretch>
+        </p:blipFill>
+        <p:spPr bwMode="auto">
+          <a:xfrm>
+            <a:off x="10520375" y="142171"/>
+            <a:ext cx="1531620" cy="391795"/>
+          </a:xfrm>
+          <a:prstGeom prst="rect">
+            <a:avLst/>
+          </a:prstGeom>
+          <a:noFill/>
+          <a:ln>
+            <a:noFill/>
+          </a:ln>
+        </p:spPr>
+      </p:pic>
+      <p:sp>
+        <p:nvSpPr>
+          <p:cNvPr id="9" name="Rectangle 8"/>
+          <p:cNvSpPr/>
+          <p:nvPr/>
+        </p:nvSpPr>
+        <p:spPr>
+          <a:xfrm>
+            <a:off x="370" y="496390"/>
+            <a:ext cx="927093" cy="705394"/>
+          </a:xfrm>
+          <a:prstGeom prst="rect">
+            <a:avLst/>
+          </a:prstGeom>
+          <a:noFill/>
+          <a:ln>
+            <a:noFill/>
+          </a:ln>
+        </p:spPr>
+        <p:style>
+          <a:lnRef idx="0">
+            <a:scrgbClr r="0" g="0" b="0"/>
+          </a:lnRef>
+          <a:fillRef idx="0">
+            <a:scrgbClr r="0" g="0" b="0"/>
+          </a:fillRef>
+          <a:effectRef idx="0">
+            <a:scrgbClr r="0" g="0" b="0"/>
+          </a:effectRef>
+          <a:fontRef idx="minor">
+            <a:schemeClr val="dk1"/>
+          </a:fontRef>
+        </p:style>
+        <p:txBody>
+          <a:bodyPr rtlCol="0" anchor="ctr"/>
+          <a:lstStyle/>
+          <a:p>
+            <a:pPr algn="ctr"/>
+            <a:r>
+              <a:rPr lang="en-US" sz="3600" b="1">
+                <a:solidFill>
+                  <a:schemeClr val="bg1"/>
+                </a:solidFill>
+                <a:latin typeface="Times New Roman" panose="02020603050405020304" pitchFamily="18" charset="0"/>
+                <a:cs typeface="Times New Roman" panose="02020603050405020304" pitchFamily="18" charset="0"/>
+              </a:rPr>
+              <a:t>05</a:t>
+            </a:r>
+          </a:p>
+        </p:txBody>
+      </p:sp>
+      <p:sp>
+        <p:nvSpPr>
+          <p:cNvPr id="10" name="TextBox 9"/>
+          <p:cNvSpPr txBox="1"/>
+          <p:nvPr/>
+        </p:nvSpPr>
+        <p:spPr>
+          <a:xfrm>
+            <a:off x="733805" y="1446371"/>
+            <a:ext cx="3278462" cy="430887"/>
+          </a:xfrm>
+          <a:prstGeom prst="rect">
+            <a:avLst/>
+          </a:prstGeom>
+          <a:noFill/>
+        </p:spPr>
+        <p:txBody>
+          <a:bodyPr wrap="none" rtlCol="0">
+            <a:spAutoFit/>
+          </a:bodyPr>
+          <a:lstStyle/>
+          <a:p>
+            <a:r>
+              <a:rPr lang="en-US" sz="2200" b="1">
+                <a:latin typeface="Times New Roman" panose="02020603050405020304" pitchFamily="18" charset="0"/>
+                <a:cs typeface="Times New Roman" panose="02020603050405020304" pitchFamily="18" charset="0"/>
+              </a:rPr>
+              <a:t>5.1. Lược đồ cơ sở dữ liệu</a:t>
+            </a:r>
+          </a:p>
+        </p:txBody>
+      </p:sp>
+      <p:sp>
+        <p:nvSpPr>
+          <p:cNvPr id="12" name="Rectangle 11"/>
+          <p:cNvSpPr/>
+          <p:nvPr/>
+        </p:nvSpPr>
+        <p:spPr>
+          <a:xfrm>
+            <a:off x="4636350" y="6547701"/>
+            <a:ext cx="2973892" cy="284693"/>
+          </a:xfrm>
+          <a:prstGeom prst="rect">
+            <a:avLst/>
+          </a:prstGeom>
+        </p:spPr>
+        <p:txBody>
+          <a:bodyPr wrap="none">
+            <a:spAutoFit/>
+          </a:bodyPr>
+          <a:lstStyle/>
+          <a:p>
+            <a:pPr algn="ctr">
+              <a:lnSpc>
+                <a:spcPts val="1500"/>
+              </a:lnSpc>
+              <a:spcAft>
+                <a:spcPts val="0"/>
+              </a:spcAft>
+            </a:pPr>
+            <a:r>
+              <a:rPr lang="en-US">
+                <a:solidFill>
+                  <a:srgbClr val="000000"/>
+                </a:solidFill>
+                <a:latin typeface="Times New Roman" panose="02020603050405020304" pitchFamily="18" charset="0"/>
+                <a:ea typeface="Times New Roman" panose="02020603050405020304" pitchFamily="18" charset="0"/>
+              </a:rPr>
+              <a:t>Hình 6: </a:t>
+            </a:r>
+            <a:r>
+              <a:rPr lang="en-US" dirty="0">
+                <a:solidFill>
+                  <a:srgbClr val="000000"/>
+                </a:solidFill>
+                <a:latin typeface="Times New Roman" panose="02020603050405020304" pitchFamily="18" charset="0"/>
+                <a:ea typeface="Times New Roman" panose="02020603050405020304" pitchFamily="18" charset="0"/>
+              </a:rPr>
+              <a:t>Lược đồ cơ sở dữ liệu</a:t>
+            </a:r>
+            <a:endParaRPr lang="en-US" sz="2000" dirty="0">
+              <a:solidFill>
+                <a:srgbClr val="000000"/>
+              </a:solidFill>
+              <a:effectLst/>
+              <a:latin typeface="Times New Roman" panose="02020603050405020304" pitchFamily="18" charset="0"/>
+              <a:ea typeface="Times New Roman" panose="02020603050405020304" pitchFamily="18" charset="0"/>
+            </a:endParaRPr>
+          </a:p>
+        </p:txBody>
+      </p:sp>
+      <p:pic>
+        <p:nvPicPr>
+          <p:cNvPr id="11" name="Picture 10"/>
+          <p:cNvPicPr>
+            <a:picLocks noChangeAspect="1"/>
+          </p:cNvPicPr>
+          <p:nvPr/>
+        </p:nvPicPr>
+        <p:blipFill>
+          <a:blip r:embed="rId5"/>
+          <a:stretch>
+            <a:fillRect/>
+          </a:stretch>
+        </p:blipFill>
+        <p:spPr>
+          <a:xfrm>
+            <a:off x="4325258" y="617299"/>
+            <a:ext cx="5076426" cy="5602444"/>
+          </a:xfrm>
+          <a:prstGeom prst="rect">
+            <a:avLst/>
+          </a:prstGeom>
+        </p:spPr>
+      </p:pic>
+    </p:spTree>
+    <p:extLst>
+      <p:ext uri="{BB962C8B-B14F-4D97-AF65-F5344CB8AC3E}">
+        <p14:creationId xmlns:p14="http://schemas.microsoft.com/office/powerpoint/2010/main" val="3399746751"/>
+      </p:ext>
+    </p:extLst>
+  </p:cSld>
+  <p:clrMapOvr>
+    <a:masterClrMapping/>
+  </p:clrMapOvr>
+</p:sld>
+</file>
+
+<file path=ppt/slides/slide6.xml><?xml version="1.0" encoding="utf-8"?>
+<p:sld xmlns:a="http://schemas.openxmlformats.org/drawingml/2006/main" xmlns:r="http://schemas.openxmlformats.org/officeDocument/2006/relationships" xmlns:p="http://schemas.openxmlformats.org/presentationml/2006/main">
+  <p:cSld>
+    <p:spTree>
+      <p:nvGrpSpPr>
+        <p:cNvPr id="1" name=""/>
+        <p:cNvGrpSpPr/>
+        <p:nvPr/>
+      </p:nvGrpSpPr>
+      <p:grpSpPr>
+        <a:xfrm>
+          <a:off x="0" y="0"/>
+          <a:ext cx="0" cy="0"/>
+          <a:chOff x="0" y="0"/>
+          <a:chExt cx="0" cy="0"/>
+        </a:xfrm>
+      </p:grpSpPr>
+      <p:grpSp>
+        <p:nvGrpSpPr>
+          <p:cNvPr id="3" name="Shape 231"/>
+          <p:cNvGrpSpPr/>
+          <p:nvPr/>
+        </p:nvGrpSpPr>
+        <p:grpSpPr>
+          <a:xfrm>
+            <a:off x="-731851" y="261468"/>
+            <a:ext cx="4785236" cy="1645500"/>
+            <a:chOff x="2075625" y="1090612"/>
+            <a:chExt cx="3904704" cy="2144143"/>
+          </a:xfrm>
+        </p:grpSpPr>
+        <p:sp>
+          <p:nvSpPr>
+            <p:cNvPr id="4" name="Shape 232"/>
+            <p:cNvSpPr/>
+            <p:nvPr/>
+          </p:nvSpPr>
+          <p:spPr>
+            <a:xfrm>
+              <a:off x="2752259" y="1623893"/>
+              <a:ext cx="3228070" cy="885283"/>
+            </a:xfrm>
+            <a:prstGeom prst="rect">
+              <a:avLst/>
+            </a:prstGeom>
+            <a:gradFill>
+              <a:gsLst>
+                <a:gs pos="0">
+                  <a:srgbClr val="7B5B20"/>
+                </a:gs>
+                <a:gs pos="10000">
+                  <a:srgbClr val="7B5B20"/>
+                </a:gs>
+                <a:gs pos="50000">
+                  <a:srgbClr val="DFA63C"/>
+                </a:gs>
+                <a:gs pos="100000">
+                  <a:srgbClr val="FFC749"/>
+                </a:gs>
+              </a:gsLst>
+              <a:lin ang="0" scaled="0"/>
+            </a:gradFill>
+            <a:ln>
+              <a:solidFill>
+                <a:schemeClr val="accent1"/>
+              </a:solidFill>
+            </a:ln>
+          </p:spPr>
+          <p:txBody>
+            <a:bodyPr spcFirstLastPara="1" wrap="square" lIns="91425" tIns="45700" rIns="91425" bIns="45700" anchor="ctr" anchorCtr="0">
+              <a:noAutofit/>
+            </a:bodyPr>
+            <a:lstStyle/>
+            <a:p>
+              <a:pPr marL="0" marR="0" lvl="0" indent="0" algn="r" rtl="0">
+                <a:spcBef>
+                  <a:spcPts val="0"/>
+                </a:spcBef>
+                <a:spcAft>
+                  <a:spcPts val="0"/>
+                </a:spcAft>
+                <a:buNone/>
+              </a:pPr>
+              <a:r>
+                <a:rPr lang="en-US" sz="2800" b="1">
+                  <a:solidFill>
+                    <a:schemeClr val="bg1"/>
+                  </a:solidFill>
+                  <a:latin typeface="Times New Roman" panose="02020603050405020304" pitchFamily="18" charset="0"/>
+                  <a:ea typeface="Century Gothic"/>
+                  <a:cs typeface="Times New Roman" panose="02020603050405020304" pitchFamily="18" charset="0"/>
+                  <a:sym typeface="Century Gothic"/>
+                </a:rPr>
+                <a:t>            Thiết kế dữ liệu</a:t>
               </a:r>
               <a:endParaRPr sz="2600" b="1">
                 <a:solidFill>
@@ -12520,8 +13230,8 @@
         </p:nvSpPr>
         <p:spPr>
           <a:xfrm>
-            <a:off x="550459" y="1640896"/>
-            <a:ext cx="6096000" cy="669414"/>
+            <a:off x="891654" y="1420378"/>
+            <a:ext cx="6096000" cy="1338828"/>
           </a:xfrm>
           <a:prstGeom prst="rect">
             <a:avLst/>
@@ -12535,7 +13245,7 @@
           <a:p>
             <a:pPr algn="just">
               <a:lnSpc>
-                <a:spcPts val="1500"/>
+                <a:spcPct val="150000"/>
               </a:lnSpc>
               <a:spcAft>
                 <a:spcPts val="0"/>
@@ -12550,19 +13260,9 @@
                 <a:ea typeface="Times New Roman" panose="02020603050405020304" pitchFamily="18" charset="0"/>
                 <a:cs typeface="Times New Roman" panose="02020603050405020304" pitchFamily="18" charset="0"/>
               </a:rPr>
-              <a:t>4.2. Biểu đồ mức 1</a:t>
-            </a:r>
-          </a:p>
-          <a:p>
-            <a:pPr algn="just">
-              <a:lnSpc>
-                <a:spcPts val="1500"/>
-              </a:lnSpc>
-              <a:spcAft>
-                <a:spcPts val="0"/>
-              </a:spcAft>
-            </a:pPr>
-            <a:endParaRPr lang="en-US" b="1">
+              <a:t>5.2.  Mô tả chi tiết các thuộc tính của thực thể</a:t>
+            </a:r>
+            <a:endParaRPr lang="en-US" sz="2000" b="1">
               <a:solidFill>
                 <a:srgbClr val="000000"/>
               </a:solidFill>
@@ -12574,7 +13274,7 @@
           <a:p>
             <a:pPr algn="just">
               <a:lnSpc>
-                <a:spcPts val="1500"/>
+                <a:spcPct val="150000"/>
               </a:lnSpc>
               <a:spcAft>
                 <a:spcPts val="0"/>
@@ -12587,10 +13287,93 @@
                 </a:solidFill>
                 <a:latin typeface="Times New Roman" panose="02020603050405020304" pitchFamily="18" charset="0"/>
                 <a:ea typeface="Times New Roman" panose="02020603050405020304" pitchFamily="18" charset="0"/>
+                <a:cs typeface="Times New Roman" panose="02020603050405020304" pitchFamily="18" charset="0"/>
               </a:rPr>
-              <a:t>Customer</a:t>
-            </a:r>
-            <a:endParaRPr lang="en-US">
+              <a:t>5.</a:t>
+            </a:r>
+            <a:r>
+              <a:rPr lang="vi-VN" b="1">
+                <a:solidFill>
+                  <a:srgbClr val="000000"/>
+                </a:solidFill>
+                <a:latin typeface="Times New Roman" panose="02020603050405020304" pitchFamily="18" charset="0"/>
+                <a:ea typeface="Times New Roman" panose="02020603050405020304" pitchFamily="18" charset="0"/>
+                <a:cs typeface="Times New Roman" panose="02020603050405020304" pitchFamily="18" charset="0"/>
+              </a:rPr>
+              <a:t>2</a:t>
+            </a:r>
+            <a:r>
+              <a:rPr lang="en-US" b="1">
+                <a:solidFill>
+                  <a:srgbClr val="000000"/>
+                </a:solidFill>
+                <a:latin typeface="Times New Roman" panose="02020603050405020304" pitchFamily="18" charset="0"/>
+                <a:ea typeface="Times New Roman" panose="02020603050405020304" pitchFamily="18" charset="0"/>
+                <a:cs typeface="Times New Roman" panose="02020603050405020304" pitchFamily="18" charset="0"/>
+              </a:rPr>
+              <a:t>.1. Thực thể </a:t>
+            </a:r>
+            <a:r>
+              <a:rPr lang="vi-VN" b="1">
+                <a:solidFill>
+                  <a:srgbClr val="000000"/>
+                </a:solidFill>
+                <a:latin typeface="Times New Roman" panose="02020603050405020304" pitchFamily="18" charset="0"/>
+                <a:ea typeface="Times New Roman" panose="02020603050405020304" pitchFamily="18" charset="0"/>
+                <a:cs typeface="Times New Roman" panose="02020603050405020304" pitchFamily="18" charset="0"/>
+              </a:rPr>
+              <a:t>U</a:t>
+            </a:r>
+            <a:r>
+              <a:rPr lang="en-US" b="1">
+                <a:solidFill>
+                  <a:srgbClr val="000000"/>
+                </a:solidFill>
+                <a:latin typeface="Times New Roman" panose="02020603050405020304" pitchFamily="18" charset="0"/>
+                <a:ea typeface="Times New Roman" panose="02020603050405020304" pitchFamily="18" charset="0"/>
+                <a:cs typeface="Times New Roman" panose="02020603050405020304" pitchFamily="18" charset="0"/>
+              </a:rPr>
+              <a:t>ser</a:t>
+            </a:r>
+            <a:endParaRPr lang="en-US" sz="2000" b="1">
+              <a:solidFill>
+                <a:srgbClr val="000000"/>
+              </a:solidFill>
+              <a:latin typeface="Times New Roman" panose="02020603050405020304" pitchFamily="18" charset="0"/>
+              <a:ea typeface="Times New Roman" panose="02020603050405020304" pitchFamily="18" charset="0"/>
+              <a:cs typeface="Times New Roman" panose="02020603050405020304" pitchFamily="18" charset="0"/>
+            </a:endParaRPr>
+          </a:p>
+          <a:p>
+            <a:pPr algn="just">
+              <a:lnSpc>
+                <a:spcPct val="150000"/>
+              </a:lnSpc>
+              <a:spcAft>
+                <a:spcPts val="0"/>
+              </a:spcAft>
+            </a:pPr>
+            <a:r>
+              <a:rPr lang="en-US">
+                <a:solidFill>
+                  <a:srgbClr val="000000"/>
+                </a:solidFill>
+                <a:latin typeface="Times New Roman" panose="02020603050405020304" pitchFamily="18" charset="0"/>
+                <a:ea typeface="Times New Roman" panose="02020603050405020304" pitchFamily="18" charset="0"/>
+              </a:rPr>
+              <a:t>	Lưu trữ thông tin về tài khoản </a:t>
+            </a:r>
+            <a:r>
+              <a:rPr lang="vi-VN">
+                <a:solidFill>
+                  <a:srgbClr val="000000"/>
+                </a:solidFill>
+                <a:latin typeface="Times New Roman" panose="02020603050405020304" pitchFamily="18" charset="0"/>
+                <a:ea typeface="Times New Roman" panose="02020603050405020304" pitchFamily="18" charset="0"/>
+              </a:rPr>
+              <a:t>người dùng</a:t>
+            </a:r>
+            <a:endParaRPr lang="en-US" sz="2000">
               <a:solidFill>
                 <a:srgbClr val="000000"/>
               </a:solidFill>
@@ -12609,8 +13392,8 @@
         </p:nvSpPr>
         <p:spPr>
           <a:xfrm>
-            <a:off x="5983457" y="2025617"/>
-            <a:ext cx="1326004" cy="284693"/>
+            <a:off x="5349352" y="6548719"/>
+            <a:ext cx="2254784" cy="284693"/>
           </a:xfrm>
           <a:prstGeom prst="rect">
             <a:avLst/>
@@ -12622,7 +13405,7 @@
           </a:bodyPr>
           <a:lstStyle/>
           <a:p>
-            <a:pPr indent="457200" algn="just">
+            <a:pPr algn="ctr">
               <a:lnSpc>
                 <a:spcPts val="1500"/>
               </a:lnSpc>
@@ -12631,16 +13414,46 @@
               </a:spcAft>
             </a:pPr>
             <a:r>
-              <a:rPr lang="en-US" b="1">
+              <a:rPr lang="en-US">
                 <a:solidFill>
                   <a:srgbClr val="000000"/>
                 </a:solidFill>
                 <a:latin typeface="Times New Roman" panose="02020603050405020304" pitchFamily="18" charset="0"/>
                 <a:ea typeface="Times New Roman" panose="02020603050405020304" pitchFamily="18" charset="0"/>
               </a:rPr>
-              <a:t>Admin</a:t>
-            </a:r>
-            <a:endParaRPr lang="en-US">
+              <a:t>Hình 7: </a:t>
+            </a:r>
+            <a:r>
+              <a:rPr lang="en-US" dirty="0">
+                <a:solidFill>
+                  <a:srgbClr val="000000"/>
+                </a:solidFill>
+                <a:latin typeface="Times New Roman" panose="02020603050405020304" pitchFamily="18" charset="0"/>
+                <a:ea typeface="Times New Roman" panose="02020603050405020304" pitchFamily="18" charset="0"/>
+              </a:rPr>
+              <a:t>Thực </a:t>
+            </a:r>
+            <a:r>
+              <a:rPr lang="en-US">
+                <a:solidFill>
+                  <a:srgbClr val="000000"/>
+                </a:solidFill>
+                <a:latin typeface="Times New Roman" panose="02020603050405020304" pitchFamily="18" charset="0"/>
+                <a:ea typeface="Times New Roman" panose="02020603050405020304" pitchFamily="18" charset="0"/>
+              </a:rPr>
+              <a:t>thể </a:t>
+            </a:r>
+            <a:r>
+              <a:rPr lang="vi-VN">
+                <a:solidFill>
+                  <a:srgbClr val="000000"/>
+                </a:solidFill>
+                <a:latin typeface="Times New Roman" panose="02020603050405020304" pitchFamily="18" charset="0"/>
+                <a:ea typeface="Times New Roman" panose="02020603050405020304" pitchFamily="18" charset="0"/>
+              </a:rPr>
+              <a:t>User</a:t>
+            </a:r>
+            <a:endParaRPr lang="en-US" sz="2000" dirty="0">
               <a:solidFill>
                 <a:srgbClr val="000000"/>
               </a:solidFill>
@@ -12653,7 +13466,7 @@
       </p:sp>
       <p:sp>
         <p:nvSpPr>
-          <p:cNvPr id="13" name="Rectangle 12"/>
+          <p:cNvPr id="12" name="Rectangle 11"/>
           <p:cNvSpPr/>
           <p:nvPr/>
         </p:nvSpPr>
@@ -12697,119 +13510,14 @@
                 <a:latin typeface="Times New Roman" panose="02020603050405020304" pitchFamily="18" charset="0"/>
                 <a:cs typeface="Times New Roman" panose="02020603050405020304" pitchFamily="18" charset="0"/>
               </a:rPr>
-              <a:t>04</a:t>
-            </a:r>
-          </a:p>
-        </p:txBody>
-      </p:sp>
-      <p:sp>
-        <p:nvSpPr>
-          <p:cNvPr id="2" name="Rectangle 1"/>
-          <p:cNvSpPr/>
-          <p:nvPr/>
-        </p:nvSpPr>
-        <p:spPr>
-          <a:xfrm>
-            <a:off x="1441202" y="5797946"/>
-            <a:ext cx="3637534" cy="369332"/>
-          </a:xfrm>
-          <a:prstGeom prst="rect">
-            <a:avLst/>
-          </a:prstGeom>
-        </p:spPr>
-        <p:txBody>
-          <a:bodyPr wrap="none">
-            <a:spAutoFit/>
-          </a:bodyPr>
-          <a:lstStyle/>
-          <a:p>
-            <a:r>
-              <a:rPr lang="en-US">
-                <a:solidFill>
-                  <a:srgbClr val="000000"/>
-                </a:solidFill>
-                <a:latin typeface="Times New Roman" panose="02020603050405020304" pitchFamily="18" charset="0"/>
-                <a:ea typeface="Times New Roman" panose="02020603050405020304" pitchFamily="18" charset="0"/>
-              </a:rPr>
-              <a:t>Hình 2: </a:t>
-            </a:r>
-            <a:r>
-              <a:rPr lang="en-US" dirty="0">
-                <a:solidFill>
-                  <a:srgbClr val="000000"/>
-                </a:solidFill>
-                <a:latin typeface="Times New Roman" panose="02020603050405020304" pitchFamily="18" charset="0"/>
-                <a:ea typeface="Times New Roman" panose="02020603050405020304" pitchFamily="18" charset="0"/>
-              </a:rPr>
-              <a:t>Biểu đồ mức 1 của Customer</a:t>
-            </a:r>
-            <a:endParaRPr lang="en-US" dirty="0"/>
-          </a:p>
-        </p:txBody>
-      </p:sp>
-      <p:sp>
-        <p:nvSpPr>
-          <p:cNvPr id="15" name="Rectangle 14"/>
-          <p:cNvSpPr/>
-          <p:nvPr/>
-        </p:nvSpPr>
-        <p:spPr>
-          <a:xfrm>
-            <a:off x="7408541" y="5797946"/>
-            <a:ext cx="3368294" cy="284693"/>
-          </a:xfrm>
-          <a:prstGeom prst="rect">
-            <a:avLst/>
-          </a:prstGeom>
-        </p:spPr>
-        <p:txBody>
-          <a:bodyPr wrap="none">
-            <a:spAutoFit/>
-          </a:bodyPr>
-          <a:lstStyle/>
-          <a:p>
-            <a:pPr algn="ctr">
-              <a:lnSpc>
-                <a:spcPts val="1500"/>
-              </a:lnSpc>
-              <a:spcAft>
-                <a:spcPts val="0"/>
-              </a:spcAft>
-            </a:pPr>
-            <a:r>
-              <a:rPr lang="en-US">
-                <a:solidFill>
-                  <a:srgbClr val="000000"/>
-                </a:solidFill>
-                <a:latin typeface="Times New Roman" panose="02020603050405020304" pitchFamily="18" charset="0"/>
-                <a:ea typeface="Times New Roman" panose="02020603050405020304" pitchFamily="18" charset="0"/>
-              </a:rPr>
-              <a:t>Hình 3: </a:t>
-            </a:r>
-            <a:r>
-              <a:rPr lang="en-US" dirty="0">
-                <a:solidFill>
-                  <a:srgbClr val="000000"/>
-                </a:solidFill>
-                <a:latin typeface="Times New Roman" panose="02020603050405020304" pitchFamily="18" charset="0"/>
-                <a:ea typeface="Times New Roman" panose="02020603050405020304" pitchFamily="18" charset="0"/>
-              </a:rPr>
-              <a:t>Biểu đồ mức 1 của Admin</a:t>
-            </a:r>
-            <a:endParaRPr lang="en-US" sz="2000" dirty="0">
-              <a:solidFill>
-                <a:srgbClr val="000000"/>
-              </a:solidFill>
-              <a:effectLst/>
-              <a:latin typeface="Times New Roman" panose="02020603050405020304" pitchFamily="18" charset="0"/>
-              <a:ea typeface="Times New Roman" panose="02020603050405020304" pitchFamily="18" charset="0"/>
-            </a:endParaRPr>
+              <a:t>05</a:t>
+            </a:r>
           </a:p>
         </p:txBody>
       </p:sp>
       <p:pic>
         <p:nvPicPr>
-          <p:cNvPr id="16" name="Picture 15"/>
+          <p:cNvPr id="17" name="Picture 16"/>
           <p:cNvPicPr>
             <a:picLocks noChangeAspect="1"/>
           </p:cNvPicPr>
@@ -12823,32 +13531,8 @@
         </p:blipFill>
         <p:spPr>
           <a:xfrm>
-            <a:off x="550459" y="2434878"/>
-            <a:ext cx="5169313" cy="3238500"/>
-          </a:xfrm>
-          <a:prstGeom prst="rect">
-            <a:avLst/>
-          </a:prstGeom>
-        </p:spPr>
-      </p:pic>
-      <p:pic>
-        <p:nvPicPr>
-          <p:cNvPr id="17" name="Picture 16"/>
-          <p:cNvPicPr>
-            <a:picLocks noChangeAspect="1"/>
-          </p:cNvPicPr>
-          <p:nvPr/>
-        </p:nvPicPr>
-        <p:blipFill>
-          <a:blip r:embed="rId5"/>
-          <a:stretch>
-            <a:fillRect/>
-          </a:stretch>
-        </p:blipFill>
-        <p:spPr>
-          <a:xfrm>
-            <a:off x="6430744" y="2343692"/>
-            <a:ext cx="5323888" cy="3329686"/>
+            <a:off x="3211321" y="2829454"/>
+            <a:ext cx="6530846" cy="3527823"/>
           </a:xfrm>
           <a:prstGeom prst="rect">
             <a:avLst/>
@@ -12858,1379 +13542,17 @@
     </p:spTree>
     <p:extLst>
       <p:ext uri="{BB962C8B-B14F-4D97-AF65-F5344CB8AC3E}">
-        <p14:creationId xmlns:p14="http://schemas.microsoft.com/office/powerpoint/2010/main" val="831079949"/>
+        <p14:creationId xmlns:p14="http://schemas.microsoft.com/office/powerpoint/2010/main" val="519527395"/>
       </p:ext>
     </p:extLst>
   </p:cSld>
   <p:clrMapOvr>
     <a:masterClrMapping/>
   </p:clrMapOvr>
-  <p:timing>
-    <p:tnLst>
-      <p:par>
-        <p:cTn id="1" dur="indefinite" restart="never" nodeType="tmRoot">
-          <p:childTnLst>
-            <p:seq concurrent="1" nextAc="seek">
-              <p:cTn id="2" dur="indefinite" nodeType="mainSeq">
-                <p:childTnLst>
-                  <p:par>
-                    <p:cTn id="3" fill="hold">
-                      <p:stCondLst>
-                        <p:cond delay="indefinite"/>
-                      </p:stCondLst>
-                      <p:childTnLst>
-                        <p:par>
-                          <p:cTn id="4" fill="hold">
-                            <p:stCondLst>
-                              <p:cond delay="0"/>
-                            </p:stCondLst>
-                            <p:childTnLst>
-                              <p:par>
-                                <p:cTn id="5" presetID="10" presetClass="entr" presetSubtype="0" fill="hold" nodeType="clickEffect">
-                                  <p:stCondLst>
-                                    <p:cond delay="0"/>
-                                  </p:stCondLst>
-                                  <p:childTnLst>
-                                    <p:set>
-                                      <p:cBhvr>
-                                        <p:cTn id="6" dur="1" fill="hold">
-                                          <p:stCondLst>
-                                            <p:cond delay="0"/>
-                                          </p:stCondLst>
-                                        </p:cTn>
-                                        <p:tgtEl>
-                                          <p:spTgt spid="3"/>
-                                        </p:tgtEl>
-                                        <p:attrNameLst>
-                                          <p:attrName>style.visibility</p:attrName>
-                                        </p:attrNameLst>
-                                      </p:cBhvr>
-                                      <p:to>
-                                        <p:strVal val="visible"/>
-                                      </p:to>
-                                    </p:set>
-                                    <p:animEffect transition="in" filter="fade">
-                                      <p:cBhvr>
-                                        <p:cTn id="7" dur="500"/>
-                                        <p:tgtEl>
-                                          <p:spTgt spid="3"/>
-                                        </p:tgtEl>
-                                      </p:cBhvr>
-                                    </p:animEffect>
-                                  </p:childTnLst>
-                                </p:cTn>
-                              </p:par>
-                            </p:childTnLst>
-                          </p:cTn>
-                        </p:par>
-                      </p:childTnLst>
-                    </p:cTn>
-                  </p:par>
-                </p:childTnLst>
-              </p:cTn>
-              <p:prevCondLst>
-                <p:cond evt="onPrev" delay="0">
-                  <p:tgtEl>
-                    <p:sldTgt/>
-                  </p:tgtEl>
-                </p:cond>
-              </p:prevCondLst>
-              <p:nextCondLst>
-                <p:cond evt="onNext" delay="0">
-                  <p:tgtEl>
-                    <p:sldTgt/>
-                  </p:tgtEl>
-                </p:cond>
-              </p:nextCondLst>
-            </p:seq>
-          </p:childTnLst>
-        </p:cTn>
-      </p:par>
-    </p:tnLst>
-  </p:timing>
 </p:sld>
 </file>
 
-<file path=ppt/slides/slide4.xml><?xml version="1.0" encoding="utf-8"?>
-<p:sld xmlns:a="http://schemas.openxmlformats.org/drawingml/2006/main" xmlns:r="http://schemas.openxmlformats.org/officeDocument/2006/relationships" xmlns:p="http://schemas.openxmlformats.org/presentationml/2006/main">
-  <p:cSld>
-    <p:spTree>
-      <p:nvGrpSpPr>
-        <p:cNvPr id="1" name=""/>
-        <p:cNvGrpSpPr/>
-        <p:nvPr/>
-      </p:nvGrpSpPr>
-      <p:grpSpPr>
-        <a:xfrm>
-          <a:off x="0" y="0"/>
-          <a:ext cx="0" cy="0"/>
-          <a:chOff x="0" y="0"/>
-          <a:chExt cx="0" cy="0"/>
-        </a:xfrm>
-      </p:grpSpPr>
-      <p:grpSp>
-        <p:nvGrpSpPr>
-          <p:cNvPr id="3" name="Shape 231"/>
-          <p:cNvGrpSpPr/>
-          <p:nvPr/>
-        </p:nvGrpSpPr>
-        <p:grpSpPr>
-          <a:xfrm>
-            <a:off x="-731851" y="261468"/>
-            <a:ext cx="4130145" cy="1645500"/>
-            <a:chOff x="2075625" y="1090612"/>
-            <a:chExt cx="3370157" cy="2144143"/>
-          </a:xfrm>
-        </p:grpSpPr>
-        <p:sp>
-          <p:nvSpPr>
-            <p:cNvPr id="4" name="Shape 232"/>
-            <p:cNvSpPr/>
-            <p:nvPr/>
-          </p:nvSpPr>
-          <p:spPr>
-            <a:xfrm>
-              <a:off x="2752258" y="1623893"/>
-              <a:ext cx="2693524" cy="885283"/>
-            </a:xfrm>
-            <a:prstGeom prst="rect">
-              <a:avLst/>
-            </a:prstGeom>
-            <a:gradFill>
-              <a:gsLst>
-                <a:gs pos="0">
-                  <a:srgbClr val="7B5B20"/>
-                </a:gs>
-                <a:gs pos="10000">
-                  <a:srgbClr val="7B5B20"/>
-                </a:gs>
-                <a:gs pos="50000">
-                  <a:srgbClr val="DFA63C"/>
-                </a:gs>
-                <a:gs pos="100000">
-                  <a:srgbClr val="FFC749"/>
-                </a:gs>
-              </a:gsLst>
-              <a:lin ang="0" scaled="0"/>
-            </a:gradFill>
-            <a:ln>
-              <a:solidFill>
-                <a:schemeClr val="accent1"/>
-              </a:solidFill>
-            </a:ln>
-          </p:spPr>
-          <p:txBody>
-            <a:bodyPr spcFirstLastPara="1" wrap="square" lIns="91425" tIns="45700" rIns="91425" bIns="45700" anchor="ctr" anchorCtr="0">
-              <a:noAutofit/>
-            </a:bodyPr>
-            <a:lstStyle/>
-            <a:p>
-              <a:pPr marL="0" marR="0" lvl="0" indent="0" algn="r" rtl="0">
-                <a:spcBef>
-                  <a:spcPts val="0"/>
-                </a:spcBef>
-                <a:spcAft>
-                  <a:spcPts val="0"/>
-                </a:spcAft>
-                <a:buNone/>
-              </a:pPr>
-              <a:r>
-                <a:rPr lang="en-US" sz="2800" b="1">
-                  <a:solidFill>
-                    <a:schemeClr val="bg1"/>
-                  </a:solidFill>
-                  <a:latin typeface="Times New Roman" panose="02020603050405020304" pitchFamily="18" charset="0"/>
-                  <a:ea typeface="Century Gothic"/>
-                  <a:cs typeface="Times New Roman" panose="02020603050405020304" pitchFamily="18" charset="0"/>
-                  <a:sym typeface="Century Gothic"/>
-                </a:rPr>
-                <a:t>            Các biểu đồ</a:t>
-              </a:r>
-              <a:endParaRPr sz="2600" b="1">
-                <a:solidFill>
-                  <a:schemeClr val="bg1"/>
-                </a:solidFill>
-                <a:latin typeface="Times New Roman" panose="02020603050405020304" pitchFamily="18" charset="0"/>
-                <a:ea typeface="Century Gothic"/>
-                <a:cs typeface="Times New Roman" panose="02020603050405020304" pitchFamily="18" charset="0"/>
-                <a:sym typeface="Century Gothic"/>
-              </a:endParaRPr>
-            </a:p>
-          </p:txBody>
-        </p:sp>
-        <p:sp>
-          <p:nvSpPr>
-            <p:cNvPr id="5" name="Shape 233"/>
-            <p:cNvSpPr/>
-            <p:nvPr/>
-          </p:nvSpPr>
-          <p:spPr>
-            <a:xfrm rot="349079">
-              <a:off x="2075625" y="1898810"/>
-              <a:ext cx="2308247" cy="1335945"/>
-            </a:xfrm>
-            <a:custGeom>
-              <a:avLst/>
-              <a:gdLst/>
-              <a:ahLst/>
-              <a:cxnLst/>
-              <a:rect l="0" t="0" r="0" b="0"/>
-              <a:pathLst>
-                <a:path w="2410691" h="1649124" extrusionOk="0">
-                  <a:moveTo>
-                    <a:pt x="0" y="873270"/>
-                  </a:moveTo>
-                  <a:cubicBezTo>
-                    <a:pt x="910244" y="895668"/>
-                    <a:pt x="1812867" y="1238106"/>
-                    <a:pt x="2410691" y="1649124"/>
-                  </a:cubicBezTo>
-                  <a:lnTo>
-                    <a:pt x="2192050" y="641206"/>
-                  </a:lnTo>
-                  <a:cubicBezTo>
-                    <a:pt x="2107623" y="436996"/>
-                    <a:pt x="1951647" y="226118"/>
-                    <a:pt x="1548133" y="0"/>
-                  </a:cubicBezTo>
-                  <a:cubicBezTo>
-                    <a:pt x="1073296" y="254397"/>
-                    <a:pt x="838819" y="413663"/>
-                    <a:pt x="0" y="873270"/>
-                  </a:cubicBezTo>
-                  <a:close/>
-                </a:path>
-              </a:pathLst>
-            </a:custGeom>
-            <a:gradFill>
-              <a:gsLst>
-                <a:gs pos="0">
-                  <a:schemeClr val="dk1"/>
-                </a:gs>
-                <a:gs pos="66000">
-                  <a:srgbClr val="E7E7E7">
-                    <a:alpha val="0"/>
-                  </a:srgbClr>
-                </a:gs>
-                <a:gs pos="100000">
-                  <a:srgbClr val="FFFFFF">
-                    <a:alpha val="0"/>
-                  </a:srgbClr>
-                </a:gs>
-              </a:gsLst>
-              <a:lin ang="600000" scaled="0"/>
-            </a:gradFill>
-            <a:ln>
-              <a:noFill/>
-            </a:ln>
-          </p:spPr>
-          <p:txBody>
-            <a:bodyPr spcFirstLastPara="1" wrap="square" lIns="91425" tIns="45700" rIns="91425" bIns="45700" anchor="ctr" anchorCtr="0">
-              <a:noAutofit/>
-            </a:bodyPr>
-            <a:lstStyle/>
-            <a:p>
-              <a:pPr marL="0" marR="0" lvl="0" indent="0" algn="ctr" rtl="0">
-                <a:spcBef>
-                  <a:spcPts val="0"/>
-                </a:spcBef>
-                <a:spcAft>
-                  <a:spcPts val="0"/>
-                </a:spcAft>
-                <a:buNone/>
-              </a:pPr>
-              <a:endParaRPr sz="1800">
-                <a:solidFill>
-                  <a:srgbClr val="FFFFFF"/>
-                </a:solidFill>
-                <a:latin typeface="Century Gothic"/>
-                <a:ea typeface="Century Gothic"/>
-                <a:cs typeface="Century Gothic"/>
-                <a:sym typeface="Century Gothic"/>
-              </a:endParaRPr>
-            </a:p>
-          </p:txBody>
-        </p:sp>
-        <p:sp>
-          <p:nvSpPr>
-            <p:cNvPr id="6" name="Shape 234"/>
-            <p:cNvSpPr/>
-            <p:nvPr/>
-          </p:nvSpPr>
-          <p:spPr>
-            <a:xfrm>
-              <a:off x="2676179" y="1090612"/>
-              <a:ext cx="1190813" cy="1418564"/>
-            </a:xfrm>
-            <a:custGeom>
-              <a:avLst/>
-              <a:gdLst/>
-              <a:ahLst/>
-              <a:cxnLst/>
-              <a:rect l="0" t="0" r="0" b="0"/>
-              <a:pathLst>
-                <a:path w="1190625" h="1419225" extrusionOk="0">
-                  <a:moveTo>
-                    <a:pt x="0" y="1419225"/>
-                  </a:moveTo>
-                  <a:lnTo>
-                    <a:pt x="0" y="471487"/>
-                  </a:lnTo>
-                  <a:lnTo>
-                    <a:pt x="957262" y="0"/>
-                  </a:lnTo>
-                  <a:lnTo>
-                    <a:pt x="1190625" y="347662"/>
-                  </a:lnTo>
-                  <a:lnTo>
-                    <a:pt x="947737" y="952500"/>
-                  </a:lnTo>
-                  <a:lnTo>
-                    <a:pt x="0" y="1419225"/>
-                  </a:lnTo>
-                  <a:close/>
-                </a:path>
-              </a:pathLst>
-            </a:custGeom>
-            <a:solidFill>
-              <a:schemeClr val="accent1">
-                <a:lumMod val="60000"/>
-                <a:lumOff val="40000"/>
-              </a:schemeClr>
-            </a:solidFill>
-            <a:ln>
-              <a:solidFill>
-                <a:schemeClr val="accent1"/>
-              </a:solidFill>
-            </a:ln>
-          </p:spPr>
-          <p:txBody>
-            <a:bodyPr spcFirstLastPara="1" wrap="square" lIns="91425" tIns="45700" rIns="91425" bIns="45700" anchor="ctr" anchorCtr="0">
-              <a:noAutofit/>
-            </a:bodyPr>
-            <a:lstStyle/>
-            <a:p>
-              <a:pPr marL="0" marR="0" lvl="0" indent="0" algn="ctr" rtl="0">
-                <a:spcBef>
-                  <a:spcPts val="0"/>
-                </a:spcBef>
-                <a:spcAft>
-                  <a:spcPts val="0"/>
-                </a:spcAft>
-                <a:buNone/>
-              </a:pPr>
-              <a:endParaRPr sz="1800">
-                <a:solidFill>
-                  <a:schemeClr val="lt1"/>
-                </a:solidFill>
-                <a:latin typeface="Times New Roman" panose="02020603050405020304" pitchFamily="18" charset="0"/>
-                <a:ea typeface="Century Gothic"/>
-                <a:cs typeface="Times New Roman" panose="02020603050405020304" pitchFamily="18" charset="0"/>
-                <a:sym typeface="Century Gothic"/>
-              </a:endParaRPr>
-            </a:p>
-          </p:txBody>
-        </p:sp>
-      </p:grpSp>
-      <p:pic>
-        <p:nvPicPr>
-          <p:cNvPr id="7" name="Picture 6" descr="aptechlogoww"/>
-          <p:cNvPicPr/>
-          <p:nvPr/>
-        </p:nvPicPr>
-        <p:blipFill>
-          <a:blip r:embed="rId3">
-            <a:extLst>
-              <a:ext uri="{28A0092B-C50C-407E-A947-70E740481C1C}">
-                <a14:useLocalDpi xmlns:a14="http://schemas.microsoft.com/office/drawing/2010/main" val="0"/>
-              </a:ext>
-            </a:extLst>
-          </a:blip>
-          <a:srcRect/>
-          <a:stretch>
-            <a:fillRect/>
-          </a:stretch>
-        </p:blipFill>
-        <p:spPr bwMode="auto">
-          <a:xfrm>
-            <a:off x="8668080" y="163941"/>
-            <a:ext cx="1852295" cy="391795"/>
-          </a:xfrm>
-          <a:prstGeom prst="rect">
-            <a:avLst/>
-          </a:prstGeom>
-          <a:noFill/>
-          <a:ln>
-            <a:noFill/>
-          </a:ln>
-        </p:spPr>
-      </p:pic>
-      <p:pic>
-        <p:nvPicPr>
-          <p:cNvPr id="8" name="Picture 7" descr="bkaptechlogo"/>
-          <p:cNvPicPr/>
-          <p:nvPr/>
-        </p:nvPicPr>
-        <p:blipFill>
-          <a:blip r:embed="rId4">
-            <a:extLst>
-              <a:ext uri="{28A0092B-C50C-407E-A947-70E740481C1C}">
-                <a14:useLocalDpi xmlns:a14="http://schemas.microsoft.com/office/drawing/2010/main" val="0"/>
-              </a:ext>
-            </a:extLst>
-          </a:blip>
-          <a:srcRect/>
-          <a:stretch>
-            <a:fillRect/>
-          </a:stretch>
-        </p:blipFill>
-        <p:spPr bwMode="auto">
-          <a:xfrm>
-            <a:off x="10520375" y="142171"/>
-            <a:ext cx="1531620" cy="391795"/>
-          </a:xfrm>
-          <a:prstGeom prst="rect">
-            <a:avLst/>
-          </a:prstGeom>
-          <a:noFill/>
-          <a:ln>
-            <a:noFill/>
-          </a:ln>
-        </p:spPr>
-      </p:pic>
-      <p:sp>
-        <p:nvSpPr>
-          <p:cNvPr id="9" name="Rectangle 8"/>
-          <p:cNvSpPr/>
-          <p:nvPr/>
-        </p:nvSpPr>
-        <p:spPr>
-          <a:xfrm>
-            <a:off x="733805" y="1420378"/>
-            <a:ext cx="6732933" cy="539378"/>
-          </a:xfrm>
-          <a:prstGeom prst="rect">
-            <a:avLst/>
-          </a:prstGeom>
-        </p:spPr>
-        <p:txBody>
-          <a:bodyPr wrap="none">
-            <a:spAutoFit/>
-          </a:bodyPr>
-          <a:lstStyle/>
-          <a:p>
-            <a:pPr>
-              <a:lnSpc>
-                <a:spcPct val="150000"/>
-              </a:lnSpc>
-            </a:pPr>
-            <a:r>
-              <a:rPr lang="en-US" sz="2200" b="1">
-                <a:solidFill>
-                  <a:srgbClr val="000000"/>
-                </a:solidFill>
-                <a:latin typeface="Times New Roman" panose="02020603050405020304" pitchFamily="18" charset="0"/>
-                <a:ea typeface="Times New Roman" panose="02020603050405020304" pitchFamily="18" charset="0"/>
-                <a:cs typeface="Times New Roman" panose="02020603050405020304" pitchFamily="18" charset="0"/>
-              </a:rPr>
-              <a:t>4.3. Biểu đồ luồng dữ liệu mức chi tiết (Biểu đồ mức 2)</a:t>
-            </a:r>
-            <a:endParaRPr lang="en-US" sz="2200" b="1">
-              <a:solidFill>
-                <a:srgbClr val="000000"/>
-              </a:solidFill>
-              <a:effectLst/>
-              <a:latin typeface="Times New Roman" panose="02020603050405020304" pitchFamily="18" charset="0"/>
-              <a:ea typeface="Times New Roman" panose="02020603050405020304" pitchFamily="18" charset="0"/>
-              <a:cs typeface="Times New Roman" panose="02020603050405020304" pitchFamily="18" charset="0"/>
-            </a:endParaRPr>
-          </a:p>
-        </p:txBody>
-      </p:sp>
-      <p:sp>
-        <p:nvSpPr>
-          <p:cNvPr id="11" name="Rectangle 10"/>
-          <p:cNvSpPr/>
-          <p:nvPr/>
-        </p:nvSpPr>
-        <p:spPr>
-          <a:xfrm>
-            <a:off x="370" y="496390"/>
-            <a:ext cx="927093" cy="705394"/>
-          </a:xfrm>
-          <a:prstGeom prst="rect">
-            <a:avLst/>
-          </a:prstGeom>
-          <a:noFill/>
-          <a:ln>
-            <a:noFill/>
-          </a:ln>
-        </p:spPr>
-        <p:style>
-          <a:lnRef idx="0">
-            <a:scrgbClr r="0" g="0" b="0"/>
-          </a:lnRef>
-          <a:fillRef idx="0">
-            <a:scrgbClr r="0" g="0" b="0"/>
-          </a:fillRef>
-          <a:effectRef idx="0">
-            <a:scrgbClr r="0" g="0" b="0"/>
-          </a:effectRef>
-          <a:fontRef idx="minor">
-            <a:schemeClr val="dk1"/>
-          </a:fontRef>
-        </p:style>
-        <p:txBody>
-          <a:bodyPr rtlCol="0" anchor="ctr"/>
-          <a:lstStyle/>
-          <a:p>
-            <a:pPr algn="ctr"/>
-            <a:r>
-              <a:rPr lang="en-US" sz="3600" b="1">
-                <a:solidFill>
-                  <a:schemeClr val="bg1"/>
-                </a:solidFill>
-                <a:latin typeface="Times New Roman" panose="02020603050405020304" pitchFamily="18" charset="0"/>
-                <a:cs typeface="Times New Roman" panose="02020603050405020304" pitchFamily="18" charset="0"/>
-              </a:rPr>
-              <a:t>04</a:t>
-            </a:r>
-          </a:p>
-        </p:txBody>
-      </p:sp>
-      <p:sp>
-        <p:nvSpPr>
-          <p:cNvPr id="2" name="Rectangle 1"/>
-          <p:cNvSpPr/>
-          <p:nvPr/>
-        </p:nvSpPr>
-        <p:spPr>
-          <a:xfrm>
-            <a:off x="5067174" y="6568164"/>
-            <a:ext cx="2303837" cy="284693"/>
-          </a:xfrm>
-          <a:prstGeom prst="rect">
-            <a:avLst/>
-          </a:prstGeom>
-        </p:spPr>
-        <p:txBody>
-          <a:bodyPr wrap="none">
-            <a:spAutoFit/>
-          </a:bodyPr>
-          <a:lstStyle/>
-          <a:p>
-            <a:pPr algn="ctr">
-              <a:lnSpc>
-                <a:spcPts val="1500"/>
-              </a:lnSpc>
-              <a:spcAft>
-                <a:spcPts val="0"/>
-              </a:spcAft>
-            </a:pPr>
-            <a:r>
-              <a:rPr lang="en-US">
-                <a:solidFill>
-                  <a:srgbClr val="000000"/>
-                </a:solidFill>
-                <a:latin typeface="Times New Roman" panose="02020603050405020304" pitchFamily="18" charset="0"/>
-                <a:ea typeface="Times New Roman" panose="02020603050405020304" pitchFamily="18" charset="0"/>
-              </a:rPr>
-              <a:t>Hình 4: </a:t>
-            </a:r>
-            <a:r>
-              <a:rPr lang="en-US" dirty="0">
-                <a:solidFill>
-                  <a:srgbClr val="000000"/>
-                </a:solidFill>
-                <a:latin typeface="Times New Roman" panose="02020603050405020304" pitchFamily="18" charset="0"/>
-                <a:ea typeface="Times New Roman" panose="02020603050405020304" pitchFamily="18" charset="0"/>
-              </a:rPr>
-              <a:t>Biểu đồ mức 2</a:t>
-            </a:r>
-            <a:endParaRPr lang="en-US" sz="2000" dirty="0">
-              <a:solidFill>
-                <a:srgbClr val="000000"/>
-              </a:solidFill>
-              <a:effectLst/>
-              <a:latin typeface="Times New Roman" panose="02020603050405020304" pitchFamily="18" charset="0"/>
-              <a:ea typeface="Times New Roman" panose="02020603050405020304" pitchFamily="18" charset="0"/>
-            </a:endParaRPr>
-          </a:p>
-        </p:txBody>
-      </p:sp>
-      <p:pic>
-        <p:nvPicPr>
-          <p:cNvPr id="10" name="Picture 9"/>
-          <p:cNvPicPr>
-            <a:picLocks noChangeAspect="1"/>
-          </p:cNvPicPr>
-          <p:nvPr/>
-        </p:nvPicPr>
-        <p:blipFill>
-          <a:blip r:embed="rId5"/>
-          <a:stretch>
-            <a:fillRect/>
-          </a:stretch>
-        </p:blipFill>
-        <p:spPr>
-          <a:xfrm>
-            <a:off x="2113817" y="1959756"/>
-            <a:ext cx="8210550" cy="4524375"/>
-          </a:xfrm>
-          <a:prstGeom prst="rect">
-            <a:avLst/>
-          </a:prstGeom>
-        </p:spPr>
-      </p:pic>
-    </p:spTree>
-    <p:extLst>
-      <p:ext uri="{BB962C8B-B14F-4D97-AF65-F5344CB8AC3E}">
-        <p14:creationId xmlns:p14="http://schemas.microsoft.com/office/powerpoint/2010/main" val="1012458347"/>
-      </p:ext>
-    </p:extLst>
-  </p:cSld>
-  <p:clrMapOvr>
-    <a:masterClrMapping/>
-  </p:clrMapOvr>
-  <p:timing>
-    <p:tnLst>
-      <p:par>
-        <p:cTn id="1" dur="indefinite" restart="never" nodeType="tmRoot">
-          <p:childTnLst>
-            <p:seq concurrent="1" nextAc="seek">
-              <p:cTn id="2" dur="indefinite" nodeType="mainSeq">
-                <p:childTnLst>
-                  <p:par>
-                    <p:cTn id="3" fill="hold">
-                      <p:stCondLst>
-                        <p:cond delay="indefinite"/>
-                      </p:stCondLst>
-                      <p:childTnLst>
-                        <p:par>
-                          <p:cTn id="4" fill="hold">
-                            <p:stCondLst>
-                              <p:cond delay="0"/>
-                            </p:stCondLst>
-                            <p:childTnLst>
-                              <p:par>
-                                <p:cTn id="5" presetID="10" presetClass="entr" presetSubtype="0" fill="hold" nodeType="clickEffect">
-                                  <p:stCondLst>
-                                    <p:cond delay="0"/>
-                                  </p:stCondLst>
-                                  <p:childTnLst>
-                                    <p:set>
-                                      <p:cBhvr>
-                                        <p:cTn id="6" dur="1" fill="hold">
-                                          <p:stCondLst>
-                                            <p:cond delay="0"/>
-                                          </p:stCondLst>
-                                        </p:cTn>
-                                        <p:tgtEl>
-                                          <p:spTgt spid="3"/>
-                                        </p:tgtEl>
-                                        <p:attrNameLst>
-                                          <p:attrName>style.visibility</p:attrName>
-                                        </p:attrNameLst>
-                                      </p:cBhvr>
-                                      <p:to>
-                                        <p:strVal val="visible"/>
-                                      </p:to>
-                                    </p:set>
-                                    <p:animEffect transition="in" filter="fade">
-                                      <p:cBhvr>
-                                        <p:cTn id="7" dur="500"/>
-                                        <p:tgtEl>
-                                          <p:spTgt spid="3"/>
-                                        </p:tgtEl>
-                                      </p:cBhvr>
-                                    </p:animEffect>
-                                  </p:childTnLst>
-                                </p:cTn>
-                              </p:par>
-                            </p:childTnLst>
-                          </p:cTn>
-                        </p:par>
-                      </p:childTnLst>
-                    </p:cTn>
-                  </p:par>
-                </p:childTnLst>
-              </p:cTn>
-              <p:prevCondLst>
-                <p:cond evt="onPrev" delay="0">
-                  <p:tgtEl>
-                    <p:sldTgt/>
-                  </p:tgtEl>
-                </p:cond>
-              </p:prevCondLst>
-              <p:nextCondLst>
-                <p:cond evt="onNext" delay="0">
-                  <p:tgtEl>
-                    <p:sldTgt/>
-                  </p:tgtEl>
-                </p:cond>
-              </p:nextCondLst>
-            </p:seq>
-          </p:childTnLst>
-        </p:cTn>
-      </p:par>
-    </p:tnLst>
-  </p:timing>
-</p:sld>
-</file>
-
-<file path=ppt/slides/slide5.xml><?xml version="1.0" encoding="utf-8"?>
-<p:sld xmlns:a="http://schemas.openxmlformats.org/drawingml/2006/main" xmlns:r="http://schemas.openxmlformats.org/officeDocument/2006/relationships" xmlns:p="http://schemas.openxmlformats.org/presentationml/2006/main">
-  <p:cSld>
-    <p:spTree>
-      <p:nvGrpSpPr>
-        <p:cNvPr id="1" name=""/>
-        <p:cNvGrpSpPr/>
-        <p:nvPr/>
-      </p:nvGrpSpPr>
-      <p:grpSpPr>
-        <a:xfrm>
-          <a:off x="0" y="0"/>
-          <a:ext cx="0" cy="0"/>
-          <a:chOff x="0" y="0"/>
-          <a:chExt cx="0" cy="0"/>
-        </a:xfrm>
-      </p:grpSpPr>
-      <p:grpSp>
-        <p:nvGrpSpPr>
-          <p:cNvPr id="3" name="Shape 231"/>
-          <p:cNvGrpSpPr/>
-          <p:nvPr/>
-        </p:nvGrpSpPr>
-        <p:grpSpPr>
-          <a:xfrm>
-            <a:off x="-731851" y="261468"/>
-            <a:ext cx="4130145" cy="1645500"/>
-            <a:chOff x="2075625" y="1090612"/>
-            <a:chExt cx="3370157" cy="2144143"/>
-          </a:xfrm>
-        </p:grpSpPr>
-        <p:sp>
-          <p:nvSpPr>
-            <p:cNvPr id="4" name="Shape 232"/>
-            <p:cNvSpPr/>
-            <p:nvPr/>
-          </p:nvSpPr>
-          <p:spPr>
-            <a:xfrm>
-              <a:off x="2752258" y="1623893"/>
-              <a:ext cx="2693524" cy="885283"/>
-            </a:xfrm>
-            <a:prstGeom prst="rect">
-              <a:avLst/>
-            </a:prstGeom>
-            <a:gradFill>
-              <a:gsLst>
-                <a:gs pos="0">
-                  <a:srgbClr val="7B5B20"/>
-                </a:gs>
-                <a:gs pos="10000">
-                  <a:srgbClr val="7B5B20"/>
-                </a:gs>
-                <a:gs pos="50000">
-                  <a:srgbClr val="DFA63C"/>
-                </a:gs>
-                <a:gs pos="100000">
-                  <a:srgbClr val="FFC749"/>
-                </a:gs>
-              </a:gsLst>
-              <a:lin ang="0" scaled="0"/>
-            </a:gradFill>
-            <a:ln>
-              <a:solidFill>
-                <a:schemeClr val="accent1"/>
-              </a:solidFill>
-            </a:ln>
-          </p:spPr>
-          <p:txBody>
-            <a:bodyPr spcFirstLastPara="1" wrap="square" lIns="91425" tIns="45700" rIns="91425" bIns="45700" anchor="ctr" anchorCtr="0">
-              <a:noAutofit/>
-            </a:bodyPr>
-            <a:lstStyle/>
-            <a:p>
-              <a:pPr marL="0" marR="0" lvl="0" indent="0" algn="r" rtl="0">
-                <a:spcBef>
-                  <a:spcPts val="0"/>
-                </a:spcBef>
-                <a:spcAft>
-                  <a:spcPts val="0"/>
-                </a:spcAft>
-                <a:buNone/>
-              </a:pPr>
-              <a:r>
-                <a:rPr lang="en-US" sz="2800" b="1">
-                  <a:solidFill>
-                    <a:schemeClr val="bg1"/>
-                  </a:solidFill>
-                  <a:latin typeface="Times New Roman" panose="02020603050405020304" pitchFamily="18" charset="0"/>
-                  <a:ea typeface="Century Gothic"/>
-                  <a:cs typeface="Times New Roman" panose="02020603050405020304" pitchFamily="18" charset="0"/>
-                  <a:sym typeface="Century Gothic"/>
-                </a:rPr>
-                <a:t>            Các biểu đồ</a:t>
-              </a:r>
-              <a:endParaRPr sz="2600" b="1">
-                <a:solidFill>
-                  <a:schemeClr val="bg1"/>
-                </a:solidFill>
-                <a:latin typeface="Times New Roman" panose="02020603050405020304" pitchFamily="18" charset="0"/>
-                <a:ea typeface="Century Gothic"/>
-                <a:cs typeface="Times New Roman" panose="02020603050405020304" pitchFamily="18" charset="0"/>
-                <a:sym typeface="Century Gothic"/>
-              </a:endParaRPr>
-            </a:p>
-          </p:txBody>
-        </p:sp>
-        <p:sp>
-          <p:nvSpPr>
-            <p:cNvPr id="5" name="Shape 233"/>
-            <p:cNvSpPr/>
-            <p:nvPr/>
-          </p:nvSpPr>
-          <p:spPr>
-            <a:xfrm rot="349079">
-              <a:off x="2075625" y="1898810"/>
-              <a:ext cx="2308247" cy="1335945"/>
-            </a:xfrm>
-            <a:custGeom>
-              <a:avLst/>
-              <a:gdLst/>
-              <a:ahLst/>
-              <a:cxnLst/>
-              <a:rect l="0" t="0" r="0" b="0"/>
-              <a:pathLst>
-                <a:path w="2410691" h="1649124" extrusionOk="0">
-                  <a:moveTo>
-                    <a:pt x="0" y="873270"/>
-                  </a:moveTo>
-                  <a:cubicBezTo>
-                    <a:pt x="910244" y="895668"/>
-                    <a:pt x="1812867" y="1238106"/>
-                    <a:pt x="2410691" y="1649124"/>
-                  </a:cubicBezTo>
-                  <a:lnTo>
-                    <a:pt x="2192050" y="641206"/>
-                  </a:lnTo>
-                  <a:cubicBezTo>
-                    <a:pt x="2107623" y="436996"/>
-                    <a:pt x="1951647" y="226118"/>
-                    <a:pt x="1548133" y="0"/>
-                  </a:cubicBezTo>
-                  <a:cubicBezTo>
-                    <a:pt x="1073296" y="254397"/>
-                    <a:pt x="838819" y="413663"/>
-                    <a:pt x="0" y="873270"/>
-                  </a:cubicBezTo>
-                  <a:close/>
-                </a:path>
-              </a:pathLst>
-            </a:custGeom>
-            <a:gradFill>
-              <a:gsLst>
-                <a:gs pos="0">
-                  <a:schemeClr val="dk1"/>
-                </a:gs>
-                <a:gs pos="66000">
-                  <a:srgbClr val="E7E7E7">
-                    <a:alpha val="0"/>
-                  </a:srgbClr>
-                </a:gs>
-                <a:gs pos="100000">
-                  <a:srgbClr val="FFFFFF">
-                    <a:alpha val="0"/>
-                  </a:srgbClr>
-                </a:gs>
-              </a:gsLst>
-              <a:lin ang="600000" scaled="0"/>
-            </a:gradFill>
-            <a:ln>
-              <a:noFill/>
-            </a:ln>
-          </p:spPr>
-          <p:txBody>
-            <a:bodyPr spcFirstLastPara="1" wrap="square" lIns="91425" tIns="45700" rIns="91425" bIns="45700" anchor="ctr" anchorCtr="0">
-              <a:noAutofit/>
-            </a:bodyPr>
-            <a:lstStyle/>
-            <a:p>
-              <a:pPr marL="0" marR="0" lvl="0" indent="0" algn="ctr" rtl="0">
-                <a:spcBef>
-                  <a:spcPts val="0"/>
-                </a:spcBef>
-                <a:spcAft>
-                  <a:spcPts val="0"/>
-                </a:spcAft>
-                <a:buNone/>
-              </a:pPr>
-              <a:endParaRPr sz="1800">
-                <a:solidFill>
-                  <a:srgbClr val="FFFFFF"/>
-                </a:solidFill>
-                <a:latin typeface="Century Gothic"/>
-                <a:ea typeface="Century Gothic"/>
-                <a:cs typeface="Century Gothic"/>
-                <a:sym typeface="Century Gothic"/>
-              </a:endParaRPr>
-            </a:p>
-          </p:txBody>
-        </p:sp>
-        <p:sp>
-          <p:nvSpPr>
-            <p:cNvPr id="6" name="Shape 234"/>
-            <p:cNvSpPr/>
-            <p:nvPr/>
-          </p:nvSpPr>
-          <p:spPr>
-            <a:xfrm>
-              <a:off x="2676179" y="1090612"/>
-              <a:ext cx="1190813" cy="1418564"/>
-            </a:xfrm>
-            <a:custGeom>
-              <a:avLst/>
-              <a:gdLst/>
-              <a:ahLst/>
-              <a:cxnLst/>
-              <a:rect l="0" t="0" r="0" b="0"/>
-              <a:pathLst>
-                <a:path w="1190625" h="1419225" extrusionOk="0">
-                  <a:moveTo>
-                    <a:pt x="0" y="1419225"/>
-                  </a:moveTo>
-                  <a:lnTo>
-                    <a:pt x="0" y="471487"/>
-                  </a:lnTo>
-                  <a:lnTo>
-                    <a:pt x="957262" y="0"/>
-                  </a:lnTo>
-                  <a:lnTo>
-                    <a:pt x="1190625" y="347662"/>
-                  </a:lnTo>
-                  <a:lnTo>
-                    <a:pt x="947737" y="952500"/>
-                  </a:lnTo>
-                  <a:lnTo>
-                    <a:pt x="0" y="1419225"/>
-                  </a:lnTo>
-                  <a:close/>
-                </a:path>
-              </a:pathLst>
-            </a:custGeom>
-            <a:solidFill>
-              <a:schemeClr val="accent1">
-                <a:lumMod val="60000"/>
-                <a:lumOff val="40000"/>
-              </a:schemeClr>
-            </a:solidFill>
-            <a:ln>
-              <a:solidFill>
-                <a:schemeClr val="accent1"/>
-              </a:solidFill>
-            </a:ln>
-          </p:spPr>
-          <p:txBody>
-            <a:bodyPr spcFirstLastPara="1" wrap="square" lIns="91425" tIns="45700" rIns="91425" bIns="45700" anchor="ctr" anchorCtr="0">
-              <a:noAutofit/>
-            </a:bodyPr>
-            <a:lstStyle/>
-            <a:p>
-              <a:pPr marL="0" marR="0" lvl="0" indent="0" algn="ctr" rtl="0">
-                <a:spcBef>
-                  <a:spcPts val="0"/>
-                </a:spcBef>
-                <a:spcAft>
-                  <a:spcPts val="0"/>
-                </a:spcAft>
-                <a:buNone/>
-              </a:pPr>
-              <a:endParaRPr sz="1800">
-                <a:solidFill>
-                  <a:schemeClr val="lt1"/>
-                </a:solidFill>
-                <a:latin typeface="Times New Roman" panose="02020603050405020304" pitchFamily="18" charset="0"/>
-                <a:ea typeface="Century Gothic"/>
-                <a:cs typeface="Times New Roman" panose="02020603050405020304" pitchFamily="18" charset="0"/>
-                <a:sym typeface="Century Gothic"/>
-              </a:endParaRPr>
-            </a:p>
-          </p:txBody>
-        </p:sp>
-      </p:grpSp>
-      <p:pic>
-        <p:nvPicPr>
-          <p:cNvPr id="7" name="Picture 6" descr="aptechlogoww"/>
-          <p:cNvPicPr/>
-          <p:nvPr/>
-        </p:nvPicPr>
-        <p:blipFill>
-          <a:blip r:embed="rId3">
-            <a:extLst>
-              <a:ext uri="{28A0092B-C50C-407E-A947-70E740481C1C}">
-                <a14:useLocalDpi xmlns:a14="http://schemas.microsoft.com/office/drawing/2010/main" val="0"/>
-              </a:ext>
-            </a:extLst>
-          </a:blip>
-          <a:srcRect/>
-          <a:stretch>
-            <a:fillRect/>
-          </a:stretch>
-        </p:blipFill>
-        <p:spPr bwMode="auto">
-          <a:xfrm>
-            <a:off x="8668080" y="163941"/>
-            <a:ext cx="1852295" cy="391795"/>
-          </a:xfrm>
-          <a:prstGeom prst="rect">
-            <a:avLst/>
-          </a:prstGeom>
-          <a:noFill/>
-          <a:ln>
-            <a:noFill/>
-          </a:ln>
-        </p:spPr>
-      </p:pic>
-      <p:pic>
-        <p:nvPicPr>
-          <p:cNvPr id="8" name="Picture 7" descr="bkaptechlogo"/>
-          <p:cNvPicPr/>
-          <p:nvPr/>
-        </p:nvPicPr>
-        <p:blipFill>
-          <a:blip r:embed="rId4">
-            <a:extLst>
-              <a:ext uri="{28A0092B-C50C-407E-A947-70E740481C1C}">
-                <a14:useLocalDpi xmlns:a14="http://schemas.microsoft.com/office/drawing/2010/main" val="0"/>
-              </a:ext>
-            </a:extLst>
-          </a:blip>
-          <a:srcRect/>
-          <a:stretch>
-            <a:fillRect/>
-          </a:stretch>
-        </p:blipFill>
-        <p:spPr bwMode="auto">
-          <a:xfrm>
-            <a:off x="10520375" y="142171"/>
-            <a:ext cx="1531620" cy="391795"/>
-          </a:xfrm>
-          <a:prstGeom prst="rect">
-            <a:avLst/>
-          </a:prstGeom>
-          <a:noFill/>
-          <a:ln>
-            <a:noFill/>
-          </a:ln>
-        </p:spPr>
-      </p:pic>
-      <p:sp>
-        <p:nvSpPr>
-          <p:cNvPr id="9" name="Rectangle 8"/>
-          <p:cNvSpPr/>
-          <p:nvPr/>
-        </p:nvSpPr>
-        <p:spPr>
-          <a:xfrm>
-            <a:off x="497386" y="1556569"/>
-            <a:ext cx="3879588" cy="284693"/>
-          </a:xfrm>
-          <a:prstGeom prst="rect">
-            <a:avLst/>
-          </a:prstGeom>
-        </p:spPr>
-        <p:txBody>
-          <a:bodyPr wrap="none">
-            <a:spAutoFit/>
-          </a:bodyPr>
-          <a:lstStyle/>
-          <a:p>
-            <a:pPr algn="just">
-              <a:lnSpc>
-                <a:spcPts val="1500"/>
-              </a:lnSpc>
-              <a:spcAft>
-                <a:spcPts val="0"/>
-              </a:spcAft>
-            </a:pPr>
-            <a:r>
-              <a:rPr lang="en-US" sz="2000" b="1">
-                <a:solidFill>
-                  <a:srgbClr val="000000"/>
-                </a:solidFill>
-                <a:latin typeface="Times New Roman" panose="02020603050405020304" pitchFamily="18" charset="0"/>
-                <a:ea typeface="Times New Roman" panose="02020603050405020304" pitchFamily="18" charset="0"/>
-                <a:cs typeface="Times New Roman" panose="02020603050405020304" pitchFamily="18" charset="0"/>
-              </a:rPr>
-              <a:t>4.</a:t>
-            </a:r>
-            <a:r>
-              <a:rPr lang="vi-VN" sz="2000" b="1">
-                <a:solidFill>
-                  <a:srgbClr val="000000"/>
-                </a:solidFill>
-                <a:latin typeface="Times New Roman" panose="02020603050405020304" pitchFamily="18" charset="0"/>
-                <a:ea typeface="Times New Roman" panose="02020603050405020304" pitchFamily="18" charset="0"/>
-                <a:cs typeface="Times New Roman" panose="02020603050405020304" pitchFamily="18" charset="0"/>
-              </a:rPr>
-              <a:t>4</a:t>
-            </a:r>
-            <a:r>
-              <a:rPr lang="en-US" sz="2000" b="1">
-                <a:solidFill>
-                  <a:srgbClr val="000000"/>
-                </a:solidFill>
-                <a:latin typeface="Times New Roman" panose="02020603050405020304" pitchFamily="18" charset="0"/>
-                <a:ea typeface="Times New Roman" panose="02020603050405020304" pitchFamily="18" charset="0"/>
-                <a:cs typeface="Times New Roman" panose="02020603050405020304" pitchFamily="18" charset="0"/>
-              </a:rPr>
-              <a:t>. Biểu đồ thực thể quan hệ E-R</a:t>
-            </a:r>
-            <a:endParaRPr lang="en-US" sz="2000" b="1">
-              <a:solidFill>
-                <a:srgbClr val="000000"/>
-              </a:solidFill>
-              <a:effectLst/>
-              <a:latin typeface="Times New Roman" panose="02020603050405020304" pitchFamily="18" charset="0"/>
-              <a:ea typeface="Times New Roman" panose="02020603050405020304" pitchFamily="18" charset="0"/>
-              <a:cs typeface="Times New Roman" panose="02020603050405020304" pitchFamily="18" charset="0"/>
-            </a:endParaRPr>
-          </a:p>
-        </p:txBody>
-      </p:sp>
-      <p:sp>
-        <p:nvSpPr>
-          <p:cNvPr id="10" name="Rectangle 9"/>
-          <p:cNvSpPr/>
-          <p:nvPr/>
-        </p:nvSpPr>
-        <p:spPr>
-          <a:xfrm>
-            <a:off x="3968188" y="6573307"/>
-            <a:ext cx="3682418" cy="290721"/>
-          </a:xfrm>
-          <a:prstGeom prst="rect">
-            <a:avLst/>
-          </a:prstGeom>
-        </p:spPr>
-        <p:txBody>
-          <a:bodyPr wrap="none">
-            <a:spAutoFit/>
-          </a:bodyPr>
-          <a:lstStyle/>
-          <a:p>
-            <a:pPr algn="ctr">
-              <a:lnSpc>
-                <a:spcPts val="1500"/>
-              </a:lnSpc>
-              <a:spcAft>
-                <a:spcPts val="0"/>
-              </a:spcAft>
-            </a:pPr>
-            <a:r>
-              <a:rPr lang="en-US">
-                <a:solidFill>
-                  <a:srgbClr val="000000"/>
-                </a:solidFill>
-                <a:latin typeface="Times New Roman" panose="02020603050405020304" pitchFamily="18" charset="0"/>
-                <a:ea typeface="Times New Roman" panose="02020603050405020304" pitchFamily="18" charset="0"/>
-              </a:rPr>
-              <a:t>Hình 5: </a:t>
-            </a:r>
-            <a:r>
-              <a:rPr lang="en-US" dirty="0">
-                <a:solidFill>
-                  <a:srgbClr val="000000"/>
-                </a:solidFill>
-                <a:latin typeface="Times New Roman" panose="02020603050405020304" pitchFamily="18" charset="0"/>
-                <a:ea typeface="Times New Roman" panose="02020603050405020304" pitchFamily="18" charset="0"/>
-              </a:rPr>
-              <a:t>Biểu đồ thực thể quan hệ E-R</a:t>
-            </a:r>
-            <a:endParaRPr lang="en-US" sz="2000" dirty="0">
-              <a:solidFill>
-                <a:srgbClr val="000000"/>
-              </a:solidFill>
-              <a:effectLst/>
-              <a:latin typeface="Times New Roman" panose="02020603050405020304" pitchFamily="18" charset="0"/>
-              <a:ea typeface="Times New Roman" panose="02020603050405020304" pitchFamily="18" charset="0"/>
-            </a:endParaRPr>
-          </a:p>
-        </p:txBody>
-      </p:sp>
-      <p:sp>
-        <p:nvSpPr>
-          <p:cNvPr id="12" name="Rectangle 11"/>
-          <p:cNvSpPr/>
-          <p:nvPr/>
-        </p:nvSpPr>
-        <p:spPr>
-          <a:xfrm>
-            <a:off x="370" y="496390"/>
-            <a:ext cx="927093" cy="705394"/>
-          </a:xfrm>
-          <a:prstGeom prst="rect">
-            <a:avLst/>
-          </a:prstGeom>
-          <a:noFill/>
-          <a:ln>
-            <a:noFill/>
-          </a:ln>
-        </p:spPr>
-        <p:style>
-          <a:lnRef idx="0">
-            <a:scrgbClr r="0" g="0" b="0"/>
-          </a:lnRef>
-          <a:fillRef idx="0">
-            <a:scrgbClr r="0" g="0" b="0"/>
-          </a:fillRef>
-          <a:effectRef idx="0">
-            <a:scrgbClr r="0" g="0" b="0"/>
-          </a:effectRef>
-          <a:fontRef idx="minor">
-            <a:schemeClr val="dk1"/>
-          </a:fontRef>
-        </p:style>
-        <p:txBody>
-          <a:bodyPr rtlCol="0" anchor="ctr"/>
-          <a:lstStyle/>
-          <a:p>
-            <a:pPr algn="ctr"/>
-            <a:r>
-              <a:rPr lang="en-US" sz="3600" b="1">
-                <a:solidFill>
-                  <a:schemeClr val="bg1"/>
-                </a:solidFill>
-                <a:latin typeface="Times New Roman" panose="02020603050405020304" pitchFamily="18" charset="0"/>
-                <a:cs typeface="Times New Roman" panose="02020603050405020304" pitchFamily="18" charset="0"/>
-              </a:rPr>
-              <a:t>04</a:t>
-            </a:r>
-          </a:p>
-        </p:txBody>
-      </p:sp>
-      <p:pic>
-        <p:nvPicPr>
-          <p:cNvPr id="13" name="Picture 12"/>
-          <p:cNvPicPr>
-            <a:picLocks noChangeAspect="1"/>
-          </p:cNvPicPr>
-          <p:nvPr/>
-        </p:nvPicPr>
-        <p:blipFill>
-          <a:blip r:embed="rId5"/>
-          <a:stretch>
-            <a:fillRect/>
-          </a:stretch>
-        </p:blipFill>
-        <p:spPr>
-          <a:xfrm>
-            <a:off x="2002757" y="1841262"/>
-            <a:ext cx="8210550" cy="4524375"/>
-          </a:xfrm>
-          <a:prstGeom prst="rect">
-            <a:avLst/>
-          </a:prstGeom>
-        </p:spPr>
-      </p:pic>
-    </p:spTree>
-    <p:extLst>
-      <p:ext uri="{BB962C8B-B14F-4D97-AF65-F5344CB8AC3E}">
-        <p14:creationId xmlns:p14="http://schemas.microsoft.com/office/powerpoint/2010/main" val="1844096991"/>
-      </p:ext>
-    </p:extLst>
-  </p:cSld>
-  <p:clrMapOvr>
-    <a:masterClrMapping/>
-  </p:clrMapOvr>
-  <p:timing>
-    <p:tnLst>
-      <p:par>
-        <p:cTn id="1" dur="indefinite" restart="never" nodeType="tmRoot">
-          <p:childTnLst>
-            <p:seq concurrent="1" nextAc="seek">
-              <p:cTn id="2" dur="indefinite" nodeType="mainSeq">
-                <p:childTnLst>
-                  <p:par>
-                    <p:cTn id="3" fill="hold">
-                      <p:stCondLst>
-                        <p:cond delay="indefinite"/>
-                      </p:stCondLst>
-                      <p:childTnLst>
-                        <p:par>
-                          <p:cTn id="4" fill="hold">
-                            <p:stCondLst>
-                              <p:cond delay="0"/>
-                            </p:stCondLst>
-                            <p:childTnLst>
-                              <p:par>
-                                <p:cTn id="5" presetID="10" presetClass="entr" presetSubtype="0" fill="hold" nodeType="clickEffect">
-                                  <p:stCondLst>
-                                    <p:cond delay="0"/>
-                                  </p:stCondLst>
-                                  <p:childTnLst>
-                                    <p:set>
-                                      <p:cBhvr>
-                                        <p:cTn id="6" dur="1" fill="hold">
-                                          <p:stCondLst>
-                                            <p:cond delay="0"/>
-                                          </p:stCondLst>
-                                        </p:cTn>
-                                        <p:tgtEl>
-                                          <p:spTgt spid="3"/>
-                                        </p:tgtEl>
-                                        <p:attrNameLst>
-                                          <p:attrName>style.visibility</p:attrName>
-                                        </p:attrNameLst>
-                                      </p:cBhvr>
-                                      <p:to>
-                                        <p:strVal val="visible"/>
-                                      </p:to>
-                                    </p:set>
-                                    <p:animEffect transition="in" filter="fade">
-                                      <p:cBhvr>
-                                        <p:cTn id="7" dur="500"/>
-                                        <p:tgtEl>
-                                          <p:spTgt spid="3"/>
-                                        </p:tgtEl>
-                                      </p:cBhvr>
-                                    </p:animEffect>
-                                  </p:childTnLst>
-                                </p:cTn>
-                              </p:par>
-                            </p:childTnLst>
-                          </p:cTn>
-                        </p:par>
-                      </p:childTnLst>
-                    </p:cTn>
-                  </p:par>
-                </p:childTnLst>
-              </p:cTn>
-              <p:prevCondLst>
-                <p:cond evt="onPrev" delay="0">
-                  <p:tgtEl>
-                    <p:sldTgt/>
-                  </p:tgtEl>
-                </p:cond>
-              </p:prevCondLst>
-              <p:nextCondLst>
-                <p:cond evt="onNext" delay="0">
-                  <p:tgtEl>
-                    <p:sldTgt/>
-                  </p:tgtEl>
-                </p:cond>
-              </p:nextCondLst>
-            </p:seq>
-          </p:childTnLst>
-        </p:cTn>
-      </p:par>
-    </p:tnLst>
-  </p:timing>
-</p:sld>
-</file>
-
-<file path=ppt/slides/slide6.xml><?xml version="1.0" encoding="utf-8"?>
+<file path=ppt/slides/slide7.xml><?xml version="1.0" encoding="utf-8"?>
 <p:sld xmlns:a="http://schemas.openxmlformats.org/drawingml/2006/main" xmlns:r="http://schemas.openxmlformats.org/officeDocument/2006/relationships" xmlns:p="http://schemas.openxmlformats.org/presentationml/2006/main">
   <p:cSld>
     <p:spTree>
@@ -14585,6 +13907,208 @@
         </p:nvSpPr>
         <p:spPr>
           <a:xfrm>
+            <a:off x="733805" y="1479543"/>
+            <a:ext cx="6096000" cy="700192"/>
+          </a:xfrm>
+          <a:prstGeom prst="rect">
+            <a:avLst/>
+          </a:prstGeom>
+        </p:spPr>
+        <p:txBody>
+          <a:bodyPr>
+            <a:spAutoFit/>
+          </a:bodyPr>
+          <a:lstStyle/>
+          <a:p>
+            <a:pPr algn="just">
+              <a:lnSpc>
+                <a:spcPct val="150000"/>
+              </a:lnSpc>
+              <a:spcAft>
+                <a:spcPts val="0"/>
+              </a:spcAft>
+            </a:pPr>
+            <a:r>
+              <a:rPr lang="en-US" b="1">
+                <a:solidFill>
+                  <a:srgbClr val="000000"/>
+                </a:solidFill>
+                <a:latin typeface="Times New Roman" panose="02020603050405020304" pitchFamily="18" charset="0"/>
+                <a:ea typeface="Times New Roman" panose="02020603050405020304" pitchFamily="18" charset="0"/>
+                <a:cs typeface="Times New Roman" panose="02020603050405020304" pitchFamily="18" charset="0"/>
+              </a:rPr>
+              <a:t>5.</a:t>
+            </a:r>
+            <a:r>
+              <a:rPr lang="vi-VN" b="1">
+                <a:solidFill>
+                  <a:srgbClr val="000000"/>
+                </a:solidFill>
+                <a:latin typeface="Times New Roman" panose="02020603050405020304" pitchFamily="18" charset="0"/>
+                <a:ea typeface="Times New Roman" panose="02020603050405020304" pitchFamily="18" charset="0"/>
+                <a:cs typeface="Times New Roman" panose="02020603050405020304" pitchFamily="18" charset="0"/>
+              </a:rPr>
+              <a:t>2</a:t>
+            </a:r>
+            <a:r>
+              <a:rPr lang="en-US" b="1">
+                <a:solidFill>
+                  <a:srgbClr val="000000"/>
+                </a:solidFill>
+                <a:latin typeface="Times New Roman" panose="02020603050405020304" pitchFamily="18" charset="0"/>
+                <a:ea typeface="Times New Roman" panose="02020603050405020304" pitchFamily="18" charset="0"/>
+                <a:cs typeface="Times New Roman" panose="02020603050405020304" pitchFamily="18" charset="0"/>
+              </a:rPr>
+              <a:t>.2. Thực thể </a:t>
+            </a:r>
+            <a:r>
+              <a:rPr lang="vi-VN" b="1">
+                <a:solidFill>
+                  <a:srgbClr val="000000"/>
+                </a:solidFill>
+                <a:latin typeface="Times New Roman" panose="02020603050405020304" pitchFamily="18" charset="0"/>
+                <a:ea typeface="Times New Roman" panose="02020603050405020304" pitchFamily="18" charset="0"/>
+                <a:cs typeface="Times New Roman" panose="02020603050405020304" pitchFamily="18" charset="0"/>
+              </a:rPr>
+              <a:t>News</a:t>
+            </a:r>
+            <a:endParaRPr lang="en-US" sz="2000" b="1">
+              <a:solidFill>
+                <a:srgbClr val="000000"/>
+              </a:solidFill>
+              <a:latin typeface="Times New Roman" panose="02020603050405020304" pitchFamily="18" charset="0"/>
+              <a:ea typeface="Times New Roman" panose="02020603050405020304" pitchFamily="18" charset="0"/>
+              <a:cs typeface="Times New Roman" panose="02020603050405020304" pitchFamily="18" charset="0"/>
+            </a:endParaRPr>
+          </a:p>
+          <a:p>
+            <a:pPr algn="just">
+              <a:lnSpc>
+                <a:spcPts val="1500"/>
+              </a:lnSpc>
+              <a:spcAft>
+                <a:spcPts val="0"/>
+              </a:spcAft>
+            </a:pPr>
+            <a:r>
+              <a:rPr lang="en-US">
+                <a:solidFill>
+                  <a:srgbClr val="000000"/>
+                </a:solidFill>
+                <a:latin typeface="Times New Roman" panose="02020603050405020304" pitchFamily="18" charset="0"/>
+                <a:ea typeface="Times New Roman" panose="02020603050405020304" pitchFamily="18" charset="0"/>
+              </a:rPr>
+              <a:t>	Lưu trữ thông tin </a:t>
+            </a:r>
+            <a:r>
+              <a:rPr lang="vi-VN">
+                <a:solidFill>
+                  <a:srgbClr val="000000"/>
+                </a:solidFill>
+                <a:latin typeface="Times New Roman" panose="02020603050405020304" pitchFamily="18" charset="0"/>
+                <a:ea typeface="Times New Roman" panose="02020603050405020304" pitchFamily="18" charset="0"/>
+              </a:rPr>
+              <a:t>tin tức</a:t>
+            </a:r>
+            <a:endParaRPr lang="en-US" sz="2000">
+              <a:solidFill>
+                <a:srgbClr val="000000"/>
+              </a:solidFill>
+              <a:effectLst/>
+              <a:latin typeface="Times New Roman" panose="02020603050405020304" pitchFamily="18" charset="0"/>
+              <a:ea typeface="Times New Roman" panose="02020603050405020304" pitchFamily="18" charset="0"/>
+            </a:endParaRPr>
+          </a:p>
+        </p:txBody>
+      </p:sp>
+      <p:sp>
+        <p:nvSpPr>
+          <p:cNvPr id="11" name="Rectangle 10"/>
+          <p:cNvSpPr/>
+          <p:nvPr/>
+        </p:nvSpPr>
+        <p:spPr>
+          <a:xfrm>
+            <a:off x="4814541" y="6573307"/>
+            <a:ext cx="2344553" cy="284693"/>
+          </a:xfrm>
+          <a:prstGeom prst="rect">
+            <a:avLst/>
+          </a:prstGeom>
+        </p:spPr>
+        <p:txBody>
+          <a:bodyPr wrap="none">
+            <a:spAutoFit/>
+          </a:bodyPr>
+          <a:lstStyle/>
+          <a:p>
+            <a:pPr algn="ctr">
+              <a:lnSpc>
+                <a:spcPts val="1500"/>
+              </a:lnSpc>
+              <a:spcAft>
+                <a:spcPts val="0"/>
+              </a:spcAft>
+            </a:pPr>
+            <a:r>
+              <a:rPr lang="en-US">
+                <a:solidFill>
+                  <a:srgbClr val="000000"/>
+                </a:solidFill>
+                <a:latin typeface="Times New Roman" panose="02020603050405020304" pitchFamily="18" charset="0"/>
+                <a:ea typeface="Times New Roman" panose="02020603050405020304" pitchFamily="18" charset="0"/>
+              </a:rPr>
+              <a:t>Hình 8: </a:t>
+            </a:r>
+            <a:r>
+              <a:rPr lang="en-US" dirty="0">
+                <a:solidFill>
+                  <a:srgbClr val="000000"/>
+                </a:solidFill>
+                <a:latin typeface="Times New Roman" panose="02020603050405020304" pitchFamily="18" charset="0"/>
+                <a:ea typeface="Times New Roman" panose="02020603050405020304" pitchFamily="18" charset="0"/>
+              </a:rPr>
+              <a:t>Thực </a:t>
+            </a:r>
+            <a:r>
+              <a:rPr lang="en-US">
+                <a:solidFill>
+                  <a:srgbClr val="000000"/>
+                </a:solidFill>
+                <a:latin typeface="Times New Roman" panose="02020603050405020304" pitchFamily="18" charset="0"/>
+                <a:ea typeface="Times New Roman" panose="02020603050405020304" pitchFamily="18" charset="0"/>
+              </a:rPr>
+              <a:t>thể </a:t>
+            </a:r>
+            <a:r>
+              <a:rPr lang="vi-VN">
+                <a:solidFill>
+                  <a:srgbClr val="000000"/>
+                </a:solidFill>
+                <a:latin typeface="Times New Roman" panose="02020603050405020304" pitchFamily="18" charset="0"/>
+                <a:ea typeface="Times New Roman" panose="02020603050405020304" pitchFamily="18" charset="0"/>
+              </a:rPr>
+              <a:t>News</a:t>
+            </a:r>
+            <a:endParaRPr lang="en-US" sz="2000" dirty="0">
+              <a:solidFill>
+                <a:srgbClr val="000000"/>
+              </a:solidFill>
+              <a:effectLst/>
+              <a:latin typeface="Times New Roman" panose="02020603050405020304" pitchFamily="18" charset="0"/>
+              <a:ea typeface="Times New Roman" panose="02020603050405020304" pitchFamily="18" charset="0"/>
+            </a:endParaRPr>
+          </a:p>
+        </p:txBody>
+      </p:sp>
+      <p:sp>
+        <p:nvSpPr>
+          <p:cNvPr id="12" name="Rectangle 11"/>
+          <p:cNvSpPr/>
+          <p:nvPr/>
+        </p:nvSpPr>
+        <p:spPr>
+          <a:xfrm>
             <a:off x="370" y="496390"/>
             <a:ext cx="927093" cy="705394"/>
           </a:xfrm>
@@ -14628,101 +14152,9 @@
           </a:p>
         </p:txBody>
       </p:sp>
-      <p:sp>
-        <p:nvSpPr>
-          <p:cNvPr id="10" name="TextBox 9"/>
-          <p:cNvSpPr txBox="1"/>
-          <p:nvPr/>
-        </p:nvSpPr>
-        <p:spPr>
-          <a:xfrm>
-            <a:off x="733805" y="1446371"/>
-            <a:ext cx="3278462" cy="430887"/>
-          </a:xfrm>
-          <a:prstGeom prst="rect">
-            <a:avLst/>
-          </a:prstGeom>
-          <a:noFill/>
-        </p:spPr>
-        <p:txBody>
-          <a:bodyPr wrap="none" rtlCol="0">
-            <a:spAutoFit/>
-          </a:bodyPr>
-          <a:lstStyle/>
-          <a:p>
-            <a:r>
-              <a:rPr lang="en-US" sz="2200" b="1">
-                <a:latin typeface="Times New Roman" panose="02020603050405020304" pitchFamily="18" charset="0"/>
-                <a:cs typeface="Times New Roman" panose="02020603050405020304" pitchFamily="18" charset="0"/>
-              </a:rPr>
-              <a:t>5.1. Lược đồ cơ sở dữ liệu</a:t>
-            </a:r>
-          </a:p>
-        </p:txBody>
-      </p:sp>
-      <p:sp>
-        <p:nvSpPr>
-          <p:cNvPr id="12" name="Rectangle 11"/>
-          <p:cNvSpPr/>
-          <p:nvPr/>
-        </p:nvSpPr>
-        <p:spPr>
-          <a:xfrm>
-            <a:off x="4636350" y="6547701"/>
-            <a:ext cx="2973892" cy="284693"/>
-          </a:xfrm>
-          <a:prstGeom prst="rect">
-            <a:avLst/>
-          </a:prstGeom>
-        </p:spPr>
-        <p:txBody>
-          <a:bodyPr wrap="none">
-            <a:spAutoFit/>
-          </a:bodyPr>
-          <a:lstStyle/>
-          <a:p>
-            <a:pPr algn="ctr">
-              <a:lnSpc>
-                <a:spcPts val="1500"/>
-              </a:lnSpc>
-              <a:spcAft>
-                <a:spcPts val="0"/>
-              </a:spcAft>
-            </a:pPr>
-            <a:r>
-              <a:rPr lang="en-US">
-                <a:solidFill>
-                  <a:srgbClr val="000000"/>
-                </a:solidFill>
-                <a:latin typeface="Times New Roman" panose="02020603050405020304" pitchFamily="18" charset="0"/>
-                <a:ea typeface="Times New Roman" panose="02020603050405020304" pitchFamily="18" charset="0"/>
-              </a:rPr>
-              <a:t>Hình 6: </a:t>
-            </a:r>
-            <a:r>
-              <a:rPr lang="en-US" dirty="0">
-                <a:solidFill>
-                  <a:srgbClr val="000000"/>
-                </a:solidFill>
-                <a:latin typeface="Times New Roman" panose="02020603050405020304" pitchFamily="18" charset="0"/>
-                <a:ea typeface="Times New Roman" panose="02020603050405020304" pitchFamily="18" charset="0"/>
-              </a:rPr>
-              <a:t>Lược đồ cơ sở dữ liệu</a:t>
-            </a:r>
-            <a:endParaRPr lang="en-US" sz="2000" dirty="0">
-              <a:solidFill>
-                <a:srgbClr val="000000"/>
-              </a:solidFill>
-              <a:effectLst/>
-              <a:latin typeface="Times New Roman" panose="02020603050405020304" pitchFamily="18" charset="0"/>
-              <a:ea typeface="Times New Roman" panose="02020603050405020304" pitchFamily="18" charset="0"/>
-            </a:endParaRPr>
-          </a:p>
-        </p:txBody>
-      </p:sp>
       <p:pic>
         <p:nvPicPr>
-          <p:cNvPr id="11" name="Picture 10"/>
+          <p:cNvPr id="13" name="Picture 12"/>
           <p:cNvPicPr>
             <a:picLocks noChangeAspect="1"/>
           </p:cNvPicPr>
@@ -14736,8 +14168,8 @@
         </p:blipFill>
         <p:spPr>
           <a:xfrm>
-            <a:off x="4325258" y="617299"/>
-            <a:ext cx="5076426" cy="5602444"/>
+            <a:off x="2698127" y="2179735"/>
+            <a:ext cx="6896100" cy="4200525"/>
           </a:xfrm>
           <a:prstGeom prst="rect">
             <a:avLst/>
@@ -14747,100 +14179,17 @@
     </p:spTree>
     <p:extLst>
       <p:ext uri="{BB962C8B-B14F-4D97-AF65-F5344CB8AC3E}">
-        <p14:creationId xmlns:p14="http://schemas.microsoft.com/office/powerpoint/2010/main" val="3399746751"/>
+        <p14:creationId xmlns:p14="http://schemas.microsoft.com/office/powerpoint/2010/main" val="2541431831"/>
       </p:ext>
     </p:extLst>
   </p:cSld>
   <p:clrMapOvr>
     <a:masterClrMapping/>
   </p:clrMapOvr>
-  <p:timing>
-    <p:tnLst>
-      <p:par>
-        <p:cTn id="1" dur="indefinite" restart="never" nodeType="tmRoot">
-          <p:childTnLst>
-            <p:seq concurrent="1" nextAc="seek">
-              <p:cTn id="2" dur="indefinite" nodeType="mainSeq">
-                <p:childTnLst>
-                  <p:par>
-                    <p:cTn id="3" fill="hold">
-                      <p:stCondLst>
-                        <p:cond delay="indefinite"/>
-                      </p:stCondLst>
-                      <p:childTnLst>
-                        <p:par>
-                          <p:cTn id="4" fill="hold">
-                            <p:stCondLst>
-                              <p:cond delay="0"/>
-                            </p:stCondLst>
-                            <p:childTnLst>
-                              <p:par>
-                                <p:cTn id="5" presetID="10" presetClass="entr" presetSubtype="0" fill="hold" nodeType="clickEffect">
-                                  <p:stCondLst>
-                                    <p:cond delay="0"/>
-                                  </p:stCondLst>
-                                  <p:childTnLst>
-                                    <p:set>
-                                      <p:cBhvr>
-                                        <p:cTn id="6" dur="1" fill="hold">
-                                          <p:stCondLst>
-                                            <p:cond delay="0"/>
-                                          </p:stCondLst>
-                                        </p:cTn>
-                                        <p:tgtEl>
-                                          <p:spTgt spid="3"/>
-                                        </p:tgtEl>
-                                        <p:attrNameLst>
-                                          <p:attrName>style.visibility</p:attrName>
-                                        </p:attrNameLst>
-                                      </p:cBhvr>
-                                      <p:to>
-                                        <p:strVal val="visible"/>
-                                      </p:to>
-                                    </p:set>
-                                    <p:animEffect transition="in" filter="fade">
-                                      <p:cBhvr>
-                                        <p:cTn id="7" dur="500"/>
-                                        <p:tgtEl>
-                                          <p:spTgt spid="3"/>
-                                        </p:tgtEl>
-                                      </p:cBhvr>
-                                    </p:animEffect>
-                                  </p:childTnLst>
-                                </p:cTn>
-                              </p:par>
-                            </p:childTnLst>
-                          </p:cTn>
-                        </p:par>
-                      </p:childTnLst>
-                    </p:cTn>
-                  </p:par>
-                </p:childTnLst>
-              </p:cTn>
-              <p:prevCondLst>
-                <p:cond evt="onPrev" delay="0">
-                  <p:tgtEl>
-                    <p:sldTgt/>
-                  </p:tgtEl>
-                </p:cond>
-              </p:prevCondLst>
-              <p:nextCondLst>
-                <p:cond evt="onNext" delay="0">
-                  <p:tgtEl>
-                    <p:sldTgt/>
-                  </p:tgtEl>
-                </p:cond>
-              </p:nextCondLst>
-            </p:seq>
-          </p:childTnLst>
-        </p:cTn>
-      </p:par>
-    </p:tnLst>
-  </p:timing>
 </p:sld>
 </file>
 
-<file path=ppt/slides/slide7.xml><?xml version="1.0" encoding="utf-8"?>
+<file path=ppt/slides/slide8.xml><?xml version="1.0" encoding="utf-8"?>
 <p:sld xmlns:a="http://schemas.openxmlformats.org/drawingml/2006/main" xmlns:r="http://schemas.openxmlformats.org/officeDocument/2006/relationships" xmlns:p="http://schemas.openxmlformats.org/presentationml/2006/main">
   <p:cSld>
     <p:spTree>
@@ -15195,8 +14544,8 @@
         </p:nvSpPr>
         <p:spPr>
           <a:xfrm>
-            <a:off x="891654" y="1420378"/>
-            <a:ext cx="6096000" cy="1338828"/>
+            <a:off x="1005385" y="1394339"/>
+            <a:ext cx="6096000" cy="923330"/>
           </a:xfrm>
           <a:prstGeom prst="rect">
             <a:avLst/>
@@ -15225,35 +14574,6 @@
                 <a:ea typeface="Times New Roman" panose="02020603050405020304" pitchFamily="18" charset="0"/>
                 <a:cs typeface="Times New Roman" panose="02020603050405020304" pitchFamily="18" charset="0"/>
               </a:rPr>
-              <a:t>5.2.  Mô tả chi tiết các thuộc tính của thực thể</a:t>
-            </a:r>
-            <a:endParaRPr lang="en-US" sz="2000" b="1">
-              <a:solidFill>
-                <a:srgbClr val="000000"/>
-              </a:solidFill>
-              <a:latin typeface="Times New Roman" panose="02020603050405020304" pitchFamily="18" charset="0"/>
-              <a:ea typeface="Times New Roman" panose="02020603050405020304" pitchFamily="18" charset="0"/>
-              <a:cs typeface="Times New Roman" panose="02020603050405020304" pitchFamily="18" charset="0"/>
-            </a:endParaRPr>
-          </a:p>
-          <a:p>
-            <a:pPr algn="just">
-              <a:lnSpc>
-                <a:spcPct val="150000"/>
-              </a:lnSpc>
-              <a:spcAft>
-                <a:spcPts val="0"/>
-              </a:spcAft>
-            </a:pPr>
-            <a:r>
-              <a:rPr lang="en-US" b="1">
-                <a:solidFill>
-                  <a:srgbClr val="000000"/>
-                </a:solidFill>
-                <a:latin typeface="Times New Roman" panose="02020603050405020304" pitchFamily="18" charset="0"/>
-                <a:ea typeface="Times New Roman" panose="02020603050405020304" pitchFamily="18" charset="0"/>
-                <a:cs typeface="Times New Roman" panose="02020603050405020304" pitchFamily="18" charset="0"/>
-              </a:rPr>
               <a:t>5.</a:t>
             </a:r>
             <a:r>
@@ -15276,29 +14596,7 @@
                 <a:ea typeface="Times New Roman" panose="02020603050405020304" pitchFamily="18" charset="0"/>
                 <a:cs typeface="Times New Roman" panose="02020603050405020304" pitchFamily="18" charset="0"/>
               </a:rPr>
-              <a:t>.1. Thực thể </a:t>
-            </a:r>
-            <a:r>
-              <a:rPr lang="vi-VN" b="1">
-                <a:solidFill>
-                  <a:srgbClr val="000000"/>
-                </a:solidFill>
-                <a:latin typeface="Times New Roman" panose="02020603050405020304" pitchFamily="18" charset="0"/>
-                <a:ea typeface="Times New Roman" panose="02020603050405020304" pitchFamily="18" charset="0"/>
-                <a:cs typeface="Times New Roman" panose="02020603050405020304" pitchFamily="18" charset="0"/>
-              </a:rPr>
-              <a:t>U</a:t>
-            </a:r>
-            <a:r>
-              <a:rPr lang="en-US" b="1">
-                <a:solidFill>
-                  <a:srgbClr val="000000"/>
-                </a:solidFill>
-                <a:latin typeface="Times New Roman" panose="02020603050405020304" pitchFamily="18" charset="0"/>
-                <a:ea typeface="Times New Roman" panose="02020603050405020304" pitchFamily="18" charset="0"/>
-                <a:cs typeface="Times New Roman" panose="02020603050405020304" pitchFamily="18" charset="0"/>
-              </a:rPr>
-              <a:t>ser</a:t>
+              <a:t>.3. Thực thể Sách</a:t>
             </a:r>
             <a:endParaRPr lang="en-US" sz="2000" b="1">
               <a:solidFill>
@@ -15326,17 +14624,7 @@
                 <a:latin typeface="Times New Roman" panose="02020603050405020304" pitchFamily="18" charset="0"/>
                 <a:ea typeface="Times New Roman" panose="02020603050405020304" pitchFamily="18" charset="0"/>
               </a:rPr>
-              <a:t>	Lưu trữ thông tin về tài khoản </a:t>
-            </a:r>
-            <a:r>
-              <a:rPr lang="vi-VN">
-                <a:solidFill>
-                  <a:srgbClr val="000000"/>
-                </a:solidFill>
-                <a:latin typeface="Times New Roman" panose="02020603050405020304" pitchFamily="18" charset="0"/>
-                <a:ea typeface="Times New Roman" panose="02020603050405020304" pitchFamily="18" charset="0"/>
-              </a:rPr>
-              <a:t>người dùng</a:t>
+              <a:t>	Lưu trữ thông tin sách</a:t>
             </a:r>
             <a:endParaRPr lang="en-US" sz="2000">
               <a:solidFill>
@@ -15357,8 +14645,8 @@
         </p:nvSpPr>
         <p:spPr>
           <a:xfrm>
-            <a:off x="5349352" y="6548719"/>
-            <a:ext cx="2254784" cy="284693"/>
+            <a:off x="4983903" y="6350169"/>
+            <a:ext cx="2267608" cy="507831"/>
           </a:xfrm>
           <a:prstGeom prst="rect">
             <a:avLst/>
@@ -15372,7 +14660,7 @@
           <a:p>
             <a:pPr algn="ctr">
               <a:lnSpc>
-                <a:spcPts val="1500"/>
+                <a:spcPct val="150000"/>
               </a:lnSpc>
               <a:spcAft>
                 <a:spcPts val="0"/>
@@ -15386,7 +14674,7 @@
                 <a:latin typeface="Times New Roman" panose="02020603050405020304" pitchFamily="18" charset="0"/>
                 <a:ea typeface="Times New Roman" panose="02020603050405020304" pitchFamily="18" charset="0"/>
               </a:rPr>
-              <a:t>Hình 7: </a:t>
+              <a:t>Hình 9: </a:t>
             </a:r>
             <a:r>
               <a:rPr lang="en-US" dirty="0">
@@ -15396,27 +14684,7 @@
                 <a:latin typeface="Times New Roman" panose="02020603050405020304" pitchFamily="18" charset="0"/>
                 <a:ea typeface="Times New Roman" panose="02020603050405020304" pitchFamily="18" charset="0"/>
               </a:rPr>
-              <a:t>Thực </a:t>
-            </a:r>
-            <a:r>
-              <a:rPr lang="en-US">
-                <a:solidFill>
-                  <a:srgbClr val="000000"/>
-                </a:solidFill>
-                <a:latin typeface="Times New Roman" panose="02020603050405020304" pitchFamily="18" charset="0"/>
-                <a:ea typeface="Times New Roman" panose="02020603050405020304" pitchFamily="18" charset="0"/>
-              </a:rPr>
-              <a:t>thể </a:t>
-            </a:r>
-            <a:r>
-              <a:rPr lang="vi-VN">
-                <a:solidFill>
-                  <a:srgbClr val="000000"/>
-                </a:solidFill>
-                <a:latin typeface="Times New Roman" panose="02020603050405020304" pitchFamily="18" charset="0"/>
-                <a:ea typeface="Times New Roman" panose="02020603050405020304" pitchFamily="18" charset="0"/>
-              </a:rPr>
-              <a:t>User</a:t>
+              <a:t>Thực thể Sách</a:t>
             </a:r>
             <a:endParaRPr lang="en-US" sz="2000" dirty="0">
               <a:solidFill>
@@ -15482,7 +14750,7 @@
       </p:sp>
       <p:pic>
         <p:nvPicPr>
-          <p:cNvPr id="17" name="Picture 16"/>
+          <p:cNvPr id="2" name="Picture 1"/>
           <p:cNvPicPr>
             <a:picLocks noChangeAspect="1"/>
           </p:cNvPicPr>
@@ -15496,8 +14764,8 @@
         </p:blipFill>
         <p:spPr>
           <a:xfrm>
-            <a:off x="3211321" y="2829454"/>
-            <a:ext cx="6530846" cy="3527823"/>
+            <a:off x="2944512" y="2233657"/>
+            <a:ext cx="6896100" cy="4200525"/>
           </a:xfrm>
           <a:prstGeom prst="rect">
             <a:avLst/>
@@ -15507,100 +14775,17 @@
     </p:spTree>
     <p:extLst>
       <p:ext uri="{BB962C8B-B14F-4D97-AF65-F5344CB8AC3E}">
-        <p14:creationId xmlns:p14="http://schemas.microsoft.com/office/powerpoint/2010/main" val="519527395"/>
+        <p14:creationId xmlns:p14="http://schemas.microsoft.com/office/powerpoint/2010/main" val="3388611774"/>
       </p:ext>
     </p:extLst>
   </p:cSld>
   <p:clrMapOvr>
     <a:masterClrMapping/>
   </p:clrMapOvr>
-  <p:timing>
-    <p:tnLst>
-      <p:par>
-        <p:cTn id="1" dur="indefinite" restart="never" nodeType="tmRoot">
-          <p:childTnLst>
-            <p:seq concurrent="1" nextAc="seek">
-              <p:cTn id="2" dur="indefinite" nodeType="mainSeq">
-                <p:childTnLst>
-                  <p:par>
-                    <p:cTn id="3" fill="hold">
-                      <p:stCondLst>
-                        <p:cond delay="indefinite"/>
-                      </p:stCondLst>
-                      <p:childTnLst>
-                        <p:par>
-                          <p:cTn id="4" fill="hold">
-                            <p:stCondLst>
-                              <p:cond delay="0"/>
-                            </p:stCondLst>
-                            <p:childTnLst>
-                              <p:par>
-                                <p:cTn id="5" presetID="10" presetClass="entr" presetSubtype="0" fill="hold" nodeType="clickEffect">
-                                  <p:stCondLst>
-                                    <p:cond delay="0"/>
-                                  </p:stCondLst>
-                                  <p:childTnLst>
-                                    <p:set>
-                                      <p:cBhvr>
-                                        <p:cTn id="6" dur="1" fill="hold">
-                                          <p:stCondLst>
-                                            <p:cond delay="0"/>
-                                          </p:stCondLst>
-                                        </p:cTn>
-                                        <p:tgtEl>
-                                          <p:spTgt spid="3"/>
-                                        </p:tgtEl>
-                                        <p:attrNameLst>
-                                          <p:attrName>style.visibility</p:attrName>
-                                        </p:attrNameLst>
-                                      </p:cBhvr>
-                                      <p:to>
-                                        <p:strVal val="visible"/>
-                                      </p:to>
-                                    </p:set>
-                                    <p:animEffect transition="in" filter="fade">
-                                      <p:cBhvr>
-                                        <p:cTn id="7" dur="500"/>
-                                        <p:tgtEl>
-                                          <p:spTgt spid="3"/>
-                                        </p:tgtEl>
-                                      </p:cBhvr>
-                                    </p:animEffect>
-                                  </p:childTnLst>
-                                </p:cTn>
-                              </p:par>
-                            </p:childTnLst>
-                          </p:cTn>
-                        </p:par>
-                      </p:childTnLst>
-                    </p:cTn>
-                  </p:par>
-                </p:childTnLst>
-              </p:cTn>
-              <p:prevCondLst>
-                <p:cond evt="onPrev" delay="0">
-                  <p:tgtEl>
-                    <p:sldTgt/>
-                  </p:tgtEl>
-                </p:cond>
-              </p:prevCondLst>
-              <p:nextCondLst>
-                <p:cond evt="onNext" delay="0">
-                  <p:tgtEl>
-                    <p:sldTgt/>
-                  </p:tgtEl>
-                </p:cond>
-              </p:nextCondLst>
-            </p:seq>
-          </p:childTnLst>
-        </p:cTn>
-      </p:par>
-    </p:tnLst>
-  </p:timing>
 </p:sld>
 </file>
 
-<file path=ppt/slides/slide8.xml><?xml version="1.0" encoding="utf-8"?>
+<file path=ppt/slides/slide9.xml><?xml version="1.0" encoding="utf-8"?>
 <p:sld xmlns:a="http://schemas.openxmlformats.org/drawingml/2006/main" xmlns:r="http://schemas.openxmlformats.org/officeDocument/2006/relationships" xmlns:p="http://schemas.openxmlformats.org/presentationml/2006/main">
   <p:cSld>
     <p:spTree>
@@ -15955,8 +15140,8 @@
         </p:nvSpPr>
         <p:spPr>
           <a:xfrm>
-            <a:off x="733805" y="1479543"/>
-            <a:ext cx="6096000" cy="700192"/>
+            <a:off x="1005385" y="1420378"/>
+            <a:ext cx="6096000" cy="1354217"/>
           </a:xfrm>
           <a:prstGeom prst="rect">
             <a:avLst/>
@@ -16007,19 +15192,18 @@
                 <a:ea typeface="Times New Roman" panose="02020603050405020304" pitchFamily="18" charset="0"/>
                 <a:cs typeface="Times New Roman" panose="02020603050405020304" pitchFamily="18" charset="0"/>
               </a:rPr>
-              <a:t>.2. Thực thể </a:t>
-            </a:r>
-            <a:r>
-              <a:rPr lang="vi-VN" b="1">
-                <a:solidFill>
-                  <a:srgbClr val="000000"/>
-                </a:solidFill>
-                <a:latin typeface="Times New Roman" panose="02020603050405020304" pitchFamily="18" charset="0"/>
-                <a:ea typeface="Times New Roman" panose="02020603050405020304" pitchFamily="18" charset="0"/>
-                <a:cs typeface="Times New Roman" panose="02020603050405020304" pitchFamily="18" charset="0"/>
-              </a:rPr>
-              <a:t>News</a:t>
-            </a:r>
+              <a:t>.4. Thực thể thể loại sách</a:t>
+            </a:r>
+          </a:p>
+          <a:p>
+            <a:pPr algn="just">
+              <a:lnSpc>
+                <a:spcPct val="150000"/>
+              </a:lnSpc>
+              <a:spcAft>
+                <a:spcPts val="0"/>
+              </a:spcAft>
+            </a:pPr>
             <a:endParaRPr lang="en-US" sz="2000" b="1">
               <a:solidFill>
                 <a:srgbClr val="000000"/>
@@ -16046,17 +15230,34 @@
                 <a:latin typeface="Times New Roman" panose="02020603050405020304" pitchFamily="18" charset="0"/>
                 <a:ea typeface="Times New Roman" panose="02020603050405020304" pitchFamily="18" charset="0"/>
               </a:rPr>
-              <a:t>	Lưu trữ thông tin </a:t>
-            </a:r>
-            <a:r>
-              <a:rPr lang="vi-VN">
+              <a:t>	Lưu trữ thông tin về các thể loại sách</a:t>
+            </a:r>
+            <a:endParaRPr lang="en-US" sz="2000">
+              <a:solidFill>
+                <a:srgbClr val="000000"/>
+              </a:solidFill>
+              <a:latin typeface="Times New Roman" panose="02020603050405020304" pitchFamily="18" charset="0"/>
+              <a:ea typeface="Times New Roman" panose="02020603050405020304" pitchFamily="18" charset="0"/>
+            </a:endParaRPr>
+          </a:p>
+          <a:p>
+            <a:pPr algn="just">
+              <a:lnSpc>
+                <a:spcPts val="1500"/>
+              </a:lnSpc>
+              <a:spcAft>
+                <a:spcPts val="0"/>
+              </a:spcAft>
+            </a:pPr>
+            <a:r>
+              <a:rPr lang="en-US">
                 <a:solidFill>
                   <a:srgbClr val="000000"/>
                 </a:solidFill>
                 <a:latin typeface="Times New Roman" panose="02020603050405020304" pitchFamily="18" charset="0"/>
                 <a:ea typeface="Times New Roman" panose="02020603050405020304" pitchFamily="18" charset="0"/>
               </a:rPr>
-              <a:t>tin tức</a:t>
+              <a:t> </a:t>
             </a:r>
             <a:endParaRPr lang="en-US" sz="2000">
               <a:solidFill>
@@ -16069,6 +15270,28 @@
           </a:p>
         </p:txBody>
       </p:sp>
+      <p:pic>
+        <p:nvPicPr>
+          <p:cNvPr id="10" name="Picture 9"/>
+          <p:cNvPicPr/>
+          <p:nvPr/>
+        </p:nvPicPr>
+        <p:blipFill>
+          <a:blip r:embed="rId4"/>
+          <a:stretch>
+            <a:fillRect/>
+          </a:stretch>
+        </p:blipFill>
+        <p:spPr>
+          <a:xfrm>
+            <a:off x="2347864" y="2774595"/>
+            <a:ext cx="7724183" cy="3285011"/>
+          </a:xfrm>
+          <a:prstGeom prst="rect">
+            <a:avLst/>
+          </a:prstGeom>
+        </p:spPr>
+      </p:pic>
       <p:sp>
         <p:nvSpPr>
           <p:cNvPr id="11" name="Rectangle 10"/>
@@ -16077,8 +15300,8 @@
         </p:nvSpPr>
         <p:spPr>
           <a:xfrm>
-            <a:off x="4814541" y="6573307"/>
-            <a:ext cx="2344553" cy="284693"/>
+            <a:off x="4401702" y="6261866"/>
+            <a:ext cx="3088346" cy="284693"/>
           </a:xfrm>
           <a:prstGeom prst="rect">
             <a:avLst/>
@@ -16106,7 +15329,7 @@
                 <a:latin typeface="Times New Roman" panose="02020603050405020304" pitchFamily="18" charset="0"/>
                 <a:ea typeface="Times New Roman" panose="02020603050405020304" pitchFamily="18" charset="0"/>
               </a:rPr>
-              <a:t>Hình 8: </a:t>
+              <a:t>Hình 10: </a:t>
             </a:r>
             <a:r>
               <a:rPr lang="en-US" dirty="0">
@@ -16116,7 +15339,7 @@
                 <a:latin typeface="Times New Roman" panose="02020603050405020304" pitchFamily="18" charset="0"/>
                 <a:ea typeface="Times New Roman" panose="02020603050405020304" pitchFamily="18" charset="0"/>
               </a:rPr>
-              <a:t>Thực </a:t>
+              <a:t>Thực thể </a:t>
             </a:r>
             <a:r>
               <a:rPr lang="en-US">
@@ -16126,17 +15349,17 @@
                 <a:latin typeface="Times New Roman" panose="02020603050405020304" pitchFamily="18" charset="0"/>
                 <a:ea typeface="Times New Roman" panose="02020603050405020304" pitchFamily="18" charset="0"/>
               </a:rPr>
-              <a:t>thể </a:t>
-            </a:r>
-            <a:r>
-              <a:rPr lang="vi-VN">
+              <a:t>thể loại </a:t>
+            </a:r>
+            <a:r>
+              <a:rPr lang="en-US" dirty="0">
                 <a:solidFill>
                   <a:srgbClr val="000000"/>
                 </a:solidFill>
                 <a:latin typeface="Times New Roman" panose="02020603050405020304" pitchFamily="18" charset="0"/>
                 <a:ea typeface="Times New Roman" panose="02020603050405020304" pitchFamily="18" charset="0"/>
               </a:rPr>
-              <a:t>News</a:t>
+              <a:t>sách</a:t>
             </a:r>
             <a:endParaRPr lang="en-US" sz="2000" dirty="0">
               <a:solidFill>
@@ -16200,802 +15423,16 @@
           </a:p>
         </p:txBody>
       </p:sp>
-      <p:pic>
-        <p:nvPicPr>
-          <p:cNvPr id="13" name="Picture 12"/>
-          <p:cNvPicPr>
-            <a:picLocks noChangeAspect="1"/>
-          </p:cNvPicPr>
-          <p:nvPr/>
-        </p:nvPicPr>
-        <p:blipFill>
-          <a:blip r:embed="rId4"/>
-          <a:stretch>
-            <a:fillRect/>
-          </a:stretch>
-        </p:blipFill>
-        <p:spPr>
-          <a:xfrm>
-            <a:off x="2698127" y="2179735"/>
-            <a:ext cx="6896100" cy="4200525"/>
-          </a:xfrm>
-          <a:prstGeom prst="rect">
-            <a:avLst/>
-          </a:prstGeom>
-        </p:spPr>
-      </p:pic>
     </p:spTree>
     <p:extLst>
       <p:ext uri="{BB962C8B-B14F-4D97-AF65-F5344CB8AC3E}">
-        <p14:creationId xmlns:p14="http://schemas.microsoft.com/office/powerpoint/2010/main" val="2541431831"/>
+        <p14:creationId xmlns:p14="http://schemas.microsoft.com/office/powerpoint/2010/main" val="483571152"/>
       </p:ext>
     </p:extLst>
   </p:cSld>
   <p:clrMapOvr>
     <a:masterClrMapping/>
   </p:clrMapOvr>
-  <p:timing>
-    <p:tnLst>
-      <p:par>
-        <p:cTn id="1" dur="indefinite" restart="never" nodeType="tmRoot">
-          <p:childTnLst>
-            <p:seq concurrent="1" nextAc="seek">
-              <p:cTn id="2" dur="indefinite" nodeType="mainSeq">
-                <p:childTnLst>
-                  <p:par>
-                    <p:cTn id="3" fill="hold">
-                      <p:stCondLst>
-                        <p:cond delay="indefinite"/>
-                      </p:stCondLst>
-                      <p:childTnLst>
-                        <p:par>
-                          <p:cTn id="4" fill="hold">
-                            <p:stCondLst>
-                              <p:cond delay="0"/>
-                            </p:stCondLst>
-                            <p:childTnLst>
-                              <p:par>
-                                <p:cTn id="5" presetID="10" presetClass="entr" presetSubtype="0" fill="hold" nodeType="clickEffect">
-                                  <p:stCondLst>
-                                    <p:cond delay="0"/>
-                                  </p:stCondLst>
-                                  <p:childTnLst>
-                                    <p:set>
-                                      <p:cBhvr>
-                                        <p:cTn id="6" dur="1" fill="hold">
-                                          <p:stCondLst>
-                                            <p:cond delay="0"/>
-                                          </p:stCondLst>
-                                        </p:cTn>
-                                        <p:tgtEl>
-                                          <p:spTgt spid="3"/>
-                                        </p:tgtEl>
-                                        <p:attrNameLst>
-                                          <p:attrName>style.visibility</p:attrName>
-                                        </p:attrNameLst>
-                                      </p:cBhvr>
-                                      <p:to>
-                                        <p:strVal val="visible"/>
-                                      </p:to>
-                                    </p:set>
-                                    <p:animEffect transition="in" filter="fade">
-                                      <p:cBhvr>
-                                        <p:cTn id="7" dur="500"/>
-                                        <p:tgtEl>
-                                          <p:spTgt spid="3"/>
-                                        </p:tgtEl>
-                                      </p:cBhvr>
-                                    </p:animEffect>
-                                  </p:childTnLst>
-                                </p:cTn>
-                              </p:par>
-                            </p:childTnLst>
-                          </p:cTn>
-                        </p:par>
-                      </p:childTnLst>
-                    </p:cTn>
-                  </p:par>
-                </p:childTnLst>
-              </p:cTn>
-              <p:prevCondLst>
-                <p:cond evt="onPrev" delay="0">
-                  <p:tgtEl>
-                    <p:sldTgt/>
-                  </p:tgtEl>
-                </p:cond>
-              </p:prevCondLst>
-              <p:nextCondLst>
-                <p:cond evt="onNext" delay="0">
-                  <p:tgtEl>
-                    <p:sldTgt/>
-                  </p:tgtEl>
-                </p:cond>
-              </p:nextCondLst>
-            </p:seq>
-          </p:childTnLst>
-        </p:cTn>
-      </p:par>
-    </p:tnLst>
-  </p:timing>
-</p:sld>
-</file>
-
-<file path=ppt/slides/slide9.xml><?xml version="1.0" encoding="utf-8"?>
-<p:sld xmlns:a="http://schemas.openxmlformats.org/drawingml/2006/main" xmlns:r="http://schemas.openxmlformats.org/officeDocument/2006/relationships" xmlns:p="http://schemas.openxmlformats.org/presentationml/2006/main">
-  <p:cSld>
-    <p:spTree>
-      <p:nvGrpSpPr>
-        <p:cNvPr id="1" name=""/>
-        <p:cNvGrpSpPr/>
-        <p:nvPr/>
-      </p:nvGrpSpPr>
-      <p:grpSpPr>
-        <a:xfrm>
-          <a:off x="0" y="0"/>
-          <a:ext cx="0" cy="0"/>
-          <a:chOff x="0" y="0"/>
-          <a:chExt cx="0" cy="0"/>
-        </a:xfrm>
-      </p:grpSpPr>
-      <p:grpSp>
-        <p:nvGrpSpPr>
-          <p:cNvPr id="3" name="Shape 231"/>
-          <p:cNvGrpSpPr/>
-          <p:nvPr/>
-        </p:nvGrpSpPr>
-        <p:grpSpPr>
-          <a:xfrm>
-            <a:off x="-731851" y="261468"/>
-            <a:ext cx="4785236" cy="1645500"/>
-            <a:chOff x="2075625" y="1090612"/>
-            <a:chExt cx="3904704" cy="2144143"/>
-          </a:xfrm>
-        </p:grpSpPr>
-        <p:sp>
-          <p:nvSpPr>
-            <p:cNvPr id="4" name="Shape 232"/>
-            <p:cNvSpPr/>
-            <p:nvPr/>
-          </p:nvSpPr>
-          <p:spPr>
-            <a:xfrm>
-              <a:off x="2752259" y="1623893"/>
-              <a:ext cx="3228070" cy="885283"/>
-            </a:xfrm>
-            <a:prstGeom prst="rect">
-              <a:avLst/>
-            </a:prstGeom>
-            <a:gradFill>
-              <a:gsLst>
-                <a:gs pos="0">
-                  <a:srgbClr val="7B5B20"/>
-                </a:gs>
-                <a:gs pos="10000">
-                  <a:srgbClr val="7B5B20"/>
-                </a:gs>
-                <a:gs pos="50000">
-                  <a:srgbClr val="DFA63C"/>
-                </a:gs>
-                <a:gs pos="100000">
-                  <a:srgbClr val="FFC749"/>
-                </a:gs>
-              </a:gsLst>
-              <a:lin ang="0" scaled="0"/>
-            </a:gradFill>
-            <a:ln>
-              <a:solidFill>
-                <a:schemeClr val="accent1"/>
-              </a:solidFill>
-            </a:ln>
-          </p:spPr>
-          <p:txBody>
-            <a:bodyPr spcFirstLastPara="1" wrap="square" lIns="91425" tIns="45700" rIns="91425" bIns="45700" anchor="ctr" anchorCtr="0">
-              <a:noAutofit/>
-            </a:bodyPr>
-            <a:lstStyle/>
-            <a:p>
-              <a:pPr marL="0" marR="0" lvl="0" indent="0" algn="r" rtl="0">
-                <a:spcBef>
-                  <a:spcPts val="0"/>
-                </a:spcBef>
-                <a:spcAft>
-                  <a:spcPts val="0"/>
-                </a:spcAft>
-                <a:buNone/>
-              </a:pPr>
-              <a:r>
-                <a:rPr lang="en-US" sz="2800" b="1">
-                  <a:solidFill>
-                    <a:schemeClr val="bg1"/>
-                  </a:solidFill>
-                  <a:latin typeface="Times New Roman" panose="02020603050405020304" pitchFamily="18" charset="0"/>
-                  <a:ea typeface="Century Gothic"/>
-                  <a:cs typeface="Times New Roman" panose="02020603050405020304" pitchFamily="18" charset="0"/>
-                  <a:sym typeface="Century Gothic"/>
-                </a:rPr>
-                <a:t>            Thiết kế dữ liệu</a:t>
-              </a:r>
-              <a:endParaRPr sz="2600" b="1">
-                <a:solidFill>
-                  <a:schemeClr val="bg1"/>
-                </a:solidFill>
-                <a:latin typeface="Times New Roman" panose="02020603050405020304" pitchFamily="18" charset="0"/>
-                <a:ea typeface="Century Gothic"/>
-                <a:cs typeface="Times New Roman" panose="02020603050405020304" pitchFamily="18" charset="0"/>
-                <a:sym typeface="Century Gothic"/>
-              </a:endParaRPr>
-            </a:p>
-          </p:txBody>
-        </p:sp>
-        <p:sp>
-          <p:nvSpPr>
-            <p:cNvPr id="5" name="Shape 233"/>
-            <p:cNvSpPr/>
-            <p:nvPr/>
-          </p:nvSpPr>
-          <p:spPr>
-            <a:xfrm rot="349079">
-              <a:off x="2075625" y="1898810"/>
-              <a:ext cx="2308247" cy="1335945"/>
-            </a:xfrm>
-            <a:custGeom>
-              <a:avLst/>
-              <a:gdLst/>
-              <a:ahLst/>
-              <a:cxnLst/>
-              <a:rect l="0" t="0" r="0" b="0"/>
-              <a:pathLst>
-                <a:path w="2410691" h="1649124" extrusionOk="0">
-                  <a:moveTo>
-                    <a:pt x="0" y="873270"/>
-                  </a:moveTo>
-                  <a:cubicBezTo>
-                    <a:pt x="910244" y="895668"/>
-                    <a:pt x="1812867" y="1238106"/>
-                    <a:pt x="2410691" y="1649124"/>
-                  </a:cubicBezTo>
-                  <a:lnTo>
-                    <a:pt x="2192050" y="641206"/>
-                  </a:lnTo>
-                  <a:cubicBezTo>
-                    <a:pt x="2107623" y="436996"/>
-                    <a:pt x="1951647" y="226118"/>
-                    <a:pt x="1548133" y="0"/>
-                  </a:cubicBezTo>
-                  <a:cubicBezTo>
-                    <a:pt x="1073296" y="254397"/>
-                    <a:pt x="838819" y="413663"/>
-                    <a:pt x="0" y="873270"/>
-                  </a:cubicBezTo>
-                  <a:close/>
-                </a:path>
-              </a:pathLst>
-            </a:custGeom>
-            <a:gradFill>
-              <a:gsLst>
-                <a:gs pos="0">
-                  <a:schemeClr val="dk1"/>
-                </a:gs>
-                <a:gs pos="66000">
-                  <a:srgbClr val="E7E7E7">
-                    <a:alpha val="0"/>
-                  </a:srgbClr>
-                </a:gs>
-                <a:gs pos="100000">
-                  <a:srgbClr val="FFFFFF">
-                    <a:alpha val="0"/>
-                  </a:srgbClr>
-                </a:gs>
-              </a:gsLst>
-              <a:lin ang="600000" scaled="0"/>
-            </a:gradFill>
-            <a:ln>
-              <a:noFill/>
-            </a:ln>
-          </p:spPr>
-          <p:txBody>
-            <a:bodyPr spcFirstLastPara="1" wrap="square" lIns="91425" tIns="45700" rIns="91425" bIns="45700" anchor="ctr" anchorCtr="0">
-              <a:noAutofit/>
-            </a:bodyPr>
-            <a:lstStyle/>
-            <a:p>
-              <a:pPr marL="0" marR="0" lvl="0" indent="0" algn="ctr" rtl="0">
-                <a:spcBef>
-                  <a:spcPts val="0"/>
-                </a:spcBef>
-                <a:spcAft>
-                  <a:spcPts val="0"/>
-                </a:spcAft>
-                <a:buNone/>
-              </a:pPr>
-              <a:endParaRPr sz="1800">
-                <a:solidFill>
-                  <a:srgbClr val="FFFFFF"/>
-                </a:solidFill>
-                <a:latin typeface="Century Gothic"/>
-                <a:ea typeface="Century Gothic"/>
-                <a:cs typeface="Century Gothic"/>
-                <a:sym typeface="Century Gothic"/>
-              </a:endParaRPr>
-            </a:p>
-          </p:txBody>
-        </p:sp>
-        <p:sp>
-          <p:nvSpPr>
-            <p:cNvPr id="6" name="Shape 234"/>
-            <p:cNvSpPr/>
-            <p:nvPr/>
-          </p:nvSpPr>
-          <p:spPr>
-            <a:xfrm>
-              <a:off x="2676179" y="1090612"/>
-              <a:ext cx="1190813" cy="1418564"/>
-            </a:xfrm>
-            <a:custGeom>
-              <a:avLst/>
-              <a:gdLst/>
-              <a:ahLst/>
-              <a:cxnLst/>
-              <a:rect l="0" t="0" r="0" b="0"/>
-              <a:pathLst>
-                <a:path w="1190625" h="1419225" extrusionOk="0">
-                  <a:moveTo>
-                    <a:pt x="0" y="1419225"/>
-                  </a:moveTo>
-                  <a:lnTo>
-                    <a:pt x="0" y="471487"/>
-                  </a:lnTo>
-                  <a:lnTo>
-                    <a:pt x="957262" y="0"/>
-                  </a:lnTo>
-                  <a:lnTo>
-                    <a:pt x="1190625" y="347662"/>
-                  </a:lnTo>
-                  <a:lnTo>
-                    <a:pt x="947737" y="952500"/>
-                  </a:lnTo>
-                  <a:lnTo>
-                    <a:pt x="0" y="1419225"/>
-                  </a:lnTo>
-                  <a:close/>
-                </a:path>
-              </a:pathLst>
-            </a:custGeom>
-            <a:solidFill>
-              <a:schemeClr val="accent1">
-                <a:lumMod val="60000"/>
-                <a:lumOff val="40000"/>
-              </a:schemeClr>
-            </a:solidFill>
-            <a:ln>
-              <a:solidFill>
-                <a:schemeClr val="accent1"/>
-              </a:solidFill>
-            </a:ln>
-          </p:spPr>
-          <p:txBody>
-            <a:bodyPr spcFirstLastPara="1" wrap="square" lIns="91425" tIns="45700" rIns="91425" bIns="45700" anchor="ctr" anchorCtr="0">
-              <a:noAutofit/>
-            </a:bodyPr>
-            <a:lstStyle/>
-            <a:p>
-              <a:pPr marL="0" marR="0" lvl="0" indent="0" algn="ctr" rtl="0">
-                <a:spcBef>
-                  <a:spcPts val="0"/>
-                </a:spcBef>
-                <a:spcAft>
-                  <a:spcPts val="0"/>
-                </a:spcAft>
-                <a:buNone/>
-              </a:pPr>
-              <a:endParaRPr sz="1800">
-                <a:solidFill>
-                  <a:schemeClr val="lt1"/>
-                </a:solidFill>
-                <a:latin typeface="Times New Roman" panose="02020603050405020304" pitchFamily="18" charset="0"/>
-                <a:ea typeface="Century Gothic"/>
-                <a:cs typeface="Times New Roman" panose="02020603050405020304" pitchFamily="18" charset="0"/>
-                <a:sym typeface="Century Gothic"/>
-              </a:endParaRPr>
-            </a:p>
-          </p:txBody>
-        </p:sp>
-      </p:grpSp>
-      <p:pic>
-        <p:nvPicPr>
-          <p:cNvPr id="7" name="Picture 6" descr="aptechlogoww"/>
-          <p:cNvPicPr/>
-          <p:nvPr/>
-        </p:nvPicPr>
-        <p:blipFill>
-          <a:blip r:embed="rId2">
-            <a:extLst>
-              <a:ext uri="{28A0092B-C50C-407E-A947-70E740481C1C}">
-                <a14:useLocalDpi xmlns:a14="http://schemas.microsoft.com/office/drawing/2010/main" val="0"/>
-              </a:ext>
-            </a:extLst>
-          </a:blip>
-          <a:srcRect/>
-          <a:stretch>
-            <a:fillRect/>
-          </a:stretch>
-        </p:blipFill>
-        <p:spPr bwMode="auto">
-          <a:xfrm>
-            <a:off x="8668080" y="163941"/>
-            <a:ext cx="1852295" cy="391795"/>
-          </a:xfrm>
-          <a:prstGeom prst="rect">
-            <a:avLst/>
-          </a:prstGeom>
-          <a:noFill/>
-          <a:ln>
-            <a:noFill/>
-          </a:ln>
-        </p:spPr>
-      </p:pic>
-      <p:pic>
-        <p:nvPicPr>
-          <p:cNvPr id="8" name="Picture 7" descr="bkaptechlogo"/>
-          <p:cNvPicPr/>
-          <p:nvPr/>
-        </p:nvPicPr>
-        <p:blipFill>
-          <a:blip r:embed="rId3">
-            <a:extLst>
-              <a:ext uri="{28A0092B-C50C-407E-A947-70E740481C1C}">
-                <a14:useLocalDpi xmlns:a14="http://schemas.microsoft.com/office/drawing/2010/main" val="0"/>
-              </a:ext>
-            </a:extLst>
-          </a:blip>
-          <a:srcRect/>
-          <a:stretch>
-            <a:fillRect/>
-          </a:stretch>
-        </p:blipFill>
-        <p:spPr bwMode="auto">
-          <a:xfrm>
-            <a:off x="10520375" y="142171"/>
-            <a:ext cx="1531620" cy="391795"/>
-          </a:xfrm>
-          <a:prstGeom prst="rect">
-            <a:avLst/>
-          </a:prstGeom>
-          <a:noFill/>
-          <a:ln>
-            <a:noFill/>
-          </a:ln>
-        </p:spPr>
-      </p:pic>
-      <p:sp>
-        <p:nvSpPr>
-          <p:cNvPr id="9" name="Rectangle 8"/>
-          <p:cNvSpPr/>
-          <p:nvPr/>
-        </p:nvSpPr>
-        <p:spPr>
-          <a:xfrm>
-            <a:off x="1005385" y="1394339"/>
-            <a:ext cx="6096000" cy="923330"/>
-          </a:xfrm>
-          <a:prstGeom prst="rect">
-            <a:avLst/>
-          </a:prstGeom>
-        </p:spPr>
-        <p:txBody>
-          <a:bodyPr>
-            <a:spAutoFit/>
-          </a:bodyPr>
-          <a:lstStyle/>
-          <a:p>
-            <a:pPr algn="just">
-              <a:lnSpc>
-                <a:spcPct val="150000"/>
-              </a:lnSpc>
-              <a:spcAft>
-                <a:spcPts val="0"/>
-              </a:spcAft>
-            </a:pPr>
-            <a:r>
-              <a:rPr lang="en-US" b="1">
-                <a:solidFill>
-                  <a:srgbClr val="000000"/>
-                </a:solidFill>
-                <a:latin typeface="Times New Roman" panose="02020603050405020304" pitchFamily="18" charset="0"/>
-                <a:ea typeface="Times New Roman" panose="02020603050405020304" pitchFamily="18" charset="0"/>
-                <a:cs typeface="Times New Roman" panose="02020603050405020304" pitchFamily="18" charset="0"/>
-              </a:rPr>
-              <a:t>5.</a:t>
-            </a:r>
-            <a:r>
-              <a:rPr lang="vi-VN" b="1">
-                <a:solidFill>
-                  <a:srgbClr val="000000"/>
-                </a:solidFill>
-                <a:latin typeface="Times New Roman" panose="02020603050405020304" pitchFamily="18" charset="0"/>
-                <a:ea typeface="Times New Roman" panose="02020603050405020304" pitchFamily="18" charset="0"/>
-                <a:cs typeface="Times New Roman" panose="02020603050405020304" pitchFamily="18" charset="0"/>
-              </a:rPr>
-              <a:t>2</a:t>
-            </a:r>
-            <a:r>
-              <a:rPr lang="en-US" b="1">
-                <a:solidFill>
-                  <a:srgbClr val="000000"/>
-                </a:solidFill>
-                <a:latin typeface="Times New Roman" panose="02020603050405020304" pitchFamily="18" charset="0"/>
-                <a:ea typeface="Times New Roman" panose="02020603050405020304" pitchFamily="18" charset="0"/>
-                <a:cs typeface="Times New Roman" panose="02020603050405020304" pitchFamily="18" charset="0"/>
-              </a:rPr>
-              <a:t>.3. Thực thể Sách</a:t>
-            </a:r>
-            <a:endParaRPr lang="en-US" sz="2000" b="1">
-              <a:solidFill>
-                <a:srgbClr val="000000"/>
-              </a:solidFill>
-              <a:latin typeface="Times New Roman" panose="02020603050405020304" pitchFamily="18" charset="0"/>
-              <a:ea typeface="Times New Roman" panose="02020603050405020304" pitchFamily="18" charset="0"/>
-              <a:cs typeface="Times New Roman" panose="02020603050405020304" pitchFamily="18" charset="0"/>
-            </a:endParaRPr>
-          </a:p>
-          <a:p>
-            <a:pPr algn="just">
-              <a:lnSpc>
-                <a:spcPct val="150000"/>
-              </a:lnSpc>
-              <a:spcAft>
-                <a:spcPts val="0"/>
-              </a:spcAft>
-            </a:pPr>
-            <a:r>
-              <a:rPr lang="en-US">
-                <a:solidFill>
-                  <a:srgbClr val="000000"/>
-                </a:solidFill>
-                <a:latin typeface="Times New Roman" panose="02020603050405020304" pitchFamily="18" charset="0"/>
-                <a:ea typeface="Times New Roman" panose="02020603050405020304" pitchFamily="18" charset="0"/>
-              </a:rPr>
-              <a:t>	Lưu trữ thông tin sách</a:t>
-            </a:r>
-            <a:endParaRPr lang="en-US" sz="2000">
-              <a:solidFill>
-                <a:srgbClr val="000000"/>
-              </a:solidFill>
-              <a:effectLst/>
-              <a:latin typeface="Times New Roman" panose="02020603050405020304" pitchFamily="18" charset="0"/>
-              <a:ea typeface="Times New Roman" panose="02020603050405020304" pitchFamily="18" charset="0"/>
-            </a:endParaRPr>
-          </a:p>
-        </p:txBody>
-      </p:sp>
-      <p:sp>
-        <p:nvSpPr>
-          <p:cNvPr id="11" name="Rectangle 10"/>
-          <p:cNvSpPr/>
-          <p:nvPr/>
-        </p:nvSpPr>
-        <p:spPr>
-          <a:xfrm>
-            <a:off x="4983903" y="6350169"/>
-            <a:ext cx="2267608" cy="507831"/>
-          </a:xfrm>
-          <a:prstGeom prst="rect">
-            <a:avLst/>
-          </a:prstGeom>
-        </p:spPr>
-        <p:txBody>
-          <a:bodyPr wrap="none">
-            <a:spAutoFit/>
-          </a:bodyPr>
-          <a:lstStyle/>
-          <a:p>
-            <a:pPr algn="ctr">
-              <a:lnSpc>
-                <a:spcPct val="150000"/>
-              </a:lnSpc>
-              <a:spcAft>
-                <a:spcPts val="0"/>
-              </a:spcAft>
-            </a:pPr>
-            <a:r>
-              <a:rPr lang="en-US">
-                <a:solidFill>
-                  <a:srgbClr val="000000"/>
-                </a:solidFill>
-                <a:latin typeface="Times New Roman" panose="02020603050405020304" pitchFamily="18" charset="0"/>
-                <a:ea typeface="Times New Roman" panose="02020603050405020304" pitchFamily="18" charset="0"/>
-              </a:rPr>
-              <a:t>Hình 9: </a:t>
-            </a:r>
-            <a:r>
-              <a:rPr lang="en-US" dirty="0">
-                <a:solidFill>
-                  <a:srgbClr val="000000"/>
-                </a:solidFill>
-                <a:latin typeface="Times New Roman" panose="02020603050405020304" pitchFamily="18" charset="0"/>
-                <a:ea typeface="Times New Roman" panose="02020603050405020304" pitchFamily="18" charset="0"/>
-              </a:rPr>
-              <a:t>Thực thể Sách</a:t>
-            </a:r>
-            <a:endParaRPr lang="en-US" sz="2000" dirty="0">
-              <a:solidFill>
-                <a:srgbClr val="000000"/>
-              </a:solidFill>
-              <a:effectLst/>
-              <a:latin typeface="Times New Roman" panose="02020603050405020304" pitchFamily="18" charset="0"/>
-              <a:ea typeface="Times New Roman" panose="02020603050405020304" pitchFamily="18" charset="0"/>
-            </a:endParaRPr>
-          </a:p>
-        </p:txBody>
-      </p:sp>
-      <p:sp>
-        <p:nvSpPr>
-          <p:cNvPr id="12" name="Rectangle 11"/>
-          <p:cNvSpPr/>
-          <p:nvPr/>
-        </p:nvSpPr>
-        <p:spPr>
-          <a:xfrm>
-            <a:off x="370" y="496390"/>
-            <a:ext cx="927093" cy="705394"/>
-          </a:xfrm>
-          <a:prstGeom prst="rect">
-            <a:avLst/>
-          </a:prstGeom>
-          <a:noFill/>
-          <a:ln>
-            <a:noFill/>
-          </a:ln>
-        </p:spPr>
-        <p:style>
-          <a:lnRef idx="0">
-            <a:scrgbClr r="0" g="0" b="0"/>
-          </a:lnRef>
-          <a:fillRef idx="0">
-            <a:scrgbClr r="0" g="0" b="0"/>
-          </a:fillRef>
-          <a:effectRef idx="0">
-            <a:scrgbClr r="0" g="0" b="0"/>
-          </a:effectRef>
-          <a:fontRef idx="minor">
-            <a:schemeClr val="dk1"/>
-          </a:fontRef>
-        </p:style>
-        <p:txBody>
-          <a:bodyPr rtlCol="0" anchor="ctr"/>
-          <a:lstStyle/>
-          <a:p>
-            <a:pPr algn="ctr"/>
-            <a:r>
-              <a:rPr lang="en-US" sz="3600" b="1">
-                <a:solidFill>
-                  <a:schemeClr val="bg1"/>
-                </a:solidFill>
-                <a:latin typeface="Times New Roman" panose="02020603050405020304" pitchFamily="18" charset="0"/>
-                <a:cs typeface="Times New Roman" panose="02020603050405020304" pitchFamily="18" charset="0"/>
-              </a:rPr>
-              <a:t>05</a:t>
-            </a:r>
-          </a:p>
-        </p:txBody>
-      </p:sp>
-      <p:pic>
-        <p:nvPicPr>
-          <p:cNvPr id="2" name="Picture 1"/>
-          <p:cNvPicPr>
-            <a:picLocks noChangeAspect="1"/>
-          </p:cNvPicPr>
-          <p:nvPr/>
-        </p:nvPicPr>
-        <p:blipFill>
-          <a:blip r:embed="rId4"/>
-          <a:stretch>
-            <a:fillRect/>
-          </a:stretch>
-        </p:blipFill>
-        <p:spPr>
-          <a:xfrm>
-            <a:off x="2944512" y="2233657"/>
-            <a:ext cx="6896100" cy="4200525"/>
-          </a:xfrm>
-          <a:prstGeom prst="rect">
-            <a:avLst/>
-          </a:prstGeom>
-        </p:spPr>
-      </p:pic>
-    </p:spTree>
-    <p:extLst>
-      <p:ext uri="{BB962C8B-B14F-4D97-AF65-F5344CB8AC3E}">
-        <p14:creationId xmlns:p14="http://schemas.microsoft.com/office/powerpoint/2010/main" val="3388611774"/>
-      </p:ext>
-    </p:extLst>
-  </p:cSld>
-  <p:clrMapOvr>
-    <a:masterClrMapping/>
-  </p:clrMapOvr>
-  <p:timing>
-    <p:tnLst>
-      <p:par>
-        <p:cTn id="1" dur="indefinite" restart="never" nodeType="tmRoot">
-          <p:childTnLst>
-            <p:seq concurrent="1" nextAc="seek">
-              <p:cTn id="2" dur="indefinite" nodeType="mainSeq">
-                <p:childTnLst>
-                  <p:par>
-                    <p:cTn id="3" fill="hold">
-                      <p:stCondLst>
-                        <p:cond delay="indefinite"/>
-                      </p:stCondLst>
-                      <p:childTnLst>
-                        <p:par>
-                          <p:cTn id="4" fill="hold">
-                            <p:stCondLst>
-                              <p:cond delay="0"/>
-                            </p:stCondLst>
-                            <p:childTnLst>
-                              <p:par>
-                                <p:cTn id="5" presetID="10" presetClass="entr" presetSubtype="0" fill="hold" nodeType="clickEffect">
-                                  <p:stCondLst>
-                                    <p:cond delay="0"/>
-                                  </p:stCondLst>
-                                  <p:childTnLst>
-                                    <p:set>
-                                      <p:cBhvr>
-                                        <p:cTn id="6" dur="1" fill="hold">
-                                          <p:stCondLst>
-                                            <p:cond delay="0"/>
-                                          </p:stCondLst>
-                                        </p:cTn>
-                                        <p:tgtEl>
-                                          <p:spTgt spid="3"/>
-                                        </p:tgtEl>
-                                        <p:attrNameLst>
-                                          <p:attrName>style.visibility</p:attrName>
-                                        </p:attrNameLst>
-                                      </p:cBhvr>
-                                      <p:to>
-                                        <p:strVal val="visible"/>
-                                      </p:to>
-                                    </p:set>
-                                    <p:animEffect transition="in" filter="fade">
-                                      <p:cBhvr>
-                                        <p:cTn id="7" dur="500"/>
-                                        <p:tgtEl>
-                                          <p:spTgt spid="3"/>
-                                        </p:tgtEl>
-                                      </p:cBhvr>
-                                    </p:animEffect>
-                                  </p:childTnLst>
-                                </p:cTn>
-                              </p:par>
-                            </p:childTnLst>
-                          </p:cTn>
-                        </p:par>
-                      </p:childTnLst>
-                    </p:cTn>
-                  </p:par>
-                </p:childTnLst>
-              </p:cTn>
-              <p:prevCondLst>
-                <p:cond evt="onPrev" delay="0">
-                  <p:tgtEl>
-                    <p:sldTgt/>
-                  </p:tgtEl>
-                </p:cond>
-              </p:prevCondLst>
-              <p:nextCondLst>
-                <p:cond evt="onNext" delay="0">
-                  <p:tgtEl>
-                    <p:sldTgt/>
-                  </p:tgtEl>
-                </p:cond>
-              </p:nextCondLst>
-            </p:seq>
-          </p:childTnLst>
-        </p:cTn>
-      </p:par>
-    </p:tnLst>
-  </p:timing>
 </p:sld>
 </file>
 

--- a/Slide Đồ Án.pptx
+++ b/Slide Đồ Án.pptx
@@ -5,10 +5,10 @@
     <p:sldMasterId id="2147483648" r:id="rId1"/>
   </p:sldMasterIdLst>
   <p:notesMasterIdLst>
-    <p:notesMasterId r:id="rId13"/>
+    <p:notesMasterId r:id="rId12"/>
   </p:notesMasterIdLst>
   <p:handoutMasterIdLst>
-    <p:handoutMasterId r:id="rId14"/>
+    <p:handoutMasterId r:id="rId13"/>
   </p:handoutMasterIdLst>
   <p:sldIdLst>
     <p:sldId id="256" r:id="rId2"/>
@@ -20,8 +20,7 @@
     <p:sldId id="332" r:id="rId8"/>
     <p:sldId id="331" r:id="rId9"/>
     <p:sldId id="330" r:id="rId10"/>
-    <p:sldId id="326" r:id="rId11"/>
-    <p:sldId id="334" r:id="rId12"/>
+    <p:sldId id="334" r:id="rId11"/>
   </p:sldIdLst>
   <p:sldSz cx="12192000" cy="6858000"/>
   <p:notesSz cx="6858000" cy="9144000"/>
@@ -138,7 +137,6 @@
             <p14:sldId id="332"/>
             <p14:sldId id="331"/>
             <p14:sldId id="330"/>
-            <p14:sldId id="326"/>
             <p14:sldId id="334"/>
           </p14:sldIdLst>
         </p14:section>
@@ -233,7 +231,7 @@
           <a:p>
             <a:fld id="{83B34AEF-5253-4C7C-8308-D2F50E48F55C}" type="datetimeFigureOut">
               <a:rPr lang="en-US" smtClean="0"/>
-              <a:t>20/12/2022</a:t>
+              <a:t>5/1/2023</a:t>
             </a:fld>
             <a:endParaRPr lang="en-US"/>
           </a:p>
@@ -399,7 +397,7 @@
           <a:p>
             <a:fld id="{66CC5DAF-E163-4CEB-A6BC-218A61322C16}" type="datetimeFigureOut">
               <a:rPr lang="en-US" smtClean="0"/>
-              <a:t>20/12/2022</a:t>
+              <a:t>5/1/2023</a:t>
             </a:fld>
             <a:endParaRPr lang="en-US"/>
           </a:p>
@@ -1347,7 +1345,7 @@
           <a:p>
             <a:fld id="{FED54DB5-673A-4636-AFF8-29F335A6FA62}" type="datetime1">
               <a:rPr lang="en-US" smtClean="0"/>
-              <a:t>20/12/2022</a:t>
+              <a:t>5/1/2023</a:t>
             </a:fld>
             <a:endParaRPr lang="en-US"/>
           </a:p>
@@ -1681,7 +1679,7 @@
           <a:p>
             <a:fld id="{DAC83B04-5E66-4FA1-B8A2-3DE2FE9F2B0A}" type="datetime1">
               <a:rPr lang="en-US" smtClean="0"/>
-              <a:t>20/12/2022</a:t>
+              <a:t>5/1/2023</a:t>
             </a:fld>
             <a:endParaRPr lang="en-US"/>
           </a:p>
@@ -2078,7 +2076,7 @@
           <a:p>
             <a:fld id="{80DD4BEF-E0EF-4D96-AD2E-5DBA9A703E4F}" type="datetime1">
               <a:rPr lang="en-US" smtClean="0"/>
-              <a:t>20/12/2022</a:t>
+              <a:t>5/1/2023</a:t>
             </a:fld>
             <a:endParaRPr lang="en-US"/>
           </a:p>
@@ -2409,7 +2407,7 @@
           <a:p>
             <a:fld id="{8A51AD9F-8A28-4BAA-9B78-8DE2DFAAA292}" type="datetime1">
               <a:rPr lang="en-US" smtClean="0"/>
-              <a:t>20/12/2022</a:t>
+              <a:t>5/1/2023</a:t>
             </a:fld>
             <a:endParaRPr lang="en-US"/>
           </a:p>
@@ -2725,7 +2723,7 @@
           <a:p>
             <a:fld id="{1F0DB61A-BF95-4706-82B9-A7946B2837B7}" type="datetime1">
               <a:rPr lang="en-US" smtClean="0"/>
-              <a:t>20/12/2022</a:t>
+              <a:t>5/1/2023</a:t>
             </a:fld>
             <a:endParaRPr lang="en-US"/>
           </a:p>
@@ -3117,7 +3115,7 @@
           <a:p>
             <a:fld id="{D8D10EF8-D638-4CE9-AC6C-93AF8BD5E0EC}" type="datetime1">
               <a:rPr lang="en-US" smtClean="0"/>
-              <a:t>20/12/2022</a:t>
+              <a:t>5/1/2023</a:t>
             </a:fld>
             <a:endParaRPr lang="en-US"/>
           </a:p>
@@ -3370,7 +3368,7 @@
           <a:p>
             <a:fld id="{2F88B057-60AF-4915-A136-84FCD3E9BF71}" type="datetime1">
               <a:rPr lang="en-US" smtClean="0"/>
-              <a:t>20/12/2022</a:t>
+              <a:t>5/1/2023</a:t>
             </a:fld>
             <a:endParaRPr lang="en-US"/>
           </a:p>
@@ -3628,7 +3626,7 @@
           <a:p>
             <a:fld id="{F28A16F0-5D5D-4514-BFF9-33A3DBB98C88}" type="datetime1">
               <a:rPr lang="en-US" smtClean="0"/>
-              <a:t>20/12/2022</a:t>
+              <a:t>5/1/2023</a:t>
             </a:fld>
             <a:endParaRPr lang="en-US"/>
           </a:p>
@@ -3886,7 +3884,7 @@
           <a:p>
             <a:fld id="{EDB4F194-0CCC-466A-9E2C-F5AD4F8D9A71}" type="datetime1">
               <a:rPr lang="en-US" smtClean="0"/>
-              <a:t>20/12/2022</a:t>
+              <a:t>5/1/2023</a:t>
             </a:fld>
             <a:endParaRPr lang="en-US"/>
           </a:p>
@@ -4211,7 +4209,7 @@
           <a:p>
             <a:fld id="{2B308A1F-2323-4505-B5C9-51623BDDACBF}" type="datetime1">
               <a:rPr lang="en-US" smtClean="0"/>
-              <a:t>20/12/2022</a:t>
+              <a:t>5/1/2023</a:t>
             </a:fld>
             <a:endParaRPr lang="en-US"/>
           </a:p>
@@ -4530,7 +4528,7 @@
           <a:p>
             <a:fld id="{8951F2F1-94D6-43EF-BCC3-37286E99D9C9}" type="datetime1">
               <a:rPr lang="en-US" smtClean="0"/>
-              <a:t>20/12/2022</a:t>
+              <a:t>5/1/2023</a:t>
             </a:fld>
             <a:endParaRPr lang="en-US"/>
           </a:p>
@@ -4983,7 +4981,7 @@
           <a:p>
             <a:fld id="{EAB1D0F9-EA2D-4D57-8B45-483E3BFEBAA6}" type="datetime1">
               <a:rPr lang="en-US" smtClean="0"/>
-              <a:t>20/12/2022</a:t>
+              <a:t>5/1/2023</a:t>
             </a:fld>
             <a:endParaRPr lang="en-US"/>
           </a:p>
@@ -5184,7 +5182,7 @@
           <a:p>
             <a:fld id="{2D4C4AAE-58DC-4723-98C0-BEBE437A4D1F}" type="datetime1">
               <a:rPr lang="en-US" smtClean="0"/>
-              <a:t>20/12/2022</a:t>
+              <a:t>5/1/2023</a:t>
             </a:fld>
             <a:endParaRPr lang="en-US"/>
           </a:p>
@@ -5357,7 +5355,7 @@
           <a:p>
             <a:fld id="{001EF59C-3C04-4F1A-9D04-3E886595A741}" type="datetime1">
               <a:rPr lang="en-US" smtClean="0"/>
-              <a:t>20/12/2022</a:t>
+              <a:t>5/1/2023</a:t>
             </a:fld>
             <a:endParaRPr lang="en-US"/>
           </a:p>
@@ -5686,7 +5684,7 @@
           <a:p>
             <a:fld id="{FEC6D736-7BFD-4FC8-BBB7-87AFB0FFDCE9}" type="datetime1">
               <a:rPr lang="en-US" smtClean="0"/>
-              <a:t>20/12/2022</a:t>
+              <a:t>5/1/2023</a:t>
             </a:fld>
             <a:endParaRPr lang="en-US"/>
           </a:p>
@@ -6026,7 +6024,7 @@
           <a:p>
             <a:fld id="{E6B6E6B1-62AB-4B3D-87FF-F7D5BB21D0E2}" type="datetime1">
               <a:rPr lang="en-US" smtClean="0"/>
-              <a:t>20/12/2022</a:t>
+              <a:t>5/1/2023</a:t>
             </a:fld>
             <a:endParaRPr lang="en-US"/>
           </a:p>
@@ -8139,7 +8137,7 @@
           <a:p>
             <a:fld id="{5B34A952-EE9C-4D4A-AA2F-052B208ABA61}" type="datetime1">
               <a:rPr lang="en-US" smtClean="0"/>
-              <a:t>20/12/2022</a:t>
+              <a:t>5/1/2023</a:t>
             </a:fld>
             <a:endParaRPr lang="en-US"/>
           </a:p>
@@ -9620,8 +9618,8 @@
         </p:nvSpPr>
         <p:spPr>
           <a:xfrm>
-            <a:off x="733805" y="1394339"/>
-            <a:ext cx="6096000" cy="923330"/>
+            <a:off x="878006" y="1394339"/>
+            <a:ext cx="6096000" cy="700192"/>
           </a:xfrm>
           <a:prstGeom prst="rect">
             <a:avLst/>
@@ -9675,7 +9673,7 @@
               <a:t>.</a:t>
             </a:r>
             <a:r>
-              <a:rPr lang="vi-VN" b="1">
+              <a:rPr lang="en-US" b="1">
                 <a:solidFill>
                   <a:srgbClr val="000000"/>
                 </a:solidFill>
@@ -9694,7 +9692,7 @@
                 <a:ea typeface="Times New Roman" panose="02020603050405020304" pitchFamily="18" charset="0"/>
                 <a:cs typeface="Times New Roman" panose="02020603050405020304" pitchFamily="18" charset="0"/>
               </a:rPr>
-              <a:t>. Thực thể đơn hàng chi tiết</a:t>
+              <a:t>. Thực thể đơn hàng</a:t>
             </a:r>
             <a:endParaRPr lang="en-US" sz="2000" b="1">
               <a:solidFill>
@@ -9708,7 +9706,7 @@
           <a:p>
             <a:pPr algn="just">
               <a:lnSpc>
-                <a:spcPct val="150000"/>
+                <a:spcPts val="1500"/>
               </a:lnSpc>
               <a:spcAft>
                 <a:spcPts val="0"/>
@@ -9722,7 +9720,27 @@
                 <a:latin typeface="Times New Roman" panose="02020603050405020304" pitchFamily="18" charset="0"/>
                 <a:ea typeface="Times New Roman" panose="02020603050405020304" pitchFamily="18" charset="0"/>
               </a:rPr>
-              <a:t>	Lưu trữ thông tin về các đơn hàng chi tiết</a:t>
+              <a:t>	Lưu trữ th</a:t>
+            </a:r>
+            <a:r>
+              <a:rPr lang="vi-VN">
+                <a:solidFill>
+                  <a:srgbClr val="000000"/>
+                </a:solidFill>
+                <a:latin typeface="Times New Roman" panose="02020603050405020304" pitchFamily="18" charset="0"/>
+                <a:ea typeface="Times New Roman" panose="02020603050405020304" pitchFamily="18" charset="0"/>
+              </a:rPr>
+              <a:t>ông tin</a:t>
+            </a:r>
+            <a:r>
+              <a:rPr lang="en-US">
+                <a:solidFill>
+                  <a:srgbClr val="000000"/>
+                </a:solidFill>
+                <a:latin typeface="Times New Roman" panose="02020603050405020304" pitchFamily="18" charset="0"/>
+                <a:ea typeface="Times New Roman" panose="02020603050405020304" pitchFamily="18" charset="0"/>
+              </a:rPr>
+              <a:t> các đơn hàng</a:t>
             </a:r>
             <a:endParaRPr lang="en-US" sz="2000">
               <a:solidFill>
@@ -9743,8 +9761,8 @@
         </p:nvSpPr>
         <p:spPr>
           <a:xfrm>
-            <a:off x="4257520" y="6573307"/>
-            <a:ext cx="3485890" cy="290721"/>
+            <a:off x="4863077" y="6573307"/>
+            <a:ext cx="2793393" cy="284693"/>
           </a:xfrm>
           <a:prstGeom prst="rect">
             <a:avLst/>
@@ -9782,7 +9800,7 @@
                 <a:latin typeface="Times New Roman" panose="02020603050405020304" pitchFamily="18" charset="0"/>
                 <a:ea typeface="Times New Roman" panose="02020603050405020304" pitchFamily="18" charset="0"/>
               </a:rPr>
-              <a:t>1</a:t>
+              <a:t>2</a:t>
             </a:r>
             <a:r>
               <a:rPr lang="en-US">
@@ -9802,7 +9820,7 @@
                 <a:latin typeface="Times New Roman" panose="02020603050405020304" pitchFamily="18" charset="0"/>
                 <a:ea typeface="Times New Roman" panose="02020603050405020304" pitchFamily="18" charset="0"/>
               </a:rPr>
-              <a:t>Thực thể đơn hàng chi tiết</a:t>
+              <a:t>Thực thể đơn hàng</a:t>
             </a:r>
             <a:endParaRPr lang="en-US" sz="2000" dirty="0">
               <a:solidFill>
@@ -9868,7 +9886,7 @@
       </p:sp>
       <p:pic>
         <p:nvPicPr>
-          <p:cNvPr id="2" name="Picture 1"/>
+          <p:cNvPr id="10" name="Picture 9"/>
           <p:cNvPicPr>
             <a:picLocks noChangeAspect="1"/>
           </p:cNvPicPr>
@@ -9882,7 +9900,7 @@
         </p:blipFill>
         <p:spPr>
           <a:xfrm>
-            <a:off x="2698127" y="2317669"/>
+            <a:off x="2698127" y="2047702"/>
             <a:ext cx="6896100" cy="4200525"/>
           </a:xfrm>
           <a:prstGeom prst="rect">
@@ -9893,7 +9911,7 @@
     </p:spTree>
     <p:extLst>
       <p:ext uri="{BB962C8B-B14F-4D97-AF65-F5344CB8AC3E}">
-        <p14:creationId xmlns:p14="http://schemas.microsoft.com/office/powerpoint/2010/main" val="3066050120"/>
+        <p14:creationId xmlns:p14="http://schemas.microsoft.com/office/powerpoint/2010/main" val="1523985236"/>
       </p:ext>
     </p:extLst>
   </p:cSld>
@@ -9903,7 +9921,7 @@
 </p:sld>
 </file>
 
-<file path=ppt/slides/slide11.xml><?xml version="1.0" encoding="utf-8"?>
+<file path=ppt/slides/slide2.xml><?xml version="1.0" encoding="utf-8"?>
 <p:sld xmlns:a="http://schemas.openxmlformats.org/drawingml/2006/main" xmlns:r="http://schemas.openxmlformats.org/officeDocument/2006/relationships" xmlns:p="http://schemas.openxmlformats.org/presentationml/2006/main">
   <p:cSld>
     <p:spTree>
@@ -9929,9 +9947,9 @@
         <p:grpSpPr>
           <a:xfrm>
             <a:off x="-731851" y="261468"/>
-            <a:ext cx="4785236" cy="1645500"/>
+            <a:ext cx="4130145" cy="1645500"/>
             <a:chOff x="2075625" y="1090612"/>
-            <a:chExt cx="3904704" cy="2144143"/>
+            <a:chExt cx="3370157" cy="2144143"/>
           </a:xfrm>
         </p:grpSpPr>
         <p:sp>
@@ -9942,8 +9960,8 @@
           </p:nvSpPr>
           <p:spPr>
             <a:xfrm>
-              <a:off x="2752259" y="1623893"/>
-              <a:ext cx="3228070" cy="885283"/>
+              <a:off x="2752258" y="1623893"/>
+              <a:ext cx="2693524" cy="885283"/>
             </a:xfrm>
             <a:prstGeom prst="rect">
               <a:avLst/>
@@ -9996,7 +10014,544 @@
                   <a:cs typeface="Times New Roman" panose="02020603050405020304" pitchFamily="18" charset="0"/>
                   <a:sym typeface="Century Gothic"/>
                 </a:rPr>
-                <a:t>            Thiết kế dữ liệu</a:t>
+                <a:t>            Các biểu đồ</a:t>
+              </a:r>
+              <a:endParaRPr sz="2600" b="1">
+                <a:solidFill>
+                  <a:schemeClr val="bg1"/>
+                </a:solidFill>
+                <a:latin typeface="Times New Roman" panose="02020603050405020304" pitchFamily="18" charset="0"/>
+                <a:ea typeface="Century Gothic"/>
+                <a:cs typeface="Times New Roman" panose="02020603050405020304" pitchFamily="18" charset="0"/>
+                <a:sym typeface="Century Gothic"/>
+              </a:endParaRPr>
+            </a:p>
+          </p:txBody>
+        </p:sp>
+        <p:sp>
+          <p:nvSpPr>
+            <p:cNvPr id="5" name="Shape 233"/>
+            <p:cNvSpPr/>
+            <p:nvPr/>
+          </p:nvSpPr>
+          <p:spPr>
+            <a:xfrm rot="349079">
+              <a:off x="2075625" y="1898810"/>
+              <a:ext cx="2308247" cy="1335945"/>
+            </a:xfrm>
+            <a:custGeom>
+              <a:avLst/>
+              <a:gdLst/>
+              <a:ahLst/>
+              <a:cxnLst/>
+              <a:rect l="0" t="0" r="0" b="0"/>
+              <a:pathLst>
+                <a:path w="2410691" h="1649124" extrusionOk="0">
+                  <a:moveTo>
+                    <a:pt x="0" y="873270"/>
+                  </a:moveTo>
+                  <a:cubicBezTo>
+                    <a:pt x="910244" y="895668"/>
+                    <a:pt x="1812867" y="1238106"/>
+                    <a:pt x="2410691" y="1649124"/>
+                  </a:cubicBezTo>
+                  <a:lnTo>
+                    <a:pt x="2192050" y="641206"/>
+                  </a:lnTo>
+                  <a:cubicBezTo>
+                    <a:pt x="2107623" y="436996"/>
+                    <a:pt x="1951647" y="226118"/>
+                    <a:pt x="1548133" y="0"/>
+                  </a:cubicBezTo>
+                  <a:cubicBezTo>
+                    <a:pt x="1073296" y="254397"/>
+                    <a:pt x="838819" y="413663"/>
+                    <a:pt x="0" y="873270"/>
+                  </a:cubicBezTo>
+                  <a:close/>
+                </a:path>
+              </a:pathLst>
+            </a:custGeom>
+            <a:gradFill>
+              <a:gsLst>
+                <a:gs pos="0">
+                  <a:schemeClr val="dk1"/>
+                </a:gs>
+                <a:gs pos="66000">
+                  <a:srgbClr val="E7E7E7">
+                    <a:alpha val="0"/>
+                  </a:srgbClr>
+                </a:gs>
+                <a:gs pos="100000">
+                  <a:srgbClr val="FFFFFF">
+                    <a:alpha val="0"/>
+                  </a:srgbClr>
+                </a:gs>
+              </a:gsLst>
+              <a:lin ang="600000" scaled="0"/>
+            </a:gradFill>
+            <a:ln>
+              <a:noFill/>
+            </a:ln>
+          </p:spPr>
+          <p:txBody>
+            <a:bodyPr spcFirstLastPara="1" wrap="square" lIns="91425" tIns="45700" rIns="91425" bIns="45700" anchor="ctr" anchorCtr="0">
+              <a:noAutofit/>
+            </a:bodyPr>
+            <a:lstStyle/>
+            <a:p>
+              <a:pPr marL="0" marR="0" lvl="0" indent="0" algn="ctr" rtl="0">
+                <a:spcBef>
+                  <a:spcPts val="0"/>
+                </a:spcBef>
+                <a:spcAft>
+                  <a:spcPts val="0"/>
+                </a:spcAft>
+                <a:buNone/>
+              </a:pPr>
+              <a:endParaRPr sz="1800">
+                <a:solidFill>
+                  <a:srgbClr val="FFFFFF"/>
+                </a:solidFill>
+                <a:latin typeface="Century Gothic"/>
+                <a:ea typeface="Century Gothic"/>
+                <a:cs typeface="Century Gothic"/>
+                <a:sym typeface="Century Gothic"/>
+              </a:endParaRPr>
+            </a:p>
+          </p:txBody>
+        </p:sp>
+        <p:sp>
+          <p:nvSpPr>
+            <p:cNvPr id="6" name="Shape 234"/>
+            <p:cNvSpPr/>
+            <p:nvPr/>
+          </p:nvSpPr>
+          <p:spPr>
+            <a:xfrm>
+              <a:off x="2676179" y="1090612"/>
+              <a:ext cx="1190813" cy="1418564"/>
+            </a:xfrm>
+            <a:custGeom>
+              <a:avLst/>
+              <a:gdLst/>
+              <a:ahLst/>
+              <a:cxnLst/>
+              <a:rect l="0" t="0" r="0" b="0"/>
+              <a:pathLst>
+                <a:path w="1190625" h="1419225" extrusionOk="0">
+                  <a:moveTo>
+                    <a:pt x="0" y="1419225"/>
+                  </a:moveTo>
+                  <a:lnTo>
+                    <a:pt x="0" y="471487"/>
+                  </a:lnTo>
+                  <a:lnTo>
+                    <a:pt x="957262" y="0"/>
+                  </a:lnTo>
+                  <a:lnTo>
+                    <a:pt x="1190625" y="347662"/>
+                  </a:lnTo>
+                  <a:lnTo>
+                    <a:pt x="947737" y="952500"/>
+                  </a:lnTo>
+                  <a:lnTo>
+                    <a:pt x="0" y="1419225"/>
+                  </a:lnTo>
+                  <a:close/>
+                </a:path>
+              </a:pathLst>
+            </a:custGeom>
+            <a:solidFill>
+              <a:schemeClr val="accent1">
+                <a:lumMod val="60000"/>
+                <a:lumOff val="40000"/>
+              </a:schemeClr>
+            </a:solidFill>
+            <a:ln>
+              <a:solidFill>
+                <a:schemeClr val="accent1"/>
+              </a:solidFill>
+            </a:ln>
+          </p:spPr>
+          <p:txBody>
+            <a:bodyPr spcFirstLastPara="1" wrap="square" lIns="91425" tIns="45700" rIns="91425" bIns="45700" anchor="ctr" anchorCtr="0">
+              <a:noAutofit/>
+            </a:bodyPr>
+            <a:lstStyle/>
+            <a:p>
+              <a:pPr marL="0" marR="0" lvl="0" indent="0" algn="ctr" rtl="0">
+                <a:spcBef>
+                  <a:spcPts val="0"/>
+                </a:spcBef>
+                <a:spcAft>
+                  <a:spcPts val="0"/>
+                </a:spcAft>
+                <a:buNone/>
+              </a:pPr>
+              <a:endParaRPr sz="1800">
+                <a:solidFill>
+                  <a:schemeClr val="lt1"/>
+                </a:solidFill>
+                <a:latin typeface="Times New Roman" panose="02020603050405020304" pitchFamily="18" charset="0"/>
+                <a:ea typeface="Century Gothic"/>
+                <a:cs typeface="Times New Roman" panose="02020603050405020304" pitchFamily="18" charset="0"/>
+                <a:sym typeface="Century Gothic"/>
+              </a:endParaRPr>
+            </a:p>
+          </p:txBody>
+        </p:sp>
+      </p:grpSp>
+      <p:pic>
+        <p:nvPicPr>
+          <p:cNvPr id="7" name="Picture 6" descr="aptechlogoww"/>
+          <p:cNvPicPr/>
+          <p:nvPr/>
+        </p:nvPicPr>
+        <p:blipFill>
+          <a:blip r:embed="rId3">
+            <a:extLst>
+              <a:ext uri="{28A0092B-C50C-407E-A947-70E740481C1C}">
+                <a14:useLocalDpi xmlns:a14="http://schemas.microsoft.com/office/drawing/2010/main" val="0"/>
+              </a:ext>
+            </a:extLst>
+          </a:blip>
+          <a:srcRect/>
+          <a:stretch>
+            <a:fillRect/>
+          </a:stretch>
+        </p:blipFill>
+        <p:spPr bwMode="auto">
+          <a:xfrm>
+            <a:off x="8668080" y="163941"/>
+            <a:ext cx="1852295" cy="391795"/>
+          </a:xfrm>
+          <a:prstGeom prst="rect">
+            <a:avLst/>
+          </a:prstGeom>
+          <a:noFill/>
+          <a:ln>
+            <a:noFill/>
+          </a:ln>
+        </p:spPr>
+      </p:pic>
+      <p:pic>
+        <p:nvPicPr>
+          <p:cNvPr id="8" name="Picture 7" descr="bkaptechlogo"/>
+          <p:cNvPicPr/>
+          <p:nvPr/>
+        </p:nvPicPr>
+        <p:blipFill>
+          <a:blip r:embed="rId4">
+            <a:extLst>
+              <a:ext uri="{28A0092B-C50C-407E-A947-70E740481C1C}">
+                <a14:useLocalDpi xmlns:a14="http://schemas.microsoft.com/office/drawing/2010/main" val="0"/>
+              </a:ext>
+            </a:extLst>
+          </a:blip>
+          <a:srcRect/>
+          <a:stretch>
+            <a:fillRect/>
+          </a:stretch>
+        </p:blipFill>
+        <p:spPr bwMode="auto">
+          <a:xfrm>
+            <a:off x="10520375" y="142171"/>
+            <a:ext cx="1531620" cy="391795"/>
+          </a:xfrm>
+          <a:prstGeom prst="rect">
+            <a:avLst/>
+          </a:prstGeom>
+          <a:noFill/>
+          <a:ln>
+            <a:noFill/>
+          </a:ln>
+        </p:spPr>
+      </p:pic>
+      <p:sp>
+        <p:nvSpPr>
+          <p:cNvPr id="9" name="Rectangle 8"/>
+          <p:cNvSpPr/>
+          <p:nvPr/>
+        </p:nvSpPr>
+        <p:spPr>
+          <a:xfrm>
+            <a:off x="370" y="496390"/>
+            <a:ext cx="927093" cy="705394"/>
+          </a:xfrm>
+          <a:prstGeom prst="rect">
+            <a:avLst/>
+          </a:prstGeom>
+          <a:noFill/>
+          <a:ln>
+            <a:noFill/>
+          </a:ln>
+        </p:spPr>
+        <p:style>
+          <a:lnRef idx="0">
+            <a:scrgbClr r="0" g="0" b="0"/>
+          </a:lnRef>
+          <a:fillRef idx="0">
+            <a:scrgbClr r="0" g="0" b="0"/>
+          </a:fillRef>
+          <a:effectRef idx="0">
+            <a:scrgbClr r="0" g="0" b="0"/>
+          </a:effectRef>
+          <a:fontRef idx="minor">
+            <a:schemeClr val="dk1"/>
+          </a:fontRef>
+        </p:style>
+        <p:txBody>
+          <a:bodyPr rtlCol="0" anchor="ctr"/>
+          <a:lstStyle/>
+          <a:p>
+            <a:pPr algn="ctr"/>
+            <a:r>
+              <a:rPr lang="en-US" sz="3600" b="1">
+                <a:solidFill>
+                  <a:schemeClr val="bg1"/>
+                </a:solidFill>
+                <a:latin typeface="Times New Roman" panose="02020603050405020304" pitchFamily="18" charset="0"/>
+                <a:cs typeface="Times New Roman" panose="02020603050405020304" pitchFamily="18" charset="0"/>
+              </a:rPr>
+              <a:t>04</a:t>
+            </a:r>
+          </a:p>
+        </p:txBody>
+      </p:sp>
+      <p:sp>
+        <p:nvSpPr>
+          <p:cNvPr id="10" name="Rectangle 9"/>
+          <p:cNvSpPr/>
+          <p:nvPr/>
+        </p:nvSpPr>
+        <p:spPr>
+          <a:xfrm>
+            <a:off x="724683" y="1617044"/>
+            <a:ext cx="2408032" cy="284693"/>
+          </a:xfrm>
+          <a:prstGeom prst="rect">
+            <a:avLst/>
+          </a:prstGeom>
+        </p:spPr>
+        <p:txBody>
+          <a:bodyPr wrap="none">
+            <a:spAutoFit/>
+          </a:bodyPr>
+          <a:lstStyle/>
+          <a:p>
+            <a:pPr algn="just">
+              <a:lnSpc>
+                <a:spcPts val="1500"/>
+              </a:lnSpc>
+              <a:spcAft>
+                <a:spcPts val="0"/>
+              </a:spcAft>
+            </a:pPr>
+            <a:r>
+              <a:rPr lang="en-US" sz="2200" b="1">
+                <a:solidFill>
+                  <a:srgbClr val="000000"/>
+                </a:solidFill>
+                <a:latin typeface="Times New Roman" panose="02020603050405020304" pitchFamily="18" charset="0"/>
+                <a:ea typeface="Times New Roman" panose="02020603050405020304" pitchFamily="18" charset="0"/>
+                <a:cs typeface="Times New Roman" panose="02020603050405020304" pitchFamily="18" charset="0"/>
+              </a:rPr>
+              <a:t>4.1. Biểu đồ mức 0</a:t>
+            </a:r>
+            <a:endParaRPr lang="en-US" sz="2200" b="1">
+              <a:solidFill>
+                <a:srgbClr val="000000"/>
+              </a:solidFill>
+              <a:effectLst/>
+              <a:latin typeface="Times New Roman" panose="02020603050405020304" pitchFamily="18" charset="0"/>
+              <a:ea typeface="Times New Roman" panose="02020603050405020304" pitchFamily="18" charset="0"/>
+              <a:cs typeface="Times New Roman" panose="02020603050405020304" pitchFamily="18" charset="0"/>
+            </a:endParaRPr>
+          </a:p>
+        </p:txBody>
+      </p:sp>
+      <p:sp>
+        <p:nvSpPr>
+          <p:cNvPr id="12" name="Rectangle 11"/>
+          <p:cNvSpPr/>
+          <p:nvPr/>
+        </p:nvSpPr>
+        <p:spPr>
+          <a:xfrm>
+            <a:off x="3810269" y="6207275"/>
+            <a:ext cx="3970960" cy="284693"/>
+          </a:xfrm>
+          <a:prstGeom prst="rect">
+            <a:avLst/>
+          </a:prstGeom>
+        </p:spPr>
+        <p:txBody>
+          <a:bodyPr wrap="none">
+            <a:spAutoFit/>
+          </a:bodyPr>
+          <a:lstStyle/>
+          <a:p>
+            <a:pPr algn="ctr">
+              <a:lnSpc>
+                <a:spcPts val="1500"/>
+              </a:lnSpc>
+              <a:spcAft>
+                <a:spcPts val="0"/>
+              </a:spcAft>
+            </a:pPr>
+            <a:r>
+              <a:rPr lang="en-US">
+                <a:solidFill>
+                  <a:srgbClr val="000000"/>
+                </a:solidFill>
+                <a:latin typeface="Times New Roman" panose="02020603050405020304" pitchFamily="18" charset="0"/>
+                <a:ea typeface="Times New Roman" panose="02020603050405020304" pitchFamily="18" charset="0"/>
+              </a:rPr>
+              <a:t>Hình 1: Biểu đồ mức ngữ cảnh ứng dụng</a:t>
+            </a:r>
+            <a:endParaRPr lang="en-US" sz="2000">
+              <a:solidFill>
+                <a:srgbClr val="000000"/>
+              </a:solidFill>
+              <a:effectLst/>
+              <a:latin typeface="Times New Roman" panose="02020603050405020304" pitchFamily="18" charset="0"/>
+              <a:ea typeface="Times New Roman" panose="02020603050405020304" pitchFamily="18" charset="0"/>
+            </a:endParaRPr>
+          </a:p>
+        </p:txBody>
+      </p:sp>
+      <p:pic>
+        <p:nvPicPr>
+          <p:cNvPr id="15" name="Picture 14"/>
+          <p:cNvPicPr>
+            <a:picLocks noChangeAspect="1"/>
+          </p:cNvPicPr>
+          <p:nvPr/>
+        </p:nvPicPr>
+        <p:blipFill>
+          <a:blip r:embed="rId5"/>
+          <a:stretch>
+            <a:fillRect/>
+          </a:stretch>
+        </p:blipFill>
+        <p:spPr>
+          <a:xfrm>
+            <a:off x="2321859" y="1901737"/>
+            <a:ext cx="7620000" cy="4076700"/>
+          </a:xfrm>
+          <a:prstGeom prst="rect">
+            <a:avLst/>
+          </a:prstGeom>
+        </p:spPr>
+      </p:pic>
+    </p:spTree>
+    <p:extLst>
+      <p:ext uri="{BB962C8B-B14F-4D97-AF65-F5344CB8AC3E}">
+        <p14:creationId xmlns:p14="http://schemas.microsoft.com/office/powerpoint/2010/main" val="4200772348"/>
+      </p:ext>
+    </p:extLst>
+  </p:cSld>
+  <p:clrMapOvr>
+    <a:masterClrMapping/>
+  </p:clrMapOvr>
+</p:sld>
+</file>
+
+<file path=ppt/slides/slide3.xml><?xml version="1.0" encoding="utf-8"?>
+<p:sld xmlns:a="http://schemas.openxmlformats.org/drawingml/2006/main" xmlns:r="http://schemas.openxmlformats.org/officeDocument/2006/relationships" xmlns:p="http://schemas.openxmlformats.org/presentationml/2006/main">
+  <p:cSld>
+    <p:spTree>
+      <p:nvGrpSpPr>
+        <p:cNvPr id="1" name=""/>
+        <p:cNvGrpSpPr/>
+        <p:nvPr/>
+      </p:nvGrpSpPr>
+      <p:grpSpPr>
+        <a:xfrm>
+          <a:off x="0" y="0"/>
+          <a:ext cx="0" cy="0"/>
+          <a:chOff x="0" y="0"/>
+          <a:chExt cx="0" cy="0"/>
+        </a:xfrm>
+      </p:grpSpPr>
+      <p:grpSp>
+        <p:nvGrpSpPr>
+          <p:cNvPr id="3" name="Shape 231"/>
+          <p:cNvGrpSpPr/>
+          <p:nvPr/>
+        </p:nvGrpSpPr>
+        <p:grpSpPr>
+          <a:xfrm>
+            <a:off x="-731851" y="261468"/>
+            <a:ext cx="4130145" cy="1645500"/>
+            <a:chOff x="2075625" y="1090612"/>
+            <a:chExt cx="3370157" cy="2144143"/>
+          </a:xfrm>
+        </p:grpSpPr>
+        <p:sp>
+          <p:nvSpPr>
+            <p:cNvPr id="4" name="Shape 232"/>
+            <p:cNvSpPr/>
+            <p:nvPr/>
+          </p:nvSpPr>
+          <p:spPr>
+            <a:xfrm>
+              <a:off x="2752258" y="1623893"/>
+              <a:ext cx="2693524" cy="885283"/>
+            </a:xfrm>
+            <a:prstGeom prst="rect">
+              <a:avLst/>
+            </a:prstGeom>
+            <a:gradFill>
+              <a:gsLst>
+                <a:gs pos="0">
+                  <a:srgbClr val="7B5B20"/>
+                </a:gs>
+                <a:gs pos="10000">
+                  <a:srgbClr val="7B5B20"/>
+                </a:gs>
+                <a:gs pos="50000">
+                  <a:srgbClr val="DFA63C"/>
+                </a:gs>
+                <a:gs pos="100000">
+                  <a:srgbClr val="FFC749"/>
+                </a:gs>
+              </a:gsLst>
+              <a:lin ang="0" scaled="0"/>
+            </a:gradFill>
+            <a:ln>
+              <a:solidFill>
+                <a:schemeClr val="accent1"/>
+              </a:solidFill>
+            </a:ln>
+          </p:spPr>
+          <p:txBody>
+            <a:bodyPr spcFirstLastPara="1" wrap="square" lIns="91425" tIns="45700" rIns="91425" bIns="45700" anchor="ctr" anchorCtr="0">
+              <a:noAutofit/>
+            </a:bodyPr>
+            <a:lstStyle/>
+            <a:p>
+              <a:pPr marL="0" marR="0" lvl="0" indent="0" algn="r" rtl="0">
+                <a:spcBef>
+                  <a:spcPts val="0"/>
+                </a:spcBef>
+                <a:spcAft>
+                  <a:spcPts val="0"/>
+                </a:spcAft>
+                <a:buNone/>
+              </a:pPr>
+              <a:r>
+                <a:rPr lang="en-US" sz="2800" b="1">
+                  <a:solidFill>
+                    <a:schemeClr val="bg1"/>
+                  </a:solidFill>
+                  <a:latin typeface="Times New Roman" panose="02020603050405020304" pitchFamily="18" charset="0"/>
+                  <a:ea typeface="Century Gothic"/>
+                  <a:cs typeface="Times New Roman" panose="02020603050405020304" pitchFamily="18" charset="0"/>
+                  <a:sym typeface="Century Gothic"/>
+                </a:rPr>
+                <a:t>            Các biểu đồ</a:t>
               </a:r>
               <a:endParaRPr sz="2600" b="1">
                 <a:solidFill>
@@ -10258,8 +10813,8 @@
         </p:nvSpPr>
         <p:spPr>
           <a:xfrm>
-            <a:off x="878006" y="1394339"/>
-            <a:ext cx="6096000" cy="700192"/>
+            <a:off x="550459" y="1640896"/>
+            <a:ext cx="6096000" cy="669414"/>
           </a:xfrm>
           <a:prstGeom prst="rect">
             <a:avLst/>
@@ -10273,7 +10828,7 @@
           <a:p>
             <a:pPr algn="just">
               <a:lnSpc>
-                <a:spcPct val="150000"/>
+                <a:spcPts val="1500"/>
               </a:lnSpc>
               <a:spcAft>
                 <a:spcPts val="0"/>
@@ -10288,60 +10843,8 @@
                 <a:ea typeface="Times New Roman" panose="02020603050405020304" pitchFamily="18" charset="0"/>
                 <a:cs typeface="Times New Roman" panose="02020603050405020304" pitchFamily="18" charset="0"/>
               </a:rPr>
-              <a:t>5.</a:t>
-            </a:r>
-            <a:r>
-              <a:rPr lang="vi-VN" b="1">
-                <a:solidFill>
-                  <a:srgbClr val="000000"/>
-                </a:solidFill>
-                <a:latin typeface="Times New Roman" panose="02020603050405020304" pitchFamily="18" charset="0"/>
-                <a:ea typeface="Times New Roman" panose="02020603050405020304" pitchFamily="18" charset="0"/>
-                <a:cs typeface="Times New Roman" panose="02020603050405020304" pitchFamily="18" charset="0"/>
-              </a:rPr>
-              <a:t>2</a:t>
-            </a:r>
-            <a:r>
-              <a:rPr lang="en-US" b="1">
-                <a:solidFill>
-                  <a:srgbClr val="000000"/>
-                </a:solidFill>
-                <a:latin typeface="Times New Roman" panose="02020603050405020304" pitchFamily="18" charset="0"/>
-                <a:ea typeface="Times New Roman" panose="02020603050405020304" pitchFamily="18" charset="0"/>
-                <a:cs typeface="Times New Roman" panose="02020603050405020304" pitchFamily="18" charset="0"/>
-              </a:rPr>
-              <a:t>.</a:t>
-            </a:r>
-            <a:r>
-              <a:rPr lang="vi-VN" b="1">
-                <a:solidFill>
-                  <a:srgbClr val="000000"/>
-                </a:solidFill>
-                <a:latin typeface="Times New Roman" panose="02020603050405020304" pitchFamily="18" charset="0"/>
-                <a:ea typeface="Times New Roman" panose="02020603050405020304" pitchFamily="18" charset="0"/>
-                <a:cs typeface="Times New Roman" panose="02020603050405020304" pitchFamily="18" charset="0"/>
-              </a:rPr>
-              <a:t>6</a:t>
-            </a:r>
-            <a:r>
-              <a:rPr lang="en-US" b="1">
-                <a:solidFill>
-                  <a:srgbClr val="000000"/>
-                </a:solidFill>
-                <a:latin typeface="Times New Roman" panose="02020603050405020304" pitchFamily="18" charset="0"/>
-                <a:ea typeface="Times New Roman" panose="02020603050405020304" pitchFamily="18" charset="0"/>
-                <a:cs typeface="Times New Roman" panose="02020603050405020304" pitchFamily="18" charset="0"/>
-              </a:rPr>
-              <a:t>. Thực thể đơn hàng</a:t>
-            </a:r>
-            <a:endParaRPr lang="en-US" sz="2000" b="1">
-              <a:solidFill>
-                <a:srgbClr val="000000"/>
-              </a:solidFill>
-              <a:latin typeface="Times New Roman" panose="02020603050405020304" pitchFamily="18" charset="0"/>
-              <a:ea typeface="Times New Roman" panose="02020603050405020304" pitchFamily="18" charset="0"/>
-              <a:cs typeface="Times New Roman" panose="02020603050405020304" pitchFamily="18" charset="0"/>
-            </a:endParaRPr>
+              <a:t>4.2. Biểu đồ mức 1</a:t>
+            </a:r>
           </a:p>
           <a:p>
             <a:pPr algn="just">
@@ -10352,37 +10855,35 @@
                 <a:spcPts val="0"/>
               </a:spcAft>
             </a:pPr>
-            <a:r>
-              <a:rPr lang="en-US">
+            <a:endParaRPr lang="en-US" b="1">
+              <a:solidFill>
+                <a:srgbClr val="000000"/>
+              </a:solidFill>
+              <a:latin typeface="Times New Roman" panose="02020603050405020304" pitchFamily="18" charset="0"/>
+              <a:ea typeface="Times New Roman" panose="02020603050405020304" pitchFamily="18" charset="0"/>
+              <a:cs typeface="Times New Roman" panose="02020603050405020304" pitchFamily="18" charset="0"/>
+            </a:endParaRPr>
+          </a:p>
+          <a:p>
+            <a:pPr algn="just">
+              <a:lnSpc>
+                <a:spcPts val="1500"/>
+              </a:lnSpc>
+              <a:spcAft>
+                <a:spcPts val="0"/>
+              </a:spcAft>
+            </a:pPr>
+            <a:r>
+              <a:rPr lang="en-US" b="1">
                 <a:solidFill>
                   <a:srgbClr val="000000"/>
                 </a:solidFill>
                 <a:latin typeface="Times New Roman" panose="02020603050405020304" pitchFamily="18" charset="0"/>
                 <a:ea typeface="Times New Roman" panose="02020603050405020304" pitchFamily="18" charset="0"/>
               </a:rPr>
-              <a:t>	Lưu trữ th</a:t>
-            </a:r>
-            <a:r>
-              <a:rPr lang="vi-VN">
-                <a:solidFill>
-                  <a:srgbClr val="000000"/>
-                </a:solidFill>
-                <a:latin typeface="Times New Roman" panose="02020603050405020304" pitchFamily="18" charset="0"/>
-                <a:ea typeface="Times New Roman" panose="02020603050405020304" pitchFamily="18" charset="0"/>
-              </a:rPr>
-              <a:t>ông tin</a:t>
-            </a:r>
-            <a:r>
-              <a:rPr lang="en-US">
-                <a:solidFill>
-                  <a:srgbClr val="000000"/>
-                </a:solidFill>
-                <a:latin typeface="Times New Roman" panose="02020603050405020304" pitchFamily="18" charset="0"/>
-                <a:ea typeface="Times New Roman" panose="02020603050405020304" pitchFamily="18" charset="0"/>
-              </a:rPr>
-              <a:t> các đơn hàng</a:t>
-            </a:r>
-            <a:endParaRPr lang="en-US" sz="2000">
+              <a:t>Customer</a:t>
+            </a:r>
+            <a:endParaRPr lang="en-US">
               <a:solidFill>
                 <a:srgbClr val="000000"/>
               </a:solidFill>
@@ -10401,8 +10902,8 @@
         </p:nvSpPr>
         <p:spPr>
           <a:xfrm>
-            <a:off x="4863077" y="6573307"/>
-            <a:ext cx="2793393" cy="284693"/>
+            <a:off x="5983457" y="2025617"/>
+            <a:ext cx="1326004" cy="284693"/>
           </a:xfrm>
           <a:prstGeom prst="rect">
             <a:avLst/>
@@ -10414,7 +10915,7 @@
           </a:bodyPr>
           <a:lstStyle/>
           <a:p>
-            <a:pPr algn="ctr">
+            <a:pPr indent="457200" algn="just">
               <a:lnSpc>
                 <a:spcPts val="1500"/>
               </a:lnSpc>
@@ -10423,46 +10924,16 @@
               </a:spcAft>
             </a:pPr>
             <a:r>
-              <a:rPr lang="en-US">
+              <a:rPr lang="en-US" b="1">
                 <a:solidFill>
                   <a:srgbClr val="000000"/>
                 </a:solidFill>
                 <a:latin typeface="Times New Roman" panose="02020603050405020304" pitchFamily="18" charset="0"/>
                 <a:ea typeface="Times New Roman" panose="02020603050405020304" pitchFamily="18" charset="0"/>
               </a:rPr>
-              <a:t>Hình 1</a:t>
-            </a:r>
-            <a:r>
-              <a:rPr lang="vi-VN">
-                <a:solidFill>
-                  <a:srgbClr val="000000"/>
-                </a:solidFill>
-                <a:latin typeface="Times New Roman" panose="02020603050405020304" pitchFamily="18" charset="0"/>
-                <a:ea typeface="Times New Roman" panose="02020603050405020304" pitchFamily="18" charset="0"/>
-              </a:rPr>
-              <a:t>2</a:t>
-            </a:r>
-            <a:r>
-              <a:rPr lang="en-US">
-                <a:solidFill>
-                  <a:srgbClr val="000000"/>
-                </a:solidFill>
-                <a:latin typeface="Times New Roman" panose="02020603050405020304" pitchFamily="18" charset="0"/>
-                <a:ea typeface="Times New Roman" panose="02020603050405020304" pitchFamily="18" charset="0"/>
-              </a:rPr>
-              <a:t>: </a:t>
-            </a:r>
-            <a:r>
-              <a:rPr lang="en-US" dirty="0">
-                <a:solidFill>
-                  <a:srgbClr val="000000"/>
-                </a:solidFill>
-                <a:latin typeface="Times New Roman" panose="02020603050405020304" pitchFamily="18" charset="0"/>
-                <a:ea typeface="Times New Roman" panose="02020603050405020304" pitchFamily="18" charset="0"/>
-              </a:rPr>
-              <a:t>Thực thể đơn hàng</a:t>
-            </a:r>
-            <a:endParaRPr lang="en-US" sz="2000" dirty="0">
+              <a:t>Admin</a:t>
+            </a:r>
+            <a:endParaRPr lang="en-US">
               <a:solidFill>
                 <a:srgbClr val="000000"/>
               </a:solidFill>
@@ -10475,7 +10946,7 @@
       </p:sp>
       <p:sp>
         <p:nvSpPr>
-          <p:cNvPr id="12" name="Rectangle 11"/>
+          <p:cNvPr id="13" name="Rectangle 12"/>
           <p:cNvSpPr/>
           <p:nvPr/>
         </p:nvSpPr>
@@ -10519,14 +10990,119 @@
                 <a:latin typeface="Times New Roman" panose="02020603050405020304" pitchFamily="18" charset="0"/>
                 <a:cs typeface="Times New Roman" panose="02020603050405020304" pitchFamily="18" charset="0"/>
               </a:rPr>
-              <a:t>05</a:t>
-            </a:r>
+              <a:t>04</a:t>
+            </a:r>
+          </a:p>
+        </p:txBody>
+      </p:sp>
+      <p:sp>
+        <p:nvSpPr>
+          <p:cNvPr id="2" name="Rectangle 1"/>
+          <p:cNvSpPr/>
+          <p:nvPr/>
+        </p:nvSpPr>
+        <p:spPr>
+          <a:xfrm>
+            <a:off x="1441202" y="5797946"/>
+            <a:ext cx="3637534" cy="369332"/>
+          </a:xfrm>
+          <a:prstGeom prst="rect">
+            <a:avLst/>
+          </a:prstGeom>
+        </p:spPr>
+        <p:txBody>
+          <a:bodyPr wrap="none">
+            <a:spAutoFit/>
+          </a:bodyPr>
+          <a:lstStyle/>
+          <a:p>
+            <a:r>
+              <a:rPr lang="en-US">
+                <a:solidFill>
+                  <a:srgbClr val="000000"/>
+                </a:solidFill>
+                <a:latin typeface="Times New Roman" panose="02020603050405020304" pitchFamily="18" charset="0"/>
+                <a:ea typeface="Times New Roman" panose="02020603050405020304" pitchFamily="18" charset="0"/>
+              </a:rPr>
+              <a:t>Hình 2: </a:t>
+            </a:r>
+            <a:r>
+              <a:rPr lang="en-US" dirty="0">
+                <a:solidFill>
+                  <a:srgbClr val="000000"/>
+                </a:solidFill>
+                <a:latin typeface="Times New Roman" panose="02020603050405020304" pitchFamily="18" charset="0"/>
+                <a:ea typeface="Times New Roman" panose="02020603050405020304" pitchFamily="18" charset="0"/>
+              </a:rPr>
+              <a:t>Biểu đồ mức 1 của Customer</a:t>
+            </a:r>
+            <a:endParaRPr lang="en-US" dirty="0"/>
+          </a:p>
+        </p:txBody>
+      </p:sp>
+      <p:sp>
+        <p:nvSpPr>
+          <p:cNvPr id="15" name="Rectangle 14"/>
+          <p:cNvSpPr/>
+          <p:nvPr/>
+        </p:nvSpPr>
+        <p:spPr>
+          <a:xfrm>
+            <a:off x="7408541" y="5797946"/>
+            <a:ext cx="3368294" cy="284693"/>
+          </a:xfrm>
+          <a:prstGeom prst="rect">
+            <a:avLst/>
+          </a:prstGeom>
+        </p:spPr>
+        <p:txBody>
+          <a:bodyPr wrap="none">
+            <a:spAutoFit/>
+          </a:bodyPr>
+          <a:lstStyle/>
+          <a:p>
+            <a:pPr algn="ctr">
+              <a:lnSpc>
+                <a:spcPts val="1500"/>
+              </a:lnSpc>
+              <a:spcAft>
+                <a:spcPts val="0"/>
+              </a:spcAft>
+            </a:pPr>
+            <a:r>
+              <a:rPr lang="en-US">
+                <a:solidFill>
+                  <a:srgbClr val="000000"/>
+                </a:solidFill>
+                <a:latin typeface="Times New Roman" panose="02020603050405020304" pitchFamily="18" charset="0"/>
+                <a:ea typeface="Times New Roman" panose="02020603050405020304" pitchFamily="18" charset="0"/>
+              </a:rPr>
+              <a:t>Hình 3: </a:t>
+            </a:r>
+            <a:r>
+              <a:rPr lang="en-US" dirty="0">
+                <a:solidFill>
+                  <a:srgbClr val="000000"/>
+                </a:solidFill>
+                <a:latin typeface="Times New Roman" panose="02020603050405020304" pitchFamily="18" charset="0"/>
+                <a:ea typeface="Times New Roman" panose="02020603050405020304" pitchFamily="18" charset="0"/>
+              </a:rPr>
+              <a:t>Biểu đồ mức 1 của Admin</a:t>
+            </a:r>
+            <a:endParaRPr lang="en-US" sz="2000" dirty="0">
+              <a:solidFill>
+                <a:srgbClr val="000000"/>
+              </a:solidFill>
+              <a:effectLst/>
+              <a:latin typeface="Times New Roman" panose="02020603050405020304" pitchFamily="18" charset="0"/>
+              <a:ea typeface="Times New Roman" panose="02020603050405020304" pitchFamily="18" charset="0"/>
+            </a:endParaRPr>
           </a:p>
         </p:txBody>
       </p:sp>
       <p:pic>
         <p:nvPicPr>
-          <p:cNvPr id="2" name="Picture 1"/>
+          <p:cNvPr id="17" name="Picture 16"/>
           <p:cNvPicPr>
             <a:picLocks noChangeAspect="1"/>
           </p:cNvPicPr>
@@ -10540,8 +11116,32 @@
         </p:blipFill>
         <p:spPr>
           <a:xfrm>
-            <a:off x="2811723" y="2138740"/>
-            <a:ext cx="6896100" cy="4200525"/>
+            <a:off x="6430744" y="2343692"/>
+            <a:ext cx="5323888" cy="3329686"/>
+          </a:xfrm>
+          <a:prstGeom prst="rect">
+            <a:avLst/>
+          </a:prstGeom>
+        </p:spPr>
+      </p:pic>
+      <p:pic>
+        <p:nvPicPr>
+          <p:cNvPr id="12" name="Picture 11"/>
+          <p:cNvPicPr>
+            <a:picLocks noChangeAspect="1"/>
+          </p:cNvPicPr>
+          <p:nvPr/>
+        </p:nvPicPr>
+        <p:blipFill>
+          <a:blip r:embed="rId5"/>
+          <a:stretch>
+            <a:fillRect/>
+          </a:stretch>
+        </p:blipFill>
+        <p:spPr>
+          <a:xfrm>
+            <a:off x="733805" y="2338468"/>
+            <a:ext cx="5522039" cy="3459478"/>
           </a:xfrm>
           <a:prstGeom prst="rect">
             <a:avLst/>
@@ -10551,7 +11151,7 @@
     </p:spTree>
     <p:extLst>
       <p:ext uri="{BB962C8B-B14F-4D97-AF65-F5344CB8AC3E}">
-        <p14:creationId xmlns:p14="http://schemas.microsoft.com/office/powerpoint/2010/main" val="1523985236"/>
+        <p14:creationId xmlns:p14="http://schemas.microsoft.com/office/powerpoint/2010/main" val="831079949"/>
       </p:ext>
     </p:extLst>
   </p:cSld>
@@ -10561,7 +11161,7 @@
 </p:sld>
 </file>
 
-<file path=ppt/slides/slide2.xml><?xml version="1.0" encoding="utf-8"?>
+<file path=ppt/slides/slide4.xml><?xml version="1.0" encoding="utf-8"?>
 <p:sld xmlns:a="http://schemas.openxmlformats.org/drawingml/2006/main" xmlns:r="http://schemas.openxmlformats.org/officeDocument/2006/relationships" xmlns:p="http://schemas.openxmlformats.org/presentationml/2006/main">
   <p:cSld>
     <p:spTree>
@@ -10916,6 +11516,118 @@
         </p:nvSpPr>
         <p:spPr>
           <a:xfrm>
+            <a:off x="497386" y="1556569"/>
+            <a:ext cx="3879588" cy="284693"/>
+          </a:xfrm>
+          <a:prstGeom prst="rect">
+            <a:avLst/>
+          </a:prstGeom>
+        </p:spPr>
+        <p:txBody>
+          <a:bodyPr wrap="none">
+            <a:spAutoFit/>
+          </a:bodyPr>
+          <a:lstStyle/>
+          <a:p>
+            <a:pPr algn="just">
+              <a:lnSpc>
+                <a:spcPts val="1500"/>
+              </a:lnSpc>
+              <a:spcAft>
+                <a:spcPts val="0"/>
+              </a:spcAft>
+            </a:pPr>
+            <a:r>
+              <a:rPr lang="en-US" sz="2000" b="1">
+                <a:solidFill>
+                  <a:srgbClr val="000000"/>
+                </a:solidFill>
+                <a:latin typeface="Times New Roman" panose="02020603050405020304" pitchFamily="18" charset="0"/>
+                <a:ea typeface="Times New Roman" panose="02020603050405020304" pitchFamily="18" charset="0"/>
+                <a:cs typeface="Times New Roman" panose="02020603050405020304" pitchFamily="18" charset="0"/>
+              </a:rPr>
+              <a:t>4.3. Biểu đồ thực thể quan hệ E-R</a:t>
+            </a:r>
+            <a:endParaRPr lang="en-US" sz="2000" b="1">
+              <a:solidFill>
+                <a:srgbClr val="000000"/>
+              </a:solidFill>
+              <a:effectLst/>
+              <a:latin typeface="Times New Roman" panose="02020603050405020304" pitchFamily="18" charset="0"/>
+              <a:ea typeface="Times New Roman" panose="02020603050405020304" pitchFamily="18" charset="0"/>
+              <a:cs typeface="Times New Roman" panose="02020603050405020304" pitchFamily="18" charset="0"/>
+            </a:endParaRPr>
+          </a:p>
+        </p:txBody>
+      </p:sp>
+      <p:sp>
+        <p:nvSpPr>
+          <p:cNvPr id="10" name="Rectangle 9"/>
+          <p:cNvSpPr/>
+          <p:nvPr/>
+        </p:nvSpPr>
+        <p:spPr>
+          <a:xfrm>
+            <a:off x="3968188" y="6573307"/>
+            <a:ext cx="3682418" cy="290721"/>
+          </a:xfrm>
+          <a:prstGeom prst="rect">
+            <a:avLst/>
+          </a:prstGeom>
+        </p:spPr>
+        <p:txBody>
+          <a:bodyPr wrap="none">
+            <a:spAutoFit/>
+          </a:bodyPr>
+          <a:lstStyle/>
+          <a:p>
+            <a:pPr algn="ctr">
+              <a:lnSpc>
+                <a:spcPts val="1500"/>
+              </a:lnSpc>
+              <a:spcAft>
+                <a:spcPts val="0"/>
+              </a:spcAft>
+            </a:pPr>
+            <a:r>
+              <a:rPr lang="en-US">
+                <a:solidFill>
+                  <a:srgbClr val="000000"/>
+                </a:solidFill>
+                <a:latin typeface="Times New Roman" panose="02020603050405020304" pitchFamily="18" charset="0"/>
+                <a:ea typeface="Times New Roman" panose="02020603050405020304" pitchFamily="18" charset="0"/>
+              </a:rPr>
+              <a:t>Hình 5: </a:t>
+            </a:r>
+            <a:r>
+              <a:rPr lang="en-US" dirty="0">
+                <a:solidFill>
+                  <a:srgbClr val="000000"/>
+                </a:solidFill>
+                <a:latin typeface="Times New Roman" panose="02020603050405020304" pitchFamily="18" charset="0"/>
+                <a:ea typeface="Times New Roman" panose="02020603050405020304" pitchFamily="18" charset="0"/>
+              </a:rPr>
+              <a:t>Biểu đồ thực thể quan hệ E-R</a:t>
+            </a:r>
+            <a:endParaRPr lang="en-US" sz="2000" dirty="0">
+              <a:solidFill>
+                <a:srgbClr val="000000"/>
+              </a:solidFill>
+              <a:effectLst/>
+              <a:latin typeface="Times New Roman" panose="02020603050405020304" pitchFamily="18" charset="0"/>
+              <a:ea typeface="Times New Roman" panose="02020603050405020304" pitchFamily="18" charset="0"/>
+            </a:endParaRPr>
+          </a:p>
+        </p:txBody>
+      </p:sp>
+      <p:sp>
+        <p:nvSpPr>
+          <p:cNvPr id="12" name="Rectangle 11"/>
+          <p:cNvSpPr/>
+          <p:nvPr/>
+        </p:nvSpPr>
+        <p:spPr>
+          <a:xfrm>
             <a:off x="370" y="496390"/>
             <a:ext cx="927093" cy="705394"/>
           </a:xfrm>
@@ -10959,111 +11671,9 @@
           </a:p>
         </p:txBody>
       </p:sp>
-      <p:sp>
-        <p:nvSpPr>
-          <p:cNvPr id="10" name="Rectangle 9"/>
-          <p:cNvSpPr/>
-          <p:nvPr/>
-        </p:nvSpPr>
-        <p:spPr>
-          <a:xfrm>
-            <a:off x="724683" y="1617044"/>
-            <a:ext cx="2408032" cy="284693"/>
-          </a:xfrm>
-          <a:prstGeom prst="rect">
-            <a:avLst/>
-          </a:prstGeom>
-        </p:spPr>
-        <p:txBody>
-          <a:bodyPr wrap="none">
-            <a:spAutoFit/>
-          </a:bodyPr>
-          <a:lstStyle/>
-          <a:p>
-            <a:pPr algn="just">
-              <a:lnSpc>
-                <a:spcPts val="1500"/>
-              </a:lnSpc>
-              <a:spcAft>
-                <a:spcPts val="0"/>
-              </a:spcAft>
-            </a:pPr>
-            <a:r>
-              <a:rPr lang="en-US" sz="2200" b="1">
-                <a:solidFill>
-                  <a:srgbClr val="000000"/>
-                </a:solidFill>
-                <a:latin typeface="Times New Roman" panose="02020603050405020304" pitchFamily="18" charset="0"/>
-                <a:ea typeface="Times New Roman" panose="02020603050405020304" pitchFamily="18" charset="0"/>
-                <a:cs typeface="Times New Roman" panose="02020603050405020304" pitchFamily="18" charset="0"/>
-              </a:rPr>
-              <a:t>4.1. Biểu đồ mức 0</a:t>
-            </a:r>
-            <a:endParaRPr lang="en-US" sz="2200" b="1">
-              <a:solidFill>
-                <a:srgbClr val="000000"/>
-              </a:solidFill>
-              <a:effectLst/>
-              <a:latin typeface="Times New Roman" panose="02020603050405020304" pitchFamily="18" charset="0"/>
-              <a:ea typeface="Times New Roman" panose="02020603050405020304" pitchFamily="18" charset="0"/>
-              <a:cs typeface="Times New Roman" panose="02020603050405020304" pitchFamily="18" charset="0"/>
-            </a:endParaRPr>
-          </a:p>
-        </p:txBody>
-      </p:sp>
-      <p:sp>
-        <p:nvSpPr>
-          <p:cNvPr id="12" name="Rectangle 11"/>
-          <p:cNvSpPr/>
-          <p:nvPr/>
-        </p:nvSpPr>
-        <p:spPr>
-          <a:xfrm>
-            <a:off x="3810269" y="6207275"/>
-            <a:ext cx="3970960" cy="284693"/>
-          </a:xfrm>
-          <a:prstGeom prst="rect">
-            <a:avLst/>
-          </a:prstGeom>
-        </p:spPr>
-        <p:txBody>
-          <a:bodyPr wrap="none">
-            <a:spAutoFit/>
-          </a:bodyPr>
-          <a:lstStyle/>
-          <a:p>
-            <a:pPr algn="ctr">
-              <a:lnSpc>
-                <a:spcPts val="1500"/>
-              </a:lnSpc>
-              <a:spcAft>
-                <a:spcPts val="0"/>
-              </a:spcAft>
-            </a:pPr>
-            <a:r>
-              <a:rPr lang="en-US">
-                <a:solidFill>
-                  <a:srgbClr val="000000"/>
-                </a:solidFill>
-                <a:latin typeface="Times New Roman" panose="02020603050405020304" pitchFamily="18" charset="0"/>
-                <a:ea typeface="Times New Roman" panose="02020603050405020304" pitchFamily="18" charset="0"/>
-              </a:rPr>
-              <a:t>Hình 1: Biểu đồ mức ngữ cảnh ứng dụng</a:t>
-            </a:r>
-            <a:endParaRPr lang="en-US" sz="2000">
-              <a:solidFill>
-                <a:srgbClr val="000000"/>
-              </a:solidFill>
-              <a:effectLst/>
-              <a:latin typeface="Times New Roman" panose="02020603050405020304" pitchFamily="18" charset="0"/>
-              <a:ea typeface="Times New Roman" panose="02020603050405020304" pitchFamily="18" charset="0"/>
-            </a:endParaRPr>
-          </a:p>
-        </p:txBody>
-      </p:sp>
       <p:pic>
         <p:nvPicPr>
-          <p:cNvPr id="15" name="Picture 14"/>
+          <p:cNvPr id="2" name="Picture 1"/>
           <p:cNvPicPr>
             <a:picLocks noChangeAspect="1"/>
           </p:cNvPicPr>
@@ -11077,8 +11687,8 @@
         </p:blipFill>
         <p:spPr>
           <a:xfrm>
-            <a:off x="2321859" y="1901737"/>
-            <a:ext cx="7620000" cy="4076700"/>
+            <a:off x="2306505" y="1841262"/>
+            <a:ext cx="8213870" cy="4526204"/>
           </a:xfrm>
           <a:prstGeom prst="rect">
             <a:avLst/>
@@ -11088,7 +11698,7 @@
     </p:spTree>
     <p:extLst>
       <p:ext uri="{BB962C8B-B14F-4D97-AF65-F5344CB8AC3E}">
-        <p14:creationId xmlns:p14="http://schemas.microsoft.com/office/powerpoint/2010/main" val="4200772348"/>
+        <p14:creationId xmlns:p14="http://schemas.microsoft.com/office/powerpoint/2010/main" val="1844096991"/>
       </p:ext>
     </p:extLst>
   </p:cSld>
@@ -11098,7 +11708,7 @@
 </p:sld>
 </file>
 
-<file path=ppt/slides/slide3.xml><?xml version="1.0" encoding="utf-8"?>
+<file path=ppt/slides/slide5.xml><?xml version="1.0" encoding="utf-8"?>
 <p:sld xmlns:a="http://schemas.openxmlformats.org/drawingml/2006/main" xmlns:r="http://schemas.openxmlformats.org/officeDocument/2006/relationships" xmlns:p="http://schemas.openxmlformats.org/presentationml/2006/main">
   <p:cSld>
     <p:spTree>
@@ -11124,9 +11734,9 @@
         <p:grpSpPr>
           <a:xfrm>
             <a:off x="-731851" y="261468"/>
-            <a:ext cx="4130145" cy="1645500"/>
+            <a:ext cx="4785236" cy="1645500"/>
             <a:chOff x="2075625" y="1090612"/>
-            <a:chExt cx="3370157" cy="2144143"/>
+            <a:chExt cx="3904704" cy="2144143"/>
           </a:xfrm>
         </p:grpSpPr>
         <p:sp>
@@ -11137,8 +11747,8 @@
           </p:nvSpPr>
           <p:spPr>
             <a:xfrm>
-              <a:off x="2752258" y="1623893"/>
-              <a:ext cx="2693524" cy="885283"/>
+              <a:off x="2752259" y="1623893"/>
+              <a:ext cx="3228070" cy="885283"/>
             </a:xfrm>
             <a:prstGeom prst="rect">
               <a:avLst/>
@@ -11191,710 +11801,7 @@
                   <a:cs typeface="Times New Roman" panose="02020603050405020304" pitchFamily="18" charset="0"/>
                   <a:sym typeface="Century Gothic"/>
                 </a:rPr>
-                <a:t>            Các biểu đồ</a:t>
-              </a:r>
-              <a:endParaRPr sz="2600" b="1">
-                <a:solidFill>
-                  <a:schemeClr val="bg1"/>
-                </a:solidFill>
-                <a:latin typeface="Times New Roman" panose="02020603050405020304" pitchFamily="18" charset="0"/>
-                <a:ea typeface="Century Gothic"/>
-                <a:cs typeface="Times New Roman" panose="02020603050405020304" pitchFamily="18" charset="0"/>
-                <a:sym typeface="Century Gothic"/>
-              </a:endParaRPr>
-            </a:p>
-          </p:txBody>
-        </p:sp>
-        <p:sp>
-          <p:nvSpPr>
-            <p:cNvPr id="5" name="Shape 233"/>
-            <p:cNvSpPr/>
-            <p:nvPr/>
-          </p:nvSpPr>
-          <p:spPr>
-            <a:xfrm rot="349079">
-              <a:off x="2075625" y="1898810"/>
-              <a:ext cx="2308247" cy="1335945"/>
-            </a:xfrm>
-            <a:custGeom>
-              <a:avLst/>
-              <a:gdLst/>
-              <a:ahLst/>
-              <a:cxnLst/>
-              <a:rect l="0" t="0" r="0" b="0"/>
-              <a:pathLst>
-                <a:path w="2410691" h="1649124" extrusionOk="0">
-                  <a:moveTo>
-                    <a:pt x="0" y="873270"/>
-                  </a:moveTo>
-                  <a:cubicBezTo>
-                    <a:pt x="910244" y="895668"/>
-                    <a:pt x="1812867" y="1238106"/>
-                    <a:pt x="2410691" y="1649124"/>
-                  </a:cubicBezTo>
-                  <a:lnTo>
-                    <a:pt x="2192050" y="641206"/>
-                  </a:lnTo>
-                  <a:cubicBezTo>
-                    <a:pt x="2107623" y="436996"/>
-                    <a:pt x="1951647" y="226118"/>
-                    <a:pt x="1548133" y="0"/>
-                  </a:cubicBezTo>
-                  <a:cubicBezTo>
-                    <a:pt x="1073296" y="254397"/>
-                    <a:pt x="838819" y="413663"/>
-                    <a:pt x="0" y="873270"/>
-                  </a:cubicBezTo>
-                  <a:close/>
-                </a:path>
-              </a:pathLst>
-            </a:custGeom>
-            <a:gradFill>
-              <a:gsLst>
-                <a:gs pos="0">
-                  <a:schemeClr val="dk1"/>
-                </a:gs>
-                <a:gs pos="66000">
-                  <a:srgbClr val="E7E7E7">
-                    <a:alpha val="0"/>
-                  </a:srgbClr>
-                </a:gs>
-                <a:gs pos="100000">
-                  <a:srgbClr val="FFFFFF">
-                    <a:alpha val="0"/>
-                  </a:srgbClr>
-                </a:gs>
-              </a:gsLst>
-              <a:lin ang="600000" scaled="0"/>
-            </a:gradFill>
-            <a:ln>
-              <a:noFill/>
-            </a:ln>
-          </p:spPr>
-          <p:txBody>
-            <a:bodyPr spcFirstLastPara="1" wrap="square" lIns="91425" tIns="45700" rIns="91425" bIns="45700" anchor="ctr" anchorCtr="0">
-              <a:noAutofit/>
-            </a:bodyPr>
-            <a:lstStyle/>
-            <a:p>
-              <a:pPr marL="0" marR="0" lvl="0" indent="0" algn="ctr" rtl="0">
-                <a:spcBef>
-                  <a:spcPts val="0"/>
-                </a:spcBef>
-                <a:spcAft>
-                  <a:spcPts val="0"/>
-                </a:spcAft>
-                <a:buNone/>
-              </a:pPr>
-              <a:endParaRPr sz="1800">
-                <a:solidFill>
-                  <a:srgbClr val="FFFFFF"/>
-                </a:solidFill>
-                <a:latin typeface="Century Gothic"/>
-                <a:ea typeface="Century Gothic"/>
-                <a:cs typeface="Century Gothic"/>
-                <a:sym typeface="Century Gothic"/>
-              </a:endParaRPr>
-            </a:p>
-          </p:txBody>
-        </p:sp>
-        <p:sp>
-          <p:nvSpPr>
-            <p:cNvPr id="6" name="Shape 234"/>
-            <p:cNvSpPr/>
-            <p:nvPr/>
-          </p:nvSpPr>
-          <p:spPr>
-            <a:xfrm>
-              <a:off x="2676179" y="1090612"/>
-              <a:ext cx="1190813" cy="1418564"/>
-            </a:xfrm>
-            <a:custGeom>
-              <a:avLst/>
-              <a:gdLst/>
-              <a:ahLst/>
-              <a:cxnLst/>
-              <a:rect l="0" t="0" r="0" b="0"/>
-              <a:pathLst>
-                <a:path w="1190625" h="1419225" extrusionOk="0">
-                  <a:moveTo>
-                    <a:pt x="0" y="1419225"/>
-                  </a:moveTo>
-                  <a:lnTo>
-                    <a:pt x="0" y="471487"/>
-                  </a:lnTo>
-                  <a:lnTo>
-                    <a:pt x="957262" y="0"/>
-                  </a:lnTo>
-                  <a:lnTo>
-                    <a:pt x="1190625" y="347662"/>
-                  </a:lnTo>
-                  <a:lnTo>
-                    <a:pt x="947737" y="952500"/>
-                  </a:lnTo>
-                  <a:lnTo>
-                    <a:pt x="0" y="1419225"/>
-                  </a:lnTo>
-                  <a:close/>
-                </a:path>
-              </a:pathLst>
-            </a:custGeom>
-            <a:solidFill>
-              <a:schemeClr val="accent1">
-                <a:lumMod val="60000"/>
-                <a:lumOff val="40000"/>
-              </a:schemeClr>
-            </a:solidFill>
-            <a:ln>
-              <a:solidFill>
-                <a:schemeClr val="accent1"/>
-              </a:solidFill>
-            </a:ln>
-          </p:spPr>
-          <p:txBody>
-            <a:bodyPr spcFirstLastPara="1" wrap="square" lIns="91425" tIns="45700" rIns="91425" bIns="45700" anchor="ctr" anchorCtr="0">
-              <a:noAutofit/>
-            </a:bodyPr>
-            <a:lstStyle/>
-            <a:p>
-              <a:pPr marL="0" marR="0" lvl="0" indent="0" algn="ctr" rtl="0">
-                <a:spcBef>
-                  <a:spcPts val="0"/>
-                </a:spcBef>
-                <a:spcAft>
-                  <a:spcPts val="0"/>
-                </a:spcAft>
-                <a:buNone/>
-              </a:pPr>
-              <a:endParaRPr sz="1800">
-                <a:solidFill>
-                  <a:schemeClr val="lt1"/>
-                </a:solidFill>
-                <a:latin typeface="Times New Roman" panose="02020603050405020304" pitchFamily="18" charset="0"/>
-                <a:ea typeface="Century Gothic"/>
-                <a:cs typeface="Times New Roman" panose="02020603050405020304" pitchFamily="18" charset="0"/>
-                <a:sym typeface="Century Gothic"/>
-              </a:endParaRPr>
-            </a:p>
-          </p:txBody>
-        </p:sp>
-      </p:grpSp>
-      <p:pic>
-        <p:nvPicPr>
-          <p:cNvPr id="7" name="Picture 6" descr="aptechlogoww"/>
-          <p:cNvPicPr/>
-          <p:nvPr/>
-        </p:nvPicPr>
-        <p:blipFill>
-          <a:blip r:embed="rId2">
-            <a:extLst>
-              <a:ext uri="{28A0092B-C50C-407E-A947-70E740481C1C}">
-                <a14:useLocalDpi xmlns:a14="http://schemas.microsoft.com/office/drawing/2010/main" val="0"/>
-              </a:ext>
-            </a:extLst>
-          </a:blip>
-          <a:srcRect/>
-          <a:stretch>
-            <a:fillRect/>
-          </a:stretch>
-        </p:blipFill>
-        <p:spPr bwMode="auto">
-          <a:xfrm>
-            <a:off x="8668080" y="163941"/>
-            <a:ext cx="1852295" cy="391795"/>
-          </a:xfrm>
-          <a:prstGeom prst="rect">
-            <a:avLst/>
-          </a:prstGeom>
-          <a:noFill/>
-          <a:ln>
-            <a:noFill/>
-          </a:ln>
-        </p:spPr>
-      </p:pic>
-      <p:pic>
-        <p:nvPicPr>
-          <p:cNvPr id="8" name="Picture 7" descr="bkaptechlogo"/>
-          <p:cNvPicPr/>
-          <p:nvPr/>
-        </p:nvPicPr>
-        <p:blipFill>
-          <a:blip r:embed="rId3">
-            <a:extLst>
-              <a:ext uri="{28A0092B-C50C-407E-A947-70E740481C1C}">
-                <a14:useLocalDpi xmlns:a14="http://schemas.microsoft.com/office/drawing/2010/main" val="0"/>
-              </a:ext>
-            </a:extLst>
-          </a:blip>
-          <a:srcRect/>
-          <a:stretch>
-            <a:fillRect/>
-          </a:stretch>
-        </p:blipFill>
-        <p:spPr bwMode="auto">
-          <a:xfrm>
-            <a:off x="10520375" y="142171"/>
-            <a:ext cx="1531620" cy="391795"/>
-          </a:xfrm>
-          <a:prstGeom prst="rect">
-            <a:avLst/>
-          </a:prstGeom>
-          <a:noFill/>
-          <a:ln>
-            <a:noFill/>
-          </a:ln>
-        </p:spPr>
-      </p:pic>
-      <p:sp>
-        <p:nvSpPr>
-          <p:cNvPr id="9" name="Rectangle 8"/>
-          <p:cNvSpPr/>
-          <p:nvPr/>
-        </p:nvSpPr>
-        <p:spPr>
-          <a:xfrm>
-            <a:off x="550459" y="1640896"/>
-            <a:ext cx="6096000" cy="669414"/>
-          </a:xfrm>
-          <a:prstGeom prst="rect">
-            <a:avLst/>
-          </a:prstGeom>
-        </p:spPr>
-        <p:txBody>
-          <a:bodyPr>
-            <a:spAutoFit/>
-          </a:bodyPr>
-          <a:lstStyle/>
-          <a:p>
-            <a:pPr algn="just">
-              <a:lnSpc>
-                <a:spcPts val="1500"/>
-              </a:lnSpc>
-              <a:spcAft>
-                <a:spcPts val="0"/>
-              </a:spcAft>
-            </a:pPr>
-            <a:r>
-              <a:rPr lang="en-US" b="1">
-                <a:solidFill>
-                  <a:srgbClr val="000000"/>
-                </a:solidFill>
-                <a:latin typeface="Times New Roman" panose="02020603050405020304" pitchFamily="18" charset="0"/>
-                <a:ea typeface="Times New Roman" panose="02020603050405020304" pitchFamily="18" charset="0"/>
-                <a:cs typeface="Times New Roman" panose="02020603050405020304" pitchFamily="18" charset="0"/>
-              </a:rPr>
-              <a:t>4.2. Biểu đồ mức 1</a:t>
-            </a:r>
-          </a:p>
-          <a:p>
-            <a:pPr algn="just">
-              <a:lnSpc>
-                <a:spcPts val="1500"/>
-              </a:lnSpc>
-              <a:spcAft>
-                <a:spcPts val="0"/>
-              </a:spcAft>
-            </a:pPr>
-            <a:endParaRPr lang="en-US" b="1">
-              <a:solidFill>
-                <a:srgbClr val="000000"/>
-              </a:solidFill>
-              <a:latin typeface="Times New Roman" panose="02020603050405020304" pitchFamily="18" charset="0"/>
-              <a:ea typeface="Times New Roman" panose="02020603050405020304" pitchFamily="18" charset="0"/>
-              <a:cs typeface="Times New Roman" panose="02020603050405020304" pitchFamily="18" charset="0"/>
-            </a:endParaRPr>
-          </a:p>
-          <a:p>
-            <a:pPr algn="just">
-              <a:lnSpc>
-                <a:spcPts val="1500"/>
-              </a:lnSpc>
-              <a:spcAft>
-                <a:spcPts val="0"/>
-              </a:spcAft>
-            </a:pPr>
-            <a:r>
-              <a:rPr lang="en-US" b="1">
-                <a:solidFill>
-                  <a:srgbClr val="000000"/>
-                </a:solidFill>
-                <a:latin typeface="Times New Roman" panose="02020603050405020304" pitchFamily="18" charset="0"/>
-                <a:ea typeface="Times New Roman" panose="02020603050405020304" pitchFamily="18" charset="0"/>
-              </a:rPr>
-              <a:t>Customer</a:t>
-            </a:r>
-            <a:endParaRPr lang="en-US">
-              <a:solidFill>
-                <a:srgbClr val="000000"/>
-              </a:solidFill>
-              <a:effectLst/>
-              <a:latin typeface="Times New Roman" panose="02020603050405020304" pitchFamily="18" charset="0"/>
-              <a:ea typeface="Times New Roman" panose="02020603050405020304" pitchFamily="18" charset="0"/>
-            </a:endParaRPr>
-          </a:p>
-        </p:txBody>
-      </p:sp>
-      <p:sp>
-        <p:nvSpPr>
-          <p:cNvPr id="11" name="Rectangle 10"/>
-          <p:cNvSpPr/>
-          <p:nvPr/>
-        </p:nvSpPr>
-        <p:spPr>
-          <a:xfrm>
-            <a:off x="5983457" y="2025617"/>
-            <a:ext cx="1326004" cy="284693"/>
-          </a:xfrm>
-          <a:prstGeom prst="rect">
-            <a:avLst/>
-          </a:prstGeom>
-        </p:spPr>
-        <p:txBody>
-          <a:bodyPr wrap="none">
-            <a:spAutoFit/>
-          </a:bodyPr>
-          <a:lstStyle/>
-          <a:p>
-            <a:pPr indent="457200" algn="just">
-              <a:lnSpc>
-                <a:spcPts val="1500"/>
-              </a:lnSpc>
-              <a:spcAft>
-                <a:spcPts val="0"/>
-              </a:spcAft>
-            </a:pPr>
-            <a:r>
-              <a:rPr lang="en-US" b="1">
-                <a:solidFill>
-                  <a:srgbClr val="000000"/>
-                </a:solidFill>
-                <a:latin typeface="Times New Roman" panose="02020603050405020304" pitchFamily="18" charset="0"/>
-                <a:ea typeface="Times New Roman" panose="02020603050405020304" pitchFamily="18" charset="0"/>
-              </a:rPr>
-              <a:t>Admin</a:t>
-            </a:r>
-            <a:endParaRPr lang="en-US">
-              <a:solidFill>
-                <a:srgbClr val="000000"/>
-              </a:solidFill>
-              <a:effectLst/>
-              <a:latin typeface="Times New Roman" panose="02020603050405020304" pitchFamily="18" charset="0"/>
-              <a:ea typeface="Times New Roman" panose="02020603050405020304" pitchFamily="18" charset="0"/>
-            </a:endParaRPr>
-          </a:p>
-        </p:txBody>
-      </p:sp>
-      <p:sp>
-        <p:nvSpPr>
-          <p:cNvPr id="13" name="Rectangle 12"/>
-          <p:cNvSpPr/>
-          <p:nvPr/>
-        </p:nvSpPr>
-        <p:spPr>
-          <a:xfrm>
-            <a:off x="370" y="496390"/>
-            <a:ext cx="927093" cy="705394"/>
-          </a:xfrm>
-          <a:prstGeom prst="rect">
-            <a:avLst/>
-          </a:prstGeom>
-          <a:noFill/>
-          <a:ln>
-            <a:noFill/>
-          </a:ln>
-        </p:spPr>
-        <p:style>
-          <a:lnRef idx="0">
-            <a:scrgbClr r="0" g="0" b="0"/>
-          </a:lnRef>
-          <a:fillRef idx="0">
-            <a:scrgbClr r="0" g="0" b="0"/>
-          </a:fillRef>
-          <a:effectRef idx="0">
-            <a:scrgbClr r="0" g="0" b="0"/>
-          </a:effectRef>
-          <a:fontRef idx="minor">
-            <a:schemeClr val="dk1"/>
-          </a:fontRef>
-        </p:style>
-        <p:txBody>
-          <a:bodyPr rtlCol="0" anchor="ctr"/>
-          <a:lstStyle/>
-          <a:p>
-            <a:pPr algn="ctr"/>
-            <a:r>
-              <a:rPr lang="en-US" sz="3600" b="1">
-                <a:solidFill>
-                  <a:schemeClr val="bg1"/>
-                </a:solidFill>
-                <a:latin typeface="Times New Roman" panose="02020603050405020304" pitchFamily="18" charset="0"/>
-                <a:cs typeface="Times New Roman" panose="02020603050405020304" pitchFamily="18" charset="0"/>
-              </a:rPr>
-              <a:t>04</a:t>
-            </a:r>
-          </a:p>
-        </p:txBody>
-      </p:sp>
-      <p:sp>
-        <p:nvSpPr>
-          <p:cNvPr id="2" name="Rectangle 1"/>
-          <p:cNvSpPr/>
-          <p:nvPr/>
-        </p:nvSpPr>
-        <p:spPr>
-          <a:xfrm>
-            <a:off x="1441202" y="5797946"/>
-            <a:ext cx="3637534" cy="369332"/>
-          </a:xfrm>
-          <a:prstGeom prst="rect">
-            <a:avLst/>
-          </a:prstGeom>
-        </p:spPr>
-        <p:txBody>
-          <a:bodyPr wrap="none">
-            <a:spAutoFit/>
-          </a:bodyPr>
-          <a:lstStyle/>
-          <a:p>
-            <a:r>
-              <a:rPr lang="en-US">
-                <a:solidFill>
-                  <a:srgbClr val="000000"/>
-                </a:solidFill>
-                <a:latin typeface="Times New Roman" panose="02020603050405020304" pitchFamily="18" charset="0"/>
-                <a:ea typeface="Times New Roman" panose="02020603050405020304" pitchFamily="18" charset="0"/>
-              </a:rPr>
-              <a:t>Hình 2: </a:t>
-            </a:r>
-            <a:r>
-              <a:rPr lang="en-US" dirty="0">
-                <a:solidFill>
-                  <a:srgbClr val="000000"/>
-                </a:solidFill>
-                <a:latin typeface="Times New Roman" panose="02020603050405020304" pitchFamily="18" charset="0"/>
-                <a:ea typeface="Times New Roman" panose="02020603050405020304" pitchFamily="18" charset="0"/>
-              </a:rPr>
-              <a:t>Biểu đồ mức 1 của Customer</a:t>
-            </a:r>
-            <a:endParaRPr lang="en-US" dirty="0"/>
-          </a:p>
-        </p:txBody>
-      </p:sp>
-      <p:sp>
-        <p:nvSpPr>
-          <p:cNvPr id="15" name="Rectangle 14"/>
-          <p:cNvSpPr/>
-          <p:nvPr/>
-        </p:nvSpPr>
-        <p:spPr>
-          <a:xfrm>
-            <a:off x="7408541" y="5797946"/>
-            <a:ext cx="3368294" cy="284693"/>
-          </a:xfrm>
-          <a:prstGeom prst="rect">
-            <a:avLst/>
-          </a:prstGeom>
-        </p:spPr>
-        <p:txBody>
-          <a:bodyPr wrap="none">
-            <a:spAutoFit/>
-          </a:bodyPr>
-          <a:lstStyle/>
-          <a:p>
-            <a:pPr algn="ctr">
-              <a:lnSpc>
-                <a:spcPts val="1500"/>
-              </a:lnSpc>
-              <a:spcAft>
-                <a:spcPts val="0"/>
-              </a:spcAft>
-            </a:pPr>
-            <a:r>
-              <a:rPr lang="en-US">
-                <a:solidFill>
-                  <a:srgbClr val="000000"/>
-                </a:solidFill>
-                <a:latin typeface="Times New Roman" panose="02020603050405020304" pitchFamily="18" charset="0"/>
-                <a:ea typeface="Times New Roman" panose="02020603050405020304" pitchFamily="18" charset="0"/>
-              </a:rPr>
-              <a:t>Hình 3: </a:t>
-            </a:r>
-            <a:r>
-              <a:rPr lang="en-US" dirty="0">
-                <a:solidFill>
-                  <a:srgbClr val="000000"/>
-                </a:solidFill>
-                <a:latin typeface="Times New Roman" panose="02020603050405020304" pitchFamily="18" charset="0"/>
-                <a:ea typeface="Times New Roman" panose="02020603050405020304" pitchFamily="18" charset="0"/>
-              </a:rPr>
-              <a:t>Biểu đồ mức 1 của Admin</a:t>
-            </a:r>
-            <a:endParaRPr lang="en-US" sz="2000" dirty="0">
-              <a:solidFill>
-                <a:srgbClr val="000000"/>
-              </a:solidFill>
-              <a:effectLst/>
-              <a:latin typeface="Times New Roman" panose="02020603050405020304" pitchFamily="18" charset="0"/>
-              <a:ea typeface="Times New Roman" panose="02020603050405020304" pitchFamily="18" charset="0"/>
-            </a:endParaRPr>
-          </a:p>
-        </p:txBody>
-      </p:sp>
-      <p:pic>
-        <p:nvPicPr>
-          <p:cNvPr id="16" name="Picture 15"/>
-          <p:cNvPicPr>
-            <a:picLocks noChangeAspect="1"/>
-          </p:cNvPicPr>
-          <p:nvPr/>
-        </p:nvPicPr>
-        <p:blipFill>
-          <a:blip r:embed="rId4"/>
-          <a:stretch>
-            <a:fillRect/>
-          </a:stretch>
-        </p:blipFill>
-        <p:spPr>
-          <a:xfrm>
-            <a:off x="550459" y="2434878"/>
-            <a:ext cx="5169313" cy="3238500"/>
-          </a:xfrm>
-          <a:prstGeom prst="rect">
-            <a:avLst/>
-          </a:prstGeom>
-        </p:spPr>
-      </p:pic>
-      <p:pic>
-        <p:nvPicPr>
-          <p:cNvPr id="17" name="Picture 16"/>
-          <p:cNvPicPr>
-            <a:picLocks noChangeAspect="1"/>
-          </p:cNvPicPr>
-          <p:nvPr/>
-        </p:nvPicPr>
-        <p:blipFill>
-          <a:blip r:embed="rId5"/>
-          <a:stretch>
-            <a:fillRect/>
-          </a:stretch>
-        </p:blipFill>
-        <p:spPr>
-          <a:xfrm>
-            <a:off x="6430744" y="2343692"/>
-            <a:ext cx="5323888" cy="3329686"/>
-          </a:xfrm>
-          <a:prstGeom prst="rect">
-            <a:avLst/>
-          </a:prstGeom>
-        </p:spPr>
-      </p:pic>
-    </p:spTree>
-    <p:extLst>
-      <p:ext uri="{BB962C8B-B14F-4D97-AF65-F5344CB8AC3E}">
-        <p14:creationId xmlns:p14="http://schemas.microsoft.com/office/powerpoint/2010/main" val="831079949"/>
-      </p:ext>
-    </p:extLst>
-  </p:cSld>
-  <p:clrMapOvr>
-    <a:masterClrMapping/>
-  </p:clrMapOvr>
-</p:sld>
-</file>
-
-<file path=ppt/slides/slide4.xml><?xml version="1.0" encoding="utf-8"?>
-<p:sld xmlns:a="http://schemas.openxmlformats.org/drawingml/2006/main" xmlns:r="http://schemas.openxmlformats.org/officeDocument/2006/relationships" xmlns:p="http://schemas.openxmlformats.org/presentationml/2006/main">
-  <p:cSld>
-    <p:spTree>
-      <p:nvGrpSpPr>
-        <p:cNvPr id="1" name=""/>
-        <p:cNvGrpSpPr/>
-        <p:nvPr/>
-      </p:nvGrpSpPr>
-      <p:grpSpPr>
-        <a:xfrm>
-          <a:off x="0" y="0"/>
-          <a:ext cx="0" cy="0"/>
-          <a:chOff x="0" y="0"/>
-          <a:chExt cx="0" cy="0"/>
-        </a:xfrm>
-      </p:grpSpPr>
-      <p:grpSp>
-        <p:nvGrpSpPr>
-          <p:cNvPr id="3" name="Shape 231"/>
-          <p:cNvGrpSpPr/>
-          <p:nvPr/>
-        </p:nvGrpSpPr>
-        <p:grpSpPr>
-          <a:xfrm>
-            <a:off x="-731851" y="261468"/>
-            <a:ext cx="4130145" cy="1645500"/>
-            <a:chOff x="2075625" y="1090612"/>
-            <a:chExt cx="3370157" cy="2144143"/>
-          </a:xfrm>
-        </p:grpSpPr>
-        <p:sp>
-          <p:nvSpPr>
-            <p:cNvPr id="4" name="Shape 232"/>
-            <p:cNvSpPr/>
-            <p:nvPr/>
-          </p:nvSpPr>
-          <p:spPr>
-            <a:xfrm>
-              <a:off x="2752258" y="1623893"/>
-              <a:ext cx="2693524" cy="885283"/>
-            </a:xfrm>
-            <a:prstGeom prst="rect">
-              <a:avLst/>
-            </a:prstGeom>
-            <a:gradFill>
-              <a:gsLst>
-                <a:gs pos="0">
-                  <a:srgbClr val="7B5B20"/>
-                </a:gs>
-                <a:gs pos="10000">
-                  <a:srgbClr val="7B5B20"/>
-                </a:gs>
-                <a:gs pos="50000">
-                  <a:srgbClr val="DFA63C"/>
-                </a:gs>
-                <a:gs pos="100000">
-                  <a:srgbClr val="FFC749"/>
-                </a:gs>
-              </a:gsLst>
-              <a:lin ang="0" scaled="0"/>
-            </a:gradFill>
-            <a:ln>
-              <a:solidFill>
-                <a:schemeClr val="accent1"/>
-              </a:solidFill>
-            </a:ln>
-          </p:spPr>
-          <p:txBody>
-            <a:bodyPr spcFirstLastPara="1" wrap="square" lIns="91425" tIns="45700" rIns="91425" bIns="45700" anchor="ctr" anchorCtr="0">
-              <a:noAutofit/>
-            </a:bodyPr>
-            <a:lstStyle/>
-            <a:p>
-              <a:pPr marL="0" marR="0" lvl="0" indent="0" algn="r" rtl="0">
-                <a:spcBef>
-                  <a:spcPts val="0"/>
-                </a:spcBef>
-                <a:spcAft>
-                  <a:spcPts val="0"/>
-                </a:spcAft>
-                <a:buNone/>
-              </a:pPr>
-              <a:r>
-                <a:rPr lang="en-US" sz="2800" b="1">
-                  <a:solidFill>
-                    <a:schemeClr val="bg1"/>
-                  </a:solidFill>
-                  <a:latin typeface="Times New Roman" panose="02020603050405020304" pitchFamily="18" charset="0"/>
-                  <a:ea typeface="Century Gothic"/>
-                  <a:cs typeface="Times New Roman" panose="02020603050405020304" pitchFamily="18" charset="0"/>
-                  <a:sym typeface="Century Gothic"/>
-                </a:rPr>
-                <a:t>            Các biểu đồ</a:t>
+                <a:t>            Thiết kế dữ liệu</a:t>
               </a:r>
               <a:endParaRPr sz="2600" b="1">
                 <a:solidFill>
@@ -12156,118 +12063,6 @@
         </p:nvSpPr>
         <p:spPr>
           <a:xfrm>
-            <a:off x="497386" y="1556569"/>
-            <a:ext cx="3879588" cy="284693"/>
-          </a:xfrm>
-          <a:prstGeom prst="rect">
-            <a:avLst/>
-          </a:prstGeom>
-        </p:spPr>
-        <p:txBody>
-          <a:bodyPr wrap="none">
-            <a:spAutoFit/>
-          </a:bodyPr>
-          <a:lstStyle/>
-          <a:p>
-            <a:pPr algn="just">
-              <a:lnSpc>
-                <a:spcPts val="1500"/>
-              </a:lnSpc>
-              <a:spcAft>
-                <a:spcPts val="0"/>
-              </a:spcAft>
-            </a:pPr>
-            <a:r>
-              <a:rPr lang="en-US" sz="2000" b="1">
-                <a:solidFill>
-                  <a:srgbClr val="000000"/>
-                </a:solidFill>
-                <a:latin typeface="Times New Roman" panose="02020603050405020304" pitchFamily="18" charset="0"/>
-                <a:ea typeface="Times New Roman" panose="02020603050405020304" pitchFamily="18" charset="0"/>
-                <a:cs typeface="Times New Roman" panose="02020603050405020304" pitchFamily="18" charset="0"/>
-              </a:rPr>
-              <a:t>4.3. Biểu đồ thực thể quan hệ E-R</a:t>
-            </a:r>
-            <a:endParaRPr lang="en-US" sz="2000" b="1">
-              <a:solidFill>
-                <a:srgbClr val="000000"/>
-              </a:solidFill>
-              <a:effectLst/>
-              <a:latin typeface="Times New Roman" panose="02020603050405020304" pitchFamily="18" charset="0"/>
-              <a:ea typeface="Times New Roman" panose="02020603050405020304" pitchFamily="18" charset="0"/>
-              <a:cs typeface="Times New Roman" panose="02020603050405020304" pitchFamily="18" charset="0"/>
-            </a:endParaRPr>
-          </a:p>
-        </p:txBody>
-      </p:sp>
-      <p:sp>
-        <p:nvSpPr>
-          <p:cNvPr id="10" name="Rectangle 9"/>
-          <p:cNvSpPr/>
-          <p:nvPr/>
-        </p:nvSpPr>
-        <p:spPr>
-          <a:xfrm>
-            <a:off x="3968188" y="6573307"/>
-            <a:ext cx="3682418" cy="290721"/>
-          </a:xfrm>
-          <a:prstGeom prst="rect">
-            <a:avLst/>
-          </a:prstGeom>
-        </p:spPr>
-        <p:txBody>
-          <a:bodyPr wrap="none">
-            <a:spAutoFit/>
-          </a:bodyPr>
-          <a:lstStyle/>
-          <a:p>
-            <a:pPr algn="ctr">
-              <a:lnSpc>
-                <a:spcPts val="1500"/>
-              </a:lnSpc>
-              <a:spcAft>
-                <a:spcPts val="0"/>
-              </a:spcAft>
-            </a:pPr>
-            <a:r>
-              <a:rPr lang="en-US">
-                <a:solidFill>
-                  <a:srgbClr val="000000"/>
-                </a:solidFill>
-                <a:latin typeface="Times New Roman" panose="02020603050405020304" pitchFamily="18" charset="0"/>
-                <a:ea typeface="Times New Roman" panose="02020603050405020304" pitchFamily="18" charset="0"/>
-              </a:rPr>
-              <a:t>Hình 5: </a:t>
-            </a:r>
-            <a:r>
-              <a:rPr lang="en-US" dirty="0">
-                <a:solidFill>
-                  <a:srgbClr val="000000"/>
-                </a:solidFill>
-                <a:latin typeface="Times New Roman" panose="02020603050405020304" pitchFamily="18" charset="0"/>
-                <a:ea typeface="Times New Roman" panose="02020603050405020304" pitchFamily="18" charset="0"/>
-              </a:rPr>
-              <a:t>Biểu đồ thực thể quan hệ E-R</a:t>
-            </a:r>
-            <a:endParaRPr lang="en-US" sz="2000" dirty="0">
-              <a:solidFill>
-                <a:srgbClr val="000000"/>
-              </a:solidFill>
-              <a:effectLst/>
-              <a:latin typeface="Times New Roman" panose="02020603050405020304" pitchFamily="18" charset="0"/>
-              <a:ea typeface="Times New Roman" panose="02020603050405020304" pitchFamily="18" charset="0"/>
-            </a:endParaRPr>
-          </a:p>
-        </p:txBody>
-      </p:sp>
-      <p:sp>
-        <p:nvSpPr>
-          <p:cNvPr id="12" name="Rectangle 11"/>
-          <p:cNvSpPr/>
-          <p:nvPr/>
-        </p:nvSpPr>
-        <p:spPr>
-          <a:xfrm>
             <a:off x="370" y="496390"/>
             <a:ext cx="927093" cy="705394"/>
           </a:xfrm>
@@ -12306,8 +12101,100 @@
                 <a:latin typeface="Times New Roman" panose="02020603050405020304" pitchFamily="18" charset="0"/>
                 <a:cs typeface="Times New Roman" panose="02020603050405020304" pitchFamily="18" charset="0"/>
               </a:rPr>
-              <a:t>04</a:t>
-            </a:r>
+              <a:t>05</a:t>
+            </a:r>
+          </a:p>
+        </p:txBody>
+      </p:sp>
+      <p:sp>
+        <p:nvSpPr>
+          <p:cNvPr id="10" name="TextBox 9"/>
+          <p:cNvSpPr txBox="1"/>
+          <p:nvPr/>
+        </p:nvSpPr>
+        <p:spPr>
+          <a:xfrm>
+            <a:off x="733805" y="1446371"/>
+            <a:ext cx="3278462" cy="430887"/>
+          </a:xfrm>
+          <a:prstGeom prst="rect">
+            <a:avLst/>
+          </a:prstGeom>
+          <a:noFill/>
+        </p:spPr>
+        <p:txBody>
+          <a:bodyPr wrap="none" rtlCol="0">
+            <a:spAutoFit/>
+          </a:bodyPr>
+          <a:lstStyle/>
+          <a:p>
+            <a:r>
+              <a:rPr lang="en-US" sz="2200" b="1">
+                <a:latin typeface="Times New Roman" panose="02020603050405020304" pitchFamily="18" charset="0"/>
+                <a:cs typeface="Times New Roman" panose="02020603050405020304" pitchFamily="18" charset="0"/>
+              </a:rPr>
+              <a:t>5.1. Lược đồ cơ sở dữ liệu</a:t>
+            </a:r>
+          </a:p>
+        </p:txBody>
+      </p:sp>
+      <p:sp>
+        <p:nvSpPr>
+          <p:cNvPr id="12" name="Rectangle 11"/>
+          <p:cNvSpPr/>
+          <p:nvPr/>
+        </p:nvSpPr>
+        <p:spPr>
+          <a:xfrm>
+            <a:off x="4636350" y="6547701"/>
+            <a:ext cx="2973892" cy="284693"/>
+          </a:xfrm>
+          <a:prstGeom prst="rect">
+            <a:avLst/>
+          </a:prstGeom>
+        </p:spPr>
+        <p:txBody>
+          <a:bodyPr wrap="none">
+            <a:spAutoFit/>
+          </a:bodyPr>
+          <a:lstStyle/>
+          <a:p>
+            <a:pPr algn="ctr">
+              <a:lnSpc>
+                <a:spcPts val="1500"/>
+              </a:lnSpc>
+              <a:spcAft>
+                <a:spcPts val="0"/>
+              </a:spcAft>
+            </a:pPr>
+            <a:r>
+              <a:rPr lang="en-US">
+                <a:solidFill>
+                  <a:srgbClr val="000000"/>
+                </a:solidFill>
+                <a:latin typeface="Times New Roman" panose="02020603050405020304" pitchFamily="18" charset="0"/>
+                <a:ea typeface="Times New Roman" panose="02020603050405020304" pitchFamily="18" charset="0"/>
+              </a:rPr>
+              <a:t>Hình 6: </a:t>
+            </a:r>
+            <a:r>
+              <a:rPr lang="en-US" dirty="0">
+                <a:solidFill>
+                  <a:srgbClr val="000000"/>
+                </a:solidFill>
+                <a:latin typeface="Times New Roman" panose="02020603050405020304" pitchFamily="18" charset="0"/>
+                <a:ea typeface="Times New Roman" panose="02020603050405020304" pitchFamily="18" charset="0"/>
+              </a:rPr>
+              <a:t>Lược đồ cơ sở dữ liệu</a:t>
+            </a:r>
+            <a:endParaRPr lang="en-US" sz="2000" dirty="0">
+              <a:solidFill>
+                <a:srgbClr val="000000"/>
+              </a:solidFill>
+              <a:effectLst/>
+              <a:latin typeface="Times New Roman" panose="02020603050405020304" pitchFamily="18" charset="0"/>
+              <a:ea typeface="Times New Roman" panose="02020603050405020304" pitchFamily="18" charset="0"/>
+            </a:endParaRPr>
           </a:p>
         </p:txBody>
       </p:sp>
@@ -12327,535 +12214,8 @@
         </p:blipFill>
         <p:spPr>
           <a:xfrm>
-            <a:off x="2002757" y="1841262"/>
-            <a:ext cx="8210550" cy="4524375"/>
-          </a:xfrm>
-          <a:prstGeom prst="rect">
-            <a:avLst/>
-          </a:prstGeom>
-        </p:spPr>
-      </p:pic>
-    </p:spTree>
-    <p:extLst>
-      <p:ext uri="{BB962C8B-B14F-4D97-AF65-F5344CB8AC3E}">
-        <p14:creationId xmlns:p14="http://schemas.microsoft.com/office/powerpoint/2010/main" val="1844096991"/>
-      </p:ext>
-    </p:extLst>
-  </p:cSld>
-  <p:clrMapOvr>
-    <a:masterClrMapping/>
-  </p:clrMapOvr>
-</p:sld>
-</file>
-
-<file path=ppt/slides/slide5.xml><?xml version="1.0" encoding="utf-8"?>
-<p:sld xmlns:a="http://schemas.openxmlformats.org/drawingml/2006/main" xmlns:r="http://schemas.openxmlformats.org/officeDocument/2006/relationships" xmlns:p="http://schemas.openxmlformats.org/presentationml/2006/main">
-  <p:cSld>
-    <p:spTree>
-      <p:nvGrpSpPr>
-        <p:cNvPr id="1" name=""/>
-        <p:cNvGrpSpPr/>
-        <p:nvPr/>
-      </p:nvGrpSpPr>
-      <p:grpSpPr>
-        <a:xfrm>
-          <a:off x="0" y="0"/>
-          <a:ext cx="0" cy="0"/>
-          <a:chOff x="0" y="0"/>
-          <a:chExt cx="0" cy="0"/>
-        </a:xfrm>
-      </p:grpSpPr>
-      <p:grpSp>
-        <p:nvGrpSpPr>
-          <p:cNvPr id="3" name="Shape 231"/>
-          <p:cNvGrpSpPr/>
-          <p:nvPr/>
-        </p:nvGrpSpPr>
-        <p:grpSpPr>
-          <a:xfrm>
-            <a:off x="-731851" y="261468"/>
-            <a:ext cx="4785236" cy="1645500"/>
-            <a:chOff x="2075625" y="1090612"/>
-            <a:chExt cx="3904704" cy="2144143"/>
-          </a:xfrm>
-        </p:grpSpPr>
-        <p:sp>
-          <p:nvSpPr>
-            <p:cNvPr id="4" name="Shape 232"/>
-            <p:cNvSpPr/>
-            <p:nvPr/>
-          </p:nvSpPr>
-          <p:spPr>
-            <a:xfrm>
-              <a:off x="2752259" y="1623893"/>
-              <a:ext cx="3228070" cy="885283"/>
-            </a:xfrm>
-            <a:prstGeom prst="rect">
-              <a:avLst/>
-            </a:prstGeom>
-            <a:gradFill>
-              <a:gsLst>
-                <a:gs pos="0">
-                  <a:srgbClr val="7B5B20"/>
-                </a:gs>
-                <a:gs pos="10000">
-                  <a:srgbClr val="7B5B20"/>
-                </a:gs>
-                <a:gs pos="50000">
-                  <a:srgbClr val="DFA63C"/>
-                </a:gs>
-                <a:gs pos="100000">
-                  <a:srgbClr val="FFC749"/>
-                </a:gs>
-              </a:gsLst>
-              <a:lin ang="0" scaled="0"/>
-            </a:gradFill>
-            <a:ln>
-              <a:solidFill>
-                <a:schemeClr val="accent1"/>
-              </a:solidFill>
-            </a:ln>
-          </p:spPr>
-          <p:txBody>
-            <a:bodyPr spcFirstLastPara="1" wrap="square" lIns="91425" tIns="45700" rIns="91425" bIns="45700" anchor="ctr" anchorCtr="0">
-              <a:noAutofit/>
-            </a:bodyPr>
-            <a:lstStyle/>
-            <a:p>
-              <a:pPr marL="0" marR="0" lvl="0" indent="0" algn="r" rtl="0">
-                <a:spcBef>
-                  <a:spcPts val="0"/>
-                </a:spcBef>
-                <a:spcAft>
-                  <a:spcPts val="0"/>
-                </a:spcAft>
-                <a:buNone/>
-              </a:pPr>
-              <a:r>
-                <a:rPr lang="en-US" sz="2800" b="1">
-                  <a:solidFill>
-                    <a:schemeClr val="bg1"/>
-                  </a:solidFill>
-                  <a:latin typeface="Times New Roman" panose="02020603050405020304" pitchFamily="18" charset="0"/>
-                  <a:ea typeface="Century Gothic"/>
-                  <a:cs typeface="Times New Roman" panose="02020603050405020304" pitchFamily="18" charset="0"/>
-                  <a:sym typeface="Century Gothic"/>
-                </a:rPr>
-                <a:t>            Thiết kế dữ liệu</a:t>
-              </a:r>
-              <a:endParaRPr sz="2600" b="1">
-                <a:solidFill>
-                  <a:schemeClr val="bg1"/>
-                </a:solidFill>
-                <a:latin typeface="Times New Roman" panose="02020603050405020304" pitchFamily="18" charset="0"/>
-                <a:ea typeface="Century Gothic"/>
-                <a:cs typeface="Times New Roman" panose="02020603050405020304" pitchFamily="18" charset="0"/>
-                <a:sym typeface="Century Gothic"/>
-              </a:endParaRPr>
-            </a:p>
-          </p:txBody>
-        </p:sp>
-        <p:sp>
-          <p:nvSpPr>
-            <p:cNvPr id="5" name="Shape 233"/>
-            <p:cNvSpPr/>
-            <p:nvPr/>
-          </p:nvSpPr>
-          <p:spPr>
-            <a:xfrm rot="349079">
-              <a:off x="2075625" y="1898810"/>
-              <a:ext cx="2308247" cy="1335945"/>
-            </a:xfrm>
-            <a:custGeom>
-              <a:avLst/>
-              <a:gdLst/>
-              <a:ahLst/>
-              <a:cxnLst/>
-              <a:rect l="0" t="0" r="0" b="0"/>
-              <a:pathLst>
-                <a:path w="2410691" h="1649124" extrusionOk="0">
-                  <a:moveTo>
-                    <a:pt x="0" y="873270"/>
-                  </a:moveTo>
-                  <a:cubicBezTo>
-                    <a:pt x="910244" y="895668"/>
-                    <a:pt x="1812867" y="1238106"/>
-                    <a:pt x="2410691" y="1649124"/>
-                  </a:cubicBezTo>
-                  <a:lnTo>
-                    <a:pt x="2192050" y="641206"/>
-                  </a:lnTo>
-                  <a:cubicBezTo>
-                    <a:pt x="2107623" y="436996"/>
-                    <a:pt x="1951647" y="226118"/>
-                    <a:pt x="1548133" y="0"/>
-                  </a:cubicBezTo>
-                  <a:cubicBezTo>
-                    <a:pt x="1073296" y="254397"/>
-                    <a:pt x="838819" y="413663"/>
-                    <a:pt x="0" y="873270"/>
-                  </a:cubicBezTo>
-                  <a:close/>
-                </a:path>
-              </a:pathLst>
-            </a:custGeom>
-            <a:gradFill>
-              <a:gsLst>
-                <a:gs pos="0">
-                  <a:schemeClr val="dk1"/>
-                </a:gs>
-                <a:gs pos="66000">
-                  <a:srgbClr val="E7E7E7">
-                    <a:alpha val="0"/>
-                  </a:srgbClr>
-                </a:gs>
-                <a:gs pos="100000">
-                  <a:srgbClr val="FFFFFF">
-                    <a:alpha val="0"/>
-                  </a:srgbClr>
-                </a:gs>
-              </a:gsLst>
-              <a:lin ang="600000" scaled="0"/>
-            </a:gradFill>
-            <a:ln>
-              <a:noFill/>
-            </a:ln>
-          </p:spPr>
-          <p:txBody>
-            <a:bodyPr spcFirstLastPara="1" wrap="square" lIns="91425" tIns="45700" rIns="91425" bIns="45700" anchor="ctr" anchorCtr="0">
-              <a:noAutofit/>
-            </a:bodyPr>
-            <a:lstStyle/>
-            <a:p>
-              <a:pPr marL="0" marR="0" lvl="0" indent="0" algn="ctr" rtl="0">
-                <a:spcBef>
-                  <a:spcPts val="0"/>
-                </a:spcBef>
-                <a:spcAft>
-                  <a:spcPts val="0"/>
-                </a:spcAft>
-                <a:buNone/>
-              </a:pPr>
-              <a:endParaRPr sz="1800">
-                <a:solidFill>
-                  <a:srgbClr val="FFFFFF"/>
-                </a:solidFill>
-                <a:latin typeface="Century Gothic"/>
-                <a:ea typeface="Century Gothic"/>
-                <a:cs typeface="Century Gothic"/>
-                <a:sym typeface="Century Gothic"/>
-              </a:endParaRPr>
-            </a:p>
-          </p:txBody>
-        </p:sp>
-        <p:sp>
-          <p:nvSpPr>
-            <p:cNvPr id="6" name="Shape 234"/>
-            <p:cNvSpPr/>
-            <p:nvPr/>
-          </p:nvSpPr>
-          <p:spPr>
-            <a:xfrm>
-              <a:off x="2676179" y="1090612"/>
-              <a:ext cx="1190813" cy="1418564"/>
-            </a:xfrm>
-            <a:custGeom>
-              <a:avLst/>
-              <a:gdLst/>
-              <a:ahLst/>
-              <a:cxnLst/>
-              <a:rect l="0" t="0" r="0" b="0"/>
-              <a:pathLst>
-                <a:path w="1190625" h="1419225" extrusionOk="0">
-                  <a:moveTo>
-                    <a:pt x="0" y="1419225"/>
-                  </a:moveTo>
-                  <a:lnTo>
-                    <a:pt x="0" y="471487"/>
-                  </a:lnTo>
-                  <a:lnTo>
-                    <a:pt x="957262" y="0"/>
-                  </a:lnTo>
-                  <a:lnTo>
-                    <a:pt x="1190625" y="347662"/>
-                  </a:lnTo>
-                  <a:lnTo>
-                    <a:pt x="947737" y="952500"/>
-                  </a:lnTo>
-                  <a:lnTo>
-                    <a:pt x="0" y="1419225"/>
-                  </a:lnTo>
-                  <a:close/>
-                </a:path>
-              </a:pathLst>
-            </a:custGeom>
-            <a:solidFill>
-              <a:schemeClr val="accent1">
-                <a:lumMod val="60000"/>
-                <a:lumOff val="40000"/>
-              </a:schemeClr>
-            </a:solidFill>
-            <a:ln>
-              <a:solidFill>
-                <a:schemeClr val="accent1"/>
-              </a:solidFill>
-            </a:ln>
-          </p:spPr>
-          <p:txBody>
-            <a:bodyPr spcFirstLastPara="1" wrap="square" lIns="91425" tIns="45700" rIns="91425" bIns="45700" anchor="ctr" anchorCtr="0">
-              <a:noAutofit/>
-            </a:bodyPr>
-            <a:lstStyle/>
-            <a:p>
-              <a:pPr marL="0" marR="0" lvl="0" indent="0" algn="ctr" rtl="0">
-                <a:spcBef>
-                  <a:spcPts val="0"/>
-                </a:spcBef>
-                <a:spcAft>
-                  <a:spcPts val="0"/>
-                </a:spcAft>
-                <a:buNone/>
-              </a:pPr>
-              <a:endParaRPr sz="1800">
-                <a:solidFill>
-                  <a:schemeClr val="lt1"/>
-                </a:solidFill>
-                <a:latin typeface="Times New Roman" panose="02020603050405020304" pitchFamily="18" charset="0"/>
-                <a:ea typeface="Century Gothic"/>
-                <a:cs typeface="Times New Roman" panose="02020603050405020304" pitchFamily="18" charset="0"/>
-                <a:sym typeface="Century Gothic"/>
-              </a:endParaRPr>
-            </a:p>
-          </p:txBody>
-        </p:sp>
-      </p:grpSp>
-      <p:pic>
-        <p:nvPicPr>
-          <p:cNvPr id="7" name="Picture 6" descr="aptechlogoww"/>
-          <p:cNvPicPr/>
-          <p:nvPr/>
-        </p:nvPicPr>
-        <p:blipFill>
-          <a:blip r:embed="rId3">
-            <a:extLst>
-              <a:ext uri="{28A0092B-C50C-407E-A947-70E740481C1C}">
-                <a14:useLocalDpi xmlns:a14="http://schemas.microsoft.com/office/drawing/2010/main" val="0"/>
-              </a:ext>
-            </a:extLst>
-          </a:blip>
-          <a:srcRect/>
-          <a:stretch>
-            <a:fillRect/>
-          </a:stretch>
-        </p:blipFill>
-        <p:spPr bwMode="auto">
-          <a:xfrm>
-            <a:off x="8668080" y="163941"/>
-            <a:ext cx="1852295" cy="391795"/>
-          </a:xfrm>
-          <a:prstGeom prst="rect">
-            <a:avLst/>
-          </a:prstGeom>
-          <a:noFill/>
-          <a:ln>
-            <a:noFill/>
-          </a:ln>
-        </p:spPr>
-      </p:pic>
-      <p:pic>
-        <p:nvPicPr>
-          <p:cNvPr id="8" name="Picture 7" descr="bkaptechlogo"/>
-          <p:cNvPicPr/>
-          <p:nvPr/>
-        </p:nvPicPr>
-        <p:blipFill>
-          <a:blip r:embed="rId4">
-            <a:extLst>
-              <a:ext uri="{28A0092B-C50C-407E-A947-70E740481C1C}">
-                <a14:useLocalDpi xmlns:a14="http://schemas.microsoft.com/office/drawing/2010/main" val="0"/>
-              </a:ext>
-            </a:extLst>
-          </a:blip>
-          <a:srcRect/>
-          <a:stretch>
-            <a:fillRect/>
-          </a:stretch>
-        </p:blipFill>
-        <p:spPr bwMode="auto">
-          <a:xfrm>
-            <a:off x="10520375" y="142171"/>
-            <a:ext cx="1531620" cy="391795"/>
-          </a:xfrm>
-          <a:prstGeom prst="rect">
-            <a:avLst/>
-          </a:prstGeom>
-          <a:noFill/>
-          <a:ln>
-            <a:noFill/>
-          </a:ln>
-        </p:spPr>
-      </p:pic>
-      <p:sp>
-        <p:nvSpPr>
-          <p:cNvPr id="9" name="Rectangle 8"/>
-          <p:cNvSpPr/>
-          <p:nvPr/>
-        </p:nvSpPr>
-        <p:spPr>
-          <a:xfrm>
-            <a:off x="370" y="496390"/>
-            <a:ext cx="927093" cy="705394"/>
-          </a:xfrm>
-          <a:prstGeom prst="rect">
-            <a:avLst/>
-          </a:prstGeom>
-          <a:noFill/>
-          <a:ln>
-            <a:noFill/>
-          </a:ln>
-        </p:spPr>
-        <p:style>
-          <a:lnRef idx="0">
-            <a:scrgbClr r="0" g="0" b="0"/>
-          </a:lnRef>
-          <a:fillRef idx="0">
-            <a:scrgbClr r="0" g="0" b="0"/>
-          </a:fillRef>
-          <a:effectRef idx="0">
-            <a:scrgbClr r="0" g="0" b="0"/>
-          </a:effectRef>
-          <a:fontRef idx="minor">
-            <a:schemeClr val="dk1"/>
-          </a:fontRef>
-        </p:style>
-        <p:txBody>
-          <a:bodyPr rtlCol="0" anchor="ctr"/>
-          <a:lstStyle/>
-          <a:p>
-            <a:pPr algn="ctr"/>
-            <a:r>
-              <a:rPr lang="en-US" sz="3600" b="1">
-                <a:solidFill>
-                  <a:schemeClr val="bg1"/>
-                </a:solidFill>
-                <a:latin typeface="Times New Roman" panose="02020603050405020304" pitchFamily="18" charset="0"/>
-                <a:cs typeface="Times New Roman" panose="02020603050405020304" pitchFamily="18" charset="0"/>
-              </a:rPr>
-              <a:t>05</a:t>
-            </a:r>
-          </a:p>
-        </p:txBody>
-      </p:sp>
-      <p:sp>
-        <p:nvSpPr>
-          <p:cNvPr id="10" name="TextBox 9"/>
-          <p:cNvSpPr txBox="1"/>
-          <p:nvPr/>
-        </p:nvSpPr>
-        <p:spPr>
-          <a:xfrm>
-            <a:off x="733805" y="1446371"/>
-            <a:ext cx="3278462" cy="430887"/>
-          </a:xfrm>
-          <a:prstGeom prst="rect">
-            <a:avLst/>
-          </a:prstGeom>
-          <a:noFill/>
-        </p:spPr>
-        <p:txBody>
-          <a:bodyPr wrap="none" rtlCol="0">
-            <a:spAutoFit/>
-          </a:bodyPr>
-          <a:lstStyle/>
-          <a:p>
-            <a:r>
-              <a:rPr lang="en-US" sz="2200" b="1">
-                <a:latin typeface="Times New Roman" panose="02020603050405020304" pitchFamily="18" charset="0"/>
-                <a:cs typeface="Times New Roman" panose="02020603050405020304" pitchFamily="18" charset="0"/>
-              </a:rPr>
-              <a:t>5.1. Lược đồ cơ sở dữ liệu</a:t>
-            </a:r>
-          </a:p>
-        </p:txBody>
-      </p:sp>
-      <p:sp>
-        <p:nvSpPr>
-          <p:cNvPr id="12" name="Rectangle 11"/>
-          <p:cNvSpPr/>
-          <p:nvPr/>
-        </p:nvSpPr>
-        <p:spPr>
-          <a:xfrm>
-            <a:off x="4636350" y="6547701"/>
-            <a:ext cx="2973892" cy="284693"/>
-          </a:xfrm>
-          <a:prstGeom prst="rect">
-            <a:avLst/>
-          </a:prstGeom>
-        </p:spPr>
-        <p:txBody>
-          <a:bodyPr wrap="none">
-            <a:spAutoFit/>
-          </a:bodyPr>
-          <a:lstStyle/>
-          <a:p>
-            <a:pPr algn="ctr">
-              <a:lnSpc>
-                <a:spcPts val="1500"/>
-              </a:lnSpc>
-              <a:spcAft>
-                <a:spcPts val="0"/>
-              </a:spcAft>
-            </a:pPr>
-            <a:r>
-              <a:rPr lang="en-US">
-                <a:solidFill>
-                  <a:srgbClr val="000000"/>
-                </a:solidFill>
-                <a:latin typeface="Times New Roman" panose="02020603050405020304" pitchFamily="18" charset="0"/>
-                <a:ea typeface="Times New Roman" panose="02020603050405020304" pitchFamily="18" charset="0"/>
-              </a:rPr>
-              <a:t>Hình 6: </a:t>
-            </a:r>
-            <a:r>
-              <a:rPr lang="en-US" dirty="0">
-                <a:solidFill>
-                  <a:srgbClr val="000000"/>
-                </a:solidFill>
-                <a:latin typeface="Times New Roman" panose="02020603050405020304" pitchFamily="18" charset="0"/>
-                <a:ea typeface="Times New Roman" panose="02020603050405020304" pitchFamily="18" charset="0"/>
-              </a:rPr>
-              <a:t>Lược đồ cơ sở dữ liệu</a:t>
-            </a:r>
-            <a:endParaRPr lang="en-US" sz="2000" dirty="0">
-              <a:solidFill>
-                <a:srgbClr val="000000"/>
-              </a:solidFill>
-              <a:effectLst/>
-              <a:latin typeface="Times New Roman" panose="02020603050405020304" pitchFamily="18" charset="0"/>
-              <a:ea typeface="Times New Roman" panose="02020603050405020304" pitchFamily="18" charset="0"/>
-            </a:endParaRPr>
-          </a:p>
-        </p:txBody>
-      </p:sp>
-      <p:pic>
-        <p:nvPicPr>
-          <p:cNvPr id="11" name="Picture 10"/>
-          <p:cNvPicPr>
-            <a:picLocks noChangeAspect="1"/>
-          </p:cNvPicPr>
-          <p:nvPr/>
-        </p:nvPicPr>
-        <p:blipFill>
-          <a:blip r:embed="rId5"/>
-          <a:stretch>
-            <a:fillRect/>
-          </a:stretch>
-        </p:blipFill>
-        <p:spPr>
-          <a:xfrm>
-            <a:off x="4325258" y="617299"/>
-            <a:ext cx="5076426" cy="5602444"/>
+            <a:off x="4268346" y="1350130"/>
+            <a:ext cx="6252029" cy="4963539"/>
           </a:xfrm>
           <a:prstGeom prst="rect">
             <a:avLst/>

--- a/Slide Đồ Án.pptx
+++ b/Slide Đồ Án.pptx
@@ -9670,29 +9670,7 @@
                 <a:ea typeface="Times New Roman" panose="02020603050405020304" pitchFamily="18" charset="0"/>
                 <a:cs typeface="Times New Roman" panose="02020603050405020304" pitchFamily="18" charset="0"/>
               </a:rPr>
-              <a:t>.</a:t>
-            </a:r>
-            <a:r>
-              <a:rPr lang="en-US" b="1">
-                <a:solidFill>
-                  <a:srgbClr val="000000"/>
-                </a:solidFill>
-                <a:latin typeface="Times New Roman" panose="02020603050405020304" pitchFamily="18" charset="0"/>
-                <a:ea typeface="Times New Roman" panose="02020603050405020304" pitchFamily="18" charset="0"/>
-                <a:cs typeface="Times New Roman" panose="02020603050405020304" pitchFamily="18" charset="0"/>
-              </a:rPr>
-              <a:t>5</a:t>
-            </a:r>
-            <a:r>
-              <a:rPr lang="en-US" b="1">
-                <a:solidFill>
-                  <a:srgbClr val="000000"/>
-                </a:solidFill>
-                <a:latin typeface="Times New Roman" panose="02020603050405020304" pitchFamily="18" charset="0"/>
-                <a:ea typeface="Times New Roman" panose="02020603050405020304" pitchFamily="18" charset="0"/>
-                <a:cs typeface="Times New Roman" panose="02020603050405020304" pitchFamily="18" charset="0"/>
-              </a:rPr>
-              <a:t>. Thực thể đơn hàng</a:t>
+              <a:t>.5. Thực thể đơn hàng</a:t>
             </a:r>
             <a:endParaRPr lang="en-US" sz="2000" b="1">
               <a:solidFill>
@@ -11102,7 +11080,7 @@
       </p:sp>
       <p:pic>
         <p:nvPicPr>
-          <p:cNvPr id="17" name="Picture 16"/>
+          <p:cNvPr id="12" name="Picture 11"/>
           <p:cNvPicPr>
             <a:picLocks noChangeAspect="1"/>
           </p:cNvPicPr>
@@ -11116,8 +11094,8 @@
         </p:blipFill>
         <p:spPr>
           <a:xfrm>
-            <a:off x="6430744" y="2343692"/>
-            <a:ext cx="5323888" cy="3329686"/>
+            <a:off x="733805" y="2338468"/>
+            <a:ext cx="5522039" cy="3459478"/>
           </a:xfrm>
           <a:prstGeom prst="rect">
             <a:avLst/>
@@ -11126,7 +11104,7 @@
       </p:pic>
       <p:pic>
         <p:nvPicPr>
-          <p:cNvPr id="12" name="Picture 11"/>
+          <p:cNvPr id="14" name="Picture 13"/>
           <p:cNvPicPr>
             <a:picLocks noChangeAspect="1"/>
           </p:cNvPicPr>
@@ -11140,8 +11118,8 @@
         </p:blipFill>
         <p:spPr>
           <a:xfrm>
-            <a:off x="733805" y="2338468"/>
-            <a:ext cx="5522039" cy="3459478"/>
+            <a:off x="6287184" y="2304500"/>
+            <a:ext cx="5611008" cy="3515216"/>
           </a:xfrm>
           <a:prstGeom prst="rect">
             <a:avLst/>

--- a/Slide Đồ Án.pptx
+++ b/Slide Đồ Án.pptx
@@ -231,7 +231,7 @@
           <a:p>
             <a:fld id="{83B34AEF-5253-4C7C-8308-D2F50E48F55C}" type="datetimeFigureOut">
               <a:rPr lang="en-US" smtClean="0"/>
-              <a:t>5/1/2023</a:t>
+              <a:t>6/23/2023</a:t>
             </a:fld>
             <a:endParaRPr lang="en-US"/>
           </a:p>
@@ -397,7 +397,7 @@
           <a:p>
             <a:fld id="{66CC5DAF-E163-4CEB-A6BC-218A61322C16}" type="datetimeFigureOut">
               <a:rPr lang="en-US" smtClean="0"/>
-              <a:t>5/1/2023</a:t>
+              <a:t>6/23/2023</a:t>
             </a:fld>
             <a:endParaRPr lang="en-US"/>
           </a:p>
@@ -1345,7 +1345,7 @@
           <a:p>
             <a:fld id="{FED54DB5-673A-4636-AFF8-29F335A6FA62}" type="datetime1">
               <a:rPr lang="en-US" smtClean="0"/>
-              <a:t>5/1/2023</a:t>
+              <a:t>6/23/2023</a:t>
             </a:fld>
             <a:endParaRPr lang="en-US"/>
           </a:p>
@@ -1679,7 +1679,7 @@
           <a:p>
             <a:fld id="{DAC83B04-5E66-4FA1-B8A2-3DE2FE9F2B0A}" type="datetime1">
               <a:rPr lang="en-US" smtClean="0"/>
-              <a:t>5/1/2023</a:t>
+              <a:t>6/23/2023</a:t>
             </a:fld>
             <a:endParaRPr lang="en-US"/>
           </a:p>
@@ -2076,7 +2076,7 @@
           <a:p>
             <a:fld id="{80DD4BEF-E0EF-4D96-AD2E-5DBA9A703E4F}" type="datetime1">
               <a:rPr lang="en-US" smtClean="0"/>
-              <a:t>5/1/2023</a:t>
+              <a:t>6/23/2023</a:t>
             </a:fld>
             <a:endParaRPr lang="en-US"/>
           </a:p>
@@ -2407,7 +2407,7 @@
           <a:p>
             <a:fld id="{8A51AD9F-8A28-4BAA-9B78-8DE2DFAAA292}" type="datetime1">
               <a:rPr lang="en-US" smtClean="0"/>
-              <a:t>5/1/2023</a:t>
+              <a:t>6/23/2023</a:t>
             </a:fld>
             <a:endParaRPr lang="en-US"/>
           </a:p>
@@ -2723,7 +2723,7 @@
           <a:p>
             <a:fld id="{1F0DB61A-BF95-4706-82B9-A7946B2837B7}" type="datetime1">
               <a:rPr lang="en-US" smtClean="0"/>
-              <a:t>5/1/2023</a:t>
+              <a:t>6/23/2023</a:t>
             </a:fld>
             <a:endParaRPr lang="en-US"/>
           </a:p>
@@ -3115,7 +3115,7 @@
           <a:p>
             <a:fld id="{D8D10EF8-D638-4CE9-AC6C-93AF8BD5E0EC}" type="datetime1">
               <a:rPr lang="en-US" smtClean="0"/>
-              <a:t>5/1/2023</a:t>
+              <a:t>6/23/2023</a:t>
             </a:fld>
             <a:endParaRPr lang="en-US"/>
           </a:p>
@@ -3368,7 +3368,7 @@
           <a:p>
             <a:fld id="{2F88B057-60AF-4915-A136-84FCD3E9BF71}" type="datetime1">
               <a:rPr lang="en-US" smtClean="0"/>
-              <a:t>5/1/2023</a:t>
+              <a:t>6/23/2023</a:t>
             </a:fld>
             <a:endParaRPr lang="en-US"/>
           </a:p>
@@ -3626,7 +3626,7 @@
           <a:p>
             <a:fld id="{F28A16F0-5D5D-4514-BFF9-33A3DBB98C88}" type="datetime1">
               <a:rPr lang="en-US" smtClean="0"/>
-              <a:t>5/1/2023</a:t>
+              <a:t>6/23/2023</a:t>
             </a:fld>
             <a:endParaRPr lang="en-US"/>
           </a:p>
@@ -3884,7 +3884,7 @@
           <a:p>
             <a:fld id="{EDB4F194-0CCC-466A-9E2C-F5AD4F8D9A71}" type="datetime1">
               <a:rPr lang="en-US" smtClean="0"/>
-              <a:t>5/1/2023</a:t>
+              <a:t>6/23/2023</a:t>
             </a:fld>
             <a:endParaRPr lang="en-US"/>
           </a:p>
@@ -4209,7 +4209,7 @@
           <a:p>
             <a:fld id="{2B308A1F-2323-4505-B5C9-51623BDDACBF}" type="datetime1">
               <a:rPr lang="en-US" smtClean="0"/>
-              <a:t>5/1/2023</a:t>
+              <a:t>6/23/2023</a:t>
             </a:fld>
             <a:endParaRPr lang="en-US"/>
           </a:p>
@@ -4528,7 +4528,7 @@
           <a:p>
             <a:fld id="{8951F2F1-94D6-43EF-BCC3-37286E99D9C9}" type="datetime1">
               <a:rPr lang="en-US" smtClean="0"/>
-              <a:t>5/1/2023</a:t>
+              <a:t>6/23/2023</a:t>
             </a:fld>
             <a:endParaRPr lang="en-US"/>
           </a:p>
@@ -4981,7 +4981,7 @@
           <a:p>
             <a:fld id="{EAB1D0F9-EA2D-4D57-8B45-483E3BFEBAA6}" type="datetime1">
               <a:rPr lang="en-US" smtClean="0"/>
-              <a:t>5/1/2023</a:t>
+              <a:t>6/23/2023</a:t>
             </a:fld>
             <a:endParaRPr lang="en-US"/>
           </a:p>
@@ -5182,7 +5182,7 @@
           <a:p>
             <a:fld id="{2D4C4AAE-58DC-4723-98C0-BEBE437A4D1F}" type="datetime1">
               <a:rPr lang="en-US" smtClean="0"/>
-              <a:t>5/1/2023</a:t>
+              <a:t>6/23/2023</a:t>
             </a:fld>
             <a:endParaRPr lang="en-US"/>
           </a:p>
@@ -5355,7 +5355,7 @@
           <a:p>
             <a:fld id="{001EF59C-3C04-4F1A-9D04-3E886595A741}" type="datetime1">
               <a:rPr lang="en-US" smtClean="0"/>
-              <a:t>5/1/2023</a:t>
+              <a:t>6/23/2023</a:t>
             </a:fld>
             <a:endParaRPr lang="en-US"/>
           </a:p>
@@ -5684,7 +5684,7 @@
           <a:p>
             <a:fld id="{FEC6D736-7BFD-4FC8-BBB7-87AFB0FFDCE9}" type="datetime1">
               <a:rPr lang="en-US" smtClean="0"/>
-              <a:t>5/1/2023</a:t>
+              <a:t>6/23/2023</a:t>
             </a:fld>
             <a:endParaRPr lang="en-US"/>
           </a:p>
@@ -6024,7 +6024,7 @@
           <a:p>
             <a:fld id="{E6B6E6B1-62AB-4B3D-87FF-F7D5BB21D0E2}" type="datetime1">
               <a:rPr lang="en-US" smtClean="0"/>
-              <a:t>5/1/2023</a:t>
+              <a:t>6/23/2023</a:t>
             </a:fld>
             <a:endParaRPr lang="en-US"/>
           </a:p>
@@ -8137,7 +8137,7 @@
           <a:p>
             <a:fld id="{5B34A952-EE9C-4D4A-AA2F-052B208ABA61}" type="datetime1">
               <a:rPr lang="en-US" smtClean="0"/>
-              <a:t>5/1/2023</a:t>
+              <a:t>6/23/2023</a:t>
             </a:fld>
             <a:endParaRPr lang="en-US"/>
           </a:p>
@@ -8753,7 +8753,7 @@
         <p:spPr>
           <a:xfrm>
             <a:off x="3498227" y="1129186"/>
-            <a:ext cx="6096000" cy="661207"/>
+            <a:ext cx="6096000" cy="1384995"/>
           </a:xfrm>
           <a:prstGeom prst="rect">
             <a:avLst/>
@@ -8781,7 +8781,48 @@
                 <a:latin typeface="Times New Roman" panose="02020603050405020304" pitchFamily="18" charset="0"/>
                 <a:ea typeface="Times New Roman" panose="02020603050405020304" pitchFamily="18" charset="0"/>
               </a:rPr>
-              <a:t>ỨNG DỤNG ANDROID BÁN SÁCH</a:t>
+              <a:t>ỨNG DỤNG ANDROID BÁN </a:t>
+            </a:r>
+            <a:r>
+              <a:rPr lang="vi-VN" sz="2800" b="1" smtClean="0">
+                <a:solidFill>
+                  <a:srgbClr val="000000"/>
+                </a:solidFill>
+                <a:latin typeface="Times New Roman" panose="02020603050405020304" pitchFamily="18" charset="0"/>
+                <a:ea typeface="Times New Roman" panose="02020603050405020304" pitchFamily="18" charset="0"/>
+              </a:rPr>
+              <a:t>SÁCH</a:t>
+            </a:r>
+            <a:r>
+              <a:rPr lang="en-US" sz="2800" b="1" smtClean="0">
+                <a:solidFill>
+                  <a:srgbClr val="000000"/>
+                </a:solidFill>
+                <a:latin typeface="Times New Roman" panose="02020603050405020304" pitchFamily="18" charset="0"/>
+                <a:ea typeface="Times New Roman" panose="02020603050405020304" pitchFamily="18" charset="0"/>
+              </a:rPr>
+              <a:t> </a:t>
+            </a:r>
+          </a:p>
+          <a:p>
+            <a:pPr algn="ctr">
+              <a:lnSpc>
+                <a:spcPct val="150000"/>
+              </a:lnSpc>
+              <a:spcAft>
+                <a:spcPts val="0"/>
+              </a:spcAft>
+            </a:pPr>
+            <a:r>
+              <a:rPr lang="en-US" sz="2800" b="1" smtClean="0">
+                <a:solidFill>
+                  <a:srgbClr val="000000"/>
+                </a:solidFill>
+                <a:effectLst/>
+                <a:latin typeface="Times New Roman" panose="02020603050405020304" pitchFamily="18" charset="0"/>
+                <a:ea typeface="Times New Roman" panose="02020603050405020304" pitchFamily="18" charset="0"/>
+              </a:rPr>
+              <a:t>SOLAR BOOK</a:t>
             </a:r>
             <a:endParaRPr lang="en-US" sz="2800" dirty="0">
               <a:solidFill>
@@ -8804,14 +8845,14 @@
             <p:ph idx="1"/>
             <p:extLst>
               <p:ext uri="{D42A27DB-BD31-4B8C-83A1-F6EECF244321}">
-                <p14:modId xmlns:p14="http://schemas.microsoft.com/office/powerpoint/2010/main" val="2867939643"/>
+                <p14:modId xmlns:p14="http://schemas.microsoft.com/office/powerpoint/2010/main" val="1099215697"/>
               </p:ext>
             </p:extLst>
           </p:nvPr>
         </p:nvGraphicFramePr>
         <p:xfrm>
           <a:off x="2051420" y="2544606"/>
-          <a:ext cx="8612287" cy="3663011"/>
+          <a:ext cx="8612287" cy="2662671"/>
         </p:xfrm>
         <a:graphic>
           <a:graphicData uri="http://schemas.openxmlformats.org/drawingml/2006/table">
@@ -8835,84 +8876,6 @@
                   </a:extLst>
                 </a:gridCol>
               </a:tblGrid>
-              <a:tr h="1000340">
-                <a:tc gridSpan="2">
-                  <a:txBody>
-                    <a:bodyPr/>
-                    <a:lstStyle/>
-                    <a:p>
-                      <a:pPr algn="ctr">
-                        <a:lnSpc>
-                          <a:spcPts val="1500"/>
-                        </a:lnSpc>
-                        <a:spcBef>
-                          <a:spcPts val="600"/>
-                        </a:spcBef>
-                        <a:spcAft>
-                          <a:spcPts val="600"/>
-                        </a:spcAft>
-                      </a:pPr>
-                      <a:r>
-                        <a:rPr lang="en-US" sz="2000" b="1" dirty="0" err="1">
-                          <a:effectLst/>
-                          <a:latin typeface="Times New Roman" panose="02020603050405020304" pitchFamily="18" charset="0"/>
-                          <a:cs typeface="Times New Roman" panose="02020603050405020304" pitchFamily="18" charset="0"/>
-                        </a:rPr>
-                        <a:t>Nhóm</a:t>
-                      </a:r>
-                      <a:r>
-                        <a:rPr lang="en-US" sz="2000" b="1">
-                          <a:effectLst/>
-                          <a:latin typeface="Times New Roman" panose="02020603050405020304" pitchFamily="18" charset="0"/>
-                          <a:cs typeface="Times New Roman" panose="02020603050405020304" pitchFamily="18" charset="0"/>
-                        </a:rPr>
-                        <a:t> </a:t>
-                      </a:r>
-                      <a:r>
-                        <a:rPr lang="vi-VN" sz="2000" b="1">
-                          <a:effectLst/>
-                          <a:latin typeface="Times New Roman" panose="02020603050405020304" pitchFamily="18" charset="0"/>
-                          <a:cs typeface="Times New Roman" panose="02020603050405020304" pitchFamily="18" charset="0"/>
-                        </a:rPr>
-                        <a:t>2</a:t>
-                      </a:r>
-                      <a:r>
-                        <a:rPr lang="en-US" sz="2000" b="1">
-                          <a:effectLst/>
-                          <a:latin typeface="Times New Roman" panose="02020603050405020304" pitchFamily="18" charset="0"/>
-                          <a:cs typeface="Times New Roman" panose="02020603050405020304" pitchFamily="18" charset="0"/>
-                        </a:rPr>
-                        <a:t> </a:t>
-                      </a:r>
-                      <a:endParaRPr lang="en-US" sz="2000" b="1">
-                        <a:solidFill>
-                          <a:srgbClr val="000000"/>
-                        </a:solidFill>
-                        <a:effectLst/>
-                        <a:latin typeface="Times New Roman" panose="02020603050405020304" pitchFamily="18" charset="0"/>
-                        <a:ea typeface="Times New Roman" panose="02020603050405020304" pitchFamily="18" charset="0"/>
-                        <a:cs typeface="Times New Roman" panose="02020603050405020304" pitchFamily="18" charset="0"/>
-                      </a:endParaRPr>
-                    </a:p>
-                  </a:txBody>
-                  <a:tcPr marL="68580" marR="68580" marT="0" marB="0" anchor="ctr"/>
-                </a:tc>
-                <a:tc hMerge="1">
-                  <a:txBody>
-                    <a:bodyPr/>
-                    <a:lstStyle/>
-                    <a:p>
-                      <a:endParaRPr lang="en-US"/>
-                    </a:p>
-                  </a:txBody>
-                  <a:tcPr/>
-                </a:tc>
-                <a:extLst>
-                  <a:ext uri="{0D108BD9-81ED-4DB2-BD59-A6C34878D82A}">
-                    <a16:rowId xmlns:a16="http://schemas.microsoft.com/office/drawing/2014/main" val="10000"/>
-                  </a:ext>
-                </a:extLst>
-              </a:tr>
               <a:tr h="669345">
                 <a:tc>
                   <a:txBody>
@@ -9768,20 +9731,30 @@
                 <a:latin typeface="Times New Roman" panose="02020603050405020304" pitchFamily="18" charset="0"/>
                 <a:ea typeface="Times New Roman" panose="02020603050405020304" pitchFamily="18" charset="0"/>
               </a:rPr>
-              <a:t>Hình 1</a:t>
-            </a:r>
-            <a:r>
-              <a:rPr lang="vi-VN">
+              <a:t>Hình </a:t>
+            </a:r>
+            <a:r>
+              <a:rPr lang="en-US" smtClean="0">
                 <a:solidFill>
                   <a:srgbClr val="000000"/>
                 </a:solidFill>
                 <a:latin typeface="Times New Roman" panose="02020603050405020304" pitchFamily="18" charset="0"/>
                 <a:ea typeface="Times New Roman" panose="02020603050405020304" pitchFamily="18" charset="0"/>
               </a:rPr>
-              <a:t>2</a:t>
+              <a:t>1</a:t>
             </a:r>
             <a:r>
               <a:rPr lang="en-US">
+                <a:solidFill>
+                  <a:srgbClr val="000000"/>
+                </a:solidFill>
+                <a:latin typeface="Times New Roman" panose="02020603050405020304" pitchFamily="18" charset="0"/>
+                <a:ea typeface="Times New Roman" panose="02020603050405020304" pitchFamily="18" charset="0"/>
+              </a:rPr>
+              <a:t>0</a:t>
+            </a:r>
+            <a:r>
+              <a:rPr lang="en-US" smtClean="0">
                 <a:solidFill>
                   <a:srgbClr val="000000"/>
                 </a:solidFill>
@@ -9864,26 +9837,43 @@
       </p:sp>
       <p:pic>
         <p:nvPicPr>
-          <p:cNvPr id="10" name="Picture 9"/>
+          <p:cNvPr id="6146" name="Picture 2" descr="Không có mô tả."/>
           <p:cNvPicPr>
-            <a:picLocks noChangeAspect="1"/>
+            <a:picLocks noChangeAspect="1" noChangeArrowheads="1"/>
           </p:cNvPicPr>
           <p:nvPr/>
         </p:nvPicPr>
         <p:blipFill>
-          <a:blip r:embed="rId4"/>
+          <a:blip r:embed="rId4">
+            <a:extLst>
+              <a:ext uri="{28A0092B-C50C-407E-A947-70E740481C1C}">
+                <a14:useLocalDpi xmlns:a14="http://schemas.microsoft.com/office/drawing/2010/main" val="0"/>
+              </a:ext>
+            </a:extLst>
+          </a:blip>
+          <a:srcRect/>
           <a:stretch>
             <a:fillRect/>
           </a:stretch>
         </p:blipFill>
-        <p:spPr>
+        <p:spPr bwMode="auto">
           <a:xfrm>
-            <a:off x="2698127" y="2047702"/>
-            <a:ext cx="6896100" cy="4200525"/>
+            <a:off x="1836695" y="2138740"/>
+            <a:ext cx="8057555" cy="4154060"/>
           </a:xfrm>
           <a:prstGeom prst="rect">
             <a:avLst/>
           </a:prstGeom>
+          <a:noFill/>
+          <a:extLst>
+            <a:ext uri="{909E8E84-426E-40DD-AFC4-6F175D3DCCD1}">
+              <a14:hiddenFill xmlns:a14="http://schemas.microsoft.com/office/drawing/2010/main">
+                <a:solidFill>
+                  <a:srgbClr val="FFFFFF"/>
+                </a:solidFill>
+              </a14:hiddenFill>
+            </a:ext>
+          </a:extLst>
         </p:spPr>
       </p:pic>
     </p:spTree>
@@ -11136,6 +11126,13 @@
   <p:clrMapOvr>
     <a:masterClrMapping/>
   </p:clrMapOvr>
+  <p:timing>
+    <p:tnLst>
+      <p:par>
+        <p:cTn id="1" dur="indefinite" restart="never" nodeType="tmRoot"/>
+      </p:par>
+    </p:tnLst>
+  </p:timing>
 </p:sld>
 </file>
 
@@ -11575,7 +11572,17 @@
                 <a:latin typeface="Times New Roman" panose="02020603050405020304" pitchFamily="18" charset="0"/>
                 <a:ea typeface="Times New Roman" panose="02020603050405020304" pitchFamily="18" charset="0"/>
               </a:rPr>
-              <a:t>Hình 5: </a:t>
+              <a:t>Hình </a:t>
+            </a:r>
+            <a:r>
+              <a:rPr lang="en-US" smtClean="0">
+                <a:solidFill>
+                  <a:srgbClr val="000000"/>
+                </a:solidFill>
+                <a:latin typeface="Times New Roman" panose="02020603050405020304" pitchFamily="18" charset="0"/>
+                <a:ea typeface="Times New Roman" panose="02020603050405020304" pitchFamily="18" charset="0"/>
+              </a:rPr>
+              <a:t>4: </a:t>
             </a:r>
             <a:r>
               <a:rPr lang="en-US" dirty="0">
@@ -11651,26 +11658,43 @@
       </p:sp>
       <p:pic>
         <p:nvPicPr>
-          <p:cNvPr id="2" name="Picture 1"/>
+          <p:cNvPr id="1026" name="Picture 2" descr="Không có mô tả."/>
           <p:cNvPicPr>
-            <a:picLocks noChangeAspect="1"/>
+            <a:picLocks noChangeAspect="1" noChangeArrowheads="1"/>
           </p:cNvPicPr>
           <p:nvPr/>
         </p:nvPicPr>
         <p:blipFill>
-          <a:blip r:embed="rId5"/>
+          <a:blip r:embed="rId5">
+            <a:extLst>
+              <a:ext uri="{28A0092B-C50C-407E-A947-70E740481C1C}">
+                <a14:useLocalDpi xmlns:a14="http://schemas.microsoft.com/office/drawing/2010/main" val="0"/>
+              </a:ext>
+            </a:extLst>
+          </a:blip>
+          <a:srcRect/>
           <a:stretch>
             <a:fillRect/>
           </a:stretch>
         </p:blipFill>
-        <p:spPr>
+        <p:spPr bwMode="auto">
           <a:xfrm>
-            <a:off x="2306505" y="1841262"/>
-            <a:ext cx="8213870" cy="4526204"/>
+            <a:off x="1242411" y="2047701"/>
+            <a:ext cx="8167989" cy="4092313"/>
           </a:xfrm>
           <a:prstGeom prst="rect">
             <a:avLst/>
           </a:prstGeom>
+          <a:noFill/>
+          <a:extLst>
+            <a:ext uri="{909E8E84-426E-40DD-AFC4-6F175D3DCCD1}">
+              <a14:hiddenFill xmlns:a14="http://schemas.microsoft.com/office/drawing/2010/main">
+                <a:solidFill>
+                  <a:srgbClr val="FFFFFF"/>
+                </a:solidFill>
+              </a14:hiddenFill>
+            </a:ext>
+          </a:extLst>
         </p:spPr>
       </p:pic>
     </p:spTree>
@@ -11683,6 +11707,13 @@
   <p:clrMapOvr>
     <a:masterClrMapping/>
   </p:clrMapOvr>
+  <p:timing>
+    <p:tnLst>
+      <p:par>
+        <p:cTn id="1" dur="indefinite" restart="never" nodeType="tmRoot"/>
+      </p:par>
+    </p:tnLst>
+  </p:timing>
 </p:sld>
 </file>
 
@@ -12153,7 +12184,17 @@
                 <a:latin typeface="Times New Roman" panose="02020603050405020304" pitchFamily="18" charset="0"/>
                 <a:ea typeface="Times New Roman" panose="02020603050405020304" pitchFamily="18" charset="0"/>
               </a:rPr>
-              <a:t>Hình 6: </a:t>
+              <a:t>Hình </a:t>
+            </a:r>
+            <a:r>
+              <a:rPr lang="en-US" smtClean="0">
+                <a:solidFill>
+                  <a:srgbClr val="000000"/>
+                </a:solidFill>
+                <a:latin typeface="Times New Roman" panose="02020603050405020304" pitchFamily="18" charset="0"/>
+                <a:ea typeface="Times New Roman" panose="02020603050405020304" pitchFamily="18" charset="0"/>
+              </a:rPr>
+              <a:t>5: </a:t>
             </a:r>
             <a:r>
               <a:rPr lang="en-US" dirty="0">
@@ -12210,6 +12251,13 @@
   <p:clrMapOvr>
     <a:masterClrMapping/>
   </p:clrMapOvr>
+  <p:timing>
+    <p:tnLst>
+      <p:par>
+        <p:cTn id="1" dur="indefinite" restart="never" nodeType="tmRoot"/>
+      </p:par>
+    </p:tnLst>
+  </p:timing>
 </p:sld>
 </file>
 
@@ -12759,7 +12807,17 @@
                 <a:latin typeface="Times New Roman" panose="02020603050405020304" pitchFamily="18" charset="0"/>
                 <a:ea typeface="Times New Roman" panose="02020603050405020304" pitchFamily="18" charset="0"/>
               </a:rPr>
-              <a:t>Hình 7: </a:t>
+              <a:t>Hình </a:t>
+            </a:r>
+            <a:r>
+              <a:rPr lang="en-US" smtClean="0">
+                <a:solidFill>
+                  <a:srgbClr val="000000"/>
+                </a:solidFill>
+                <a:latin typeface="Times New Roman" panose="02020603050405020304" pitchFamily="18" charset="0"/>
+                <a:ea typeface="Times New Roman" panose="02020603050405020304" pitchFamily="18" charset="0"/>
+              </a:rPr>
+              <a:t>6: </a:t>
             </a:r>
             <a:r>
               <a:rPr lang="en-US" dirty="0">
@@ -12855,26 +12913,43 @@
       </p:sp>
       <p:pic>
         <p:nvPicPr>
-          <p:cNvPr id="17" name="Picture 16"/>
+          <p:cNvPr id="2050" name="Picture 2" descr="Không có mô tả."/>
           <p:cNvPicPr>
-            <a:picLocks noChangeAspect="1"/>
+            <a:picLocks noChangeAspect="1" noChangeArrowheads="1"/>
           </p:cNvPicPr>
           <p:nvPr/>
         </p:nvPicPr>
         <p:blipFill>
-          <a:blip r:embed="rId4"/>
+          <a:blip r:embed="rId4">
+            <a:extLst>
+              <a:ext uri="{28A0092B-C50C-407E-A947-70E740481C1C}">
+                <a14:useLocalDpi xmlns:a14="http://schemas.microsoft.com/office/drawing/2010/main" val="0"/>
+              </a:ext>
+            </a:extLst>
+          </a:blip>
+          <a:srcRect/>
           <a:stretch>
             <a:fillRect/>
           </a:stretch>
         </p:blipFill>
-        <p:spPr>
+        <p:spPr bwMode="auto">
           <a:xfrm>
-            <a:off x="3211321" y="2829454"/>
-            <a:ext cx="6530846" cy="3527823"/>
+            <a:off x="3220963" y="2759206"/>
+            <a:ext cx="5629275" cy="3629025"/>
           </a:xfrm>
           <a:prstGeom prst="rect">
             <a:avLst/>
           </a:prstGeom>
+          <a:noFill/>
+          <a:extLst>
+            <a:ext uri="{909E8E84-426E-40DD-AFC4-6F175D3DCCD1}">
+              <a14:hiddenFill xmlns:a14="http://schemas.microsoft.com/office/drawing/2010/main">
+                <a:solidFill>
+                  <a:srgbClr val="FFFFFF"/>
+                </a:solidFill>
+              </a14:hiddenFill>
+            </a:ext>
+          </a:extLst>
         </p:spPr>
       </p:pic>
     </p:spTree>
@@ -13396,7 +13471,17 @@
                 <a:latin typeface="Times New Roman" panose="02020603050405020304" pitchFamily="18" charset="0"/>
                 <a:ea typeface="Times New Roman" panose="02020603050405020304" pitchFamily="18" charset="0"/>
               </a:rPr>
-              <a:t>Hình 8: </a:t>
+              <a:t>Hình </a:t>
+            </a:r>
+            <a:r>
+              <a:rPr lang="en-US" smtClean="0">
+                <a:solidFill>
+                  <a:srgbClr val="000000"/>
+                </a:solidFill>
+                <a:latin typeface="Times New Roman" panose="02020603050405020304" pitchFamily="18" charset="0"/>
+                <a:ea typeface="Times New Roman" panose="02020603050405020304" pitchFamily="18" charset="0"/>
+              </a:rPr>
+              <a:t>7: </a:t>
             </a:r>
             <a:r>
               <a:rPr lang="en-US" dirty="0">
@@ -13492,26 +13577,43 @@
       </p:sp>
       <p:pic>
         <p:nvPicPr>
-          <p:cNvPr id="13" name="Picture 12"/>
+          <p:cNvPr id="3074" name="Picture 2" descr="Không có mô tả."/>
           <p:cNvPicPr>
-            <a:picLocks noChangeAspect="1"/>
+            <a:picLocks noChangeAspect="1" noChangeArrowheads="1"/>
           </p:cNvPicPr>
           <p:nvPr/>
         </p:nvPicPr>
         <p:blipFill>
-          <a:blip r:embed="rId4"/>
+          <a:blip r:embed="rId4">
+            <a:extLst>
+              <a:ext uri="{28A0092B-C50C-407E-A947-70E740481C1C}">
+                <a14:useLocalDpi xmlns:a14="http://schemas.microsoft.com/office/drawing/2010/main" val="0"/>
+              </a:ext>
+            </a:extLst>
+          </a:blip>
+          <a:srcRect/>
           <a:stretch>
             <a:fillRect/>
           </a:stretch>
         </p:blipFill>
-        <p:spPr>
+        <p:spPr bwMode="auto">
           <a:xfrm>
-            <a:off x="2698127" y="2179735"/>
-            <a:ext cx="6896100" cy="4200525"/>
+            <a:off x="2379017" y="2309148"/>
+            <a:ext cx="6632264" cy="4012452"/>
           </a:xfrm>
           <a:prstGeom prst="rect">
             <a:avLst/>
           </a:prstGeom>
+          <a:noFill/>
+          <a:extLst>
+            <a:ext uri="{909E8E84-426E-40DD-AFC4-6F175D3DCCD1}">
+              <a14:hiddenFill xmlns:a14="http://schemas.microsoft.com/office/drawing/2010/main">
+                <a:solidFill>
+                  <a:srgbClr val="FFFFFF"/>
+                </a:solidFill>
+              </a14:hiddenFill>
+            </a:ext>
+          </a:extLst>
         </p:spPr>
       </p:pic>
     </p:spTree>
@@ -14012,7 +14114,17 @@
                 <a:latin typeface="Times New Roman" panose="02020603050405020304" pitchFamily="18" charset="0"/>
                 <a:ea typeface="Times New Roman" panose="02020603050405020304" pitchFamily="18" charset="0"/>
               </a:rPr>
-              <a:t>Hình 9: </a:t>
+              <a:t>Hình </a:t>
+            </a:r>
+            <a:r>
+              <a:rPr lang="en-US" smtClean="0">
+                <a:solidFill>
+                  <a:srgbClr val="000000"/>
+                </a:solidFill>
+                <a:latin typeface="Times New Roman" panose="02020603050405020304" pitchFamily="18" charset="0"/>
+                <a:ea typeface="Times New Roman" panose="02020603050405020304" pitchFamily="18" charset="0"/>
+              </a:rPr>
+              <a:t>8: </a:t>
             </a:r>
             <a:r>
               <a:rPr lang="en-US" dirty="0">
@@ -14088,26 +14200,43 @@
       </p:sp>
       <p:pic>
         <p:nvPicPr>
-          <p:cNvPr id="2" name="Picture 1"/>
+          <p:cNvPr id="4098" name="Picture 2" descr="Không có mô tả."/>
           <p:cNvPicPr>
-            <a:picLocks noChangeAspect="1"/>
+            <a:picLocks noChangeAspect="1" noChangeArrowheads="1"/>
           </p:cNvPicPr>
           <p:nvPr/>
         </p:nvPicPr>
         <p:blipFill>
-          <a:blip r:embed="rId4"/>
+          <a:blip r:embed="rId4">
+            <a:extLst>
+              <a:ext uri="{28A0092B-C50C-407E-A947-70E740481C1C}">
+                <a14:useLocalDpi xmlns:a14="http://schemas.microsoft.com/office/drawing/2010/main" val="0"/>
+              </a:ext>
+            </a:extLst>
+          </a:blip>
+          <a:srcRect/>
           <a:stretch>
             <a:fillRect/>
           </a:stretch>
         </p:blipFill>
-        <p:spPr>
+        <p:spPr bwMode="auto">
           <a:xfrm>
-            <a:off x="2944512" y="2233657"/>
-            <a:ext cx="6896100" cy="4200525"/>
+            <a:off x="2276748" y="2468868"/>
+            <a:ext cx="7681917" cy="3939131"/>
           </a:xfrm>
           <a:prstGeom prst="rect">
             <a:avLst/>
           </a:prstGeom>
+          <a:noFill/>
+          <a:extLst>
+            <a:ext uri="{909E8E84-426E-40DD-AFC4-6F175D3DCCD1}">
+              <a14:hiddenFill xmlns:a14="http://schemas.microsoft.com/office/drawing/2010/main">
+                <a:solidFill>
+                  <a:srgbClr val="FFFFFF"/>
+                </a:solidFill>
+              </a14:hiddenFill>
+            </a:ext>
+          </a:extLst>
         </p:spPr>
       </p:pic>
     </p:spTree>
@@ -14608,28 +14737,6 @@
           </a:p>
         </p:txBody>
       </p:sp>
-      <p:pic>
-        <p:nvPicPr>
-          <p:cNvPr id="10" name="Picture 9"/>
-          <p:cNvPicPr/>
-          <p:nvPr/>
-        </p:nvPicPr>
-        <p:blipFill>
-          <a:blip r:embed="rId4"/>
-          <a:stretch>
-            <a:fillRect/>
-          </a:stretch>
-        </p:blipFill>
-        <p:spPr>
-          <a:xfrm>
-            <a:off x="2347864" y="2774595"/>
-            <a:ext cx="7724183" cy="3285011"/>
-          </a:xfrm>
-          <a:prstGeom prst="rect">
-            <a:avLst/>
-          </a:prstGeom>
-        </p:spPr>
-      </p:pic>
       <p:sp>
         <p:nvSpPr>
           <p:cNvPr id="11" name="Rectangle 10"/>
@@ -14638,8 +14745,8 @@
         </p:nvSpPr>
         <p:spPr>
           <a:xfrm>
-            <a:off x="4401702" y="6261866"/>
-            <a:ext cx="3088346" cy="284693"/>
+            <a:off x="4459410" y="6261866"/>
+            <a:ext cx="2972930" cy="284693"/>
           </a:xfrm>
           <a:prstGeom prst="rect">
             <a:avLst/>
@@ -14667,7 +14774,27 @@
                 <a:latin typeface="Times New Roman" panose="02020603050405020304" pitchFamily="18" charset="0"/>
                 <a:ea typeface="Times New Roman" panose="02020603050405020304" pitchFamily="18" charset="0"/>
               </a:rPr>
-              <a:t>Hình 10: </a:t>
+              <a:t>Hình </a:t>
+            </a:r>
+            <a:r>
+              <a:rPr lang="en-US">
+                <a:solidFill>
+                  <a:srgbClr val="000000"/>
+                </a:solidFill>
+                <a:latin typeface="Times New Roman" panose="02020603050405020304" pitchFamily="18" charset="0"/>
+                <a:ea typeface="Times New Roman" panose="02020603050405020304" pitchFamily="18" charset="0"/>
+              </a:rPr>
+              <a:t>9</a:t>
+            </a:r>
+            <a:r>
+              <a:rPr lang="en-US" smtClean="0">
+                <a:solidFill>
+                  <a:srgbClr val="000000"/>
+                </a:solidFill>
+                <a:latin typeface="Times New Roman" panose="02020603050405020304" pitchFamily="18" charset="0"/>
+                <a:ea typeface="Times New Roman" panose="02020603050405020304" pitchFamily="18" charset="0"/>
+              </a:rPr>
+              <a:t>: </a:t>
             </a:r>
             <a:r>
               <a:rPr lang="en-US" dirty="0">
@@ -14761,6 +14888,47 @@
           </a:p>
         </p:txBody>
       </p:sp>
+      <p:pic>
+        <p:nvPicPr>
+          <p:cNvPr id="5122" name="Picture 2" descr="Không có mô tả."/>
+          <p:cNvPicPr>
+            <a:picLocks noChangeAspect="1" noChangeArrowheads="1"/>
+          </p:cNvPicPr>
+          <p:nvPr/>
+        </p:nvPicPr>
+        <p:blipFill>
+          <a:blip r:embed="rId4">
+            <a:extLst>
+              <a:ext uri="{28A0092B-C50C-407E-A947-70E740481C1C}">
+                <a14:useLocalDpi xmlns:a14="http://schemas.microsoft.com/office/drawing/2010/main" val="0"/>
+              </a:ext>
+            </a:extLst>
+          </a:blip>
+          <a:srcRect/>
+          <a:stretch>
+            <a:fillRect/>
+          </a:stretch>
+        </p:blipFill>
+        <p:spPr bwMode="auto">
+          <a:xfrm>
+            <a:off x="1293572" y="3810253"/>
+            <a:ext cx="9783147" cy="1027148"/>
+          </a:xfrm>
+          <a:prstGeom prst="rect">
+            <a:avLst/>
+          </a:prstGeom>
+          <a:noFill/>
+          <a:extLst>
+            <a:ext uri="{909E8E84-426E-40DD-AFC4-6F175D3DCCD1}">
+              <a14:hiddenFill xmlns:a14="http://schemas.microsoft.com/office/drawing/2010/main">
+                <a:solidFill>
+                  <a:srgbClr val="FFFFFF"/>
+                </a:solidFill>
+              </a14:hiddenFill>
+            </a:ext>
+          </a:extLst>
+        </p:spPr>
+      </p:pic>
     </p:spTree>
     <p:extLst>
       <p:ext uri="{BB962C8B-B14F-4D97-AF65-F5344CB8AC3E}">
